--- a/Presentation/Deep learning.pptx
+++ b/Presentation/Deep learning.pptx
@@ -12,6 +12,7 @@
     <p:sldId id="260" r:id="rId6"/>
     <p:sldId id="261" r:id="rId7"/>
     <p:sldId id="262" r:id="rId8"/>
+    <p:sldId id="263" r:id="rId9"/>
   </p:sldIdLst>
   <p:sldSz cx="12192000" cy="6858000"/>
   <p:notesSz cx="6858000" cy="9144000"/>
@@ -276,7 +277,7 @@
           <a:p>
             <a:fld id="{ABB87E8C-70FF-403C-A429-12AC23178795}" type="datetimeFigureOut">
               <a:rPr lang="he-IL" smtClean="0"/>
-              <a:t>י"ח/ניסן/תש"פ</a:t>
+              <a:t>י"ט/ניסן/תש"פ</a:t>
             </a:fld>
             <a:endParaRPr lang="he-IL"/>
           </a:p>
@@ -474,7 +475,7 @@
           <a:p>
             <a:fld id="{ABB87E8C-70FF-403C-A429-12AC23178795}" type="datetimeFigureOut">
               <a:rPr lang="he-IL" smtClean="0"/>
-              <a:t>י"ח/ניסן/תש"פ</a:t>
+              <a:t>י"ט/ניסן/תש"פ</a:t>
             </a:fld>
             <a:endParaRPr lang="he-IL"/>
           </a:p>
@@ -682,7 +683,7 @@
           <a:p>
             <a:fld id="{ABB87E8C-70FF-403C-A429-12AC23178795}" type="datetimeFigureOut">
               <a:rPr lang="he-IL" smtClean="0"/>
-              <a:t>י"ח/ניסן/תש"פ</a:t>
+              <a:t>י"ט/ניסן/תש"פ</a:t>
             </a:fld>
             <a:endParaRPr lang="he-IL"/>
           </a:p>
@@ -880,7 +881,7 @@
           <a:p>
             <a:fld id="{ABB87E8C-70FF-403C-A429-12AC23178795}" type="datetimeFigureOut">
               <a:rPr lang="he-IL" smtClean="0"/>
-              <a:t>י"ח/ניסן/תש"פ</a:t>
+              <a:t>י"ט/ניסן/תש"פ</a:t>
             </a:fld>
             <a:endParaRPr lang="he-IL"/>
           </a:p>
@@ -1155,7 +1156,7 @@
           <a:p>
             <a:fld id="{ABB87E8C-70FF-403C-A429-12AC23178795}" type="datetimeFigureOut">
               <a:rPr lang="he-IL" smtClean="0"/>
-              <a:t>י"ח/ניסן/תש"פ</a:t>
+              <a:t>י"ט/ניסן/תש"פ</a:t>
             </a:fld>
             <a:endParaRPr lang="he-IL"/>
           </a:p>
@@ -1420,7 +1421,7 @@
           <a:p>
             <a:fld id="{ABB87E8C-70FF-403C-A429-12AC23178795}" type="datetimeFigureOut">
               <a:rPr lang="he-IL" smtClean="0"/>
-              <a:t>י"ח/ניסן/תש"פ</a:t>
+              <a:t>י"ט/ניסן/תש"פ</a:t>
             </a:fld>
             <a:endParaRPr lang="he-IL"/>
           </a:p>
@@ -1832,7 +1833,7 @@
           <a:p>
             <a:fld id="{ABB87E8C-70FF-403C-A429-12AC23178795}" type="datetimeFigureOut">
               <a:rPr lang="he-IL" smtClean="0"/>
-              <a:t>י"ח/ניסן/תש"פ</a:t>
+              <a:t>י"ט/ניסן/תש"פ</a:t>
             </a:fld>
             <a:endParaRPr lang="he-IL"/>
           </a:p>
@@ -1973,7 +1974,7 @@
           <a:p>
             <a:fld id="{ABB87E8C-70FF-403C-A429-12AC23178795}" type="datetimeFigureOut">
               <a:rPr lang="he-IL" smtClean="0"/>
-              <a:t>י"ח/ניסן/תש"פ</a:t>
+              <a:t>י"ט/ניסן/תש"פ</a:t>
             </a:fld>
             <a:endParaRPr lang="he-IL"/>
           </a:p>
@@ -2086,7 +2087,7 @@
           <a:p>
             <a:fld id="{ABB87E8C-70FF-403C-A429-12AC23178795}" type="datetimeFigureOut">
               <a:rPr lang="he-IL" smtClean="0"/>
-              <a:t>י"ח/ניסן/תש"פ</a:t>
+              <a:t>י"ט/ניסן/תש"פ</a:t>
             </a:fld>
             <a:endParaRPr lang="he-IL"/>
           </a:p>
@@ -2397,7 +2398,7 @@
           <a:p>
             <a:fld id="{ABB87E8C-70FF-403C-A429-12AC23178795}" type="datetimeFigureOut">
               <a:rPr lang="he-IL" smtClean="0"/>
-              <a:t>י"ח/ניסן/תש"פ</a:t>
+              <a:t>י"ט/ניסן/תש"פ</a:t>
             </a:fld>
             <a:endParaRPr lang="he-IL"/>
           </a:p>
@@ -2685,7 +2686,7 @@
           <a:p>
             <a:fld id="{ABB87E8C-70FF-403C-A429-12AC23178795}" type="datetimeFigureOut">
               <a:rPr lang="he-IL" smtClean="0"/>
-              <a:t>י"ח/ניסן/תש"פ</a:t>
+              <a:t>י"ט/ניסן/תש"פ</a:t>
             </a:fld>
             <a:endParaRPr lang="he-IL"/>
           </a:p>
@@ -2926,7 +2927,7 @@
           <a:p>
             <a:fld id="{ABB87E8C-70FF-403C-A429-12AC23178795}" type="datetimeFigureOut">
               <a:rPr lang="he-IL" smtClean="0"/>
-              <a:t>י"ח/ניסן/תש"פ</a:t>
+              <a:t>י"ט/ניסן/תש"פ</a:t>
             </a:fld>
             <a:endParaRPr lang="he-IL"/>
           </a:p>
@@ -4407,6 +4408,221 @@
 </p:sld>
 </file>
 
+<file path=ppt/slides/slide8.xml><?xml version="1.0" encoding="utf-8"?>
+<p:sld xmlns:a="http://schemas.openxmlformats.org/drawingml/2006/main" xmlns:r="http://schemas.openxmlformats.org/officeDocument/2006/relationships" xmlns:p="http://schemas.openxmlformats.org/presentationml/2006/main">
+  <p:cSld>
+    <p:spTree>
+      <p:nvGrpSpPr>
+        <p:cNvPr id="1" name=""/>
+        <p:cNvGrpSpPr/>
+        <p:nvPr/>
+      </p:nvGrpSpPr>
+      <p:grpSpPr>
+        <a:xfrm>
+          <a:off x="0" y="0"/>
+          <a:ext cx="0" cy="0"/>
+          <a:chOff x="0" y="0"/>
+          <a:chExt cx="0" cy="0"/>
+        </a:xfrm>
+      </p:grpSpPr>
+      <p:sp>
+        <p:nvSpPr>
+          <p:cNvPr id="2" name="כותרת 1">
+            <a:extLst>
+              <a:ext uri="{FF2B5EF4-FFF2-40B4-BE49-F238E27FC236}">
+                <a16:creationId xmlns:a16="http://schemas.microsoft.com/office/drawing/2014/main" id="{12C8B7F2-C8DD-4244-B5EF-49702D9D691F}"/>
+              </a:ext>
+            </a:extLst>
+          </p:cNvPr>
+          <p:cNvSpPr>
+            <a:spLocks noGrp="1"/>
+          </p:cNvSpPr>
+          <p:nvPr>
+            <p:ph type="title"/>
+          </p:nvPr>
+        </p:nvSpPr>
+        <p:spPr/>
+        <p:txBody>
+          <a:bodyPr/>
+          <a:lstStyle/>
+          <a:p>
+            <a:r>
+              <a:rPr lang="he-IL" dirty="0"/>
+              <a:t>שאלות</a:t>
+            </a:r>
+          </a:p>
+        </p:txBody>
+      </p:sp>
+      <p:sp>
+        <p:nvSpPr>
+          <p:cNvPr id="3" name="מציין מיקום תוכן 2">
+            <a:extLst>
+              <a:ext uri="{FF2B5EF4-FFF2-40B4-BE49-F238E27FC236}">
+                <a16:creationId xmlns:a16="http://schemas.microsoft.com/office/drawing/2014/main" id="{38ED48F5-D9B8-4FA8-A780-2571FEC64F23}"/>
+              </a:ext>
+            </a:extLst>
+          </p:cNvPr>
+          <p:cNvSpPr>
+            <a:spLocks noGrp="1"/>
+          </p:cNvSpPr>
+          <p:nvPr>
+            <p:ph idx="1"/>
+          </p:nvPr>
+        </p:nvSpPr>
+        <p:spPr/>
+        <p:txBody>
+          <a:bodyPr/>
+          <a:lstStyle/>
+          <a:p>
+            <a:pPr marL="514350" indent="-514350">
+              <a:buAutoNum type="arabicPeriod"/>
+            </a:pPr>
+            <a:r>
+              <a:rPr lang="he-IL" dirty="0"/>
+              <a:t>האם גם ב </a:t>
+            </a:r>
+            <a:r>
+              <a:rPr lang="en-US" dirty="0" err="1"/>
+              <a:t>sklearn</a:t>
+            </a:r>
+            <a:r>
+              <a:rPr lang="he-IL" dirty="0"/>
+              <a:t> צריך להעביר את </a:t>
+            </a:r>
+            <a:r>
+              <a:rPr lang="he-IL" dirty="0" err="1"/>
+              <a:t>הכל</a:t>
+            </a:r>
+            <a:r>
+              <a:rPr lang="he-IL" dirty="0"/>
+              <a:t> ל </a:t>
+            </a:r>
+            <a:r>
+              <a:rPr lang="en-US" dirty="0" err="1"/>
+              <a:t>to_categorical</a:t>
+            </a:r>
+            <a:r>
+              <a:rPr lang="en-US" dirty="0"/>
+              <a:t>()</a:t>
+            </a:r>
+            <a:endParaRPr lang="he-IL" dirty="0"/>
+          </a:p>
+          <a:p>
+            <a:pPr marL="514350" indent="-514350">
+              <a:buAutoNum type="arabicPeriod"/>
+            </a:pPr>
+            <a:r>
+              <a:rPr lang="he-IL" dirty="0"/>
+              <a:t>למה ב </a:t>
+            </a:r>
+            <a:r>
+              <a:rPr lang="en-US" dirty="0"/>
+              <a:t>classification</a:t>
+            </a:r>
+            <a:r>
+              <a:rPr lang="he-IL" dirty="0"/>
+              <a:t> השכבה האחרונה </a:t>
+            </a:r>
+            <a:r>
+              <a:rPr lang="en-US" dirty="0"/>
+              <a:t>activation = </a:t>
+            </a:r>
+            <a:r>
+              <a:rPr lang="en-US" dirty="0" err="1"/>
+              <a:t>softmax</a:t>
+            </a:r>
+            <a:endParaRPr lang="he-IL" dirty="0"/>
+          </a:p>
+          <a:p>
+            <a:pPr marL="514350" indent="-514350">
+              <a:buAutoNum type="arabicPeriod"/>
+            </a:pPr>
+            <a:r>
+              <a:rPr lang="he-IL" dirty="0"/>
+              <a:t>ב </a:t>
+            </a:r>
+            <a:r>
+              <a:rPr lang="en-US" dirty="0"/>
+              <a:t>classification</a:t>
+            </a:r>
+            <a:r>
+              <a:rPr lang="he-IL" dirty="0"/>
+              <a:t> איזה עוד </a:t>
+            </a:r>
+            <a:r>
+              <a:rPr lang="en-US" dirty="0"/>
+              <a:t>metrics = [‘accuracy’]</a:t>
+            </a:r>
+            <a:endParaRPr lang="he-IL" dirty="0"/>
+          </a:p>
+          <a:p>
+            <a:pPr marL="514350" indent="-514350">
+              <a:buAutoNum type="arabicPeriod"/>
+            </a:pPr>
+            <a:r>
+              <a:rPr lang="en-US" dirty="0" err="1"/>
+              <a:t>Oprimizer</a:t>
+            </a:r>
+            <a:r>
+              <a:rPr lang="en-US" dirty="0"/>
+              <a:t> = </a:t>
+            </a:r>
+            <a:r>
+              <a:rPr lang="en-US" dirty="0" err="1"/>
+              <a:t>adam</a:t>
+            </a:r>
+            <a:endParaRPr lang="he-IL" dirty="0"/>
+          </a:p>
+          <a:p>
+            <a:pPr marL="514350" indent="-514350">
+              <a:buAutoNum type="arabicPeriod"/>
+            </a:pPr>
+            <a:r>
+              <a:rPr lang="he-IL" dirty="0"/>
+              <a:t>כיצד בוחר את מספר השכבות ?</a:t>
+            </a:r>
+          </a:p>
+          <a:p>
+            <a:pPr marL="514350" indent="-514350">
+              <a:buAutoNum type="arabicPeriod"/>
+            </a:pPr>
+            <a:r>
+              <a:rPr lang="he-IL" dirty="0"/>
+              <a:t>כיצד בוחר את מספר הצמתים בכל שכבה ?</a:t>
+            </a:r>
+          </a:p>
+          <a:p>
+            <a:pPr marL="514350" indent="-514350">
+              <a:buAutoNum type="arabicPeriod"/>
+            </a:pPr>
+            <a:r>
+              <a:rPr lang="he-IL" dirty="0"/>
+              <a:t>מתי לא אעבוד עם </a:t>
+            </a:r>
+            <a:r>
+              <a:rPr lang="en-US" dirty="0" err="1"/>
+              <a:t>sequnial</a:t>
+            </a:r>
+            <a:r>
+              <a:rPr lang="he-IL" dirty="0"/>
+              <a:t> ?</a:t>
+            </a:r>
+          </a:p>
+        </p:txBody>
+      </p:sp>
+    </p:spTree>
+    <p:extLst>
+      <p:ext uri="{BB962C8B-B14F-4D97-AF65-F5344CB8AC3E}">
+        <p14:creationId xmlns:p14="http://schemas.microsoft.com/office/powerpoint/2010/main" val="2884737863"/>
+      </p:ext>
+    </p:extLst>
+  </p:cSld>
+  <p:clrMapOvr>
+    <a:masterClrMapping/>
+  </p:clrMapOvr>
+</p:sld>
+</file>
+
 <file path=ppt/theme/theme1.xml><?xml version="1.0" encoding="utf-8"?>
 <a:theme xmlns:a="http://schemas.openxmlformats.org/drawingml/2006/main" name="ערכת נושא Office">
   <a:themeElements>

--- a/Presentation/Deep learning.pptx
+++ b/Presentation/Deep learning.pptx
@@ -6,13 +6,29 @@
   </p:sldMasterIdLst>
   <p:sldIdLst>
     <p:sldId id="256" r:id="rId2"/>
-    <p:sldId id="257" r:id="rId3"/>
-    <p:sldId id="258" r:id="rId4"/>
-    <p:sldId id="259" r:id="rId5"/>
-    <p:sldId id="260" r:id="rId6"/>
-    <p:sldId id="261" r:id="rId7"/>
-    <p:sldId id="262" r:id="rId8"/>
-    <p:sldId id="263" r:id="rId9"/>
+    <p:sldId id="263" r:id="rId3"/>
+    <p:sldId id="264" r:id="rId4"/>
+    <p:sldId id="265" r:id="rId5"/>
+    <p:sldId id="266" r:id="rId6"/>
+    <p:sldId id="267" r:id="rId7"/>
+    <p:sldId id="268" r:id="rId8"/>
+    <p:sldId id="270" r:id="rId9"/>
+    <p:sldId id="269" r:id="rId10"/>
+    <p:sldId id="271" r:id="rId11"/>
+    <p:sldId id="272" r:id="rId12"/>
+    <p:sldId id="278" r:id="rId13"/>
+    <p:sldId id="277" r:id="rId14"/>
+    <p:sldId id="276" r:id="rId15"/>
+    <p:sldId id="279" r:id="rId16"/>
+    <p:sldId id="280" r:id="rId17"/>
+    <p:sldId id="273" r:id="rId18"/>
+    <p:sldId id="274" r:id="rId19"/>
+    <p:sldId id="282" r:id="rId20"/>
+    <p:sldId id="281" r:id="rId21"/>
+    <p:sldId id="283" r:id="rId22"/>
+    <p:sldId id="285" r:id="rId23"/>
+    <p:sldId id="275" r:id="rId24"/>
+    <p:sldId id="284" r:id="rId25"/>
   </p:sldIdLst>
   <p:sldSz cx="12192000" cy="6858000"/>
   <p:notesSz cx="6858000" cy="9144000"/>
@@ -277,7 +293,7 @@
           <a:p>
             <a:fld id="{ABB87E8C-70FF-403C-A429-12AC23178795}" type="datetimeFigureOut">
               <a:rPr lang="he-IL" smtClean="0"/>
-              <a:t>י"ט/ניסן/תש"פ</a:t>
+              <a:t>כ"א/ניסן/תש"פ</a:t>
             </a:fld>
             <a:endParaRPr lang="he-IL"/>
           </a:p>
@@ -475,7 +491,7 @@
           <a:p>
             <a:fld id="{ABB87E8C-70FF-403C-A429-12AC23178795}" type="datetimeFigureOut">
               <a:rPr lang="he-IL" smtClean="0"/>
-              <a:t>י"ט/ניסן/תש"פ</a:t>
+              <a:t>כ"א/ניסן/תש"פ</a:t>
             </a:fld>
             <a:endParaRPr lang="he-IL"/>
           </a:p>
@@ -683,7 +699,7 @@
           <a:p>
             <a:fld id="{ABB87E8C-70FF-403C-A429-12AC23178795}" type="datetimeFigureOut">
               <a:rPr lang="he-IL" smtClean="0"/>
-              <a:t>י"ט/ניסן/תש"פ</a:t>
+              <a:t>כ"א/ניסן/תש"פ</a:t>
             </a:fld>
             <a:endParaRPr lang="he-IL"/>
           </a:p>
@@ -881,7 +897,7 @@
           <a:p>
             <a:fld id="{ABB87E8C-70FF-403C-A429-12AC23178795}" type="datetimeFigureOut">
               <a:rPr lang="he-IL" smtClean="0"/>
-              <a:t>י"ט/ניסן/תש"פ</a:t>
+              <a:t>כ"א/ניסן/תש"פ</a:t>
             </a:fld>
             <a:endParaRPr lang="he-IL"/>
           </a:p>
@@ -1156,7 +1172,7 @@
           <a:p>
             <a:fld id="{ABB87E8C-70FF-403C-A429-12AC23178795}" type="datetimeFigureOut">
               <a:rPr lang="he-IL" smtClean="0"/>
-              <a:t>י"ט/ניסן/תש"פ</a:t>
+              <a:t>כ"א/ניסן/תש"פ</a:t>
             </a:fld>
             <a:endParaRPr lang="he-IL"/>
           </a:p>
@@ -1421,7 +1437,7 @@
           <a:p>
             <a:fld id="{ABB87E8C-70FF-403C-A429-12AC23178795}" type="datetimeFigureOut">
               <a:rPr lang="he-IL" smtClean="0"/>
-              <a:t>י"ט/ניסן/תש"פ</a:t>
+              <a:t>כ"א/ניסן/תש"פ</a:t>
             </a:fld>
             <a:endParaRPr lang="he-IL"/>
           </a:p>
@@ -1833,7 +1849,7 @@
           <a:p>
             <a:fld id="{ABB87E8C-70FF-403C-A429-12AC23178795}" type="datetimeFigureOut">
               <a:rPr lang="he-IL" smtClean="0"/>
-              <a:t>י"ט/ניסן/תש"פ</a:t>
+              <a:t>כ"א/ניסן/תש"פ</a:t>
             </a:fld>
             <a:endParaRPr lang="he-IL"/>
           </a:p>
@@ -1974,7 +1990,7 @@
           <a:p>
             <a:fld id="{ABB87E8C-70FF-403C-A429-12AC23178795}" type="datetimeFigureOut">
               <a:rPr lang="he-IL" smtClean="0"/>
-              <a:t>י"ט/ניסן/תש"פ</a:t>
+              <a:t>כ"א/ניסן/תש"פ</a:t>
             </a:fld>
             <a:endParaRPr lang="he-IL"/>
           </a:p>
@@ -2087,7 +2103,7 @@
           <a:p>
             <a:fld id="{ABB87E8C-70FF-403C-A429-12AC23178795}" type="datetimeFigureOut">
               <a:rPr lang="he-IL" smtClean="0"/>
-              <a:t>י"ט/ניסן/תש"פ</a:t>
+              <a:t>כ"א/ניסן/תש"פ</a:t>
             </a:fld>
             <a:endParaRPr lang="he-IL"/>
           </a:p>
@@ -2398,7 +2414,7 @@
           <a:p>
             <a:fld id="{ABB87E8C-70FF-403C-A429-12AC23178795}" type="datetimeFigureOut">
               <a:rPr lang="he-IL" smtClean="0"/>
-              <a:t>י"ט/ניסן/תש"פ</a:t>
+              <a:t>כ"א/ניסן/תש"פ</a:t>
             </a:fld>
             <a:endParaRPr lang="he-IL"/>
           </a:p>
@@ -2686,7 +2702,7 @@
           <a:p>
             <a:fld id="{ABB87E8C-70FF-403C-A429-12AC23178795}" type="datetimeFigureOut">
               <a:rPr lang="he-IL" smtClean="0"/>
-              <a:t>י"ט/ניסן/תש"פ</a:t>
+              <a:t>כ"א/ניסן/תש"פ</a:t>
             </a:fld>
             <a:endParaRPr lang="he-IL"/>
           </a:p>
@@ -2927,7 +2943,7 @@
           <a:p>
             <a:fld id="{ABB87E8C-70FF-403C-A429-12AC23178795}" type="datetimeFigureOut">
               <a:rPr lang="he-IL" smtClean="0"/>
-              <a:t>י"ט/ניסן/תש"פ</a:t>
+              <a:t>כ"א/ניסן/תש"פ</a:t>
             </a:fld>
             <a:endParaRPr lang="he-IL"/>
           </a:p>
@@ -3411,6 +3427,1624 @@
 </p:sld>
 </file>
 
+<file path=ppt/slides/slide10.xml><?xml version="1.0" encoding="utf-8"?>
+<p:sld xmlns:a="http://schemas.openxmlformats.org/drawingml/2006/main" xmlns:r="http://schemas.openxmlformats.org/officeDocument/2006/relationships" xmlns:p="http://schemas.openxmlformats.org/presentationml/2006/main">
+  <p:cSld>
+    <p:spTree>
+      <p:nvGrpSpPr>
+        <p:cNvPr id="1" name=""/>
+        <p:cNvGrpSpPr/>
+        <p:nvPr/>
+      </p:nvGrpSpPr>
+      <p:grpSpPr>
+        <a:xfrm>
+          <a:off x="0" y="0"/>
+          <a:ext cx="0" cy="0"/>
+          <a:chOff x="0" y="0"/>
+          <a:chExt cx="0" cy="0"/>
+        </a:xfrm>
+      </p:grpSpPr>
+      <p:sp>
+        <p:nvSpPr>
+          <p:cNvPr id="2" name="כותרת 1">
+            <a:extLst>
+              <a:ext uri="{FF2B5EF4-FFF2-40B4-BE49-F238E27FC236}">
+                <a16:creationId xmlns:a16="http://schemas.microsoft.com/office/drawing/2014/main" id="{366E3CFC-8F6F-4799-BA47-55695921DD14}"/>
+              </a:ext>
+            </a:extLst>
+          </p:cNvPr>
+          <p:cNvSpPr>
+            <a:spLocks noGrp="1"/>
+          </p:cNvSpPr>
+          <p:nvPr>
+            <p:ph type="title"/>
+          </p:nvPr>
+        </p:nvSpPr>
+        <p:spPr/>
+        <p:txBody>
+          <a:bodyPr/>
+          <a:lstStyle/>
+          <a:p>
+            <a:r>
+              <a:rPr lang="he-IL" dirty="0"/>
+              <a:t>בחירת </a:t>
+            </a:r>
+            <a:r>
+              <a:rPr lang="en-US" dirty="0"/>
+              <a:t>lost function </a:t>
+            </a:r>
+            <a:r>
+              <a:rPr lang="he-IL" dirty="0"/>
+              <a:t> ו </a:t>
+            </a:r>
+            <a:r>
+              <a:rPr lang="en-US" dirty="0"/>
+              <a:t>cost function</a:t>
+            </a:r>
+            <a:r>
+              <a:rPr lang="he-IL" dirty="0"/>
+              <a:t> לשכבה האחרונה (נניח </a:t>
+            </a:r>
+            <a:r>
+              <a:rPr lang="en-US" dirty="0" err="1"/>
+              <a:t>softmax</a:t>
+            </a:r>
+            <a:r>
+              <a:rPr lang="en-US" dirty="0"/>
+              <a:t> activation function</a:t>
+            </a:r>
+            <a:r>
+              <a:rPr lang="he-IL" dirty="0"/>
+              <a:t>)</a:t>
+            </a:r>
+          </a:p>
+        </p:txBody>
+      </p:sp>
+      <p:sp>
+        <p:nvSpPr>
+          <p:cNvPr id="3" name="מציין מיקום תוכן 2">
+            <a:extLst>
+              <a:ext uri="{FF2B5EF4-FFF2-40B4-BE49-F238E27FC236}">
+                <a16:creationId xmlns:a16="http://schemas.microsoft.com/office/drawing/2014/main" id="{5FAD672C-5A55-4E27-96F5-ED07044EDCD5}"/>
+              </a:ext>
+            </a:extLst>
+          </p:cNvPr>
+          <p:cNvSpPr>
+            <a:spLocks noGrp="1"/>
+          </p:cNvSpPr>
+          <p:nvPr>
+            <p:ph idx="1"/>
+          </p:nvPr>
+        </p:nvSpPr>
+        <p:spPr/>
+        <p:txBody>
+          <a:bodyPr/>
+          <a:lstStyle/>
+          <a:p>
+            <a:r>
+              <a:rPr lang="en-US"/>
+              <a:t>Cross entropy</a:t>
+            </a:r>
+            <a:endParaRPr lang="he-IL"/>
+          </a:p>
+        </p:txBody>
+      </p:sp>
+    </p:spTree>
+    <p:extLst>
+      <p:ext uri="{BB962C8B-B14F-4D97-AF65-F5344CB8AC3E}">
+        <p14:creationId xmlns:p14="http://schemas.microsoft.com/office/powerpoint/2010/main" val="967217205"/>
+      </p:ext>
+    </p:extLst>
+  </p:cSld>
+  <p:clrMapOvr>
+    <a:masterClrMapping/>
+  </p:clrMapOvr>
+</p:sld>
+</file>
+
+<file path=ppt/slides/slide11.xml><?xml version="1.0" encoding="utf-8"?>
+<p:sld xmlns:a="http://schemas.openxmlformats.org/drawingml/2006/main" xmlns:r="http://schemas.openxmlformats.org/officeDocument/2006/relationships" xmlns:p="http://schemas.openxmlformats.org/presentationml/2006/main">
+  <p:cSld>
+    <p:spTree>
+      <p:nvGrpSpPr>
+        <p:cNvPr id="1" name=""/>
+        <p:cNvGrpSpPr/>
+        <p:nvPr/>
+      </p:nvGrpSpPr>
+      <p:grpSpPr>
+        <a:xfrm>
+          <a:off x="0" y="0"/>
+          <a:ext cx="0" cy="0"/>
+          <a:chOff x="0" y="0"/>
+          <a:chExt cx="0" cy="0"/>
+        </a:xfrm>
+      </p:grpSpPr>
+      <p:sp>
+        <p:nvSpPr>
+          <p:cNvPr id="2" name="כותרת 1">
+            <a:extLst>
+              <a:ext uri="{FF2B5EF4-FFF2-40B4-BE49-F238E27FC236}">
+                <a16:creationId xmlns:a16="http://schemas.microsoft.com/office/drawing/2014/main" id="{3DC09D11-57C4-4EEA-B481-9BF60120D80B}"/>
+              </a:ext>
+            </a:extLst>
+          </p:cNvPr>
+          <p:cNvSpPr>
+            <a:spLocks noGrp="1"/>
+          </p:cNvSpPr>
+          <p:nvPr>
+            <p:ph type="title"/>
+          </p:nvPr>
+        </p:nvSpPr>
+        <p:spPr/>
+        <p:txBody>
+          <a:bodyPr/>
+          <a:lstStyle/>
+          <a:p>
+            <a:endParaRPr lang="he-IL"/>
+          </a:p>
+        </p:txBody>
+      </p:sp>
+      <p:sp>
+        <p:nvSpPr>
+          <p:cNvPr id="3" name="מציין מיקום תוכן 2">
+            <a:extLst>
+              <a:ext uri="{FF2B5EF4-FFF2-40B4-BE49-F238E27FC236}">
+                <a16:creationId xmlns:a16="http://schemas.microsoft.com/office/drawing/2014/main" id="{DEB8B3F6-093E-455A-87D5-AF807A5EB85F}"/>
+              </a:ext>
+            </a:extLst>
+          </p:cNvPr>
+          <p:cNvSpPr>
+            <a:spLocks noGrp="1"/>
+          </p:cNvSpPr>
+          <p:nvPr>
+            <p:ph idx="1"/>
+          </p:nvPr>
+        </p:nvSpPr>
+        <p:spPr/>
+        <p:txBody>
+          <a:bodyPr/>
+          <a:lstStyle/>
+          <a:p>
+            <a:endParaRPr lang="he-IL"/>
+          </a:p>
+        </p:txBody>
+      </p:sp>
+    </p:spTree>
+    <p:extLst>
+      <p:ext uri="{BB962C8B-B14F-4D97-AF65-F5344CB8AC3E}">
+        <p14:creationId xmlns:p14="http://schemas.microsoft.com/office/powerpoint/2010/main" val="421361516"/>
+      </p:ext>
+    </p:extLst>
+  </p:cSld>
+  <p:clrMapOvr>
+    <a:masterClrMapping/>
+  </p:clrMapOvr>
+</p:sld>
+</file>
+
+<file path=ppt/slides/slide12.xml><?xml version="1.0" encoding="utf-8"?>
+<p:sld xmlns:a="http://schemas.openxmlformats.org/drawingml/2006/main" xmlns:r="http://schemas.openxmlformats.org/officeDocument/2006/relationships" xmlns:p="http://schemas.openxmlformats.org/presentationml/2006/main">
+  <p:cSld>
+    <p:spTree>
+      <p:nvGrpSpPr>
+        <p:cNvPr id="1" name=""/>
+        <p:cNvGrpSpPr/>
+        <p:nvPr/>
+      </p:nvGrpSpPr>
+      <p:grpSpPr>
+        <a:xfrm>
+          <a:off x="0" y="0"/>
+          <a:ext cx="0" cy="0"/>
+          <a:chOff x="0" y="0"/>
+          <a:chExt cx="0" cy="0"/>
+        </a:xfrm>
+      </p:grpSpPr>
+      <p:sp>
+        <p:nvSpPr>
+          <p:cNvPr id="2" name="כותרת 1">
+            <a:extLst>
+              <a:ext uri="{FF2B5EF4-FFF2-40B4-BE49-F238E27FC236}">
+                <a16:creationId xmlns:a16="http://schemas.microsoft.com/office/drawing/2014/main" id="{3DC09D11-57C4-4EEA-B481-9BF60120D80B}"/>
+              </a:ext>
+            </a:extLst>
+          </p:cNvPr>
+          <p:cNvSpPr>
+            <a:spLocks noGrp="1"/>
+          </p:cNvSpPr>
+          <p:nvPr>
+            <p:ph type="title"/>
+          </p:nvPr>
+        </p:nvSpPr>
+        <p:spPr/>
+        <p:txBody>
+          <a:bodyPr/>
+          <a:lstStyle/>
+          <a:p>
+            <a:r>
+              <a:rPr lang="he-IL" dirty="0"/>
+              <a:t>מושגים</a:t>
+            </a:r>
+          </a:p>
+        </p:txBody>
+      </p:sp>
+      <p:sp>
+        <p:nvSpPr>
+          <p:cNvPr id="3" name="מציין מיקום תוכן 2">
+            <a:extLst>
+              <a:ext uri="{FF2B5EF4-FFF2-40B4-BE49-F238E27FC236}">
+                <a16:creationId xmlns:a16="http://schemas.microsoft.com/office/drawing/2014/main" id="{DEB8B3F6-093E-455A-87D5-AF807A5EB85F}"/>
+              </a:ext>
+            </a:extLst>
+          </p:cNvPr>
+          <p:cNvSpPr>
+            <a:spLocks noGrp="1"/>
+          </p:cNvSpPr>
+          <p:nvPr>
+            <p:ph idx="1"/>
+          </p:nvPr>
+        </p:nvSpPr>
+        <p:spPr/>
+        <p:txBody>
+          <a:bodyPr/>
+          <a:lstStyle/>
+          <a:p>
+            <a:r>
+              <a:rPr lang="en-US" dirty="0"/>
+              <a:t>Forward propagation</a:t>
+            </a:r>
+          </a:p>
+          <a:p>
+            <a:r>
+              <a:rPr lang="en-US" dirty="0"/>
+              <a:t>Backward propagation</a:t>
+            </a:r>
+            <a:endParaRPr lang="he-IL" dirty="0"/>
+          </a:p>
+        </p:txBody>
+      </p:sp>
+    </p:spTree>
+    <p:extLst>
+      <p:ext uri="{BB962C8B-B14F-4D97-AF65-F5344CB8AC3E}">
+        <p14:creationId xmlns:p14="http://schemas.microsoft.com/office/powerpoint/2010/main" val="1950312034"/>
+      </p:ext>
+    </p:extLst>
+  </p:cSld>
+  <p:clrMapOvr>
+    <a:masterClrMapping/>
+  </p:clrMapOvr>
+</p:sld>
+</file>
+
+<file path=ppt/slides/slide13.xml><?xml version="1.0" encoding="utf-8"?>
+<p:sld xmlns:a="http://schemas.openxmlformats.org/drawingml/2006/main" xmlns:r="http://schemas.openxmlformats.org/officeDocument/2006/relationships" xmlns:p="http://schemas.openxmlformats.org/presentationml/2006/main">
+  <p:cSld>
+    <p:spTree>
+      <p:nvGrpSpPr>
+        <p:cNvPr id="1" name=""/>
+        <p:cNvGrpSpPr/>
+        <p:nvPr/>
+      </p:nvGrpSpPr>
+      <p:grpSpPr>
+        <a:xfrm>
+          <a:off x="0" y="0"/>
+          <a:ext cx="0" cy="0"/>
+          <a:chOff x="0" y="0"/>
+          <a:chExt cx="0" cy="0"/>
+        </a:xfrm>
+      </p:grpSpPr>
+      <p:sp>
+        <p:nvSpPr>
+          <p:cNvPr id="2" name="כותרת 1">
+            <a:extLst>
+              <a:ext uri="{FF2B5EF4-FFF2-40B4-BE49-F238E27FC236}">
+                <a16:creationId xmlns:a16="http://schemas.microsoft.com/office/drawing/2014/main" id="{3DC09D11-57C4-4EEA-B481-9BF60120D80B}"/>
+              </a:ext>
+            </a:extLst>
+          </p:cNvPr>
+          <p:cNvSpPr>
+            <a:spLocks noGrp="1"/>
+          </p:cNvSpPr>
+          <p:nvPr>
+            <p:ph type="title"/>
+          </p:nvPr>
+        </p:nvSpPr>
+        <p:spPr/>
+        <p:txBody>
+          <a:bodyPr/>
+          <a:lstStyle/>
+          <a:p>
+            <a:r>
+              <a:rPr lang="en-US" dirty="0"/>
+              <a:t>Activation functions</a:t>
+            </a:r>
+            <a:endParaRPr lang="he-IL" dirty="0"/>
+          </a:p>
+        </p:txBody>
+      </p:sp>
+      <p:sp>
+        <p:nvSpPr>
+          <p:cNvPr id="3" name="מציין מיקום תוכן 2">
+            <a:extLst>
+              <a:ext uri="{FF2B5EF4-FFF2-40B4-BE49-F238E27FC236}">
+                <a16:creationId xmlns:a16="http://schemas.microsoft.com/office/drawing/2014/main" id="{DEB8B3F6-093E-455A-87D5-AF807A5EB85F}"/>
+              </a:ext>
+            </a:extLst>
+          </p:cNvPr>
+          <p:cNvSpPr>
+            <a:spLocks noGrp="1"/>
+          </p:cNvSpPr>
+          <p:nvPr>
+            <p:ph idx="1"/>
+          </p:nvPr>
+        </p:nvSpPr>
+        <p:spPr/>
+        <p:txBody>
+          <a:bodyPr/>
+          <a:lstStyle/>
+          <a:p>
+            <a:r>
+              <a:rPr lang="he-IL" dirty="0"/>
+              <a:t>מופעלים לאחר החישוב: </a:t>
+            </a:r>
+            <a:r>
+              <a:rPr lang="en-US" dirty="0" err="1"/>
+              <a:t>wifi</a:t>
+            </a:r>
+            <a:endParaRPr lang="he-IL" dirty="0"/>
+          </a:p>
+        </p:txBody>
+      </p:sp>
+    </p:spTree>
+    <p:extLst>
+      <p:ext uri="{BB962C8B-B14F-4D97-AF65-F5344CB8AC3E}">
+        <p14:creationId xmlns:p14="http://schemas.microsoft.com/office/powerpoint/2010/main" val="507155045"/>
+      </p:ext>
+    </p:extLst>
+  </p:cSld>
+  <p:clrMapOvr>
+    <a:masterClrMapping/>
+  </p:clrMapOvr>
+</p:sld>
+</file>
+
+<file path=ppt/slides/slide14.xml><?xml version="1.0" encoding="utf-8"?>
+<p:sld xmlns:a="http://schemas.openxmlformats.org/drawingml/2006/main" xmlns:r="http://schemas.openxmlformats.org/officeDocument/2006/relationships" xmlns:p="http://schemas.openxmlformats.org/presentationml/2006/main">
+  <p:cSld>
+    <p:spTree>
+      <p:nvGrpSpPr>
+        <p:cNvPr id="1" name=""/>
+        <p:cNvGrpSpPr/>
+        <p:nvPr/>
+      </p:nvGrpSpPr>
+      <p:grpSpPr>
+        <a:xfrm>
+          <a:off x="0" y="0"/>
+          <a:ext cx="0" cy="0"/>
+          <a:chOff x="0" y="0"/>
+          <a:chExt cx="0" cy="0"/>
+        </a:xfrm>
+      </p:grpSpPr>
+      <p:sp>
+        <p:nvSpPr>
+          <p:cNvPr id="2" name="כותרת 1">
+            <a:extLst>
+              <a:ext uri="{FF2B5EF4-FFF2-40B4-BE49-F238E27FC236}">
+                <a16:creationId xmlns:a16="http://schemas.microsoft.com/office/drawing/2014/main" id="{BC262648-5BD4-4482-9804-24E40DAA56AD}"/>
+              </a:ext>
+            </a:extLst>
+          </p:cNvPr>
+          <p:cNvSpPr>
+            <a:spLocks noGrp="1"/>
+          </p:cNvSpPr>
+          <p:nvPr>
+            <p:ph type="title"/>
+          </p:nvPr>
+        </p:nvSpPr>
+        <p:spPr/>
+        <p:txBody>
+          <a:bodyPr/>
+          <a:lstStyle/>
+          <a:p>
+            <a:r>
+              <a:rPr lang="en-US" dirty="0"/>
+              <a:t>Activation functions (classification)</a:t>
+            </a:r>
+            <a:endParaRPr lang="he-IL" dirty="0"/>
+          </a:p>
+        </p:txBody>
+      </p:sp>
+      <p:graphicFrame>
+        <p:nvGraphicFramePr>
+          <p:cNvPr id="4" name="טבלה 4">
+            <a:extLst>
+              <a:ext uri="{FF2B5EF4-FFF2-40B4-BE49-F238E27FC236}">
+                <a16:creationId xmlns:a16="http://schemas.microsoft.com/office/drawing/2014/main" id="{C5D2A139-D05E-4B56-BFC6-126FF00EDA10}"/>
+              </a:ext>
+            </a:extLst>
+          </p:cNvPr>
+          <p:cNvGraphicFramePr>
+            <a:graphicFrameLocks noGrp="1"/>
+          </p:cNvGraphicFramePr>
+          <p:nvPr>
+            <p:ph idx="1"/>
+            <p:extLst>
+              <p:ext uri="{D42A27DB-BD31-4B8C-83A1-F6EECF244321}">
+                <p14:modId xmlns:p14="http://schemas.microsoft.com/office/powerpoint/2010/main" val="4113154192"/>
+              </p:ext>
+            </p:extLst>
+          </p:nvPr>
+        </p:nvGraphicFramePr>
+        <p:xfrm>
+          <a:off x="562254" y="1427195"/>
+          <a:ext cx="11138514" cy="5375803"/>
+        </p:xfrm>
+        <a:graphic>
+          <a:graphicData uri="http://schemas.openxmlformats.org/drawingml/2006/table">
+            <a:tbl>
+              <a:tblPr rtl="1" firstRow="1" bandRow="1">
+                <a:tableStyleId>{5C22544A-7EE6-4342-B048-85BDC9FD1C3A}</a:tableStyleId>
+              </a:tblPr>
+              <a:tblGrid>
+                <a:gridCol w="3712838">
+                  <a:extLst>
+                    <a:ext uri="{9D8B030D-6E8A-4147-A177-3AD203B41FA5}">
+                      <a16:colId xmlns:a16="http://schemas.microsoft.com/office/drawing/2014/main" val="1036319678"/>
+                    </a:ext>
+                  </a:extLst>
+                </a:gridCol>
+                <a:gridCol w="3712838">
+                  <a:extLst>
+                    <a:ext uri="{9D8B030D-6E8A-4147-A177-3AD203B41FA5}">
+                      <a16:colId xmlns:a16="http://schemas.microsoft.com/office/drawing/2014/main" val="2703851626"/>
+                    </a:ext>
+                  </a:extLst>
+                </a:gridCol>
+                <a:gridCol w="3712838">
+                  <a:extLst>
+                    <a:ext uri="{9D8B030D-6E8A-4147-A177-3AD203B41FA5}">
+                      <a16:colId xmlns:a16="http://schemas.microsoft.com/office/drawing/2014/main" val="3786948017"/>
+                    </a:ext>
+                  </a:extLst>
+                </a:gridCol>
+              </a:tblGrid>
+              <a:tr h="519714">
+                <a:tc>
+                  <a:txBody>
+                    <a:bodyPr/>
+                    <a:lstStyle/>
+                    <a:p>
+                      <a:pPr rtl="1"/>
+                      <a:r>
+                        <a:rPr lang="en-US" dirty="0"/>
+                        <a:t>Output </a:t>
+                      </a:r>
+                      <a:endParaRPr lang="he-IL" dirty="0"/>
+                    </a:p>
+                  </a:txBody>
+                  <a:tcPr/>
+                </a:tc>
+                <a:tc>
+                  <a:txBody>
+                    <a:bodyPr/>
+                    <a:lstStyle/>
+                    <a:p>
+                      <a:pPr rtl="1"/>
+                      <a:endParaRPr lang="he-IL"/>
+                    </a:p>
+                  </a:txBody>
+                  <a:tcPr/>
+                </a:tc>
+                <a:tc>
+                  <a:txBody>
+                    <a:bodyPr/>
+                    <a:lstStyle/>
+                    <a:p>
+                      <a:pPr rtl="1"/>
+                      <a:endParaRPr lang="he-IL"/>
+                    </a:p>
+                  </a:txBody>
+                  <a:tcPr/>
+                </a:tc>
+                <a:extLst>
+                  <a:ext uri="{0D108BD9-81ED-4DB2-BD59-A6C34878D82A}">
+                    <a16:rowId xmlns:a16="http://schemas.microsoft.com/office/drawing/2014/main" val="1618210570"/>
+                  </a:ext>
+                </a:extLst>
+              </a:tr>
+              <a:tr h="1665930">
+                <a:tc>
+                  <a:txBody>
+                    <a:bodyPr/>
+                    <a:lstStyle/>
+                    <a:p>
+                      <a:pPr algn="l" rtl="0"/>
+                      <a:r>
+                        <a:rPr lang="en-US" dirty="0"/>
+                        <a:t>Mostly used in CNN</a:t>
+                      </a:r>
+                      <a:endParaRPr lang="he-IL" dirty="0"/>
+                    </a:p>
+                  </a:txBody>
+                  <a:tcPr/>
+                </a:tc>
+                <a:tc>
+                  <a:txBody>
+                    <a:bodyPr/>
+                    <a:lstStyle/>
+                    <a:p>
+                      <a:pPr algn="l" rtl="0"/>
+                      <a:endParaRPr lang="en-US" dirty="0"/>
+                    </a:p>
+                    <a:p>
+                      <a:pPr algn="l" rtl="0"/>
+                      <a:endParaRPr lang="en-US" dirty="0"/>
+                    </a:p>
+                    <a:p>
+                      <a:pPr algn="l" rtl="0"/>
+                      <a:endParaRPr lang="en-US" dirty="0"/>
+                    </a:p>
+                    <a:p>
+                      <a:pPr algn="l" rtl="0"/>
+                      <a:endParaRPr lang="en-US" dirty="0"/>
+                    </a:p>
+                    <a:p>
+                      <a:pPr algn="l" rtl="0"/>
+                      <a:endParaRPr lang="en-US" dirty="0"/>
+                    </a:p>
+                    <a:p>
+                      <a:pPr algn="l" rtl="0"/>
+                      <a:endParaRPr lang="en-US" dirty="0"/>
+                    </a:p>
+                    <a:p>
+                      <a:pPr algn="l" rtl="0"/>
+                      <a:endParaRPr lang="en-US" dirty="0"/>
+                    </a:p>
+                    <a:p>
+                      <a:pPr algn="l" rtl="0"/>
+                      <a:endParaRPr lang="he-IL" dirty="0"/>
+                    </a:p>
+                  </a:txBody>
+                  <a:tcPr/>
+                </a:tc>
+                <a:tc>
+                  <a:txBody>
+                    <a:bodyPr/>
+                    <a:lstStyle/>
+                    <a:p>
+                      <a:pPr algn="l" rtl="0"/>
+                      <a:r>
+                        <a:rPr lang="en-US" dirty="0" err="1"/>
+                        <a:t>Relu</a:t>
+                      </a:r>
+                      <a:endParaRPr lang="en-US" dirty="0"/>
+                    </a:p>
+                    <a:p>
+                      <a:pPr algn="l" rtl="0"/>
+                      <a:endParaRPr lang="en-US" dirty="0"/>
+                    </a:p>
+                    <a:p>
+                      <a:pPr algn="l" rtl="0"/>
+                      <a:endParaRPr lang="he-IL" dirty="0"/>
+                    </a:p>
+                  </a:txBody>
+                  <a:tcPr/>
+                </a:tc>
+                <a:extLst>
+                  <a:ext uri="{0D108BD9-81ED-4DB2-BD59-A6C34878D82A}">
+                    <a16:rowId xmlns:a16="http://schemas.microsoft.com/office/drawing/2014/main" val="584745111"/>
+                  </a:ext>
+                </a:extLst>
+              </a:tr>
+              <a:tr h="519714">
+                <a:tc>
+                  <a:txBody>
+                    <a:bodyPr/>
+                    <a:lstStyle/>
+                    <a:p>
+                      <a:pPr algn="l" rtl="0"/>
+                      <a:endParaRPr lang="he-IL"/>
+                    </a:p>
+                  </a:txBody>
+                  <a:tcPr/>
+                </a:tc>
+                <a:tc>
+                  <a:txBody>
+                    <a:bodyPr/>
+                    <a:lstStyle/>
+                    <a:p>
+                      <a:pPr algn="l" rtl="0"/>
+                      <a:r>
+                        <a:rPr lang="en-US" dirty="0"/>
+                        <a:t>F(x) = x</a:t>
+                      </a:r>
+                      <a:endParaRPr lang="he-IL" dirty="0"/>
+                    </a:p>
+                  </a:txBody>
+                  <a:tcPr/>
+                </a:tc>
+                <a:tc>
+                  <a:txBody>
+                    <a:bodyPr/>
+                    <a:lstStyle/>
+                    <a:p>
+                      <a:pPr algn="l" rtl="0"/>
+                      <a:r>
+                        <a:rPr lang="en-US" dirty="0"/>
+                        <a:t>linear</a:t>
+                      </a:r>
+                      <a:endParaRPr lang="he-IL" dirty="0"/>
+                    </a:p>
+                  </a:txBody>
+                  <a:tcPr/>
+                </a:tc>
+                <a:extLst>
+                  <a:ext uri="{0D108BD9-81ED-4DB2-BD59-A6C34878D82A}">
+                    <a16:rowId xmlns:a16="http://schemas.microsoft.com/office/drawing/2014/main" val="757620542"/>
+                  </a:ext>
+                </a:extLst>
+              </a:tr>
+              <a:tr h="2050375">
+                <a:tc>
+                  <a:txBody>
+                    <a:bodyPr/>
+                    <a:lstStyle/>
+                    <a:p>
+                      <a:pPr algn="l" rtl="0"/>
+                      <a:r>
+                        <a:rPr lang="en-US" dirty="0"/>
+                        <a:t>- Sigmoid: Predict probability </a:t>
+                      </a:r>
+                      <a:r>
+                        <a:rPr lang="he-IL" dirty="0"/>
+                        <a:t> </a:t>
+                      </a:r>
+                      <a:r>
+                        <a:rPr lang="en-US" dirty="0"/>
+                        <a:t>[0,1]</a:t>
+                      </a:r>
+                    </a:p>
+                    <a:p>
+                      <a:pPr marL="285750" indent="-285750" algn="l" rtl="0">
+                        <a:buFontTx/>
+                        <a:buChar char="-"/>
+                      </a:pPr>
+                      <a:r>
+                        <a:rPr lang="en-US" dirty="0"/>
+                        <a:t>Tanh: output [-1,1]</a:t>
+                      </a:r>
+                    </a:p>
+                    <a:p>
+                      <a:pPr marL="742950" lvl="1" indent="-285750" algn="l" rtl="0">
+                        <a:buFontTx/>
+                        <a:buChar char="-"/>
+                      </a:pPr>
+                      <a:r>
+                        <a:rPr lang="en-US" dirty="0"/>
+                        <a:t>Negative values go to -1</a:t>
+                      </a:r>
+                    </a:p>
+                    <a:p>
+                      <a:pPr marL="742950" lvl="1" indent="-285750" algn="l" rtl="0">
+                        <a:buFontTx/>
+                        <a:buChar char="-"/>
+                      </a:pPr>
+                      <a:r>
+                        <a:rPr lang="en-US" dirty="0"/>
+                        <a:t>Positive values go to 1</a:t>
+                      </a:r>
+                    </a:p>
+                    <a:p>
+                      <a:pPr marL="742950" lvl="1" indent="-285750" algn="l" rtl="0">
+                        <a:buFontTx/>
+                        <a:buChar char="-"/>
+                      </a:pPr>
+                      <a:r>
+                        <a:rPr lang="en-US" dirty="0"/>
+                        <a:t>Zero values go near zero</a:t>
+                      </a:r>
+                    </a:p>
+                    <a:p>
+                      <a:pPr marL="285750" indent="-285750" algn="l" rtl="0">
+                        <a:buFontTx/>
+                        <a:buChar char="-"/>
+                      </a:pPr>
+                      <a:endParaRPr lang="he-IL" dirty="0"/>
+                    </a:p>
+                  </a:txBody>
+                  <a:tcPr/>
+                </a:tc>
+                <a:tc>
+                  <a:txBody>
+                    <a:bodyPr/>
+                    <a:lstStyle/>
+                    <a:p>
+                      <a:pPr algn="l" rtl="0"/>
+                      <a:endParaRPr lang="en-US" dirty="0"/>
+                    </a:p>
+                    <a:p>
+                      <a:pPr algn="l" rtl="0"/>
+                      <a:endParaRPr lang="en-US" dirty="0"/>
+                    </a:p>
+                    <a:p>
+                      <a:pPr algn="l" rtl="0"/>
+                      <a:endParaRPr lang="en-US" dirty="0"/>
+                    </a:p>
+                    <a:p>
+                      <a:pPr algn="l" rtl="0"/>
+                      <a:endParaRPr lang="en-US" dirty="0"/>
+                    </a:p>
+                    <a:p>
+                      <a:pPr algn="l" rtl="0"/>
+                      <a:endParaRPr lang="he-IL" dirty="0"/>
+                    </a:p>
+                  </a:txBody>
+                  <a:tcPr/>
+                </a:tc>
+                <a:tc>
+                  <a:txBody>
+                    <a:bodyPr/>
+                    <a:lstStyle/>
+                    <a:p>
+                      <a:pPr algn="l" rtl="0"/>
+                      <a:r>
+                        <a:rPr lang="en-US" dirty="0"/>
+                        <a:t>Sigmoid / tang</a:t>
+                      </a:r>
+                      <a:endParaRPr lang="he-IL" dirty="0"/>
+                    </a:p>
+                  </a:txBody>
+                  <a:tcPr/>
+                </a:tc>
+                <a:extLst>
+                  <a:ext uri="{0D108BD9-81ED-4DB2-BD59-A6C34878D82A}">
+                    <a16:rowId xmlns:a16="http://schemas.microsoft.com/office/drawing/2014/main" val="2059682576"/>
+                  </a:ext>
+                </a:extLst>
+              </a:tr>
+            </a:tbl>
+          </a:graphicData>
+        </a:graphic>
+      </p:graphicFrame>
+      <p:pic>
+        <p:nvPicPr>
+          <p:cNvPr id="1028" name="Picture 4">
+            <a:extLst>
+              <a:ext uri="{FF2B5EF4-FFF2-40B4-BE49-F238E27FC236}">
+                <a16:creationId xmlns:a16="http://schemas.microsoft.com/office/drawing/2014/main" id="{8AD492A2-9468-41C7-A45F-5F2E82EFFB24}"/>
+              </a:ext>
+            </a:extLst>
+          </p:cNvPr>
+          <p:cNvPicPr>
+            <a:picLocks noChangeAspect="1" noChangeArrowheads="1"/>
+          </p:cNvPicPr>
+          <p:nvPr/>
+        </p:nvPicPr>
+        <p:blipFill>
+          <a:blip r:embed="rId2">
+            <a:extLst>
+              <a:ext uri="{28A0092B-C50C-407E-A947-70E740481C1C}">
+                <a14:useLocalDpi xmlns:a14="http://schemas.microsoft.com/office/drawing/2010/main" val="0"/>
+              </a:ext>
+            </a:extLst>
+          </a:blip>
+          <a:srcRect/>
+          <a:stretch>
+            <a:fillRect/>
+          </a:stretch>
+        </p:blipFill>
+        <p:spPr bwMode="auto">
+          <a:xfrm>
+            <a:off x="4407533" y="4942364"/>
+            <a:ext cx="2206332" cy="1657530"/>
+          </a:xfrm>
+          <a:prstGeom prst="rect">
+            <a:avLst/>
+          </a:prstGeom>
+          <a:noFill/>
+          <a:extLst>
+            <a:ext uri="{909E8E84-426E-40DD-AFC4-6F175D3DCCD1}">
+              <a14:hiddenFill xmlns:a14="http://schemas.microsoft.com/office/drawing/2010/main">
+                <a:solidFill>
+                  <a:srgbClr val="FFFFFF"/>
+                </a:solidFill>
+              </a14:hiddenFill>
+            </a:ext>
+          </a:extLst>
+        </p:spPr>
+      </p:pic>
+      <p:pic>
+        <p:nvPicPr>
+          <p:cNvPr id="1030" name="Picture 6">
+            <a:extLst>
+              <a:ext uri="{FF2B5EF4-FFF2-40B4-BE49-F238E27FC236}">
+                <a16:creationId xmlns:a16="http://schemas.microsoft.com/office/drawing/2014/main" id="{A24C7DFA-40F0-43C0-B181-40066CF66620}"/>
+              </a:ext>
+            </a:extLst>
+          </p:cNvPr>
+          <p:cNvPicPr>
+            <a:picLocks noChangeAspect="1" noChangeArrowheads="1"/>
+          </p:cNvPicPr>
+          <p:nvPr/>
+        </p:nvPicPr>
+        <p:blipFill>
+          <a:blip r:embed="rId3">
+            <a:extLst>
+              <a:ext uri="{28A0092B-C50C-407E-A947-70E740481C1C}">
+                <a14:useLocalDpi xmlns:a14="http://schemas.microsoft.com/office/drawing/2010/main" val="0"/>
+              </a:ext>
+            </a:extLst>
+          </a:blip>
+          <a:srcRect/>
+          <a:stretch>
+            <a:fillRect/>
+          </a:stretch>
+        </p:blipFill>
+        <p:spPr bwMode="auto">
+          <a:xfrm>
+            <a:off x="4407533" y="2128837"/>
+            <a:ext cx="3352801" cy="1300163"/>
+          </a:xfrm>
+          <a:prstGeom prst="rect">
+            <a:avLst/>
+          </a:prstGeom>
+          <a:noFill/>
+          <a:extLst>
+            <a:ext uri="{909E8E84-426E-40DD-AFC4-6F175D3DCCD1}">
+              <a14:hiddenFill xmlns:a14="http://schemas.microsoft.com/office/drawing/2010/main">
+                <a:solidFill>
+                  <a:srgbClr val="FFFFFF"/>
+                </a:solidFill>
+              </a14:hiddenFill>
+            </a:ext>
+          </a:extLst>
+        </p:spPr>
+      </p:pic>
+    </p:spTree>
+    <p:extLst>
+      <p:ext uri="{BB962C8B-B14F-4D97-AF65-F5344CB8AC3E}">
+        <p14:creationId xmlns:p14="http://schemas.microsoft.com/office/powerpoint/2010/main" val="1858691749"/>
+      </p:ext>
+    </p:extLst>
+  </p:cSld>
+  <p:clrMapOvr>
+    <a:masterClrMapping/>
+  </p:clrMapOvr>
+</p:sld>
+</file>
+
+<file path=ppt/slides/slide15.xml><?xml version="1.0" encoding="utf-8"?>
+<p:sld xmlns:a="http://schemas.openxmlformats.org/drawingml/2006/main" xmlns:r="http://schemas.openxmlformats.org/officeDocument/2006/relationships" xmlns:p="http://schemas.openxmlformats.org/presentationml/2006/main">
+  <p:cSld>
+    <p:spTree>
+      <p:nvGrpSpPr>
+        <p:cNvPr id="1" name=""/>
+        <p:cNvGrpSpPr/>
+        <p:nvPr/>
+      </p:nvGrpSpPr>
+      <p:grpSpPr>
+        <a:xfrm>
+          <a:off x="0" y="0"/>
+          <a:ext cx="0" cy="0"/>
+          <a:chOff x="0" y="0"/>
+          <a:chExt cx="0" cy="0"/>
+        </a:xfrm>
+      </p:grpSpPr>
+      <p:sp>
+        <p:nvSpPr>
+          <p:cNvPr id="2" name="כותרת 1">
+            <a:extLst>
+              <a:ext uri="{FF2B5EF4-FFF2-40B4-BE49-F238E27FC236}">
+                <a16:creationId xmlns:a16="http://schemas.microsoft.com/office/drawing/2014/main" id="{BC262648-5BD4-4482-9804-24E40DAA56AD}"/>
+              </a:ext>
+            </a:extLst>
+          </p:cNvPr>
+          <p:cNvSpPr>
+            <a:spLocks noGrp="1"/>
+          </p:cNvSpPr>
+          <p:nvPr>
+            <p:ph type="title"/>
+          </p:nvPr>
+        </p:nvSpPr>
+        <p:spPr/>
+        <p:txBody>
+          <a:bodyPr/>
+          <a:lstStyle/>
+          <a:p>
+            <a:r>
+              <a:rPr lang="en-US" dirty="0"/>
+              <a:t>Activation functions (classification)</a:t>
+            </a:r>
+            <a:endParaRPr lang="he-IL" dirty="0"/>
+          </a:p>
+        </p:txBody>
+      </p:sp>
+      <p:graphicFrame>
+        <p:nvGraphicFramePr>
+          <p:cNvPr id="4" name="טבלה 4">
+            <a:extLst>
+              <a:ext uri="{FF2B5EF4-FFF2-40B4-BE49-F238E27FC236}">
+                <a16:creationId xmlns:a16="http://schemas.microsoft.com/office/drawing/2014/main" id="{C5D2A139-D05E-4B56-BFC6-126FF00EDA10}"/>
+              </a:ext>
+            </a:extLst>
+          </p:cNvPr>
+          <p:cNvGraphicFramePr>
+            <a:graphicFrameLocks noGrp="1"/>
+          </p:cNvGraphicFramePr>
+          <p:nvPr>
+            <p:ph idx="1"/>
+            <p:extLst>
+              <p:ext uri="{D42A27DB-BD31-4B8C-83A1-F6EECF244321}">
+                <p14:modId xmlns:p14="http://schemas.microsoft.com/office/powerpoint/2010/main" val="2939575197"/>
+              </p:ext>
+            </p:extLst>
+          </p:nvPr>
+        </p:nvGraphicFramePr>
+        <p:xfrm>
+          <a:off x="562254" y="1427195"/>
+          <a:ext cx="11138514" cy="1039428"/>
+        </p:xfrm>
+        <a:graphic>
+          <a:graphicData uri="http://schemas.openxmlformats.org/drawingml/2006/table">
+            <a:tbl>
+              <a:tblPr rtl="1" firstRow="1" bandRow="1">
+                <a:tableStyleId>{5C22544A-7EE6-4342-B048-85BDC9FD1C3A}</a:tableStyleId>
+              </a:tblPr>
+              <a:tblGrid>
+                <a:gridCol w="3712838">
+                  <a:extLst>
+                    <a:ext uri="{9D8B030D-6E8A-4147-A177-3AD203B41FA5}">
+                      <a16:colId xmlns:a16="http://schemas.microsoft.com/office/drawing/2014/main" val="1036319678"/>
+                    </a:ext>
+                  </a:extLst>
+                </a:gridCol>
+                <a:gridCol w="3712838">
+                  <a:extLst>
+                    <a:ext uri="{9D8B030D-6E8A-4147-A177-3AD203B41FA5}">
+                      <a16:colId xmlns:a16="http://schemas.microsoft.com/office/drawing/2014/main" val="2703851626"/>
+                    </a:ext>
+                  </a:extLst>
+                </a:gridCol>
+                <a:gridCol w="3712838">
+                  <a:extLst>
+                    <a:ext uri="{9D8B030D-6E8A-4147-A177-3AD203B41FA5}">
+                      <a16:colId xmlns:a16="http://schemas.microsoft.com/office/drawing/2014/main" val="3786948017"/>
+                    </a:ext>
+                  </a:extLst>
+                </a:gridCol>
+              </a:tblGrid>
+              <a:tr h="519714">
+                <a:tc>
+                  <a:txBody>
+                    <a:bodyPr/>
+                    <a:lstStyle/>
+                    <a:p>
+                      <a:pPr rtl="1"/>
+                      <a:r>
+                        <a:rPr lang="en-US" dirty="0"/>
+                        <a:t>Output </a:t>
+                      </a:r>
+                      <a:endParaRPr lang="he-IL" dirty="0"/>
+                    </a:p>
+                  </a:txBody>
+                  <a:tcPr/>
+                </a:tc>
+                <a:tc>
+                  <a:txBody>
+                    <a:bodyPr/>
+                    <a:lstStyle/>
+                    <a:p>
+                      <a:pPr rtl="1"/>
+                      <a:endParaRPr lang="he-IL"/>
+                    </a:p>
+                  </a:txBody>
+                  <a:tcPr/>
+                </a:tc>
+                <a:tc>
+                  <a:txBody>
+                    <a:bodyPr/>
+                    <a:lstStyle/>
+                    <a:p>
+                      <a:pPr rtl="1"/>
+                      <a:endParaRPr lang="he-IL"/>
+                    </a:p>
+                  </a:txBody>
+                  <a:tcPr/>
+                </a:tc>
+                <a:extLst>
+                  <a:ext uri="{0D108BD9-81ED-4DB2-BD59-A6C34878D82A}">
+                    <a16:rowId xmlns:a16="http://schemas.microsoft.com/office/drawing/2014/main" val="1618210570"/>
+                  </a:ext>
+                </a:extLst>
+              </a:tr>
+              <a:tr h="519714">
+                <a:tc>
+                  <a:txBody>
+                    <a:bodyPr/>
+                    <a:lstStyle/>
+                    <a:p>
+                      <a:pPr algn="l" rtl="0"/>
+                      <a:r>
+                        <a:rPr lang="en-US" dirty="0"/>
+                        <a:t>Used for </a:t>
+                      </a:r>
+                      <a:r>
+                        <a:rPr lang="en-US" dirty="0" err="1"/>
+                        <a:t>multiclasses</a:t>
+                      </a:r>
+                      <a:endParaRPr lang="he-IL" dirty="0"/>
+                    </a:p>
+                  </a:txBody>
+                  <a:tcPr/>
+                </a:tc>
+                <a:tc>
+                  <a:txBody>
+                    <a:bodyPr/>
+                    <a:lstStyle/>
+                    <a:p>
+                      <a:pPr algn="l" rtl="0"/>
+                      <a:endParaRPr lang="he-IL"/>
+                    </a:p>
+                  </a:txBody>
+                  <a:tcPr/>
+                </a:tc>
+                <a:tc>
+                  <a:txBody>
+                    <a:bodyPr/>
+                    <a:lstStyle/>
+                    <a:p>
+                      <a:pPr algn="l" rtl="0"/>
+                      <a:r>
+                        <a:rPr lang="en-US" dirty="0" err="1"/>
+                        <a:t>softmax</a:t>
+                      </a:r>
+                      <a:endParaRPr lang="he-IL" dirty="0"/>
+                    </a:p>
+                  </a:txBody>
+                  <a:tcPr/>
+                </a:tc>
+                <a:extLst>
+                  <a:ext uri="{0D108BD9-81ED-4DB2-BD59-A6C34878D82A}">
+                    <a16:rowId xmlns:a16="http://schemas.microsoft.com/office/drawing/2014/main" val="3678093753"/>
+                  </a:ext>
+                </a:extLst>
+              </a:tr>
+            </a:tbl>
+          </a:graphicData>
+        </a:graphic>
+      </p:graphicFrame>
+    </p:spTree>
+    <p:extLst>
+      <p:ext uri="{BB962C8B-B14F-4D97-AF65-F5344CB8AC3E}">
+        <p14:creationId xmlns:p14="http://schemas.microsoft.com/office/powerpoint/2010/main" val="3265968309"/>
+      </p:ext>
+    </p:extLst>
+  </p:cSld>
+  <p:clrMapOvr>
+    <a:masterClrMapping/>
+  </p:clrMapOvr>
+</p:sld>
+</file>
+
+<file path=ppt/slides/slide16.xml><?xml version="1.0" encoding="utf-8"?>
+<p:sld xmlns:a="http://schemas.openxmlformats.org/drawingml/2006/main" xmlns:r="http://schemas.openxmlformats.org/officeDocument/2006/relationships" xmlns:p="http://schemas.openxmlformats.org/presentationml/2006/main">
+  <p:cSld>
+    <p:spTree>
+      <p:nvGrpSpPr>
+        <p:cNvPr id="1" name=""/>
+        <p:cNvGrpSpPr/>
+        <p:nvPr/>
+      </p:nvGrpSpPr>
+      <p:grpSpPr>
+        <a:xfrm>
+          <a:off x="0" y="0"/>
+          <a:ext cx="0" cy="0"/>
+          <a:chOff x="0" y="0"/>
+          <a:chExt cx="0" cy="0"/>
+        </a:xfrm>
+      </p:grpSpPr>
+      <p:sp>
+        <p:nvSpPr>
+          <p:cNvPr id="2" name="כותרת 1">
+            <a:extLst>
+              <a:ext uri="{FF2B5EF4-FFF2-40B4-BE49-F238E27FC236}">
+                <a16:creationId xmlns:a16="http://schemas.microsoft.com/office/drawing/2014/main" id="{2CA93F41-E238-4D33-AEC9-08B105DB7D95}"/>
+              </a:ext>
+            </a:extLst>
+          </p:cNvPr>
+          <p:cNvSpPr>
+            <a:spLocks noGrp="1"/>
+          </p:cNvSpPr>
+          <p:nvPr>
+            <p:ph type="title"/>
+          </p:nvPr>
+        </p:nvSpPr>
+        <p:spPr/>
+        <p:txBody>
+          <a:bodyPr/>
+          <a:lstStyle/>
+          <a:p>
+            <a:r>
+              <a:rPr lang="he-IL" dirty="0"/>
+              <a:t>דוגמא: </a:t>
+            </a:r>
+            <a:r>
+              <a:rPr lang="en-US" dirty="0" err="1"/>
+              <a:t>ReLU</a:t>
+            </a:r>
+            <a:endParaRPr lang="he-IL" dirty="0"/>
+          </a:p>
+        </p:txBody>
+      </p:sp>
+      <p:sp>
+        <p:nvSpPr>
+          <p:cNvPr id="3" name="מציין מיקום תוכן 2">
+            <a:extLst>
+              <a:ext uri="{FF2B5EF4-FFF2-40B4-BE49-F238E27FC236}">
+                <a16:creationId xmlns:a16="http://schemas.microsoft.com/office/drawing/2014/main" id="{C7828004-5F72-452C-B211-B331D173D409}"/>
+              </a:ext>
+            </a:extLst>
+          </p:cNvPr>
+          <p:cNvSpPr>
+            <a:spLocks noGrp="1"/>
+          </p:cNvSpPr>
+          <p:nvPr>
+            <p:ph idx="1"/>
+          </p:nvPr>
+        </p:nvSpPr>
+        <p:spPr/>
+        <p:txBody>
+          <a:bodyPr/>
+          <a:lstStyle/>
+          <a:p>
+            <a:endParaRPr lang="he-IL" dirty="0"/>
+          </a:p>
+        </p:txBody>
+      </p:sp>
+      <p:pic>
+        <p:nvPicPr>
+          <p:cNvPr id="4" name="תמונה 3">
+            <a:extLst>
+              <a:ext uri="{FF2B5EF4-FFF2-40B4-BE49-F238E27FC236}">
+                <a16:creationId xmlns:a16="http://schemas.microsoft.com/office/drawing/2014/main" id="{D1FFB382-872B-4F08-B8A5-7F46E4E4359E}"/>
+              </a:ext>
+            </a:extLst>
+          </p:cNvPr>
+          <p:cNvPicPr>
+            <a:picLocks noChangeAspect="1"/>
+          </p:cNvPicPr>
+          <p:nvPr/>
+        </p:nvPicPr>
+        <p:blipFill>
+          <a:blip r:embed="rId2"/>
+          <a:stretch>
+            <a:fillRect/>
+          </a:stretch>
+        </p:blipFill>
+        <p:spPr>
+          <a:xfrm>
+            <a:off x="2446943" y="1748631"/>
+            <a:ext cx="7486650" cy="4505325"/>
+          </a:xfrm>
+          <a:prstGeom prst="rect">
+            <a:avLst/>
+          </a:prstGeom>
+        </p:spPr>
+      </p:pic>
+    </p:spTree>
+    <p:extLst>
+      <p:ext uri="{BB962C8B-B14F-4D97-AF65-F5344CB8AC3E}">
+        <p14:creationId xmlns:p14="http://schemas.microsoft.com/office/powerpoint/2010/main" val="3775077304"/>
+      </p:ext>
+    </p:extLst>
+  </p:cSld>
+  <p:clrMapOvr>
+    <a:masterClrMapping/>
+  </p:clrMapOvr>
+</p:sld>
+</file>
+
+<file path=ppt/slides/slide17.xml><?xml version="1.0" encoding="utf-8"?>
+<p:sld xmlns:a="http://schemas.openxmlformats.org/drawingml/2006/main" xmlns:r="http://schemas.openxmlformats.org/officeDocument/2006/relationships" xmlns:p="http://schemas.openxmlformats.org/presentationml/2006/main">
+  <p:cSld>
+    <p:spTree>
+      <p:nvGrpSpPr>
+        <p:cNvPr id="1" name=""/>
+        <p:cNvGrpSpPr/>
+        <p:nvPr/>
+      </p:nvGrpSpPr>
+      <p:grpSpPr>
+        <a:xfrm>
+          <a:off x="0" y="0"/>
+          <a:ext cx="0" cy="0"/>
+          <a:chOff x="0" y="0"/>
+          <a:chExt cx="0" cy="0"/>
+        </a:xfrm>
+      </p:grpSpPr>
+      <p:sp>
+        <p:nvSpPr>
+          <p:cNvPr id="2" name="כותרת 1">
+            <a:extLst>
+              <a:ext uri="{FF2B5EF4-FFF2-40B4-BE49-F238E27FC236}">
+                <a16:creationId xmlns:a16="http://schemas.microsoft.com/office/drawing/2014/main" id="{38546C07-2157-4DAE-BEDC-F9B93627A538}"/>
+              </a:ext>
+            </a:extLst>
+          </p:cNvPr>
+          <p:cNvSpPr>
+            <a:spLocks noGrp="1"/>
+          </p:cNvSpPr>
+          <p:nvPr>
+            <p:ph type="title"/>
+          </p:nvPr>
+        </p:nvSpPr>
+        <p:spPr/>
+        <p:txBody>
+          <a:bodyPr/>
+          <a:lstStyle/>
+          <a:p>
+            <a:r>
+              <a:rPr lang="en-US" dirty="0"/>
+              <a:t>Optimizer functions</a:t>
+            </a:r>
+            <a:endParaRPr lang="he-IL" dirty="0"/>
+          </a:p>
+        </p:txBody>
+      </p:sp>
+      <p:sp>
+        <p:nvSpPr>
+          <p:cNvPr id="3" name="מציין מיקום תוכן 2">
+            <a:extLst>
+              <a:ext uri="{FF2B5EF4-FFF2-40B4-BE49-F238E27FC236}">
+                <a16:creationId xmlns:a16="http://schemas.microsoft.com/office/drawing/2014/main" id="{BA47CB76-06EB-4498-B2CC-EF3342F60C50}"/>
+              </a:ext>
+            </a:extLst>
+          </p:cNvPr>
+          <p:cNvSpPr>
+            <a:spLocks noGrp="1"/>
+          </p:cNvSpPr>
+          <p:nvPr>
+            <p:ph idx="1"/>
+          </p:nvPr>
+        </p:nvSpPr>
+        <p:spPr/>
+        <p:txBody>
+          <a:bodyPr/>
+          <a:lstStyle/>
+          <a:p>
+            <a:r>
+              <a:rPr lang="en-US" dirty="0"/>
+              <a:t>Hessian Matrix</a:t>
+            </a:r>
+            <a:r>
+              <a:rPr lang="he-IL" dirty="0"/>
+              <a:t> – מטריצה ריבועית עם נגזרות חלקיות מסדר שני</a:t>
+            </a:r>
+          </a:p>
+          <a:p>
+            <a:endParaRPr lang="he-IL" dirty="0"/>
+          </a:p>
+        </p:txBody>
+      </p:sp>
+    </p:spTree>
+    <p:extLst>
+      <p:ext uri="{BB962C8B-B14F-4D97-AF65-F5344CB8AC3E}">
+        <p14:creationId xmlns:p14="http://schemas.microsoft.com/office/powerpoint/2010/main" val="3335240664"/>
+      </p:ext>
+    </p:extLst>
+  </p:cSld>
+  <p:clrMapOvr>
+    <a:masterClrMapping/>
+  </p:clrMapOvr>
+</p:sld>
+</file>
+
+<file path=ppt/slides/slide18.xml><?xml version="1.0" encoding="utf-8"?>
+<p:sld xmlns:a="http://schemas.openxmlformats.org/drawingml/2006/main" xmlns:r="http://schemas.openxmlformats.org/officeDocument/2006/relationships" xmlns:p="http://schemas.openxmlformats.org/presentationml/2006/main">
+  <p:cSld>
+    <p:spTree>
+      <p:nvGrpSpPr>
+        <p:cNvPr id="1" name=""/>
+        <p:cNvGrpSpPr/>
+        <p:nvPr/>
+      </p:nvGrpSpPr>
+      <p:grpSpPr>
+        <a:xfrm>
+          <a:off x="0" y="0"/>
+          <a:ext cx="0" cy="0"/>
+          <a:chOff x="0" y="0"/>
+          <a:chExt cx="0" cy="0"/>
+        </a:xfrm>
+      </p:grpSpPr>
+      <p:sp>
+        <p:nvSpPr>
+          <p:cNvPr id="2" name="כותרת 1">
+            <a:extLst>
+              <a:ext uri="{FF2B5EF4-FFF2-40B4-BE49-F238E27FC236}">
+                <a16:creationId xmlns:a16="http://schemas.microsoft.com/office/drawing/2014/main" id="{858AA7D3-E379-4658-8D48-0DB59017016C}"/>
+              </a:ext>
+            </a:extLst>
+          </p:cNvPr>
+          <p:cNvSpPr>
+            <a:spLocks noGrp="1"/>
+          </p:cNvSpPr>
+          <p:nvPr>
+            <p:ph type="title"/>
+          </p:nvPr>
+        </p:nvSpPr>
+        <p:spPr/>
+        <p:txBody>
+          <a:bodyPr/>
+          <a:lstStyle/>
+          <a:p>
+            <a:r>
+              <a:rPr lang="en-US" dirty="0"/>
+              <a:t>Loss function</a:t>
+            </a:r>
+            <a:endParaRPr lang="he-IL" dirty="0"/>
+          </a:p>
+        </p:txBody>
+      </p:sp>
+      <p:sp>
+        <p:nvSpPr>
+          <p:cNvPr id="3" name="מציין מיקום תוכן 2">
+            <a:extLst>
+              <a:ext uri="{FF2B5EF4-FFF2-40B4-BE49-F238E27FC236}">
+                <a16:creationId xmlns:a16="http://schemas.microsoft.com/office/drawing/2014/main" id="{754AB8CD-7636-462A-882F-C214BEE1CDC4}"/>
+              </a:ext>
+            </a:extLst>
+          </p:cNvPr>
+          <p:cNvSpPr>
+            <a:spLocks noGrp="1"/>
+          </p:cNvSpPr>
+          <p:nvPr>
+            <p:ph idx="1"/>
+          </p:nvPr>
+        </p:nvSpPr>
+        <p:spPr>
+          <a:xfrm>
+            <a:off x="6447935" y="1825625"/>
+            <a:ext cx="5486399" cy="4351338"/>
+          </a:xfrm>
+        </p:spPr>
+        <p:txBody>
+          <a:bodyPr/>
+          <a:lstStyle/>
+          <a:p>
+            <a:r>
+              <a:rPr lang="he-IL" dirty="0"/>
+              <a:t>מטרה:</a:t>
+            </a:r>
+          </a:p>
+          <a:p>
+            <a:pPr lvl="1"/>
+            <a:r>
+              <a:rPr lang="he-IL" dirty="0"/>
+              <a:t>מציאת המשקלים שנותנים ערך מינימלי לפונקציית </a:t>
+            </a:r>
+            <a:r>
+              <a:rPr lang="en-US" dirty="0"/>
+              <a:t>loss</a:t>
+            </a:r>
+            <a:endParaRPr lang="he-IL" dirty="0"/>
+          </a:p>
+          <a:p>
+            <a:r>
+              <a:rPr lang="he-IL" dirty="0"/>
+              <a:t>שימוש ב </a:t>
+            </a:r>
+            <a:r>
+              <a:rPr lang="en-US" dirty="0"/>
+              <a:t>Gradient Descent</a:t>
+            </a:r>
+            <a:r>
+              <a:rPr lang="he-IL" dirty="0"/>
+              <a:t>:</a:t>
+            </a:r>
+          </a:p>
+          <a:p>
+            <a:pPr lvl="1"/>
+            <a:r>
+              <a:rPr lang="he-IL" dirty="0"/>
+              <a:t>מתחילים בנקודה אקראית</a:t>
+            </a:r>
+          </a:p>
+          <a:p>
+            <a:pPr lvl="2"/>
+            <a:r>
+              <a:rPr lang="he-IL" dirty="0"/>
+              <a:t>עד אשר נמצאים במקום מאוזן</a:t>
+            </a:r>
+          </a:p>
+          <a:p>
+            <a:pPr lvl="1"/>
+            <a:r>
+              <a:rPr lang="he-IL" dirty="0"/>
+              <a:t>יורדים בגבעה</a:t>
+            </a:r>
+          </a:p>
+          <a:p>
+            <a:pPr lvl="1"/>
+            <a:r>
+              <a:rPr lang="he-IL" dirty="0"/>
+              <a:t>מתקדמים בכיוון ההפוך של הנגזרת</a:t>
+            </a:r>
+          </a:p>
+          <a:p>
+            <a:r>
+              <a:rPr lang="he-IL" dirty="0"/>
+              <a:t>מעדכנים את המשקלים לפי:</a:t>
+            </a:r>
+            <a:br>
+              <a:rPr lang="en-US" dirty="0"/>
+            </a:br>
+            <a:r>
+              <a:rPr lang="en-US" dirty="0"/>
+              <a:t>subtracting learning rate * slope</a:t>
+            </a:r>
+            <a:endParaRPr lang="he-IL" dirty="0"/>
+          </a:p>
+          <a:p>
+            <a:pPr lvl="1"/>
+            <a:endParaRPr lang="he-IL" dirty="0"/>
+          </a:p>
+        </p:txBody>
+      </p:sp>
+      <p:pic>
+        <p:nvPicPr>
+          <p:cNvPr id="5" name="תמונה 4">
+            <a:extLst>
+              <a:ext uri="{FF2B5EF4-FFF2-40B4-BE49-F238E27FC236}">
+                <a16:creationId xmlns:a16="http://schemas.microsoft.com/office/drawing/2014/main" id="{00B705F5-9E7B-4D2D-8504-E70A115D15A4}"/>
+              </a:ext>
+            </a:extLst>
+          </p:cNvPr>
+          <p:cNvPicPr>
+            <a:picLocks noChangeAspect="1"/>
+          </p:cNvPicPr>
+          <p:nvPr/>
+        </p:nvPicPr>
+        <p:blipFill>
+          <a:blip r:embed="rId2"/>
+          <a:stretch>
+            <a:fillRect/>
+          </a:stretch>
+        </p:blipFill>
+        <p:spPr>
+          <a:xfrm>
+            <a:off x="645295" y="1677194"/>
+            <a:ext cx="5802640" cy="4648200"/>
+          </a:xfrm>
+          <a:prstGeom prst="rect">
+            <a:avLst/>
+          </a:prstGeom>
+        </p:spPr>
+      </p:pic>
+    </p:spTree>
+    <p:extLst>
+      <p:ext uri="{BB962C8B-B14F-4D97-AF65-F5344CB8AC3E}">
+        <p14:creationId xmlns:p14="http://schemas.microsoft.com/office/powerpoint/2010/main" val="2806238819"/>
+      </p:ext>
+    </p:extLst>
+  </p:cSld>
+  <p:clrMapOvr>
+    <a:masterClrMapping/>
+  </p:clrMapOvr>
+</p:sld>
+</file>
+
+<file path=ppt/slides/slide19.xml><?xml version="1.0" encoding="utf-8"?>
+<p:sld xmlns:a="http://schemas.openxmlformats.org/drawingml/2006/main" xmlns:r="http://schemas.openxmlformats.org/officeDocument/2006/relationships" xmlns:p="http://schemas.openxmlformats.org/presentationml/2006/main">
+  <p:cSld>
+    <p:spTree>
+      <p:nvGrpSpPr>
+        <p:cNvPr id="1" name=""/>
+        <p:cNvGrpSpPr/>
+        <p:nvPr/>
+      </p:nvGrpSpPr>
+      <p:grpSpPr>
+        <a:xfrm>
+          <a:off x="0" y="0"/>
+          <a:ext cx="0" cy="0"/>
+          <a:chOff x="0" y="0"/>
+          <a:chExt cx="0" cy="0"/>
+        </a:xfrm>
+      </p:grpSpPr>
+      <p:sp>
+        <p:nvSpPr>
+          <p:cNvPr id="2" name="כותרת 1">
+            <a:extLst>
+              <a:ext uri="{FF2B5EF4-FFF2-40B4-BE49-F238E27FC236}">
+                <a16:creationId xmlns:a16="http://schemas.microsoft.com/office/drawing/2014/main" id="{8A9067C3-97F3-4612-B36E-E7FF24FFDF20}"/>
+              </a:ext>
+            </a:extLst>
+          </p:cNvPr>
+          <p:cNvSpPr>
+            <a:spLocks noGrp="1"/>
+          </p:cNvSpPr>
+          <p:nvPr>
+            <p:ph type="title"/>
+          </p:nvPr>
+        </p:nvSpPr>
+        <p:spPr/>
+        <p:txBody>
+          <a:bodyPr/>
+          <a:lstStyle/>
+          <a:p>
+            <a:r>
+              <a:rPr lang="en-US" dirty="0"/>
+              <a:t>Loss function</a:t>
+            </a:r>
+            <a:endParaRPr lang="he-IL" dirty="0"/>
+          </a:p>
+        </p:txBody>
+      </p:sp>
+      <p:sp>
+        <p:nvSpPr>
+          <p:cNvPr id="3" name="מציין מיקום תוכן 2">
+            <a:extLst>
+              <a:ext uri="{FF2B5EF4-FFF2-40B4-BE49-F238E27FC236}">
+                <a16:creationId xmlns:a16="http://schemas.microsoft.com/office/drawing/2014/main" id="{E9E11926-B3D0-4816-831A-4BD8D30854D8}"/>
+              </a:ext>
+            </a:extLst>
+          </p:cNvPr>
+          <p:cNvSpPr>
+            <a:spLocks noGrp="1"/>
+          </p:cNvSpPr>
+          <p:nvPr>
+            <p:ph idx="1"/>
+          </p:nvPr>
+        </p:nvSpPr>
+        <p:spPr/>
+        <p:txBody>
+          <a:bodyPr/>
+          <a:lstStyle/>
+          <a:p>
+            <a:endParaRPr lang="he-IL"/>
+          </a:p>
+        </p:txBody>
+      </p:sp>
+      <p:pic>
+        <p:nvPicPr>
+          <p:cNvPr id="5" name="תמונה 4">
+            <a:extLst>
+              <a:ext uri="{FF2B5EF4-FFF2-40B4-BE49-F238E27FC236}">
+                <a16:creationId xmlns:a16="http://schemas.microsoft.com/office/drawing/2014/main" id="{D061F52C-D1AD-4EAB-A1F1-70E606F5027F}"/>
+              </a:ext>
+            </a:extLst>
+          </p:cNvPr>
+          <p:cNvPicPr>
+            <a:picLocks noChangeAspect="1"/>
+          </p:cNvPicPr>
+          <p:nvPr/>
+        </p:nvPicPr>
+        <p:blipFill>
+          <a:blip r:embed="rId2"/>
+          <a:stretch>
+            <a:fillRect/>
+          </a:stretch>
+        </p:blipFill>
+        <p:spPr>
+          <a:xfrm>
+            <a:off x="1171674" y="2243138"/>
+            <a:ext cx="8001000" cy="3933825"/>
+          </a:xfrm>
+          <a:prstGeom prst="rect">
+            <a:avLst/>
+          </a:prstGeom>
+        </p:spPr>
+      </p:pic>
+    </p:spTree>
+    <p:extLst>
+      <p:ext uri="{BB962C8B-B14F-4D97-AF65-F5344CB8AC3E}">
+        <p14:creationId xmlns:p14="http://schemas.microsoft.com/office/powerpoint/2010/main" val="911054381"/>
+      </p:ext>
+    </p:extLst>
+  </p:cSld>
+  <p:clrMapOvr>
+    <a:masterClrMapping/>
+  </p:clrMapOvr>
+</p:sld>
+</file>
+
 <file path=ppt/slides/slide2.xml><?xml version="1.0" encoding="utf-8"?>
 <p:sld xmlns:a="http://schemas.openxmlformats.org/drawingml/2006/main" xmlns:r="http://schemas.openxmlformats.org/officeDocument/2006/relationships" xmlns:p="http://schemas.openxmlformats.org/presentationml/2006/main">
   <p:cSld>
@@ -3433,7 +5067,7 @@
           <p:cNvPr id="2" name="כותרת 1">
             <a:extLst>
               <a:ext uri="{FF2B5EF4-FFF2-40B4-BE49-F238E27FC236}">
-                <a16:creationId xmlns:a16="http://schemas.microsoft.com/office/drawing/2014/main" id="{1BAD0DC6-D429-4FC1-B906-205A78572EA9}"/>
+                <a16:creationId xmlns:a16="http://schemas.microsoft.com/office/drawing/2014/main" id="{12C8B7F2-C8DD-4244-B5EF-49702D9D691F}"/>
               </a:ext>
             </a:extLst>
           </p:cNvPr>
@@ -3451,69 +5085,164 @@
           <a:p>
             <a:r>
               <a:rPr lang="he-IL" dirty="0"/>
-              <a:t>בניית מודול </a:t>
+              <a:t>שאלות</a:t>
+            </a:r>
+          </a:p>
+        </p:txBody>
+      </p:sp>
+      <p:sp>
+        <p:nvSpPr>
+          <p:cNvPr id="3" name="מציין מיקום תוכן 2">
+            <a:extLst>
+              <a:ext uri="{FF2B5EF4-FFF2-40B4-BE49-F238E27FC236}">
+                <a16:creationId xmlns:a16="http://schemas.microsoft.com/office/drawing/2014/main" id="{38ED48F5-D9B8-4FA8-A780-2571FEC64F23}"/>
+              </a:ext>
+            </a:extLst>
+          </p:cNvPr>
+          <p:cNvSpPr>
+            <a:spLocks noGrp="1"/>
+          </p:cNvSpPr>
+          <p:nvPr>
+            <p:ph idx="1"/>
+          </p:nvPr>
+        </p:nvSpPr>
+        <p:spPr/>
+        <p:txBody>
+          <a:bodyPr/>
+          <a:lstStyle/>
+          <a:p>
+            <a:pPr marL="514350" indent="-514350">
+              <a:buAutoNum type="arabicPeriod"/>
+            </a:pPr>
+            <a:r>
+              <a:rPr lang="he-IL" dirty="0"/>
+              <a:t>האם גם ב </a:t>
+            </a:r>
+            <a:r>
+              <a:rPr lang="en-US" dirty="0" err="1"/>
+              <a:t>sklearn</a:t>
+            </a:r>
+            <a:r>
+              <a:rPr lang="he-IL" dirty="0"/>
+              <a:t> צריך להעביר את </a:t>
+            </a:r>
+            <a:r>
+              <a:rPr lang="he-IL" dirty="0" err="1"/>
+              <a:t>הכל</a:t>
+            </a:r>
+            <a:r>
+              <a:rPr lang="he-IL" dirty="0"/>
+              <a:t> ל </a:t>
+            </a:r>
+            <a:r>
+              <a:rPr lang="en-US" dirty="0" err="1"/>
+              <a:t>to_categorical</a:t>
             </a:r>
             <a:r>
               <a:rPr lang="en-US" dirty="0"/>
-              <a:t>(Sequential VS Functional)</a:t>
+              <a:t>()</a:t>
             </a:r>
             <a:endParaRPr lang="he-IL" dirty="0"/>
           </a:p>
-        </p:txBody>
-      </p:sp>
-      <p:sp>
-        <p:nvSpPr>
-          <p:cNvPr id="3" name="מציין מיקום תוכן 2">
-            <a:extLst>
-              <a:ext uri="{FF2B5EF4-FFF2-40B4-BE49-F238E27FC236}">
-                <a16:creationId xmlns:a16="http://schemas.microsoft.com/office/drawing/2014/main" id="{3E5F19FE-A80D-4E87-B143-FFA52B655026}"/>
-              </a:ext>
-            </a:extLst>
-          </p:cNvPr>
-          <p:cNvSpPr>
-            <a:spLocks noGrp="1"/>
-          </p:cNvSpPr>
-          <p:nvPr>
-            <p:ph idx="1"/>
-          </p:nvPr>
-        </p:nvSpPr>
-        <p:spPr/>
-        <p:txBody>
-          <a:bodyPr/>
-          <a:lstStyle/>
-          <a:p>
+          <a:p>
+            <a:pPr marL="514350" indent="-514350">
+              <a:buAutoNum type="arabicPeriod"/>
+            </a:pPr>
+            <a:r>
+              <a:rPr lang="he-IL" dirty="0"/>
+              <a:t>למה ב </a:t>
+            </a:r>
             <a:r>
               <a:rPr lang="en-US" dirty="0"/>
-              <a:t>Sequential </a:t>
-            </a:r>
-          </a:p>
-          <a:p>
-            <a:pPr lvl="1"/>
+              <a:t>classification</a:t>
+            </a:r>
             <a:r>
               <a:rPr lang="he-IL" dirty="0"/>
-              <a:t>כמו </a:t>
+              <a:t> השכבה האחרונה </a:t>
             </a:r>
             <a:r>
               <a:rPr lang="en-US" dirty="0"/>
-              <a:t>stack</a:t>
-            </a:r>
+              <a:t>activation = </a:t>
+            </a:r>
+            <a:r>
+              <a:rPr lang="en-US" dirty="0" err="1"/>
+              <a:t>softmax</a:t>
+            </a:r>
+            <a:endParaRPr lang="he-IL" dirty="0"/>
+          </a:p>
+          <a:p>
+            <a:pPr marL="514350" indent="-514350">
+              <a:buAutoNum type="arabicPeriod"/>
+            </a:pPr>
             <a:r>
               <a:rPr lang="he-IL" dirty="0"/>
-              <a:t> שמוסיפים שכבות</a:t>
-            </a:r>
-          </a:p>
-          <a:p>
+              <a:t>ב </a:t>
+            </a:r>
             <a:r>
               <a:rPr lang="en-US" dirty="0"/>
-              <a:t>Functional</a:t>
+              <a:t>classification</a:t>
+            </a:r>
+            <a:r>
+              <a:rPr lang="he-IL" dirty="0"/>
+              <a:t> איזה עוד </a:t>
+            </a:r>
+            <a:r>
+              <a:rPr lang="en-US" dirty="0"/>
+              <a:t>metrics = [‘accuracy’]</a:t>
             </a:r>
             <a:endParaRPr lang="he-IL" dirty="0"/>
           </a:p>
           <a:p>
-            <a:pPr lvl="1"/>
+            <a:pPr marL="514350" indent="-514350">
+              <a:buAutoNum type="arabicPeriod"/>
+            </a:pPr>
+            <a:r>
+              <a:rPr lang="en-US" dirty="0" err="1"/>
+              <a:t>Oprimizer</a:t>
+            </a:r>
+            <a:r>
+              <a:rPr lang="en-US" dirty="0"/>
+              <a:t> = </a:t>
+            </a:r>
+            <a:r>
+              <a:rPr lang="en-US" dirty="0" err="1"/>
+              <a:t>adam</a:t>
+            </a:r>
+            <a:endParaRPr lang="he-IL" dirty="0"/>
+          </a:p>
+          <a:p>
+            <a:pPr marL="514350" indent="-514350">
+              <a:buAutoNum type="arabicPeriod"/>
+            </a:pPr>
             <a:r>
               <a:rPr lang="he-IL" dirty="0"/>
-              <a:t>בניית גרף של ממש (לא חייב להיות לפי סדר השכבות)</a:t>
+              <a:t>כיצד בוחר את מספר השכבות ?</a:t>
+            </a:r>
+          </a:p>
+          <a:p>
+            <a:pPr marL="514350" indent="-514350">
+              <a:buAutoNum type="arabicPeriod"/>
+            </a:pPr>
+            <a:r>
+              <a:rPr lang="he-IL" dirty="0"/>
+              <a:t>כיצד בוחר את מספר הצמתים בכל שכבה ?</a:t>
+            </a:r>
+          </a:p>
+          <a:p>
+            <a:pPr marL="514350" indent="-514350">
+              <a:buAutoNum type="arabicPeriod"/>
+            </a:pPr>
+            <a:r>
+              <a:rPr lang="he-IL" dirty="0"/>
+              <a:t>מתי לא אעבוד עם </a:t>
+            </a:r>
+            <a:r>
+              <a:rPr lang="en-US" dirty="0" err="1"/>
+              <a:t>sequnial</a:t>
+            </a:r>
+            <a:r>
+              <a:rPr lang="he-IL" dirty="0"/>
+              <a:t> ?</a:t>
             </a:r>
           </a:p>
         </p:txBody>
@@ -3521,7 +5250,592 @@
     </p:spTree>
     <p:extLst>
       <p:ext uri="{BB962C8B-B14F-4D97-AF65-F5344CB8AC3E}">
-        <p14:creationId xmlns:p14="http://schemas.microsoft.com/office/powerpoint/2010/main" val="2074129968"/>
+        <p14:creationId xmlns:p14="http://schemas.microsoft.com/office/powerpoint/2010/main" val="2884737863"/>
+      </p:ext>
+    </p:extLst>
+  </p:cSld>
+  <p:clrMapOvr>
+    <a:masterClrMapping/>
+  </p:clrMapOvr>
+</p:sld>
+</file>
+
+<file path=ppt/slides/slide20.xml><?xml version="1.0" encoding="utf-8"?>
+<p:sld xmlns:a="http://schemas.openxmlformats.org/drawingml/2006/main" xmlns:r="http://schemas.openxmlformats.org/officeDocument/2006/relationships" xmlns:p="http://schemas.openxmlformats.org/presentationml/2006/main">
+  <p:cSld>
+    <p:spTree>
+      <p:nvGrpSpPr>
+        <p:cNvPr id="1" name=""/>
+        <p:cNvGrpSpPr/>
+        <p:nvPr/>
+      </p:nvGrpSpPr>
+      <p:grpSpPr>
+        <a:xfrm>
+          <a:off x="0" y="0"/>
+          <a:ext cx="0" cy="0"/>
+          <a:chOff x="0" y="0"/>
+          <a:chExt cx="0" cy="0"/>
+        </a:xfrm>
+      </p:grpSpPr>
+      <p:sp>
+        <p:nvSpPr>
+          <p:cNvPr id="2" name="כותרת 1">
+            <a:extLst>
+              <a:ext uri="{FF2B5EF4-FFF2-40B4-BE49-F238E27FC236}">
+                <a16:creationId xmlns:a16="http://schemas.microsoft.com/office/drawing/2014/main" id="{56DEA1F4-6817-464B-8BDF-BA61AC9BB8C5}"/>
+              </a:ext>
+            </a:extLst>
+          </p:cNvPr>
+          <p:cNvSpPr>
+            <a:spLocks noGrp="1"/>
+          </p:cNvSpPr>
+          <p:nvPr>
+            <p:ph type="title"/>
+          </p:nvPr>
+        </p:nvSpPr>
+        <p:spPr/>
+        <p:txBody>
+          <a:bodyPr/>
+          <a:lstStyle/>
+          <a:p>
+            <a:r>
+              <a:rPr lang="en-US" dirty="0"/>
+              <a:t>Loss function  - MSE Example	</a:t>
+            </a:r>
+            <a:endParaRPr lang="he-IL" dirty="0"/>
+          </a:p>
+        </p:txBody>
+      </p:sp>
+      <p:sp>
+        <p:nvSpPr>
+          <p:cNvPr id="3" name="מציין מיקום תוכן 2">
+            <a:extLst>
+              <a:ext uri="{FF2B5EF4-FFF2-40B4-BE49-F238E27FC236}">
+                <a16:creationId xmlns:a16="http://schemas.microsoft.com/office/drawing/2014/main" id="{4FEA5581-9B3A-4CE1-9AFD-4311521D9620}"/>
+              </a:ext>
+            </a:extLst>
+          </p:cNvPr>
+          <p:cNvSpPr>
+            <a:spLocks noGrp="1"/>
+          </p:cNvSpPr>
+          <p:nvPr>
+            <p:ph idx="1"/>
+          </p:nvPr>
+        </p:nvSpPr>
+        <p:spPr>
+          <a:xfrm>
+            <a:off x="7334054" y="1825625"/>
+            <a:ext cx="4019746" cy="4351338"/>
+          </a:xfrm>
+        </p:spPr>
+        <p:txBody>
+          <a:bodyPr/>
+          <a:lstStyle/>
+          <a:p>
+            <a:endParaRPr lang="he-IL"/>
+          </a:p>
+        </p:txBody>
+      </p:sp>
+      <p:pic>
+        <p:nvPicPr>
+          <p:cNvPr id="4" name="תמונה 3">
+            <a:extLst>
+              <a:ext uri="{FF2B5EF4-FFF2-40B4-BE49-F238E27FC236}">
+                <a16:creationId xmlns:a16="http://schemas.microsoft.com/office/drawing/2014/main" id="{A4FB7CCF-9D87-40CD-B56B-65F9892A1408}"/>
+              </a:ext>
+            </a:extLst>
+          </p:cNvPr>
+          <p:cNvPicPr>
+            <a:picLocks noChangeAspect="1"/>
+          </p:cNvPicPr>
+          <p:nvPr/>
+        </p:nvPicPr>
+        <p:blipFill>
+          <a:blip r:embed="rId2"/>
+          <a:stretch>
+            <a:fillRect/>
+          </a:stretch>
+        </p:blipFill>
+        <p:spPr>
+          <a:xfrm>
+            <a:off x="934775" y="1859061"/>
+            <a:ext cx="5495925" cy="3390900"/>
+          </a:xfrm>
+          <a:prstGeom prst="rect">
+            <a:avLst/>
+          </a:prstGeom>
+        </p:spPr>
+      </p:pic>
+    </p:spTree>
+    <p:extLst>
+      <p:ext uri="{BB962C8B-B14F-4D97-AF65-F5344CB8AC3E}">
+        <p14:creationId xmlns:p14="http://schemas.microsoft.com/office/powerpoint/2010/main" val="4223654973"/>
+      </p:ext>
+    </p:extLst>
+  </p:cSld>
+  <p:clrMapOvr>
+    <a:masterClrMapping/>
+  </p:clrMapOvr>
+</p:sld>
+</file>
+
+<file path=ppt/slides/slide21.xml><?xml version="1.0" encoding="utf-8"?>
+<p:sld xmlns:a="http://schemas.openxmlformats.org/drawingml/2006/main" xmlns:r="http://schemas.openxmlformats.org/officeDocument/2006/relationships" xmlns:p="http://schemas.openxmlformats.org/presentationml/2006/main">
+  <p:cSld>
+    <p:spTree>
+      <p:nvGrpSpPr>
+        <p:cNvPr id="1" name=""/>
+        <p:cNvGrpSpPr/>
+        <p:nvPr/>
+      </p:nvGrpSpPr>
+      <p:grpSpPr>
+        <a:xfrm>
+          <a:off x="0" y="0"/>
+          <a:ext cx="0" cy="0"/>
+          <a:chOff x="0" y="0"/>
+          <a:chExt cx="0" cy="0"/>
+        </a:xfrm>
+      </p:grpSpPr>
+      <p:sp>
+        <p:nvSpPr>
+          <p:cNvPr id="2" name="כותרת 1">
+            <a:extLst>
+              <a:ext uri="{FF2B5EF4-FFF2-40B4-BE49-F238E27FC236}">
+                <a16:creationId xmlns:a16="http://schemas.microsoft.com/office/drawing/2014/main" id="{C1E4ED09-3D63-47F2-8FD8-BB2457D0F811}"/>
+              </a:ext>
+            </a:extLst>
+          </p:cNvPr>
+          <p:cNvSpPr>
+            <a:spLocks noGrp="1"/>
+          </p:cNvSpPr>
+          <p:nvPr>
+            <p:ph type="title"/>
+          </p:nvPr>
+        </p:nvSpPr>
+        <p:spPr/>
+        <p:txBody>
+          <a:bodyPr/>
+          <a:lstStyle/>
+          <a:p>
+            <a:r>
+              <a:rPr lang="en-US" dirty="0"/>
+              <a:t>backpropagation</a:t>
+            </a:r>
+            <a:endParaRPr lang="he-IL" dirty="0"/>
+          </a:p>
+        </p:txBody>
+      </p:sp>
+      <p:sp>
+        <p:nvSpPr>
+          <p:cNvPr id="3" name="מציין מיקום תוכן 2">
+            <a:extLst>
+              <a:ext uri="{FF2B5EF4-FFF2-40B4-BE49-F238E27FC236}">
+                <a16:creationId xmlns:a16="http://schemas.microsoft.com/office/drawing/2014/main" id="{09D802FA-4F74-4985-B3ED-EB89ACBC9FCB}"/>
+              </a:ext>
+            </a:extLst>
+          </p:cNvPr>
+          <p:cNvSpPr>
+            <a:spLocks noGrp="1"/>
+          </p:cNvSpPr>
+          <p:nvPr>
+            <p:ph idx="1"/>
+          </p:nvPr>
+        </p:nvSpPr>
+        <p:spPr>
+          <a:xfrm>
+            <a:off x="838200" y="1825625"/>
+            <a:ext cx="10794476" cy="4351338"/>
+          </a:xfrm>
+        </p:spPr>
+        <p:txBody>
+          <a:bodyPr>
+            <a:noAutofit/>
+          </a:bodyPr>
+          <a:lstStyle/>
+          <a:p>
+            <a:r>
+              <a:rPr lang="he-IL" sz="2400" dirty="0"/>
+              <a:t>מבצעים </a:t>
+            </a:r>
+            <a:r>
+              <a:rPr lang="en-US" sz="2400" dirty="0"/>
+              <a:t>forward propagation</a:t>
+            </a:r>
+            <a:r>
+              <a:rPr lang="he-IL" sz="2400" dirty="0"/>
+              <a:t> ומחשבים ערך חזוי ושגיאה</a:t>
+            </a:r>
+          </a:p>
+          <a:p>
+            <a:r>
+              <a:rPr lang="he-IL" sz="2400" dirty="0"/>
+              <a:t>לפי פונקציית אופטימיזציה, חוזרים אחורה ומעדכנים משקלים (מהסוף להתחלה)</a:t>
+            </a:r>
+          </a:p>
+          <a:p>
+            <a:r>
+              <a:rPr lang="he-IL" sz="2400" dirty="0"/>
+              <a:t>מתחילים מערכי משקל </a:t>
+            </a:r>
+            <a:r>
+              <a:rPr lang="he-IL" sz="2400" dirty="0" err="1"/>
+              <a:t>אקראים</a:t>
+            </a:r>
+            <a:endParaRPr lang="he-IL" sz="2400" dirty="0"/>
+          </a:p>
+          <a:p>
+            <a:pPr marL="457200" lvl="1" indent="0">
+              <a:buNone/>
+            </a:pPr>
+            <a:endParaRPr lang="he-IL" dirty="0"/>
+          </a:p>
+        </p:txBody>
+      </p:sp>
+    </p:spTree>
+    <p:extLst>
+      <p:ext uri="{BB962C8B-B14F-4D97-AF65-F5344CB8AC3E}">
+        <p14:creationId xmlns:p14="http://schemas.microsoft.com/office/powerpoint/2010/main" val="2432502824"/>
+      </p:ext>
+    </p:extLst>
+  </p:cSld>
+  <p:clrMapOvr>
+    <a:masterClrMapping/>
+  </p:clrMapOvr>
+</p:sld>
+</file>
+
+<file path=ppt/slides/slide22.xml><?xml version="1.0" encoding="utf-8"?>
+<p:sld xmlns:a="http://schemas.openxmlformats.org/drawingml/2006/main" xmlns:r="http://schemas.openxmlformats.org/officeDocument/2006/relationships" xmlns:p="http://schemas.openxmlformats.org/presentationml/2006/main">
+  <p:cSld>
+    <p:spTree>
+      <p:nvGrpSpPr>
+        <p:cNvPr id="1" name=""/>
+        <p:cNvGrpSpPr/>
+        <p:nvPr/>
+      </p:nvGrpSpPr>
+      <p:grpSpPr>
+        <a:xfrm>
+          <a:off x="0" y="0"/>
+          <a:ext cx="0" cy="0"/>
+          <a:chOff x="0" y="0"/>
+          <a:chExt cx="0" cy="0"/>
+        </a:xfrm>
+      </p:grpSpPr>
+      <p:sp>
+        <p:nvSpPr>
+          <p:cNvPr id="2" name="כותרת 1">
+            <a:extLst>
+              <a:ext uri="{FF2B5EF4-FFF2-40B4-BE49-F238E27FC236}">
+                <a16:creationId xmlns:a16="http://schemas.microsoft.com/office/drawing/2014/main" id="{D284B8F4-FB6F-4387-9560-4BD6D7F27017}"/>
+              </a:ext>
+            </a:extLst>
+          </p:cNvPr>
+          <p:cNvSpPr>
+            <a:spLocks noGrp="1"/>
+          </p:cNvSpPr>
+          <p:nvPr>
+            <p:ph type="title"/>
+          </p:nvPr>
+        </p:nvSpPr>
+        <p:spPr/>
+        <p:txBody>
+          <a:bodyPr/>
+          <a:lstStyle/>
+          <a:p>
+            <a:pPr algn="l" rtl="0"/>
+            <a:r>
+              <a:rPr lang="en-US" dirty="0"/>
+              <a:t>dying neuron problem</a:t>
+            </a:r>
+            <a:endParaRPr lang="he-IL" dirty="0"/>
+          </a:p>
+        </p:txBody>
+      </p:sp>
+      <p:sp>
+        <p:nvSpPr>
+          <p:cNvPr id="3" name="מציין מיקום תוכן 2">
+            <a:extLst>
+              <a:ext uri="{FF2B5EF4-FFF2-40B4-BE49-F238E27FC236}">
+                <a16:creationId xmlns:a16="http://schemas.microsoft.com/office/drawing/2014/main" id="{114680FF-86A1-483B-BF59-8A2904F36787}"/>
+              </a:ext>
+            </a:extLst>
+          </p:cNvPr>
+          <p:cNvSpPr>
+            <a:spLocks noGrp="1"/>
+          </p:cNvSpPr>
+          <p:nvPr>
+            <p:ph idx="1"/>
+          </p:nvPr>
+        </p:nvSpPr>
+        <p:spPr/>
+        <p:txBody>
+          <a:bodyPr/>
+          <a:lstStyle/>
+          <a:p>
+            <a:r>
+              <a:rPr lang="he-IL" dirty="0"/>
+              <a:t>בעיה ב </a:t>
+            </a:r>
+            <a:r>
+              <a:rPr lang="en-US" dirty="0" err="1"/>
+              <a:t>Relu</a:t>
+            </a:r>
+            <a:r>
+              <a:rPr lang="he-IL" dirty="0"/>
+              <a:t> כאשר כל ערכים שלילים עוברים ל 0 ואז </a:t>
+            </a:r>
+            <a:r>
+              <a:rPr lang="he-IL" dirty="0" err="1"/>
+              <a:t>הנירון</a:t>
+            </a:r>
+            <a:r>
+              <a:rPr lang="he-IL" dirty="0"/>
+              <a:t> תקוע על 0</a:t>
+            </a:r>
+          </a:p>
+          <a:p>
+            <a:r>
+              <a:rPr lang="he-IL" dirty="0"/>
+              <a:t>במקרה זה יכול להיות שרוב הרשת לא עושה כלום </a:t>
+            </a:r>
+          </a:p>
+          <a:p>
+            <a:r>
+              <a:rPr lang="he-IL" dirty="0"/>
+              <a:t>התופעה יכולה לקרות כאשר ה </a:t>
+            </a:r>
+            <a:r>
+              <a:rPr lang="en-US" dirty="0"/>
+              <a:t>learning rate</a:t>
+            </a:r>
+            <a:r>
+              <a:rPr lang="he-IL" dirty="0"/>
+              <a:t> גבוהה</a:t>
+            </a:r>
+          </a:p>
+        </p:txBody>
+      </p:sp>
+    </p:spTree>
+    <p:extLst>
+      <p:ext uri="{BB962C8B-B14F-4D97-AF65-F5344CB8AC3E}">
+        <p14:creationId xmlns:p14="http://schemas.microsoft.com/office/powerpoint/2010/main" val="1206663152"/>
+      </p:ext>
+    </p:extLst>
+  </p:cSld>
+  <p:clrMapOvr>
+    <a:masterClrMapping/>
+  </p:clrMapOvr>
+</p:sld>
+</file>
+
+<file path=ppt/slides/slide23.xml><?xml version="1.0" encoding="utf-8"?>
+<p:sld xmlns:a="http://schemas.openxmlformats.org/drawingml/2006/main" xmlns:r="http://schemas.openxmlformats.org/officeDocument/2006/relationships" xmlns:p="http://schemas.openxmlformats.org/presentationml/2006/main">
+  <p:cSld>
+    <p:spTree>
+      <p:nvGrpSpPr>
+        <p:cNvPr id="1" name=""/>
+        <p:cNvGrpSpPr/>
+        <p:nvPr/>
+      </p:nvGrpSpPr>
+      <p:grpSpPr>
+        <a:xfrm>
+          <a:off x="0" y="0"/>
+          <a:ext cx="0" cy="0"/>
+          <a:chOff x="0" y="0"/>
+          <a:chExt cx="0" cy="0"/>
+        </a:xfrm>
+      </p:grpSpPr>
+      <p:sp>
+        <p:nvSpPr>
+          <p:cNvPr id="2" name="כותרת 1">
+            <a:extLst>
+              <a:ext uri="{FF2B5EF4-FFF2-40B4-BE49-F238E27FC236}">
+                <a16:creationId xmlns:a16="http://schemas.microsoft.com/office/drawing/2014/main" id="{DCD29FA1-A395-4921-BFF0-F2AC9094E9AB}"/>
+              </a:ext>
+            </a:extLst>
+          </p:cNvPr>
+          <p:cNvSpPr>
+            <a:spLocks noGrp="1"/>
+          </p:cNvSpPr>
+          <p:nvPr>
+            <p:ph type="title"/>
+          </p:nvPr>
+        </p:nvSpPr>
+        <p:spPr/>
+        <p:txBody>
+          <a:bodyPr/>
+          <a:lstStyle/>
+          <a:p>
+            <a:r>
+              <a:rPr lang="he-IL" dirty="0"/>
+              <a:t>שאלות</a:t>
+            </a:r>
+          </a:p>
+        </p:txBody>
+      </p:sp>
+      <p:sp>
+        <p:nvSpPr>
+          <p:cNvPr id="3" name="מציין מיקום תוכן 2">
+            <a:extLst>
+              <a:ext uri="{FF2B5EF4-FFF2-40B4-BE49-F238E27FC236}">
+                <a16:creationId xmlns:a16="http://schemas.microsoft.com/office/drawing/2014/main" id="{ECC183A5-E72D-4633-9C7F-C6CEE6050B06}"/>
+              </a:ext>
+            </a:extLst>
+          </p:cNvPr>
+          <p:cNvSpPr>
+            <a:spLocks noGrp="1"/>
+          </p:cNvSpPr>
+          <p:nvPr>
+            <p:ph idx="1"/>
+          </p:nvPr>
+        </p:nvSpPr>
+        <p:spPr/>
+        <p:txBody>
+          <a:bodyPr/>
+          <a:lstStyle/>
+          <a:p>
+            <a:pPr algn="l" rtl="0"/>
+            <a:r>
+              <a:rPr lang="en-US" dirty="0"/>
+              <a:t>Adam optimizer</a:t>
+            </a:r>
+            <a:endParaRPr lang="he-IL" dirty="0"/>
+          </a:p>
+          <a:p>
+            <a:pPr algn="l" rtl="0"/>
+            <a:r>
+              <a:rPr lang="en-US" dirty="0"/>
+              <a:t>Metric = optimizer</a:t>
+            </a:r>
+            <a:endParaRPr lang="he-IL" dirty="0"/>
+          </a:p>
+          <a:p>
+            <a:pPr algn="l" rtl="0"/>
+            <a:r>
+              <a:rPr lang="en-US" dirty="0" err="1"/>
+              <a:t>categorical_crossentropy</a:t>
+            </a:r>
+            <a:r>
+              <a:rPr lang="en-US" dirty="0"/>
+              <a:t> – loss function</a:t>
+            </a:r>
+          </a:p>
+          <a:p>
+            <a:pPr algn="l" rtl="0"/>
+            <a:r>
+              <a:rPr lang="en-US" dirty="0"/>
+              <a:t>Model: seq vs functional</a:t>
+            </a:r>
+          </a:p>
+          <a:p>
+            <a:pPr algn="l" rtl="0"/>
+            <a:r>
+              <a:rPr lang="en-US" dirty="0"/>
+              <a:t>Metric ? </a:t>
+            </a:r>
+            <a:r>
+              <a:rPr lang="en-US"/>
+              <a:t>(=accuracy)</a:t>
+            </a:r>
+            <a:endParaRPr lang="he-IL" dirty="0"/>
+          </a:p>
+        </p:txBody>
+      </p:sp>
+    </p:spTree>
+    <p:extLst>
+      <p:ext uri="{BB962C8B-B14F-4D97-AF65-F5344CB8AC3E}">
+        <p14:creationId xmlns:p14="http://schemas.microsoft.com/office/powerpoint/2010/main" val="2497399916"/>
+      </p:ext>
+    </p:extLst>
+  </p:cSld>
+  <p:clrMapOvr>
+    <a:masterClrMapping/>
+  </p:clrMapOvr>
+</p:sld>
+</file>
+
+<file path=ppt/slides/slide24.xml><?xml version="1.0" encoding="utf-8"?>
+<p:sld xmlns:a="http://schemas.openxmlformats.org/drawingml/2006/main" xmlns:r="http://schemas.openxmlformats.org/officeDocument/2006/relationships" xmlns:p="http://schemas.openxmlformats.org/presentationml/2006/main">
+  <p:cSld>
+    <p:spTree>
+      <p:nvGrpSpPr>
+        <p:cNvPr id="1" name=""/>
+        <p:cNvGrpSpPr/>
+        <p:nvPr/>
+      </p:nvGrpSpPr>
+      <p:grpSpPr>
+        <a:xfrm>
+          <a:off x="0" y="0"/>
+          <a:ext cx="0" cy="0"/>
+          <a:chOff x="0" y="0"/>
+          <a:chExt cx="0" cy="0"/>
+        </a:xfrm>
+      </p:grpSpPr>
+      <p:sp>
+        <p:nvSpPr>
+          <p:cNvPr id="2" name="כותרת 1">
+            <a:extLst>
+              <a:ext uri="{FF2B5EF4-FFF2-40B4-BE49-F238E27FC236}">
+                <a16:creationId xmlns:a16="http://schemas.microsoft.com/office/drawing/2014/main" id="{71C72253-A447-495E-80C8-1A3848767EDF}"/>
+              </a:ext>
+            </a:extLst>
+          </p:cNvPr>
+          <p:cNvSpPr>
+            <a:spLocks noGrp="1"/>
+          </p:cNvSpPr>
+          <p:nvPr>
+            <p:ph type="title"/>
+          </p:nvPr>
+        </p:nvSpPr>
+        <p:spPr/>
+        <p:txBody>
+          <a:bodyPr/>
+          <a:lstStyle/>
+          <a:p>
+            <a:r>
+              <a:rPr lang="he-IL" dirty="0"/>
+              <a:t>המלצות</a:t>
+            </a:r>
+          </a:p>
+        </p:txBody>
+      </p:sp>
+      <p:sp>
+        <p:nvSpPr>
+          <p:cNvPr id="3" name="מציין מיקום תוכן 2">
+            <a:extLst>
+              <a:ext uri="{FF2B5EF4-FFF2-40B4-BE49-F238E27FC236}">
+                <a16:creationId xmlns:a16="http://schemas.microsoft.com/office/drawing/2014/main" id="{3007449F-EC4B-49F9-A3ED-6BB1297C8A15}"/>
+              </a:ext>
+            </a:extLst>
+          </p:cNvPr>
+          <p:cNvSpPr>
+            <a:spLocks noGrp="1"/>
+          </p:cNvSpPr>
+          <p:nvPr>
+            <p:ph idx="1"/>
+          </p:nvPr>
+        </p:nvSpPr>
+        <p:spPr/>
+        <p:txBody>
+          <a:bodyPr/>
+          <a:lstStyle/>
+          <a:p>
+            <a:r>
+              <a:rPr lang="he-IL" dirty="0"/>
+              <a:t>שכבה אחרונה: </a:t>
+            </a:r>
+            <a:r>
+              <a:rPr lang="en-US" dirty="0"/>
+              <a:t>SoftMax activator</a:t>
+            </a:r>
+            <a:endParaRPr lang="he-IL" dirty="0"/>
+          </a:p>
+        </p:txBody>
+      </p:sp>
+    </p:spTree>
+    <p:extLst>
+      <p:ext uri="{BB962C8B-B14F-4D97-AF65-F5344CB8AC3E}">
+        <p14:creationId xmlns:p14="http://schemas.microsoft.com/office/powerpoint/2010/main" val="2213738560"/>
       </p:ext>
     </p:extLst>
   </p:cSld>
@@ -3553,7 +5867,7 @@
           <p:cNvPr id="2" name="כותרת 1">
             <a:extLst>
               <a:ext uri="{FF2B5EF4-FFF2-40B4-BE49-F238E27FC236}">
-                <a16:creationId xmlns:a16="http://schemas.microsoft.com/office/drawing/2014/main" id="{F29A6149-D70A-4656-896D-228EE1946575}"/>
+                <a16:creationId xmlns:a16="http://schemas.microsoft.com/office/drawing/2014/main" id="{F2328D66-87CB-4FDF-A693-40FA61C1E643}"/>
               </a:ext>
             </a:extLst>
           </p:cNvPr>
@@ -3569,15 +5883,7 @@
           <a:bodyPr/>
           <a:lstStyle/>
           <a:p>
-            <a:r>
-              <a:rPr lang="en-US" dirty="0"/>
-              <a:t>optimizers</a:t>
-            </a:r>
-            <a:r>
-              <a:rPr lang="en-US" i="1" dirty="0"/>
-              <a:t> </a:t>
-            </a:r>
-            <a:endParaRPr lang="he-IL" dirty="0"/>
+            <a:endParaRPr lang="he-IL"/>
           </a:p>
         </p:txBody>
       </p:sp>
@@ -3586,7 +5892,7 @@
           <p:cNvPr id="3" name="מציין מיקום תוכן 2">
             <a:extLst>
               <a:ext uri="{FF2B5EF4-FFF2-40B4-BE49-F238E27FC236}">
-                <a16:creationId xmlns:a16="http://schemas.microsoft.com/office/drawing/2014/main" id="{695C3410-11B3-4427-9D68-C2A5645B074D}"/>
+                <a16:creationId xmlns:a16="http://schemas.microsoft.com/office/drawing/2014/main" id="{7E38B292-5EFD-45DF-B9F4-71E7973A1882}"/>
               </a:ext>
             </a:extLst>
           </p:cNvPr>
@@ -3602,115 +5908,14 @@
           <a:bodyPr/>
           <a:lstStyle/>
           <a:p>
-            <a:r>
-              <a:rPr lang="he-IL" dirty="0"/>
-              <a:t>מטרה: למזער את ה </a:t>
-            </a:r>
-            <a:r>
-              <a:rPr lang="en-US" dirty="0"/>
-              <a:t>Error function</a:t>
-            </a:r>
-            <a:r>
-              <a:rPr lang="he-IL" dirty="0"/>
-              <a:t> </a:t>
-            </a:r>
-            <a:r>
-              <a:rPr lang="en-US" dirty="0"/>
-              <a:t>E(X)</a:t>
-            </a:r>
-            <a:r>
-              <a:rPr lang="he-IL" dirty="0"/>
-              <a:t> (נקרא גם </a:t>
-            </a:r>
-            <a:r>
-              <a:rPr lang="en-US" dirty="0"/>
-              <a:t>Loss function</a:t>
-            </a:r>
-            <a:r>
-              <a:rPr lang="he-IL" dirty="0"/>
-              <a:t>)</a:t>
-            </a:r>
-          </a:p>
-          <a:p>
-            <a:r>
-              <a:rPr lang="he-IL" dirty="0"/>
-              <a:t>יש 2 קטגוריות:</a:t>
-            </a:r>
-          </a:p>
-          <a:p>
-            <a:pPr lvl="1"/>
-            <a:r>
-              <a:rPr lang="he-IL" dirty="0"/>
-              <a:t>אופטימיזציה מסדר ראשון:</a:t>
-            </a:r>
-          </a:p>
-          <a:p>
-            <a:pPr lvl="2"/>
-            <a:r>
-              <a:rPr lang="he-IL" dirty="0"/>
-              <a:t>נגזרת מסדר ראשון</a:t>
-            </a:r>
-          </a:p>
-          <a:p>
-            <a:pPr lvl="2"/>
-            <a:r>
-              <a:rPr lang="en-US" dirty="0"/>
-              <a:t>Gradian Descent</a:t>
-            </a:r>
-            <a:endParaRPr lang="he-IL" dirty="0"/>
-          </a:p>
-          <a:p>
-            <a:pPr lvl="1"/>
-            <a:r>
-              <a:rPr lang="he-IL" dirty="0"/>
-              <a:t>אופטימיזציה מסדר שני:</a:t>
-            </a:r>
-          </a:p>
-          <a:p>
-            <a:pPr lvl="2"/>
-            <a:r>
-              <a:rPr lang="he-IL" dirty="0"/>
-              <a:t>נגזרת מסדר שני (נקרא גם </a:t>
-            </a:r>
-            <a:r>
-              <a:rPr lang="en-US" dirty="0"/>
-              <a:t>Hessian</a:t>
-            </a:r>
-            <a:r>
-              <a:rPr lang="he-IL" dirty="0"/>
-              <a:t>).</a:t>
-            </a:r>
-          </a:p>
-          <a:p>
-            <a:pPr lvl="2"/>
-            <a:r>
-              <a:rPr lang="he-IL" dirty="0"/>
-              <a:t>ניתן לדעת (לפי נגזרת שנייה) האם  הנגזרת הראשונה עולה או יורדת</a:t>
-            </a:r>
-          </a:p>
-          <a:p>
-            <a:r>
-              <a:rPr lang="he-IL" dirty="0"/>
-              <a:t>מושגים:</a:t>
-            </a:r>
-          </a:p>
-          <a:p>
-            <a:pPr lvl="1"/>
-            <a:r>
-              <a:rPr lang="en-US" dirty="0"/>
-              <a:t>Hessian Matrix</a:t>
-            </a:r>
-            <a:r>
-              <a:rPr lang="he-IL" dirty="0"/>
-              <a:t> – מטריצה ריבועית עם נגזרות חלקיות מסדר שני</a:t>
-            </a:r>
+            <a:endParaRPr lang="he-IL"/>
           </a:p>
         </p:txBody>
       </p:sp>
     </p:spTree>
     <p:extLst>
       <p:ext uri="{BB962C8B-B14F-4D97-AF65-F5344CB8AC3E}">
-        <p14:creationId xmlns:p14="http://schemas.microsoft.com/office/powerpoint/2010/main" val="2290846481"/>
+        <p14:creationId xmlns:p14="http://schemas.microsoft.com/office/powerpoint/2010/main" val="350984494"/>
       </p:ext>
     </p:extLst>
   </p:cSld>
@@ -3742,7 +5947,7 @@
           <p:cNvPr id="2" name="כותרת 1">
             <a:extLst>
               <a:ext uri="{FF2B5EF4-FFF2-40B4-BE49-F238E27FC236}">
-                <a16:creationId xmlns:a16="http://schemas.microsoft.com/office/drawing/2014/main" id="{F29A6149-D70A-4656-896D-228EE1946575}"/>
+                <a16:creationId xmlns:a16="http://schemas.microsoft.com/office/drawing/2014/main" id="{C8ABA933-706F-4803-B5EC-57D4D2284750}"/>
               </a:ext>
             </a:extLst>
           </p:cNvPr>
@@ -3759,57 +5964,249 @@
           <a:lstStyle/>
           <a:p>
             <a:r>
-              <a:rPr lang="en-US" dirty="0"/>
-              <a:t>optimizers</a:t>
-            </a:r>
-            <a:r>
-              <a:rPr lang="en-US" i="1" dirty="0"/>
-              <a:t> </a:t>
-            </a:r>
-            <a:endParaRPr lang="he-IL" dirty="0"/>
-          </a:p>
-        </p:txBody>
-      </p:sp>
-      <p:sp>
-        <p:nvSpPr>
-          <p:cNvPr id="3" name="מציין מיקום תוכן 2">
-            <a:extLst>
-              <a:ext uri="{FF2B5EF4-FFF2-40B4-BE49-F238E27FC236}">
-                <a16:creationId xmlns:a16="http://schemas.microsoft.com/office/drawing/2014/main" id="{695C3410-11B3-4427-9D68-C2A5645B074D}"/>
-              </a:ext>
-            </a:extLst>
-          </p:cNvPr>
-          <p:cNvSpPr>
-            <a:spLocks noGrp="1"/>
-          </p:cNvSpPr>
-          <p:nvPr>
-            <p:ph idx="1"/>
-          </p:nvPr>
-        </p:nvSpPr>
-        <p:spPr/>
-        <p:txBody>
-          <a:bodyPr/>
-          <a:lstStyle/>
-          <a:p>
-            <a:r>
               <a:rPr lang="he-IL" dirty="0"/>
-              <a:t>סוגים:</a:t>
-            </a:r>
-          </a:p>
-          <a:p>
-            <a:pPr lvl="1"/>
-            <a:r>
-              <a:rPr lang="en-US" dirty="0"/>
-              <a:t>Gradient Descent</a:t>
-            </a:r>
-            <a:endParaRPr lang="he-IL" dirty="0"/>
-          </a:p>
-        </p:txBody>
-      </p:sp>
+              <a:t>מושגים		</a:t>
+            </a:r>
+          </a:p>
+        </p:txBody>
+      </p:sp>
+      <mc:AlternateContent xmlns:mc="http://schemas.openxmlformats.org/markup-compatibility/2006" xmlns:a14="http://schemas.microsoft.com/office/drawing/2010/main">
+        <mc:Choice Requires="a14">
+          <p:sp>
+            <p:nvSpPr>
+              <p:cNvPr id="3" name="מציין מיקום תוכן 2">
+                <a:extLst>
+                  <a:ext uri="{FF2B5EF4-FFF2-40B4-BE49-F238E27FC236}">
+                    <a16:creationId xmlns:a16="http://schemas.microsoft.com/office/drawing/2014/main" id="{A9B33E1B-C748-4B22-9C8A-FEA463058DEA}"/>
+                  </a:ext>
+                </a:extLst>
+              </p:cNvPr>
+              <p:cNvSpPr>
+                <a:spLocks noGrp="1"/>
+              </p:cNvSpPr>
+              <p:nvPr>
+                <p:ph idx="1"/>
+              </p:nvPr>
+            </p:nvSpPr>
+            <p:spPr/>
+            <p:txBody>
+              <a:bodyPr/>
+              <a:lstStyle/>
+              <a:p>
+                <a:pPr algn="l" rtl="0"/>
+                <a:r>
+                  <a:rPr lang="en-US" dirty="0"/>
+                  <a:t>Forward propagation</a:t>
+                </a:r>
+              </a:p>
+              <a:p>
+                <a:pPr lvl="1" algn="l" rtl="0"/>
+                <a:r>
+                  <a:rPr lang="en-US" dirty="0"/>
+                  <a:t>Activation Function:</a:t>
+                </a:r>
+              </a:p>
+              <a:p>
+                <a:pPr lvl="2" algn="l" rtl="0"/>
+                <a:r>
+                  <a:rPr lang="en-US" dirty="0"/>
+                  <a:t>F(x) = </a:t>
+                </a:r>
+                <a14:m>
+                  <m:oMath xmlns:m="http://schemas.openxmlformats.org/officeDocument/2006/math">
+                    <m:r>
+                      <a:rPr lang="en-US" b="0" i="1" smtClean="0">
+                        <a:latin typeface="Cambria Math" panose="02040503050406030204" pitchFamily="18" charset="0"/>
+                      </a:rPr>
+                      <m:t>𝑓</m:t>
+                    </m:r>
+                    <m:d>
+                      <m:dPr>
+                        <m:ctrlPr>
+                          <a:rPr lang="en-US" b="0" i="1" smtClean="0">
+                            <a:latin typeface="Cambria Math" panose="02040503050406030204" pitchFamily="18" charset="0"/>
+                          </a:rPr>
+                        </m:ctrlPr>
+                      </m:dPr>
+                      <m:e>
+                        <m:r>
+                          <a:rPr lang="en-US" b="0" i="1" smtClean="0">
+                            <a:latin typeface="Cambria Math" panose="02040503050406030204" pitchFamily="18" charset="0"/>
+                          </a:rPr>
+                          <m:t>𝑥</m:t>
+                        </m:r>
+                      </m:e>
+                    </m:d>
+                    <m:r>
+                      <a:rPr lang="en-US" b="0" i="1" smtClean="0">
+                        <a:latin typeface="Cambria Math" panose="02040503050406030204" pitchFamily="18" charset="0"/>
+                      </a:rPr>
+                      <m:t>= </m:t>
+                    </m:r>
+                    <m:nary>
+                      <m:naryPr>
+                        <m:chr m:val="∑"/>
+                        <m:subHide m:val="on"/>
+                        <m:supHide m:val="on"/>
+                        <m:ctrlPr>
+                          <a:rPr lang="en-US" b="0" i="1" smtClean="0">
+                            <a:latin typeface="Cambria Math" panose="02040503050406030204" pitchFamily="18" charset="0"/>
+                          </a:rPr>
+                        </m:ctrlPr>
+                      </m:naryPr>
+                      <m:sub/>
+                      <m:sup/>
+                      <m:e>
+                        <m:sSub>
+                          <m:sSubPr>
+                            <m:ctrlPr>
+                              <a:rPr lang="en-US" i="1">
+                                <a:latin typeface="Cambria Math" panose="02040503050406030204" pitchFamily="18" charset="0"/>
+                              </a:rPr>
+                            </m:ctrlPr>
+                          </m:sSubPr>
+                          <m:e>
+                            <m:r>
+                              <a:rPr lang="en-US" i="1">
+                                <a:latin typeface="Cambria Math" panose="02040503050406030204" pitchFamily="18" charset="0"/>
+                              </a:rPr>
+                              <m:t>𝑤</m:t>
+                            </m:r>
+                          </m:e>
+                          <m:sub>
+                            <m:r>
+                              <a:rPr lang="en-US" i="1">
+                                <a:latin typeface="Cambria Math" panose="02040503050406030204" pitchFamily="18" charset="0"/>
+                              </a:rPr>
+                              <m:t>𝑖</m:t>
+                            </m:r>
+                          </m:sub>
+                        </m:sSub>
+                        <m:r>
+                          <a:rPr lang="en-US" b="0" i="1" smtClean="0">
+                            <a:latin typeface="Cambria Math" panose="02040503050406030204" pitchFamily="18" charset="0"/>
+                          </a:rPr>
+                          <m:t>∗</m:t>
+                        </m:r>
+                        <m:sSub>
+                          <m:sSubPr>
+                            <m:ctrlPr>
+                              <a:rPr lang="en-US" b="0" i="1" smtClean="0">
+                                <a:latin typeface="Cambria Math" panose="02040503050406030204" pitchFamily="18" charset="0"/>
+                              </a:rPr>
+                            </m:ctrlPr>
+                          </m:sSubPr>
+                          <m:e>
+                            <m:r>
+                              <a:rPr lang="en-US" b="0" i="1" smtClean="0">
+                                <a:latin typeface="Cambria Math" panose="02040503050406030204" pitchFamily="18" charset="0"/>
+                              </a:rPr>
+                              <m:t>𝑥</m:t>
+                            </m:r>
+                          </m:e>
+                          <m:sub>
+                            <m:r>
+                              <a:rPr lang="en-US" b="0" i="1" smtClean="0">
+                                <a:latin typeface="Cambria Math" panose="02040503050406030204" pitchFamily="18" charset="0"/>
+                              </a:rPr>
+                              <m:t>𝑖</m:t>
+                            </m:r>
+                          </m:sub>
+                        </m:sSub>
+                        <m:r>
+                          <a:rPr lang="en-US" b="0" i="1" smtClean="0">
+                            <a:latin typeface="Cambria Math" panose="02040503050406030204" pitchFamily="18" charset="0"/>
+                          </a:rPr>
+                          <m:t>+</m:t>
+                        </m:r>
+                        <m:r>
+                          <a:rPr lang="en-US" b="0" i="1" smtClean="0">
+                            <a:latin typeface="Cambria Math" panose="02040503050406030204" pitchFamily="18" charset="0"/>
+                          </a:rPr>
+                          <m:t>𝑏𝑖𝑎𝑠</m:t>
+                        </m:r>
+                      </m:e>
+                    </m:nary>
+                  </m:oMath>
+                </a14:m>
+                <a:endParaRPr lang="en-US" b="0" dirty="0"/>
+              </a:p>
+              <a:p>
+                <a:pPr lvl="3" algn="l" rtl="0"/>
+                <a:r>
+                  <a:rPr lang="en-US" dirty="0"/>
+                  <a:t>F(x):</a:t>
+                </a:r>
+              </a:p>
+              <a:p>
+                <a:pPr lvl="4" algn="l" rtl="0"/>
+                <a:r>
+                  <a:rPr lang="en-US" dirty="0"/>
+                  <a:t>Tanh</a:t>
+                </a:r>
+              </a:p>
+              <a:p>
+                <a:pPr lvl="4" algn="l" rtl="0"/>
+                <a:r>
+                  <a:rPr lang="en-US" dirty="0"/>
+                  <a:t>RELU</a:t>
+                </a:r>
+              </a:p>
+              <a:p>
+                <a:pPr algn="l" rtl="0"/>
+                <a:r>
+                  <a:rPr lang="en-US" dirty="0"/>
+                  <a:t>Backward propagation</a:t>
+                </a:r>
+                <a:endParaRPr lang="he-IL" dirty="0"/>
+              </a:p>
+            </p:txBody>
+          </p:sp>
+        </mc:Choice>
+        <mc:Fallback xmlns="">
+          <p:sp>
+            <p:nvSpPr>
+              <p:cNvPr id="3" name="מציין מיקום תוכן 2">
+                <a:extLst>
+                  <a:ext uri="{FF2B5EF4-FFF2-40B4-BE49-F238E27FC236}">
+                    <a16:creationId xmlns:a16="http://schemas.microsoft.com/office/drawing/2014/main" id="{A9B33E1B-C748-4B22-9C8A-FEA463058DEA}"/>
+                  </a:ext>
+                </a:extLst>
+              </p:cNvPr>
+              <p:cNvSpPr>
+                <a:spLocks noGrp="1" noRot="1" noChangeAspect="1" noMove="1" noResize="1" noEditPoints="1" noAdjustHandles="1" noChangeArrowheads="1" noChangeShapeType="1" noTextEdit="1"/>
+              </p:cNvSpPr>
+              <p:nvPr>
+                <p:ph idx="1"/>
+              </p:nvPr>
+            </p:nvSpPr>
+            <p:spPr>
+              <a:blipFill>
+                <a:blip r:embed="rId2"/>
+                <a:stretch>
+                  <a:fillRect l="-1043" t="-2241"/>
+                </a:stretch>
+              </a:blipFill>
+            </p:spPr>
+            <p:txBody>
+              <a:bodyPr/>
+              <a:lstStyle/>
+              <a:p>
+                <a:r>
+                  <a:rPr lang="he-IL">
+                    <a:noFill/>
+                  </a:rPr>
+                  <a:t> </a:t>
+                </a:r>
+              </a:p>
+            </p:txBody>
+          </p:sp>
+        </mc:Fallback>
+      </mc:AlternateContent>
     </p:spTree>
     <p:extLst>
       <p:ext uri="{BB962C8B-B14F-4D97-AF65-F5344CB8AC3E}">
-        <p14:creationId xmlns:p14="http://schemas.microsoft.com/office/powerpoint/2010/main" val="3096696925"/>
+        <p14:creationId xmlns:p14="http://schemas.microsoft.com/office/powerpoint/2010/main" val="2982303057"/>
       </p:ext>
     </p:extLst>
   </p:cSld>
@@ -3841,7 +6238,7 @@
           <p:cNvPr id="2" name="כותרת 1">
             <a:extLst>
               <a:ext uri="{FF2B5EF4-FFF2-40B4-BE49-F238E27FC236}">
-                <a16:creationId xmlns:a16="http://schemas.microsoft.com/office/drawing/2014/main" id="{7E76473D-9FEB-45E6-B329-E2CE585B9CEB}"/>
+                <a16:creationId xmlns:a16="http://schemas.microsoft.com/office/drawing/2014/main" id="{406DA9D8-E7BA-480A-AFC3-A4EBC385588F}"/>
               </a:ext>
             </a:extLst>
           </p:cNvPr>
@@ -3858,9 +6255,10 @@
           <a:lstStyle/>
           <a:p>
             <a:r>
-              <a:rPr lang="he-IL" dirty="0"/>
-              <a:t>מושגים		</a:t>
-            </a:r>
+              <a:rPr lang="en-US" dirty="0"/>
+              <a:t>Activation Functions</a:t>
+            </a:r>
+            <a:endParaRPr lang="he-IL" dirty="0"/>
           </a:p>
         </p:txBody>
       </p:sp>
@@ -3869,7 +6267,7 @@
           <p:cNvPr id="3" name="מציין מיקום תוכן 2">
             <a:extLst>
               <a:ext uri="{FF2B5EF4-FFF2-40B4-BE49-F238E27FC236}">
-                <a16:creationId xmlns:a16="http://schemas.microsoft.com/office/drawing/2014/main" id="{450B8285-2436-444A-8F8E-7BDFED90A9AF}"/>
+                <a16:creationId xmlns:a16="http://schemas.microsoft.com/office/drawing/2014/main" id="{C95E10A6-7D1B-4C2F-A996-A5D680CDC25E}"/>
               </a:ext>
             </a:extLst>
           </p:cNvPr>
@@ -3882,174 +6280,231 @@
         </p:nvSpPr>
         <p:spPr>
           <a:xfrm>
-            <a:off x="838200" y="1276350"/>
-            <a:ext cx="10515600" cy="4900613"/>
+            <a:off x="838200" y="1852258"/>
+            <a:ext cx="10515600" cy="4351338"/>
           </a:xfrm>
         </p:spPr>
         <p:txBody>
           <a:bodyPr/>
           <a:lstStyle/>
           <a:p>
+            <a:pPr algn="l" rtl="0"/>
             <a:r>
               <a:rPr lang="en-US" dirty="0"/>
-              <a:t>perceptron </a:t>
-            </a:r>
-            <a:endParaRPr lang="he-IL" dirty="0"/>
-          </a:p>
-          <a:p>
-            <a:pPr lvl="1"/>
+              <a:t>Identity Function</a:t>
+            </a:r>
+          </a:p>
+          <a:p>
+            <a:pPr algn="l" rtl="0"/>
             <a:r>
               <a:rPr lang="en-US" dirty="0"/>
-              <a:t>X</a:t>
-            </a:r>
-            <a:r>
-              <a:rPr lang="he-IL" dirty="0"/>
-              <a:t> – </a:t>
-            </a:r>
+              <a:t>Sigmoid</a:t>
+            </a:r>
+          </a:p>
+          <a:p>
+            <a:pPr algn="l" rtl="0"/>
+            <a:r>
+              <a:rPr lang="en-US"/>
+              <a:t>Softmax</a:t>
+            </a:r>
+            <a:endParaRPr lang="en-US" dirty="0"/>
+          </a:p>
+          <a:p>
+            <a:pPr algn="l" rtl="0"/>
+            <a:r>
+              <a:rPr lang="en-US" dirty="0" err="1"/>
+              <a:t>Relu</a:t>
+            </a:r>
+            <a:endParaRPr lang="en-US" dirty="0"/>
+          </a:p>
+          <a:p>
+            <a:pPr algn="l" rtl="0"/>
             <a:r>
               <a:rPr lang="en-US" dirty="0"/>
-              <a:t>features</a:t>
-            </a:r>
-            <a:endParaRPr lang="he-IL" dirty="0"/>
-          </a:p>
-          <a:p>
-            <a:pPr lvl="1"/>
-            <a:r>
-              <a:rPr lang="en-US" dirty="0"/>
-              <a:t>Wo/b</a:t>
-            </a:r>
-            <a:r>
-              <a:rPr lang="he-IL" dirty="0"/>
-              <a:t> – </a:t>
-            </a:r>
-            <a:r>
-              <a:rPr lang="en-US" dirty="0"/>
-              <a:t>bias</a:t>
-            </a:r>
-            <a:endParaRPr lang="he-IL" dirty="0"/>
-          </a:p>
-          <a:p>
-            <a:r>
-              <a:rPr lang="en-US" dirty="0"/>
-              <a:t>Error</a:t>
-            </a:r>
-            <a:r>
-              <a:rPr lang="he-IL" dirty="0"/>
-              <a:t> -הפרש בין המחושב לצפוי</a:t>
-            </a:r>
-          </a:p>
-          <a:p>
-            <a:pPr lvl="1"/>
-            <a:r>
-              <a:rPr lang="en-US" dirty="0"/>
-              <a:t>Loss function</a:t>
-            </a:r>
-            <a:r>
-              <a:rPr lang="he-IL" dirty="0"/>
-              <a:t> – פונקציה לחישוב השגיאה</a:t>
-            </a:r>
-          </a:p>
-          <a:p>
-            <a:pPr lvl="2"/>
-            <a:r>
-              <a:rPr lang="en-US" dirty="0"/>
-              <a:t>MSE – mean square error</a:t>
-            </a:r>
-            <a:endParaRPr lang="he-IL" dirty="0"/>
-          </a:p>
-          <a:p>
-            <a:pPr lvl="1"/>
-            <a:r>
-              <a:rPr lang="he-IL" dirty="0"/>
-              <a:t>השגיאה מועברת חזרה </a:t>
-            </a:r>
-            <a:r>
-              <a:rPr lang="en-US" dirty="0"/>
-              <a:t>(back propagation)</a:t>
-            </a:r>
-            <a:r>
-              <a:rPr lang="he-IL" dirty="0"/>
-              <a:t> לשכבה הקודמת למזער אותה (משנים את ה </a:t>
-            </a:r>
-            <a:r>
-              <a:rPr lang="en-US" dirty="0"/>
-              <a:t>weights and bias</a:t>
-            </a:r>
-            <a:r>
-              <a:rPr lang="he-IL" dirty="0"/>
-              <a:t>)</a:t>
-            </a:r>
-          </a:p>
-          <a:p>
-            <a:pPr lvl="1"/>
-            <a:r>
-              <a:rPr lang="he-IL" dirty="0"/>
-              <a:t>המשקלים מתעדכנים לפי </a:t>
-            </a:r>
-            <a:r>
-              <a:rPr lang="en-US" dirty="0"/>
-              <a:t>optimization function</a:t>
-            </a:r>
-            <a:endParaRPr lang="he-IL" dirty="0"/>
-          </a:p>
-          <a:p>
-            <a:pPr lvl="2"/>
-            <a:r>
-              <a:rPr lang="en-US" dirty="0" err="1"/>
-              <a:t>Graidant</a:t>
-            </a:r>
-            <a:endParaRPr lang="he-IL" dirty="0"/>
-          </a:p>
-          <a:p>
-            <a:r>
-              <a:rPr lang="en-US" dirty="0"/>
-              <a:t>Activation Function</a:t>
-            </a:r>
-            <a:endParaRPr lang="he-IL" dirty="0"/>
-          </a:p>
-          <a:p>
-            <a:pPr lvl="1"/>
-            <a:r>
-              <a:rPr lang="he-IL" dirty="0"/>
-              <a:t>פונקציה בכל </a:t>
-            </a:r>
-            <a:r>
-              <a:rPr lang="en-US" dirty="0"/>
-              <a:t>node</a:t>
-            </a:r>
-            <a:r>
-              <a:rPr lang="he-IL" dirty="0"/>
-              <a:t>. (</a:t>
-            </a:r>
-            <a:r>
-              <a:rPr lang="he-IL" dirty="0" err="1"/>
-              <a:t>בהניתן</a:t>
-            </a:r>
-            <a:r>
-              <a:rPr lang="he-IL" dirty="0"/>
-              <a:t> קלט מוציאה פלט)</a:t>
-            </a:r>
-          </a:p>
-          <a:p>
-            <a:pPr lvl="2"/>
-            <a:endParaRPr lang="he-IL" dirty="0"/>
-          </a:p>
-          <a:p>
-            <a:pPr lvl="1"/>
-            <a:endParaRPr lang="he-IL" dirty="0"/>
-          </a:p>
-          <a:p>
-            <a:pPr lvl="1"/>
-            <a:endParaRPr lang="he-IL" dirty="0"/>
-          </a:p>
-        </p:txBody>
-      </p:sp>
+              <a:t>Tanh</a:t>
+            </a:r>
+          </a:p>
+          <a:p>
+            <a:pPr marL="0" indent="0" algn="l" rtl="0">
+              <a:buNone/>
+            </a:pPr>
+            <a:endParaRPr lang="en-US" dirty="0"/>
+          </a:p>
+          <a:p>
+            <a:pPr marL="0" indent="0" algn="l" rtl="0">
+              <a:buNone/>
+            </a:pPr>
+            <a:endParaRPr lang="en-US" dirty="0"/>
+          </a:p>
+        </p:txBody>
+      </p:sp>
+      <p:graphicFrame>
+        <p:nvGraphicFramePr>
+          <p:cNvPr id="4" name="טבלה 4">
+            <a:extLst>
+              <a:ext uri="{FF2B5EF4-FFF2-40B4-BE49-F238E27FC236}">
+                <a16:creationId xmlns:a16="http://schemas.microsoft.com/office/drawing/2014/main" id="{E3261B79-F00B-40DE-90D6-DB2D8D789089}"/>
+              </a:ext>
+            </a:extLst>
+          </p:cNvPr>
+          <p:cNvGraphicFramePr>
+            <a:graphicFrameLocks noGrp="1"/>
+          </p:cNvGraphicFramePr>
+          <p:nvPr>
+            <p:extLst>
+              <p:ext uri="{D42A27DB-BD31-4B8C-83A1-F6EECF244321}">
+                <p14:modId xmlns:p14="http://schemas.microsoft.com/office/powerpoint/2010/main" val="2329063128"/>
+              </p:ext>
+            </p:extLst>
+          </p:nvPr>
+        </p:nvGraphicFramePr>
+        <p:xfrm>
+          <a:off x="1650260" y="4027927"/>
+          <a:ext cx="8128000" cy="2753360"/>
+        </p:xfrm>
+        <a:graphic>
+          <a:graphicData uri="http://schemas.openxmlformats.org/drawingml/2006/table">
+            <a:tbl>
+              <a:tblPr rtl="1" firstRow="1" bandRow="1">
+                <a:tableStyleId>{5C22544A-7EE6-4342-B048-85BDC9FD1C3A}</a:tableStyleId>
+              </a:tblPr>
+              <a:tblGrid>
+                <a:gridCol w="4064000">
+                  <a:extLst>
+                    <a:ext uri="{9D8B030D-6E8A-4147-A177-3AD203B41FA5}">
+                      <a16:colId xmlns:a16="http://schemas.microsoft.com/office/drawing/2014/main" val="127964751"/>
+                    </a:ext>
+                  </a:extLst>
+                </a:gridCol>
+                <a:gridCol w="4064000">
+                  <a:extLst>
+                    <a:ext uri="{9D8B030D-6E8A-4147-A177-3AD203B41FA5}">
+                      <a16:colId xmlns:a16="http://schemas.microsoft.com/office/drawing/2014/main" val="254942836"/>
+                    </a:ext>
+                  </a:extLst>
+                </a:gridCol>
+              </a:tblGrid>
+              <a:tr h="370840">
+                <a:tc>
+                  <a:txBody>
+                    <a:bodyPr/>
+                    <a:lstStyle/>
+                    <a:p>
+                      <a:pPr rtl="1"/>
+                      <a:endParaRPr lang="he-IL"/>
+                    </a:p>
+                  </a:txBody>
+                  <a:tcPr/>
+                </a:tc>
+                <a:tc>
+                  <a:txBody>
+                    <a:bodyPr/>
+                    <a:lstStyle/>
+                    <a:p>
+                      <a:pPr rtl="1"/>
+                      <a:endParaRPr lang="he-IL"/>
+                    </a:p>
+                  </a:txBody>
+                  <a:tcPr/>
+                </a:tc>
+                <a:extLst>
+                  <a:ext uri="{0D108BD9-81ED-4DB2-BD59-A6C34878D82A}">
+                    <a16:rowId xmlns:a16="http://schemas.microsoft.com/office/drawing/2014/main" val="3713915046"/>
+                  </a:ext>
+                </a:extLst>
+              </a:tr>
+              <a:tr h="370840">
+                <a:tc>
+                  <a:txBody>
+                    <a:bodyPr/>
+                    <a:lstStyle/>
+                    <a:p>
+                      <a:pPr rtl="1"/>
+                      <a:endParaRPr lang="en-US" dirty="0"/>
+                    </a:p>
+                    <a:p>
+                      <a:pPr rtl="1"/>
+                      <a:endParaRPr lang="en-US" dirty="0"/>
+                    </a:p>
+                    <a:p>
+                      <a:pPr rtl="1"/>
+                      <a:endParaRPr lang="en-US" dirty="0"/>
+                    </a:p>
+                    <a:p>
+                      <a:pPr rtl="1"/>
+                      <a:endParaRPr lang="en-US" dirty="0"/>
+                    </a:p>
+                    <a:p>
+                      <a:pPr rtl="1"/>
+                      <a:endParaRPr lang="en-US" dirty="0"/>
+                    </a:p>
+                    <a:p>
+                      <a:pPr rtl="1"/>
+                      <a:endParaRPr lang="en-US" dirty="0"/>
+                    </a:p>
+                    <a:p>
+                      <a:pPr rtl="1"/>
+                      <a:endParaRPr lang="he-IL" dirty="0"/>
+                    </a:p>
+                  </a:txBody>
+                  <a:tcPr/>
+                </a:tc>
+                <a:tc>
+                  <a:txBody>
+                    <a:bodyPr/>
+                    <a:lstStyle/>
+                    <a:p>
+                      <a:pPr rtl="1"/>
+                      <a:endParaRPr lang="he-IL"/>
+                    </a:p>
+                  </a:txBody>
+                  <a:tcPr/>
+                </a:tc>
+                <a:extLst>
+                  <a:ext uri="{0D108BD9-81ED-4DB2-BD59-A6C34878D82A}">
+                    <a16:rowId xmlns:a16="http://schemas.microsoft.com/office/drawing/2014/main" val="3738830518"/>
+                  </a:ext>
+                </a:extLst>
+              </a:tr>
+              <a:tr h="370840">
+                <a:tc>
+                  <a:txBody>
+                    <a:bodyPr/>
+                    <a:lstStyle/>
+                    <a:p>
+                      <a:pPr rtl="1"/>
+                      <a:endParaRPr lang="he-IL"/>
+                    </a:p>
+                  </a:txBody>
+                  <a:tcPr/>
+                </a:tc>
+                <a:tc>
+                  <a:txBody>
+                    <a:bodyPr/>
+                    <a:lstStyle/>
+                    <a:p>
+                      <a:pPr rtl="1"/>
+                      <a:endParaRPr lang="he-IL" dirty="0"/>
+                    </a:p>
+                  </a:txBody>
+                  <a:tcPr/>
+                </a:tc>
+                <a:extLst>
+                  <a:ext uri="{0D108BD9-81ED-4DB2-BD59-A6C34878D82A}">
+                    <a16:rowId xmlns:a16="http://schemas.microsoft.com/office/drawing/2014/main" val="822548265"/>
+                  </a:ext>
+                </a:extLst>
+              </a:tr>
+            </a:tbl>
+          </a:graphicData>
+        </a:graphic>
+      </p:graphicFrame>
       <p:pic>
         <p:nvPicPr>
           <p:cNvPr id="1026" name="Picture 2">
             <a:extLst>
               <a:ext uri="{FF2B5EF4-FFF2-40B4-BE49-F238E27FC236}">
-                <a16:creationId xmlns:a16="http://schemas.microsoft.com/office/drawing/2014/main" id="{10941047-525F-47EA-B116-22565180A4B1}"/>
+                <a16:creationId xmlns:a16="http://schemas.microsoft.com/office/drawing/2014/main" id="{ACA621AE-9DEA-4773-9C3E-08973353ED8B}"/>
               </a:ext>
             </a:extLst>
           </p:cNvPr>
@@ -4073,102 +6528,8 @@
         </p:blipFill>
         <p:spPr bwMode="auto">
           <a:xfrm>
-            <a:off x="6375369" y="681037"/>
-            <a:ext cx="2105085" cy="1685131"/>
-          </a:xfrm>
-          <a:prstGeom prst="rect">
-            <a:avLst/>
-          </a:prstGeom>
-          <a:noFill/>
-          <a:extLst>
-            <a:ext uri="{909E8E84-426E-40DD-AFC4-6F175D3DCCD1}">
-              <a14:hiddenFill xmlns:a14="http://schemas.microsoft.com/office/drawing/2010/main">
-                <a:solidFill>
-                  <a:srgbClr val="FFFFFF"/>
-                </a:solidFill>
-              </a14:hiddenFill>
-            </a:ext>
-          </a:extLst>
-        </p:spPr>
-      </p:pic>
-      <p:pic>
-        <p:nvPicPr>
-          <p:cNvPr id="1028" name="Picture 4">
-            <a:extLst>
-              <a:ext uri="{FF2B5EF4-FFF2-40B4-BE49-F238E27FC236}">
-                <a16:creationId xmlns:a16="http://schemas.microsoft.com/office/drawing/2014/main" id="{065A13E9-CA17-4093-A552-25F162AAE056}"/>
-              </a:ext>
-            </a:extLst>
-          </p:cNvPr>
-          <p:cNvPicPr>
-            <a:picLocks noChangeAspect="1" noChangeArrowheads="1"/>
-          </p:cNvPicPr>
-          <p:nvPr/>
-        </p:nvPicPr>
-        <p:blipFill>
-          <a:blip r:embed="rId3">
-            <a:extLst>
-              <a:ext uri="{28A0092B-C50C-407E-A947-70E740481C1C}">
-                <a14:useLocalDpi xmlns:a14="http://schemas.microsoft.com/office/drawing/2010/main" val="0"/>
-              </a:ext>
-            </a:extLst>
-          </a:blip>
-          <a:srcRect/>
-          <a:stretch>
-            <a:fillRect/>
-          </a:stretch>
-        </p:blipFill>
-        <p:spPr bwMode="auto">
-          <a:xfrm>
-            <a:off x="3309938" y="3771900"/>
-            <a:ext cx="1685925" cy="304800"/>
-          </a:xfrm>
-          <a:prstGeom prst="rect">
-            <a:avLst/>
-          </a:prstGeom>
-          <a:noFill/>
-          <a:extLst>
-            <a:ext uri="{909E8E84-426E-40DD-AFC4-6F175D3DCCD1}">
-              <a14:hiddenFill xmlns:a14="http://schemas.microsoft.com/office/drawing/2010/main">
-                <a:solidFill>
-                  <a:srgbClr val="FFFFFF"/>
-                </a:solidFill>
-              </a14:hiddenFill>
-            </a:ext>
-          </a:extLst>
-        </p:spPr>
-      </p:pic>
-      <p:pic>
-        <p:nvPicPr>
-          <p:cNvPr id="1030" name="Picture 6">
-            <a:extLst>
-              <a:ext uri="{FF2B5EF4-FFF2-40B4-BE49-F238E27FC236}">
-                <a16:creationId xmlns:a16="http://schemas.microsoft.com/office/drawing/2014/main" id="{03D8BC77-906A-4804-9341-EE71CB31BA0F}"/>
-              </a:ext>
-            </a:extLst>
-          </p:cNvPr>
-          <p:cNvPicPr>
-            <a:picLocks noChangeAspect="1" noChangeArrowheads="1"/>
-          </p:cNvPicPr>
-          <p:nvPr/>
-        </p:nvPicPr>
-        <p:blipFill>
-          <a:blip r:embed="rId4">
-            <a:extLst>
-              <a:ext uri="{28A0092B-C50C-407E-A947-70E740481C1C}">
-                <a14:useLocalDpi xmlns:a14="http://schemas.microsoft.com/office/drawing/2010/main" val="0"/>
-              </a:ext>
-            </a:extLst>
-          </a:blip>
-          <a:srcRect/>
-          <a:stretch>
-            <a:fillRect/>
-          </a:stretch>
-        </p:blipFill>
-        <p:spPr bwMode="auto">
-          <a:xfrm>
-            <a:off x="682158" y="5172869"/>
-            <a:ext cx="2784942" cy="1508125"/>
+            <a:off x="6015038" y="4486392"/>
+            <a:ext cx="2757487" cy="1836429"/>
           </a:xfrm>
           <a:prstGeom prst="rect">
             <a:avLst/>
@@ -4188,7 +6549,7 @@
     </p:spTree>
     <p:extLst>
       <p:ext uri="{BB962C8B-B14F-4D97-AF65-F5344CB8AC3E}">
-        <p14:creationId xmlns:p14="http://schemas.microsoft.com/office/powerpoint/2010/main" val="3087886662"/>
+        <p14:creationId xmlns:p14="http://schemas.microsoft.com/office/powerpoint/2010/main" val="3810342140"/>
       </p:ext>
     </p:extLst>
   </p:cSld>
@@ -4220,7 +6581,7 @@
           <p:cNvPr id="2" name="כותרת 1">
             <a:extLst>
               <a:ext uri="{FF2B5EF4-FFF2-40B4-BE49-F238E27FC236}">
-                <a16:creationId xmlns:a16="http://schemas.microsoft.com/office/drawing/2014/main" id="{E6B60B20-EBD7-4E7F-8B21-AEE7D4882DCD}"/>
+                <a16:creationId xmlns:a16="http://schemas.microsoft.com/office/drawing/2014/main" id="{27B08CF4-3B28-4374-B7F7-A4A434FD6FA8}"/>
               </a:ext>
             </a:extLst>
           </p:cNvPr>
@@ -4238,7 +6599,7 @@
           <a:p>
             <a:r>
               <a:rPr lang="en-US" dirty="0"/>
-              <a:t>Classification loss function</a:t>
+              <a:t>Activation functions</a:t>
             </a:r>
             <a:endParaRPr lang="he-IL" dirty="0"/>
           </a:p>
@@ -4249,7 +6610,7 @@
           <p:cNvPr id="3" name="מציין מיקום תוכן 2">
             <a:extLst>
               <a:ext uri="{FF2B5EF4-FFF2-40B4-BE49-F238E27FC236}">
-                <a16:creationId xmlns:a16="http://schemas.microsoft.com/office/drawing/2014/main" id="{C04CB9CD-F4A7-4042-BA4F-B114A06D9F2C}"/>
+                <a16:creationId xmlns:a16="http://schemas.microsoft.com/office/drawing/2014/main" id="{A2D1B9AE-31D7-496C-86A3-9D22FF6C4F05}"/>
               </a:ext>
             </a:extLst>
           </p:cNvPr>
@@ -4262,17 +6623,150 @@
         </p:nvSpPr>
         <p:spPr/>
         <p:txBody>
-          <a:bodyPr/>
-          <a:lstStyle/>
-          <a:p>
-            <a:endParaRPr lang="he-IL"/>
+          <a:bodyPr>
+            <a:normAutofit fontScale="55000" lnSpcReduction="20000"/>
+          </a:bodyPr>
+          <a:lstStyle/>
+          <a:p>
+            <a:r>
+              <a:rPr lang="en-US" dirty="0"/>
+              <a:t>Base one input -&gt; fire result</a:t>
+            </a:r>
+            <a:endParaRPr lang="he-IL" dirty="0"/>
+          </a:p>
+          <a:p>
+            <a:r>
+              <a:rPr lang="en-US" dirty="0" err="1"/>
+              <a:t>Sofmax</a:t>
+            </a:r>
+            <a:endParaRPr lang="he-IL" dirty="0"/>
+          </a:p>
+          <a:p>
+            <a:pPr lvl="1"/>
+            <a:r>
+              <a:rPr lang="en-US" dirty="0"/>
+              <a:t>Used by last layer</a:t>
+            </a:r>
+          </a:p>
+          <a:p>
+            <a:pPr lvl="1"/>
+            <a:r>
+              <a:rPr lang="en-US" dirty="0"/>
+              <a:t>Multi class classification</a:t>
+            </a:r>
+            <a:endParaRPr lang="he-IL" dirty="0"/>
+          </a:p>
+          <a:p>
+            <a:pPr marL="457200" lvl="1" indent="0">
+              <a:buNone/>
+            </a:pPr>
+            <a:endParaRPr lang="he-IL" dirty="0"/>
+          </a:p>
+          <a:p>
+            <a:r>
+              <a:rPr lang="en-US" dirty="0"/>
+              <a:t>Linear function</a:t>
+            </a:r>
+          </a:p>
+          <a:p>
+            <a:pPr lvl="1"/>
+            <a:r>
+              <a:rPr lang="en-US" dirty="0"/>
+              <a:t>Constant </a:t>
+            </a:r>
+            <a:r>
+              <a:rPr lang="en-US" dirty="0" err="1"/>
+              <a:t>gradiant</a:t>
+            </a:r>
+            <a:endParaRPr lang="he-IL" dirty="0"/>
+          </a:p>
+          <a:p>
+            <a:r>
+              <a:rPr lang="en-US" dirty="0"/>
+              <a:t>Sigmoid</a:t>
+            </a:r>
+            <a:endParaRPr lang="he-IL" dirty="0"/>
+          </a:p>
+          <a:p>
+            <a:pPr lvl="1"/>
+            <a:r>
+              <a:rPr lang="en-US" dirty="0" err="1"/>
+              <a:t>V”g</a:t>
+            </a:r>
+            <a:endParaRPr lang="en-US" dirty="0"/>
+          </a:p>
+          <a:p>
+            <a:pPr lvl="1"/>
+            <a:r>
+              <a:rPr lang="en-US" dirty="0"/>
+              <a:t>classification</a:t>
+            </a:r>
+          </a:p>
+          <a:p>
+            <a:r>
+              <a:rPr lang="en-US" dirty="0"/>
+              <a:t>Tanh</a:t>
+            </a:r>
+            <a:endParaRPr lang="he-IL" dirty="0"/>
+          </a:p>
+          <a:p>
+            <a:pPr lvl="1"/>
+            <a:r>
+              <a:rPr lang="en-US" dirty="0" err="1"/>
+              <a:t>V”g</a:t>
+            </a:r>
+            <a:endParaRPr lang="en-US" dirty="0"/>
+          </a:p>
+          <a:p>
+            <a:pPr lvl="1"/>
+            <a:r>
+              <a:rPr lang="en-US" dirty="0"/>
+              <a:t>Classification	</a:t>
+            </a:r>
+          </a:p>
+          <a:p>
+            <a:r>
+              <a:rPr lang="en-US" dirty="0" err="1"/>
+              <a:t>Relu</a:t>
+            </a:r>
+            <a:endParaRPr lang="he-IL" dirty="0"/>
+          </a:p>
+          <a:p>
+            <a:pPr lvl="1"/>
+            <a:r>
+              <a:rPr lang="en-US" dirty="0"/>
+              <a:t>Sparse network</a:t>
+            </a:r>
+            <a:endParaRPr lang="he-IL" dirty="0"/>
+          </a:p>
+          <a:p>
+            <a:pPr lvl="1"/>
+            <a:r>
+              <a:rPr lang="en-US" dirty="0"/>
+              <a:t>Horizontal line – weights will not make any adjust</a:t>
+            </a:r>
+            <a:endParaRPr lang="he-IL" dirty="0"/>
+          </a:p>
+          <a:p>
+            <a:endParaRPr lang="he-IL" dirty="0"/>
+          </a:p>
+          <a:p>
+            <a:r>
+              <a:rPr lang="en-US" dirty="0"/>
+              <a:t>Vanishing </a:t>
+            </a:r>
+            <a:r>
+              <a:rPr lang="en-US" dirty="0" err="1"/>
+              <a:t>gradiant</a:t>
+            </a:r>
+            <a:endParaRPr lang="he-IL" dirty="0"/>
           </a:p>
         </p:txBody>
       </p:sp>
     </p:spTree>
     <p:extLst>
       <p:ext uri="{BB962C8B-B14F-4D97-AF65-F5344CB8AC3E}">
-        <p14:creationId xmlns:p14="http://schemas.microsoft.com/office/powerpoint/2010/main" val="2327971583"/>
+        <p14:creationId xmlns:p14="http://schemas.microsoft.com/office/powerpoint/2010/main" val="1734292272"/>
       </p:ext>
     </p:extLst>
   </p:cSld>
@@ -4304,7 +6798,7 @@
           <p:cNvPr id="2" name="כותרת 1">
             <a:extLst>
               <a:ext uri="{FF2B5EF4-FFF2-40B4-BE49-F238E27FC236}">
-                <a16:creationId xmlns:a16="http://schemas.microsoft.com/office/drawing/2014/main" id="{2445B352-1FC4-4F42-BAE6-E9AB2B9432E8}"/>
+                <a16:creationId xmlns:a16="http://schemas.microsoft.com/office/drawing/2014/main" id="{E2064D53-C796-4058-B0BD-16EC0C544B36}"/>
               </a:ext>
             </a:extLst>
           </p:cNvPr>
@@ -4321,84 +6815,100 @@
           <a:lstStyle/>
           <a:p>
             <a:r>
+              <a:rPr lang="en-US" dirty="0" err="1"/>
+              <a:t>Softmax</a:t>
+            </a:r>
+            <a:r>
+              <a:rPr lang="he-IL" dirty="0"/>
+              <a:t> </a:t>
+            </a:r>
+            <a:r>
               <a:rPr lang="en-US" dirty="0"/>
-              <a:t>Optimization algorithms</a:t>
-            </a:r>
+              <a:t>activation function - </a:t>
+            </a:r>
+            <a:endParaRPr lang="he-IL" dirty="0"/>
+          </a:p>
+        </p:txBody>
+      </p:sp>
+      <p:sp>
+        <p:nvSpPr>
+          <p:cNvPr id="3" name="מציין מיקום תוכן 2">
+            <a:extLst>
+              <a:ext uri="{FF2B5EF4-FFF2-40B4-BE49-F238E27FC236}">
+                <a16:creationId xmlns:a16="http://schemas.microsoft.com/office/drawing/2014/main" id="{0E16C47D-1698-4384-BEC4-CF710EBB65FF}"/>
+              </a:ext>
+            </a:extLst>
+          </p:cNvPr>
+          <p:cNvSpPr>
+            <a:spLocks noGrp="1"/>
+          </p:cNvSpPr>
+          <p:nvPr>
+            <p:ph idx="1"/>
+          </p:nvPr>
+        </p:nvSpPr>
+        <p:spPr/>
+        <p:txBody>
+          <a:bodyPr/>
+          <a:lstStyle/>
+          <a:p>
             <a:r>
               <a:rPr lang="he-IL" dirty="0"/>
-              <a:t>		</a:t>
-            </a:r>
-          </a:p>
-        </p:txBody>
-      </p:sp>
-      <p:sp>
-        <p:nvSpPr>
-          <p:cNvPr id="3" name="מציין מיקום תוכן 2">
-            <a:extLst>
-              <a:ext uri="{FF2B5EF4-FFF2-40B4-BE49-F238E27FC236}">
-                <a16:creationId xmlns:a16="http://schemas.microsoft.com/office/drawing/2014/main" id="{FC971D04-6D60-450C-AEA9-A5F28C03BAC2}"/>
-              </a:ext>
-            </a:extLst>
-          </p:cNvPr>
-          <p:cNvSpPr>
-            <a:spLocks noGrp="1"/>
-          </p:cNvSpPr>
-          <p:nvPr>
-            <p:ph idx="1"/>
-          </p:nvPr>
-        </p:nvSpPr>
-        <p:spPr/>
-        <p:txBody>
-          <a:bodyPr/>
-          <a:lstStyle/>
-          <a:p>
-            <a:r>
-              <a:rPr lang="he-IL" dirty="0"/>
-              <a:t>מטרה:</a:t>
-            </a:r>
-          </a:p>
-          <a:p>
-            <a:pPr lvl="1"/>
-            <a:r>
-              <a:rPr lang="he-IL" dirty="0"/>
-              <a:t>עדכון ערכי ה </a:t>
-            </a:r>
-            <a:r>
-              <a:rPr lang="en-US" dirty="0"/>
-              <a:t>Wight</a:t>
-            </a:r>
-            <a:r>
-              <a:rPr lang="he-IL" dirty="0"/>
-              <a:t> ו </a:t>
-            </a:r>
-            <a:r>
-              <a:rPr lang="en-US" dirty="0"/>
-              <a:t>bias</a:t>
-            </a:r>
-            <a:r>
-              <a:rPr lang="he-IL" dirty="0"/>
-              <a:t> לטובת קבלת ערך </a:t>
-            </a:r>
-            <a:r>
-              <a:rPr lang="he-IL" dirty="0" err="1"/>
-              <a:t>מינמאלי</a:t>
-            </a:r>
-            <a:r>
-              <a:rPr lang="he-IL" dirty="0"/>
-              <a:t> של </a:t>
-            </a:r>
-            <a:r>
-              <a:rPr lang="en-US" dirty="0"/>
-              <a:t>loss function</a:t>
-            </a:r>
-            <a:endParaRPr lang="he-IL" dirty="0"/>
-          </a:p>
-        </p:txBody>
-      </p:sp>
+              <a:t>שימושי בבעיות סיווג בשכבה האחרונה</a:t>
+            </a:r>
+          </a:p>
+        </p:txBody>
+      </p:sp>
+      <p:pic>
+        <p:nvPicPr>
+          <p:cNvPr id="1026" name="Picture 2">
+            <a:extLst>
+              <a:ext uri="{FF2B5EF4-FFF2-40B4-BE49-F238E27FC236}">
+                <a16:creationId xmlns:a16="http://schemas.microsoft.com/office/drawing/2014/main" id="{90F86406-FD83-4D60-B897-3A0B679B4938}"/>
+              </a:ext>
+            </a:extLst>
+          </p:cNvPr>
+          <p:cNvPicPr>
+            <a:picLocks noChangeAspect="1" noChangeArrowheads="1"/>
+          </p:cNvPicPr>
+          <p:nvPr/>
+        </p:nvPicPr>
+        <p:blipFill>
+          <a:blip r:embed="rId2">
+            <a:extLst>
+              <a:ext uri="{28A0092B-C50C-407E-A947-70E740481C1C}">
+                <a14:useLocalDpi xmlns:a14="http://schemas.microsoft.com/office/drawing/2010/main" val="0"/>
+              </a:ext>
+            </a:extLst>
+          </a:blip>
+          <a:srcRect/>
+          <a:stretch>
+            <a:fillRect/>
+          </a:stretch>
+        </p:blipFill>
+        <p:spPr bwMode="auto">
+          <a:xfrm>
+            <a:off x="347791" y="2778125"/>
+            <a:ext cx="8629650" cy="3714750"/>
+          </a:xfrm>
+          <a:prstGeom prst="rect">
+            <a:avLst/>
+          </a:prstGeom>
+          <a:noFill/>
+          <a:extLst>
+            <a:ext uri="{909E8E84-426E-40DD-AFC4-6F175D3DCCD1}">
+              <a14:hiddenFill xmlns:a14="http://schemas.microsoft.com/office/drawing/2010/main">
+                <a:solidFill>
+                  <a:srgbClr val="FFFFFF"/>
+                </a:solidFill>
+              </a14:hiddenFill>
+            </a:ext>
+          </a:extLst>
+        </p:spPr>
+      </p:pic>
     </p:spTree>
     <p:extLst>
       <p:ext uri="{BB962C8B-B14F-4D97-AF65-F5344CB8AC3E}">
-        <p14:creationId xmlns:p14="http://schemas.microsoft.com/office/powerpoint/2010/main" val="940880309"/>
+        <p14:creationId xmlns:p14="http://schemas.microsoft.com/office/powerpoint/2010/main" val="3208939418"/>
       </p:ext>
     </p:extLst>
   </p:cSld>
@@ -4430,7 +6940,7 @@
           <p:cNvPr id="2" name="כותרת 1">
             <a:extLst>
               <a:ext uri="{FF2B5EF4-FFF2-40B4-BE49-F238E27FC236}">
-                <a16:creationId xmlns:a16="http://schemas.microsoft.com/office/drawing/2014/main" id="{12C8B7F2-C8DD-4244-B5EF-49702D9D691F}"/>
+                <a16:creationId xmlns:a16="http://schemas.microsoft.com/office/drawing/2014/main" id="{6BD7440B-286F-4C68-91E4-071EB3A669A1}"/>
               </a:ext>
             </a:extLst>
           </p:cNvPr>
@@ -4447,165 +6957,144 @@
           <a:lstStyle/>
           <a:p>
             <a:r>
+              <a:rPr lang="en-US" dirty="0"/>
+              <a:t>Why hot encoding</a:t>
+            </a:r>
+            <a:endParaRPr lang="he-IL" dirty="0"/>
+          </a:p>
+        </p:txBody>
+      </p:sp>
+      <p:sp>
+        <p:nvSpPr>
+          <p:cNvPr id="3" name="מציין מיקום תוכן 2">
+            <a:extLst>
+              <a:ext uri="{FF2B5EF4-FFF2-40B4-BE49-F238E27FC236}">
+                <a16:creationId xmlns:a16="http://schemas.microsoft.com/office/drawing/2014/main" id="{14DA47B5-3243-4D6C-8E79-43888E5769DB}"/>
+              </a:ext>
+            </a:extLst>
+          </p:cNvPr>
+          <p:cNvSpPr>
+            <a:spLocks noGrp="1"/>
+          </p:cNvSpPr>
+          <p:nvPr>
+            <p:ph idx="1"/>
+          </p:nvPr>
+        </p:nvSpPr>
+        <p:spPr/>
+        <p:txBody>
+          <a:bodyPr/>
+          <a:lstStyle/>
+          <a:p>
+            <a:r>
               <a:rPr lang="he-IL" dirty="0"/>
-              <a:t>שאלות</a:t>
-            </a:r>
-          </a:p>
-        </p:txBody>
-      </p:sp>
-      <p:sp>
-        <p:nvSpPr>
-          <p:cNvPr id="3" name="מציין מיקום תוכן 2">
-            <a:extLst>
-              <a:ext uri="{FF2B5EF4-FFF2-40B4-BE49-F238E27FC236}">
-                <a16:creationId xmlns:a16="http://schemas.microsoft.com/office/drawing/2014/main" id="{38ED48F5-D9B8-4FA8-A780-2571FEC64F23}"/>
-              </a:ext>
-            </a:extLst>
-          </p:cNvPr>
-          <p:cNvSpPr>
-            <a:spLocks noGrp="1"/>
-          </p:cNvSpPr>
-          <p:nvPr>
-            <p:ph idx="1"/>
-          </p:nvPr>
-        </p:nvSpPr>
-        <p:spPr/>
-        <p:txBody>
-          <a:bodyPr/>
-          <a:lstStyle/>
-          <a:p>
-            <a:pPr marL="514350" indent="-514350">
-              <a:buAutoNum type="arabicPeriod"/>
-            </a:pPr>
+              <a:t>נניח ויש רשימה (</a:t>
+            </a:r>
+            <a:r>
+              <a:rPr lang="he-IL" dirty="0" err="1"/>
+              <a:t>כלב,חתול,ציפור,דג</a:t>
+            </a:r>
             <a:r>
               <a:rPr lang="he-IL" dirty="0"/>
-              <a:t>האם גם ב </a:t>
-            </a:r>
-            <a:r>
-              <a:rPr lang="en-US" dirty="0" err="1"/>
-              <a:t>sklearn</a:t>
-            </a:r>
+              <a:t>)</a:t>
+            </a:r>
+            <a:br>
+              <a:rPr lang="en-US" dirty="0"/>
+            </a:br>
             <a:r>
               <a:rPr lang="he-IL" dirty="0"/>
-              <a:t> צריך להעביר את </a:t>
-            </a:r>
-            <a:r>
-              <a:rPr lang="he-IL" dirty="0" err="1"/>
-              <a:t>הכל</a:t>
+              <a:t>אז במקום לרשום: </a:t>
+            </a:r>
+            <a:r>
+              <a:rPr lang="en-US" dirty="0"/>
+              <a:t>(1,2,3,4)</a:t>
             </a:r>
             <a:r>
               <a:rPr lang="he-IL" dirty="0"/>
-              <a:t> ל </a:t>
-            </a:r>
-            <a:r>
-              <a:rPr lang="en-US" dirty="0" err="1"/>
-              <a:t>to_categorical</a:t>
+              <a:t> ואז אלג' סיווג יכול לחשוב ש </a:t>
             </a:r>
             <a:r>
               <a:rPr lang="en-US" dirty="0"/>
-              <a:t>()</a:t>
+              <a:t>2*2=4</a:t>
+            </a:r>
+            <a:br>
+              <a:rPr lang="en-US" dirty="0"/>
+            </a:br>
+            <a:r>
+              <a:rPr lang="he-IL" dirty="0"/>
+              <a:t>כלומר: כלב = ציפור  *2</a:t>
+            </a:r>
+            <a:br>
+              <a:rPr lang="en-US" dirty="0"/>
+            </a:br>
+            <a:r>
+              <a:rPr lang="he-IL" dirty="0"/>
+              <a:t>אז מבצעים </a:t>
+            </a:r>
+            <a:r>
+              <a:rPr lang="en-US" dirty="0"/>
+              <a:t>hot encoding</a:t>
             </a:r>
             <a:endParaRPr lang="he-IL" dirty="0"/>
           </a:p>
           <a:p>
-            <a:pPr marL="514350" indent="-514350">
-              <a:buAutoNum type="arabicPeriod"/>
-            </a:pPr>
             <a:r>
               <a:rPr lang="he-IL" dirty="0"/>
-              <a:t>למה ב </a:t>
-            </a:r>
-            <a:r>
-              <a:rPr lang="en-US" dirty="0"/>
-              <a:t>classification</a:t>
-            </a:r>
-            <a:r>
-              <a:rPr lang="he-IL" dirty="0"/>
-              <a:t> השכבה האחרונה </a:t>
-            </a:r>
-            <a:r>
-              <a:rPr lang="en-US" dirty="0"/>
-              <a:t>activation = </a:t>
+              <a:t>בשימוש של </a:t>
             </a:r>
             <a:r>
               <a:rPr lang="en-US" dirty="0" err="1"/>
               <a:t>softmax</a:t>
             </a:r>
-            <a:endParaRPr lang="he-IL" dirty="0"/>
-          </a:p>
-          <a:p>
-            <a:pPr marL="514350" indent="-514350">
-              <a:buAutoNum type="arabicPeriod"/>
-            </a:pPr>
             <a:r>
               <a:rPr lang="he-IL" dirty="0"/>
-              <a:t>ב </a:t>
+              <a:t> על ה </a:t>
             </a:r>
             <a:r>
               <a:rPr lang="en-US" dirty="0"/>
-              <a:t>classification</a:t>
+              <a:t>hot encoding</a:t>
             </a:r>
             <a:r>
               <a:rPr lang="he-IL" dirty="0"/>
-              <a:t> איזה עוד </a:t>
+              <a:t> ניתן את תוצאת ה </a:t>
+            </a:r>
+            <a:r>
+              <a:rPr lang="en-US" dirty="0" err="1"/>
+              <a:t>softamax</a:t>
+            </a:r>
+            <a:r>
+              <a:rPr lang="he-IL" dirty="0"/>
+              <a:t> להשוות ל </a:t>
             </a:r>
             <a:r>
               <a:rPr lang="en-US" dirty="0"/>
-              <a:t>metrics = [‘accuracy’]</a:t>
-            </a:r>
-            <a:endParaRPr lang="he-IL" dirty="0"/>
-          </a:p>
-          <a:p>
-            <a:pPr marL="514350" indent="-514350">
-              <a:buAutoNum type="arabicPeriod"/>
-            </a:pPr>
-            <a:r>
-              <a:rPr lang="en-US" dirty="0" err="1"/>
-              <a:t>Oprimizer</a:t>
-            </a:r>
-            <a:r>
+              <a:t>ground truth</a:t>
+            </a:r>
+            <a:r>
+              <a:rPr lang="he-IL" dirty="0"/>
+              <a:t> ואז להחליט בסיווג מה נכון.</a:t>
+            </a:r>
+            <a:br>
               <a:rPr lang="en-US" dirty="0"/>
-              <a:t> = </a:t>
-            </a:r>
-            <a:r>
-              <a:rPr lang="en-US" dirty="0" err="1"/>
-              <a:t>adam</a:t>
-            </a:r>
-            <a:endParaRPr lang="he-IL" dirty="0"/>
-          </a:p>
-          <a:p>
-            <a:pPr marL="514350" indent="-514350">
-              <a:buAutoNum type="arabicPeriod"/>
-            </a:pPr>
+            </a:br>
             <a:r>
               <a:rPr lang="he-IL" dirty="0"/>
-              <a:t>כיצד בוחר את מספר השכבות ?</a:t>
-            </a:r>
-          </a:p>
-          <a:p>
-            <a:pPr marL="514350" indent="-514350">
-              <a:buAutoNum type="arabicPeriod"/>
-            </a:pPr>
+              <a:t>לדוגמא: </a:t>
+            </a:r>
+            <a:r>
+              <a:rPr lang="en-US" dirty="0"/>
+              <a:t>[0.7, 0.2, 0.1]</a:t>
+            </a:r>
             <a:r>
               <a:rPr lang="he-IL" dirty="0"/>
-              <a:t>כיצד בוחר את מספר הצמתים בכל שכבה ?</a:t>
-            </a:r>
-          </a:p>
-          <a:p>
-            <a:pPr marL="514350" indent="-514350">
-              <a:buAutoNum type="arabicPeriod"/>
-            </a:pPr>
+              <a:t> אז יותר מתאים ל </a:t>
+            </a:r>
+            <a:r>
+              <a:rPr lang="en-US" dirty="0"/>
+              <a:t>[1,0,0]</a:t>
+            </a:r>
             <a:r>
               <a:rPr lang="he-IL" dirty="0"/>
-              <a:t>מתי לא אעבוד עם </a:t>
-            </a:r>
-            <a:r>
-              <a:rPr lang="en-US" dirty="0" err="1"/>
-              <a:t>sequnial</a:t>
-            </a:r>
-            <a:r>
-              <a:rPr lang="he-IL" dirty="0"/>
-              <a:t> ?</a:t>
+              <a:t> כלומר ציפור</a:t>
             </a:r>
           </a:p>
         </p:txBody>
@@ -4613,7 +7102,169 @@
     </p:spTree>
     <p:extLst>
       <p:ext uri="{BB962C8B-B14F-4D97-AF65-F5344CB8AC3E}">
-        <p14:creationId xmlns:p14="http://schemas.microsoft.com/office/powerpoint/2010/main" val="2884737863"/>
+        <p14:creationId xmlns:p14="http://schemas.microsoft.com/office/powerpoint/2010/main" val="1335112063"/>
+      </p:ext>
+    </p:extLst>
+  </p:cSld>
+  <p:clrMapOvr>
+    <a:masterClrMapping/>
+  </p:clrMapOvr>
+</p:sld>
+</file>
+
+<file path=ppt/slides/slide9.xml><?xml version="1.0" encoding="utf-8"?>
+<p:sld xmlns:a="http://schemas.openxmlformats.org/drawingml/2006/main" xmlns:r="http://schemas.openxmlformats.org/officeDocument/2006/relationships" xmlns:p="http://schemas.openxmlformats.org/presentationml/2006/main">
+  <p:cSld>
+    <p:spTree>
+      <p:nvGrpSpPr>
+        <p:cNvPr id="1" name=""/>
+        <p:cNvGrpSpPr/>
+        <p:nvPr/>
+      </p:nvGrpSpPr>
+      <p:grpSpPr>
+        <a:xfrm>
+          <a:off x="0" y="0"/>
+          <a:ext cx="0" cy="0"/>
+          <a:chOff x="0" y="0"/>
+          <a:chExt cx="0" cy="0"/>
+        </a:xfrm>
+      </p:grpSpPr>
+      <p:sp>
+        <p:nvSpPr>
+          <p:cNvPr id="2" name="כותרת 1">
+            <a:extLst>
+              <a:ext uri="{FF2B5EF4-FFF2-40B4-BE49-F238E27FC236}">
+                <a16:creationId xmlns:a16="http://schemas.microsoft.com/office/drawing/2014/main" id="{73A56048-494D-4A72-9F2B-AA3F00F21603}"/>
+              </a:ext>
+            </a:extLst>
+          </p:cNvPr>
+          <p:cNvSpPr>
+            <a:spLocks noGrp="1"/>
+          </p:cNvSpPr>
+          <p:nvPr>
+            <p:ph type="title"/>
+          </p:nvPr>
+        </p:nvSpPr>
+        <p:spPr/>
+        <p:txBody>
+          <a:bodyPr/>
+          <a:lstStyle/>
+          <a:p>
+            <a:r>
+              <a:rPr lang="en-US" dirty="0"/>
+              <a:t>Good python to know</a:t>
+            </a:r>
+            <a:endParaRPr lang="he-IL" dirty="0"/>
+          </a:p>
+        </p:txBody>
+      </p:sp>
+      <p:sp>
+        <p:nvSpPr>
+          <p:cNvPr id="3" name="מציין מיקום תוכן 2">
+            <a:extLst>
+              <a:ext uri="{FF2B5EF4-FFF2-40B4-BE49-F238E27FC236}">
+                <a16:creationId xmlns:a16="http://schemas.microsoft.com/office/drawing/2014/main" id="{B5790817-9FF5-4385-BCDE-0761A8EB298B}"/>
+              </a:ext>
+            </a:extLst>
+          </p:cNvPr>
+          <p:cNvSpPr>
+            <a:spLocks noGrp="1"/>
+          </p:cNvSpPr>
+          <p:nvPr>
+            <p:ph idx="1"/>
+          </p:nvPr>
+        </p:nvSpPr>
+        <p:spPr/>
+        <p:txBody>
+          <a:bodyPr/>
+          <a:lstStyle/>
+          <a:p>
+            <a:pPr marL="0" indent="0" algn="l" rtl="0">
+              <a:buNone/>
+            </a:pPr>
+            <a:r>
+              <a:rPr lang="en-US" dirty="0"/>
+              <a:t>[</a:t>
+            </a:r>
+            <a:r>
+              <a:rPr lang="en-US" dirty="0" err="1"/>
+              <a:t>i</a:t>
+            </a:r>
+            <a:r>
+              <a:rPr lang="en-US" dirty="0"/>
+              <a:t>*</a:t>
+            </a:r>
+            <a:r>
+              <a:rPr lang="en-US" dirty="0" err="1"/>
+              <a:t>i</a:t>
+            </a:r>
+            <a:r>
+              <a:rPr lang="en-US" dirty="0"/>
+              <a:t> for </a:t>
+            </a:r>
+            <a:r>
+              <a:rPr lang="en-US" dirty="0" err="1"/>
+              <a:t>i</a:t>
+            </a:r>
+            <a:r>
+              <a:rPr lang="en-US" dirty="0"/>
+              <a:t> in </a:t>
+            </a:r>
+            <a:r>
+              <a:rPr lang="en-US" dirty="0" err="1"/>
+              <a:t>sample_list</a:t>
+            </a:r>
+            <a:r>
+              <a:rPr lang="en-US" dirty="0"/>
+              <a:t>]</a:t>
+            </a:r>
+          </a:p>
+          <a:p>
+            <a:pPr marL="0" indent="0" algn="l" rtl="0">
+              <a:buNone/>
+            </a:pPr>
+            <a:r>
+              <a:rPr lang="en-US" dirty="0"/>
+              <a:t>Logit – log odds (logarithm of the odd </a:t>
+            </a:r>
+            <a:endParaRPr lang="he-IL" dirty="0"/>
+          </a:p>
+        </p:txBody>
+      </p:sp>
+      <p:pic>
+        <p:nvPicPr>
+          <p:cNvPr id="4" name="תמונה 3">
+            <a:extLst>
+              <a:ext uri="{FF2B5EF4-FFF2-40B4-BE49-F238E27FC236}">
+                <a16:creationId xmlns:a16="http://schemas.microsoft.com/office/drawing/2014/main" id="{00F6B84E-DFAC-4EE2-B3A6-EBA8E2AA0DEE}"/>
+              </a:ext>
+            </a:extLst>
+          </p:cNvPr>
+          <p:cNvPicPr>
+            <a:picLocks noChangeAspect="1"/>
+          </p:cNvPicPr>
+          <p:nvPr/>
+        </p:nvPicPr>
+        <p:blipFill>
+          <a:blip r:embed="rId2"/>
+          <a:stretch>
+            <a:fillRect/>
+          </a:stretch>
+        </p:blipFill>
+        <p:spPr>
+          <a:xfrm>
+            <a:off x="7022723" y="2366128"/>
+            <a:ext cx="4106391" cy="2662778"/>
+          </a:xfrm>
+          <a:prstGeom prst="rect">
+            <a:avLst/>
+          </a:prstGeom>
+        </p:spPr>
+      </p:pic>
+    </p:spTree>
+    <p:extLst>
+      <p:ext uri="{BB962C8B-B14F-4D97-AF65-F5344CB8AC3E}">
+        <p14:creationId xmlns:p14="http://schemas.microsoft.com/office/powerpoint/2010/main" val="3582790485"/>
       </p:ext>
     </p:extLst>
   </p:cSld>

--- a/Presentation/Deep learning.pptx
+++ b/Presentation/Deep learning.pptx
@@ -27,8 +27,11 @@
     <p:sldId id="281" r:id="rId21"/>
     <p:sldId id="283" r:id="rId22"/>
     <p:sldId id="285" r:id="rId23"/>
-    <p:sldId id="275" r:id="rId24"/>
-    <p:sldId id="284" r:id="rId25"/>
+    <p:sldId id="287" r:id="rId24"/>
+    <p:sldId id="286" r:id="rId25"/>
+    <p:sldId id="288" r:id="rId26"/>
+    <p:sldId id="275" r:id="rId27"/>
+    <p:sldId id="284" r:id="rId28"/>
   </p:sldIdLst>
   <p:sldSz cx="12192000" cy="6858000"/>
   <p:notesSz cx="6858000" cy="9144000"/>
@@ -5650,7 +5653,7 @@
           <p:cNvPr id="2" name="כותרת 1">
             <a:extLst>
               <a:ext uri="{FF2B5EF4-FFF2-40B4-BE49-F238E27FC236}">
-                <a16:creationId xmlns:a16="http://schemas.microsoft.com/office/drawing/2014/main" id="{DCD29FA1-A395-4921-BFF0-F2AC9094E9AB}"/>
+                <a16:creationId xmlns:a16="http://schemas.microsoft.com/office/drawing/2014/main" id="{A8A17D90-B66A-4A13-A83B-918AC861D975}"/>
               </a:ext>
             </a:extLst>
           </p:cNvPr>
@@ -5667,9 +5670,10 @@
           <a:lstStyle/>
           <a:p>
             <a:r>
-              <a:rPr lang="he-IL" dirty="0"/>
-              <a:t>שאלות</a:t>
-            </a:r>
+              <a:rPr lang="en-US" dirty="0"/>
+              <a:t>Iterations</a:t>
+            </a:r>
+            <a:endParaRPr lang="he-IL" dirty="0"/>
           </a:p>
         </p:txBody>
       </p:sp>
@@ -5678,7 +5682,7 @@
           <p:cNvPr id="3" name="מציין מיקום תוכן 2">
             <a:extLst>
               <a:ext uri="{FF2B5EF4-FFF2-40B4-BE49-F238E27FC236}">
-                <a16:creationId xmlns:a16="http://schemas.microsoft.com/office/drawing/2014/main" id="{ECC183A5-E72D-4633-9C7F-C6CEE6050B06}"/>
+                <a16:creationId xmlns:a16="http://schemas.microsoft.com/office/drawing/2014/main" id="{8D543FF4-0ABD-4801-B4B6-B9FAA7CC5A85}"/>
               </a:ext>
             </a:extLst>
           </p:cNvPr>
@@ -5694,57 +5698,94 @@
           <a:bodyPr/>
           <a:lstStyle/>
           <a:p>
-            <a:pPr algn="l" rtl="0"/>
-            <a:r>
-              <a:rPr lang="en-US" dirty="0"/>
-              <a:t>Adam optimizer</a:t>
+            <a:pPr lvl="1"/>
+            <a:r>
+              <a:rPr lang="he-IL" dirty="0"/>
+              <a:t>ניזכר שאלג’ </a:t>
+            </a:r>
+            <a:r>
+              <a:rPr lang="en-US" dirty="0"/>
+              <a:t>gradient descent</a:t>
+            </a:r>
+            <a:r>
+              <a:rPr lang="he-IL" dirty="0"/>
+              <a:t> (ירידת שיפוע) עובד ב </a:t>
+            </a:r>
+            <a:r>
+              <a:rPr lang="en-US" dirty="0"/>
+              <a:t>iterations</a:t>
+            </a:r>
+            <a:r>
+              <a:rPr lang="he-IL" dirty="0"/>
+              <a:t> אשר מנסה בכל </a:t>
+            </a:r>
+            <a:r>
+              <a:rPr lang="en-US" dirty="0"/>
+              <a:t>iteration</a:t>
+            </a:r>
+            <a:r>
+              <a:rPr lang="he-IL" dirty="0"/>
+              <a:t> להתקדם לכיוון המינימום. לכן כדאי להגדיר מספר זה ב </a:t>
+            </a:r>
+            <a:r>
+              <a:rPr lang="en-US" dirty="0"/>
+              <a:t>FIT</a:t>
             </a:r>
             <a:endParaRPr lang="he-IL" dirty="0"/>
           </a:p>
-          <a:p>
-            <a:pPr algn="l" rtl="0"/>
-            <a:r>
-              <a:rPr lang="en-US" dirty="0"/>
-              <a:t>Metric = optimizer</a:t>
-            </a:r>
-            <a:endParaRPr lang="he-IL" dirty="0"/>
-          </a:p>
-          <a:p>
-            <a:pPr algn="l" rtl="0"/>
-            <a:r>
-              <a:rPr lang="en-US" dirty="0" err="1"/>
-              <a:t>categorical_crossentropy</a:t>
-            </a:r>
-            <a:r>
-              <a:rPr lang="en-US" dirty="0"/>
-              <a:t> – loss function</a:t>
-            </a:r>
-          </a:p>
-          <a:p>
-            <a:pPr algn="l" rtl="0"/>
-            <a:r>
-              <a:rPr lang="en-US" dirty="0"/>
-              <a:t>Model: seq vs functional</a:t>
-            </a:r>
-          </a:p>
-          <a:p>
-            <a:pPr algn="l" rtl="0"/>
-            <a:r>
-              <a:rPr lang="en-US" dirty="0"/>
-              <a:t>Metric ? </a:t>
-            </a:r>
-            <a:r>
-              <a:rPr lang="en-US"/>
-              <a:t>(=accuracy)</a:t>
-            </a:r>
-            <a:endParaRPr lang="he-IL" dirty="0"/>
-          </a:p>
-        </p:txBody>
-      </p:sp>
+        </p:txBody>
+      </p:sp>
+      <p:pic>
+        <p:nvPicPr>
+          <p:cNvPr id="1026" name="Picture 2">
+            <a:extLst>
+              <a:ext uri="{FF2B5EF4-FFF2-40B4-BE49-F238E27FC236}">
+                <a16:creationId xmlns:a16="http://schemas.microsoft.com/office/drawing/2014/main" id="{66F40BEC-9E48-4F68-9A86-68A177F52D35}"/>
+              </a:ext>
+            </a:extLst>
+          </p:cNvPr>
+          <p:cNvPicPr>
+            <a:picLocks noChangeAspect="1" noChangeArrowheads="1" noCrop="1"/>
+          </p:cNvPicPr>
+          <p:nvPr/>
+        </p:nvPicPr>
+        <p:blipFill>
+          <a:blip r:embed="rId2">
+            <a:extLst>
+              <a:ext uri="{28A0092B-C50C-407E-A947-70E740481C1C}">
+                <a14:useLocalDpi xmlns:a14="http://schemas.microsoft.com/office/drawing/2010/main" val="0"/>
+              </a:ext>
+            </a:extLst>
+          </a:blip>
+          <a:srcRect/>
+          <a:stretch>
+            <a:fillRect/>
+          </a:stretch>
+        </p:blipFill>
+        <p:spPr bwMode="auto">
+          <a:xfrm>
+            <a:off x="1865791" y="3063875"/>
+            <a:ext cx="8229600" cy="3429000"/>
+          </a:xfrm>
+          <a:prstGeom prst="rect">
+            <a:avLst/>
+          </a:prstGeom>
+          <a:noFill/>
+          <a:extLst>
+            <a:ext uri="{909E8E84-426E-40DD-AFC4-6F175D3DCCD1}">
+              <a14:hiddenFill xmlns:a14="http://schemas.microsoft.com/office/drawing/2010/main">
+                <a:solidFill>
+                  <a:srgbClr val="FFFFFF"/>
+                </a:solidFill>
+              </a14:hiddenFill>
+            </a:ext>
+          </a:extLst>
+        </p:spPr>
+      </p:pic>
     </p:spTree>
     <p:extLst>
       <p:ext uri="{BB962C8B-B14F-4D97-AF65-F5344CB8AC3E}">
-        <p14:creationId xmlns:p14="http://schemas.microsoft.com/office/powerpoint/2010/main" val="2497399916"/>
+        <p14:creationId xmlns:p14="http://schemas.microsoft.com/office/powerpoint/2010/main" val="2151189518"/>
       </p:ext>
     </p:extLst>
   </p:cSld>
@@ -5776,6 +5817,612 @@
           <p:cNvPr id="2" name="כותרת 1">
             <a:extLst>
               <a:ext uri="{FF2B5EF4-FFF2-40B4-BE49-F238E27FC236}">
+                <a16:creationId xmlns:a16="http://schemas.microsoft.com/office/drawing/2014/main" id="{A8A17D90-B66A-4A13-A83B-918AC861D975}"/>
+              </a:ext>
+            </a:extLst>
+          </p:cNvPr>
+          <p:cNvSpPr>
+            <a:spLocks noGrp="1"/>
+          </p:cNvSpPr>
+          <p:nvPr>
+            <p:ph type="title"/>
+          </p:nvPr>
+        </p:nvSpPr>
+        <p:spPr/>
+        <p:txBody>
+          <a:bodyPr/>
+          <a:lstStyle/>
+          <a:p>
+            <a:r>
+              <a:rPr lang="en-US" dirty="0"/>
+              <a:t>Epoch</a:t>
+            </a:r>
+            <a:endParaRPr lang="he-IL" dirty="0"/>
+          </a:p>
+        </p:txBody>
+      </p:sp>
+      <p:sp>
+        <p:nvSpPr>
+          <p:cNvPr id="3" name="מציין מיקום תוכן 2">
+            <a:extLst>
+              <a:ext uri="{FF2B5EF4-FFF2-40B4-BE49-F238E27FC236}">
+                <a16:creationId xmlns:a16="http://schemas.microsoft.com/office/drawing/2014/main" id="{8D543FF4-0ABD-4801-B4B6-B9FAA7CC5A85}"/>
+              </a:ext>
+            </a:extLst>
+          </p:cNvPr>
+          <p:cNvSpPr>
+            <a:spLocks noGrp="1"/>
+          </p:cNvSpPr>
+          <p:nvPr>
+            <p:ph idx="1"/>
+          </p:nvPr>
+        </p:nvSpPr>
+        <p:spPr>
+          <a:xfrm>
+            <a:off x="838199" y="1340528"/>
+            <a:ext cx="11013489" cy="4836435"/>
+          </a:xfrm>
+        </p:spPr>
+        <p:txBody>
+          <a:bodyPr>
+            <a:normAutofit/>
+          </a:bodyPr>
+          <a:lstStyle/>
+          <a:p>
+            <a:r>
+              <a:rPr lang="he-IL" sz="2000" dirty="0" err="1"/>
+              <a:t>בדר"כ</a:t>
+            </a:r>
+            <a:r>
+              <a:rPr lang="he-IL" sz="2000" dirty="0"/>
+              <a:t> (לא בדוגמאות בסיס) ב </a:t>
+            </a:r>
+            <a:r>
+              <a:rPr lang="en-US" sz="2000" dirty="0"/>
+              <a:t>ML</a:t>
+            </a:r>
+            <a:r>
+              <a:rPr lang="he-IL" sz="2000" dirty="0"/>
+              <a:t> יש המון מידע ולכן נרצה לעבד וללמוד אותו בחלקים.</a:t>
+            </a:r>
+          </a:p>
+          <a:p>
+            <a:r>
+              <a:rPr lang="en-US" sz="2000" dirty="0" err="1"/>
+              <a:t>Epoc</a:t>
+            </a:r>
+            <a:endParaRPr lang="he-IL" sz="2000" dirty="0"/>
+          </a:p>
+          <a:p>
+            <a:pPr lvl="1"/>
+            <a:r>
+              <a:rPr lang="he-IL" sz="2000" dirty="0"/>
+              <a:t>מעבר אחד על כל ה </a:t>
+            </a:r>
+            <a:r>
+              <a:rPr lang="en-US" sz="2000" dirty="0"/>
+              <a:t>dataset</a:t>
+            </a:r>
+            <a:r>
+              <a:rPr lang="he-IL" sz="2000" dirty="0"/>
+              <a:t> קדימה ואחורה</a:t>
+            </a:r>
+            <a:r>
+              <a:rPr lang="en-US" sz="2000" dirty="0"/>
+              <a:t>.</a:t>
+            </a:r>
+            <a:endParaRPr lang="he-IL" sz="2000" dirty="0"/>
+          </a:p>
+          <a:p>
+            <a:pPr lvl="1"/>
+            <a:r>
+              <a:rPr lang="he-IL" sz="2000" dirty="0"/>
+              <a:t>ניזכר שב </a:t>
+            </a:r>
+            <a:r>
+              <a:rPr lang="en-US" sz="2000" dirty="0"/>
+              <a:t>gradient descent</a:t>
+            </a:r>
+            <a:r>
+              <a:rPr lang="he-IL" sz="2000" dirty="0"/>
+              <a:t> אשר עובד </a:t>
+            </a:r>
+            <a:r>
+              <a:rPr lang="he-IL" sz="2000" dirty="0" err="1"/>
+              <a:t>איטרטיבי</a:t>
+            </a:r>
+            <a:r>
+              <a:rPr lang="he-IL" sz="2000" dirty="0"/>
+              <a:t> (</a:t>
+            </a:r>
+            <a:r>
+              <a:rPr lang="en-US" sz="2000" dirty="0"/>
+              <a:t>iteration</a:t>
+            </a:r>
+            <a:r>
+              <a:rPr lang="he-IL" sz="2000" dirty="0"/>
+              <a:t>) ולכן כאשר ה </a:t>
+            </a:r>
+            <a:r>
+              <a:rPr lang="en-US" sz="2000" dirty="0"/>
+              <a:t>dataset</a:t>
+            </a:r>
+            <a:r>
+              <a:rPr lang="he-IL" sz="2000" dirty="0"/>
+              <a:t> ענק עדכון המשקלים פעם אחת (</a:t>
+            </a:r>
+            <a:r>
+              <a:rPr lang="he-IL" sz="2000" dirty="0" err="1"/>
+              <a:t>איטרציה</a:t>
+            </a:r>
+            <a:r>
+              <a:rPr lang="he-IL" sz="2000" dirty="0"/>
+              <a:t> אחת) אינו מספיק.</a:t>
+            </a:r>
+            <a:endParaRPr lang="en-US" sz="2000" dirty="0"/>
+          </a:p>
+          <a:p>
+            <a:pPr lvl="1"/>
+            <a:r>
+              <a:rPr lang="he-IL" sz="2000" dirty="0"/>
+              <a:t>במידה וגודל ה </a:t>
+            </a:r>
+            <a:r>
+              <a:rPr lang="en-US" sz="2000" dirty="0"/>
+              <a:t>dataset</a:t>
+            </a:r>
+            <a:r>
+              <a:rPr lang="he-IL" sz="2000" dirty="0"/>
+              <a:t> ענק, לא ראלי לעבור פעם אחת ולכן מחלקים לחלקים קטנים יותר </a:t>
+            </a:r>
+            <a:r>
+              <a:rPr lang="en-US" sz="2000" dirty="0"/>
+              <a:t>(batch)</a:t>
+            </a:r>
+            <a:endParaRPr lang="he-IL" sz="2000" dirty="0"/>
+          </a:p>
+          <a:p>
+            <a:endParaRPr lang="he-IL" sz="2000" dirty="0"/>
+          </a:p>
+        </p:txBody>
+      </p:sp>
+      <p:pic>
+        <p:nvPicPr>
+          <p:cNvPr id="1028" name="Picture 4">
+            <a:extLst>
+              <a:ext uri="{FF2B5EF4-FFF2-40B4-BE49-F238E27FC236}">
+                <a16:creationId xmlns:a16="http://schemas.microsoft.com/office/drawing/2014/main" id="{FB3CC188-7D1A-41E1-8D1B-ED68CE76B21C}"/>
+              </a:ext>
+            </a:extLst>
+          </p:cNvPr>
+          <p:cNvPicPr>
+            <a:picLocks noChangeAspect="1" noChangeArrowheads="1"/>
+          </p:cNvPicPr>
+          <p:nvPr/>
+        </p:nvPicPr>
+        <p:blipFill>
+          <a:blip r:embed="rId2">
+            <a:extLst>
+              <a:ext uri="{28A0092B-C50C-407E-A947-70E740481C1C}">
+                <a14:useLocalDpi xmlns:a14="http://schemas.microsoft.com/office/drawing/2010/main" val="0"/>
+              </a:ext>
+            </a:extLst>
+          </a:blip>
+          <a:srcRect/>
+          <a:stretch>
+            <a:fillRect/>
+          </a:stretch>
+        </p:blipFill>
+        <p:spPr bwMode="auto">
+          <a:xfrm>
+            <a:off x="2513398" y="3758745"/>
+            <a:ext cx="7981950" cy="2857500"/>
+          </a:xfrm>
+          <a:prstGeom prst="rect">
+            <a:avLst/>
+          </a:prstGeom>
+          <a:noFill/>
+          <a:extLst>
+            <a:ext uri="{909E8E84-426E-40DD-AFC4-6F175D3DCCD1}">
+              <a14:hiddenFill xmlns:a14="http://schemas.microsoft.com/office/drawing/2010/main">
+                <a:solidFill>
+                  <a:srgbClr val="FFFFFF"/>
+                </a:solidFill>
+              </a14:hiddenFill>
+            </a:ext>
+          </a:extLst>
+        </p:spPr>
+      </p:pic>
+    </p:spTree>
+    <p:extLst>
+      <p:ext uri="{BB962C8B-B14F-4D97-AF65-F5344CB8AC3E}">
+        <p14:creationId xmlns:p14="http://schemas.microsoft.com/office/powerpoint/2010/main" val="1249711781"/>
+      </p:ext>
+    </p:extLst>
+  </p:cSld>
+  <p:clrMapOvr>
+    <a:masterClrMapping/>
+  </p:clrMapOvr>
+</p:sld>
+</file>
+
+<file path=ppt/slides/slide25.xml><?xml version="1.0" encoding="utf-8"?>
+<p:sld xmlns:a="http://schemas.openxmlformats.org/drawingml/2006/main" xmlns:r="http://schemas.openxmlformats.org/officeDocument/2006/relationships" xmlns:p="http://schemas.openxmlformats.org/presentationml/2006/main">
+  <p:cSld>
+    <p:spTree>
+      <p:nvGrpSpPr>
+        <p:cNvPr id="1" name=""/>
+        <p:cNvGrpSpPr/>
+        <p:nvPr/>
+      </p:nvGrpSpPr>
+      <p:grpSpPr>
+        <a:xfrm>
+          <a:off x="0" y="0"/>
+          <a:ext cx="0" cy="0"/>
+          <a:chOff x="0" y="0"/>
+          <a:chExt cx="0" cy="0"/>
+        </a:xfrm>
+      </p:grpSpPr>
+      <p:sp>
+        <p:nvSpPr>
+          <p:cNvPr id="2" name="כותרת 1">
+            <a:extLst>
+              <a:ext uri="{FF2B5EF4-FFF2-40B4-BE49-F238E27FC236}">
+                <a16:creationId xmlns:a16="http://schemas.microsoft.com/office/drawing/2014/main" id="{2B4B6B3E-7F60-41CD-AF08-855C296D6952}"/>
+              </a:ext>
+            </a:extLst>
+          </p:cNvPr>
+          <p:cNvSpPr>
+            <a:spLocks noGrp="1"/>
+          </p:cNvSpPr>
+          <p:nvPr>
+            <p:ph type="title"/>
+          </p:nvPr>
+        </p:nvSpPr>
+        <p:spPr/>
+        <p:txBody>
+          <a:bodyPr/>
+          <a:lstStyle/>
+          <a:p>
+            <a:r>
+              <a:rPr lang="en-US" dirty="0"/>
+              <a:t>batch</a:t>
+            </a:r>
+            <a:endParaRPr lang="he-IL" dirty="0"/>
+          </a:p>
+        </p:txBody>
+      </p:sp>
+      <p:sp>
+        <p:nvSpPr>
+          <p:cNvPr id="3" name="מציין מיקום תוכן 2">
+            <a:extLst>
+              <a:ext uri="{FF2B5EF4-FFF2-40B4-BE49-F238E27FC236}">
+                <a16:creationId xmlns:a16="http://schemas.microsoft.com/office/drawing/2014/main" id="{D7615477-93B2-4931-BCDC-E8D0C7E04F6F}"/>
+              </a:ext>
+            </a:extLst>
+          </p:cNvPr>
+          <p:cNvSpPr>
+            <a:spLocks noGrp="1"/>
+          </p:cNvSpPr>
+          <p:nvPr>
+            <p:ph idx="1"/>
+          </p:nvPr>
+        </p:nvSpPr>
+        <p:spPr/>
+        <p:txBody>
+          <a:bodyPr/>
+          <a:lstStyle/>
+          <a:p>
+            <a:r>
+              <a:rPr lang="he-IL" dirty="0"/>
+              <a:t>מספר הדגימות של האימון שמופיעות ב </a:t>
+            </a:r>
+            <a:r>
+              <a:rPr lang="en-US" dirty="0"/>
+              <a:t>batch </a:t>
+            </a:r>
+            <a:r>
+              <a:rPr lang="he-IL" dirty="0"/>
+              <a:t> אחד.</a:t>
+            </a:r>
+          </a:p>
+          <a:p>
+            <a:r>
+              <a:rPr lang="en-US" dirty="0"/>
+              <a:t>Iteration</a:t>
+            </a:r>
+            <a:r>
+              <a:rPr lang="he-IL" dirty="0"/>
+              <a:t> = מספר ה </a:t>
+            </a:r>
+            <a:r>
+              <a:rPr lang="en-US" dirty="0"/>
+              <a:t>batch</a:t>
+            </a:r>
+            <a:r>
+              <a:rPr lang="he-IL" dirty="0"/>
+              <a:t> שעוברים על </a:t>
+            </a:r>
+            <a:r>
+              <a:rPr lang="en-US" dirty="0" err="1"/>
+              <a:t>epoc</a:t>
+            </a:r>
+            <a:r>
+              <a:rPr lang="he-IL" dirty="0"/>
+              <a:t> אחד.</a:t>
+            </a:r>
+          </a:p>
+          <a:p>
+            <a:pPr algn="r"/>
+            <a:r>
+              <a:rPr lang="he-IL" dirty="0"/>
+              <a:t>דוגמא:</a:t>
+            </a:r>
+          </a:p>
+          <a:p>
+            <a:pPr lvl="1"/>
+            <a:r>
+              <a:rPr lang="he-IL" dirty="0"/>
+              <a:t>נניח יש לנו 2000 דגימות וגודל ה </a:t>
+            </a:r>
+            <a:r>
+              <a:rPr lang="en-US" dirty="0"/>
+              <a:t>batch = 500</a:t>
+            </a:r>
+            <a:endParaRPr lang="he-IL" dirty="0"/>
+          </a:p>
+          <a:p>
+            <a:pPr lvl="2"/>
+            <a:r>
+              <a:rPr lang="he-IL" dirty="0"/>
+              <a:t>כלומר </a:t>
+            </a:r>
+            <a:r>
+              <a:rPr lang="en-US" dirty="0" err="1"/>
+              <a:t>epoc</a:t>
+            </a:r>
+            <a:r>
+              <a:rPr lang="he-IL" dirty="0"/>
+              <a:t> אחד זה מעבר על 2000 דגימות</a:t>
+            </a:r>
+          </a:p>
+          <a:p>
+            <a:pPr lvl="1"/>
+            <a:r>
+              <a:rPr lang="he-IL" dirty="0"/>
+              <a:t>אז אנו צריכים 4 </a:t>
+            </a:r>
+            <a:r>
+              <a:rPr lang="he-IL" dirty="0" err="1"/>
+              <a:t>איטרציות</a:t>
+            </a:r>
+            <a:r>
+              <a:rPr lang="he-IL" dirty="0"/>
+              <a:t> לעבור על כל הדגימות</a:t>
+            </a:r>
+          </a:p>
+        </p:txBody>
+      </p:sp>
+    </p:spTree>
+    <p:extLst>
+      <p:ext uri="{BB962C8B-B14F-4D97-AF65-F5344CB8AC3E}">
+        <p14:creationId xmlns:p14="http://schemas.microsoft.com/office/powerpoint/2010/main" val="2736597360"/>
+      </p:ext>
+    </p:extLst>
+  </p:cSld>
+  <p:clrMapOvr>
+    <a:masterClrMapping/>
+  </p:clrMapOvr>
+</p:sld>
+</file>
+
+<file path=ppt/slides/slide26.xml><?xml version="1.0" encoding="utf-8"?>
+<p:sld xmlns:a="http://schemas.openxmlformats.org/drawingml/2006/main" xmlns:r="http://schemas.openxmlformats.org/officeDocument/2006/relationships" xmlns:p="http://schemas.openxmlformats.org/presentationml/2006/main">
+  <p:cSld>
+    <p:spTree>
+      <p:nvGrpSpPr>
+        <p:cNvPr id="1" name=""/>
+        <p:cNvGrpSpPr/>
+        <p:nvPr/>
+      </p:nvGrpSpPr>
+      <p:grpSpPr>
+        <a:xfrm>
+          <a:off x="0" y="0"/>
+          <a:ext cx="0" cy="0"/>
+          <a:chOff x="0" y="0"/>
+          <a:chExt cx="0" cy="0"/>
+        </a:xfrm>
+      </p:grpSpPr>
+      <p:sp>
+        <p:nvSpPr>
+          <p:cNvPr id="2" name="כותרת 1">
+            <a:extLst>
+              <a:ext uri="{FF2B5EF4-FFF2-40B4-BE49-F238E27FC236}">
+                <a16:creationId xmlns:a16="http://schemas.microsoft.com/office/drawing/2014/main" id="{DCD29FA1-A395-4921-BFF0-F2AC9094E9AB}"/>
+              </a:ext>
+            </a:extLst>
+          </p:cNvPr>
+          <p:cNvSpPr>
+            <a:spLocks noGrp="1"/>
+          </p:cNvSpPr>
+          <p:nvPr>
+            <p:ph type="title"/>
+          </p:nvPr>
+        </p:nvSpPr>
+        <p:spPr/>
+        <p:txBody>
+          <a:bodyPr/>
+          <a:lstStyle/>
+          <a:p>
+            <a:r>
+              <a:rPr lang="he-IL" dirty="0"/>
+              <a:t>שאלות</a:t>
+            </a:r>
+          </a:p>
+        </p:txBody>
+      </p:sp>
+      <p:sp>
+        <p:nvSpPr>
+          <p:cNvPr id="3" name="מציין מיקום תוכן 2">
+            <a:extLst>
+              <a:ext uri="{FF2B5EF4-FFF2-40B4-BE49-F238E27FC236}">
+                <a16:creationId xmlns:a16="http://schemas.microsoft.com/office/drawing/2014/main" id="{ECC183A5-E72D-4633-9C7F-C6CEE6050B06}"/>
+              </a:ext>
+            </a:extLst>
+          </p:cNvPr>
+          <p:cNvSpPr>
+            <a:spLocks noGrp="1"/>
+          </p:cNvSpPr>
+          <p:nvPr>
+            <p:ph idx="1"/>
+          </p:nvPr>
+        </p:nvSpPr>
+        <p:spPr/>
+        <p:txBody>
+          <a:bodyPr>
+            <a:normAutofit fontScale="85000" lnSpcReduction="20000"/>
+          </a:bodyPr>
+          <a:lstStyle/>
+          <a:p>
+            <a:pPr algn="l" rtl="0"/>
+            <a:r>
+              <a:rPr lang="en-US" dirty="0">
+                <a:hlinkClick r:id="rId2"/>
+              </a:rPr>
+              <a:t>https://medium.com/@vijendra1125/understanding-entropy-cross-entropy-and-softmax-3b79d9b23c8a</a:t>
+            </a:r>
+            <a:endParaRPr lang="en-US" dirty="0"/>
+          </a:p>
+          <a:p>
+            <a:pPr algn="l" rtl="0"/>
+            <a:r>
+              <a:rPr lang="en-US" dirty="0"/>
+              <a:t>Adam optimizer</a:t>
+            </a:r>
+            <a:endParaRPr lang="he-IL" dirty="0"/>
+          </a:p>
+          <a:p>
+            <a:pPr algn="l" rtl="0"/>
+            <a:r>
+              <a:rPr lang="en-US" dirty="0"/>
+              <a:t>Metric = optimizer</a:t>
+            </a:r>
+          </a:p>
+          <a:p>
+            <a:pPr algn="l" rtl="0"/>
+            <a:r>
+              <a:rPr lang="en-US" dirty="0"/>
+              <a:t>Cross </a:t>
+            </a:r>
+            <a:r>
+              <a:rPr lang="en-US"/>
+              <a:t>entrpoy</a:t>
+            </a:r>
+            <a:r>
+              <a:rPr lang="en-US" dirty="0"/>
+              <a:t> ? </a:t>
+            </a:r>
+            <a:endParaRPr lang="he-IL" dirty="0"/>
+          </a:p>
+          <a:p>
+            <a:pPr algn="l" rtl="0"/>
+            <a:r>
+              <a:rPr lang="en-US" dirty="0" err="1"/>
+              <a:t>categorical_crossentropy</a:t>
+            </a:r>
+            <a:r>
+              <a:rPr lang="en-US" dirty="0"/>
+              <a:t> – loss function</a:t>
+            </a:r>
+          </a:p>
+          <a:p>
+            <a:pPr algn="l" rtl="0"/>
+            <a:r>
+              <a:rPr lang="en-US" dirty="0"/>
+              <a:t>Model: seq vs functional</a:t>
+            </a:r>
+          </a:p>
+          <a:p>
+            <a:pPr algn="l" rtl="0"/>
+            <a:r>
+              <a:rPr lang="en-US" dirty="0"/>
+              <a:t>Metric ? (=accuracy)</a:t>
+            </a:r>
+          </a:p>
+          <a:p>
+            <a:pPr algn="l" rtl="0"/>
+            <a:r>
+              <a:rPr lang="en-US" dirty="0"/>
+              <a:t>Dropout ? </a:t>
+            </a:r>
+          </a:p>
+          <a:p>
+            <a:pPr lvl="1" algn="l" rtl="0"/>
+            <a:r>
+              <a:rPr lang="en-US" dirty="0">
+                <a:hlinkClick r:id="rId3"/>
+              </a:rPr>
+              <a:t>https://towardsdatascience.com/simplified-math-behind-dropout-in-deep-learning-6d50f3f47275</a:t>
+            </a:r>
+            <a:endParaRPr lang="en-US" dirty="0"/>
+          </a:p>
+          <a:p>
+            <a:pPr algn="l" rtl="0"/>
+            <a:r>
+              <a:rPr lang="en-US" dirty="0" err="1"/>
+              <a:t>kernel_constraint</a:t>
+            </a:r>
+            <a:r>
+              <a:rPr lang="en-US" dirty="0"/>
+              <a:t>=</a:t>
+            </a:r>
+            <a:r>
+              <a:rPr lang="en-US" dirty="0" err="1"/>
+              <a:t>maxnorm</a:t>
+            </a:r>
+            <a:r>
+              <a:rPr lang="en-US" dirty="0"/>
+              <a:t>(3)</a:t>
+            </a:r>
+            <a:endParaRPr lang="he-IL" dirty="0"/>
+          </a:p>
+        </p:txBody>
+      </p:sp>
+    </p:spTree>
+    <p:extLst>
+      <p:ext uri="{BB962C8B-B14F-4D97-AF65-F5344CB8AC3E}">
+        <p14:creationId xmlns:p14="http://schemas.microsoft.com/office/powerpoint/2010/main" val="2497399916"/>
+      </p:ext>
+    </p:extLst>
+  </p:cSld>
+  <p:clrMapOvr>
+    <a:masterClrMapping/>
+  </p:clrMapOvr>
+</p:sld>
+</file>
+
+<file path=ppt/slides/slide27.xml><?xml version="1.0" encoding="utf-8"?>
+<p:sld xmlns:a="http://schemas.openxmlformats.org/drawingml/2006/main" xmlns:r="http://schemas.openxmlformats.org/officeDocument/2006/relationships" xmlns:p="http://schemas.openxmlformats.org/presentationml/2006/main">
+  <p:cSld>
+    <p:spTree>
+      <p:nvGrpSpPr>
+        <p:cNvPr id="1" name=""/>
+        <p:cNvGrpSpPr/>
+        <p:nvPr/>
+      </p:nvGrpSpPr>
+      <p:grpSpPr>
+        <a:xfrm>
+          <a:off x="0" y="0"/>
+          <a:ext cx="0" cy="0"/>
+          <a:chOff x="0" y="0"/>
+          <a:chExt cx="0" cy="0"/>
+        </a:xfrm>
+      </p:grpSpPr>
+      <p:sp>
+        <p:nvSpPr>
+          <p:cNvPr id="2" name="כותרת 1">
+            <a:extLst>
+              <a:ext uri="{FF2B5EF4-FFF2-40B4-BE49-F238E27FC236}">
                 <a16:creationId xmlns:a16="http://schemas.microsoft.com/office/drawing/2014/main" id="{71C72253-A447-495E-80C8-1A3848767EDF}"/>
               </a:ext>
             </a:extLst>
@@ -5828,6 +6475,122 @@
               <a:rPr lang="en-US" dirty="0"/>
               <a:t>SoftMax activator</a:t>
             </a:r>
+            <a:r>
+              <a:rPr lang="he-IL" dirty="0"/>
+              <a:t> כאשר מספר </a:t>
+            </a:r>
+            <a:r>
+              <a:rPr lang="he-IL" dirty="0" err="1"/>
+              <a:t>הנירונים</a:t>
+            </a:r>
+            <a:r>
+              <a:rPr lang="he-IL" dirty="0"/>
+              <a:t> כמספר הקבוצות</a:t>
+            </a:r>
+          </a:p>
+          <a:p>
+            <a:r>
+              <a:rPr lang="he-IL" dirty="0"/>
+              <a:t>בבעיות סיווג </a:t>
+            </a:r>
+            <a:r>
+              <a:rPr lang="he-IL" dirty="0" err="1"/>
+              <a:t>בדר"כ</a:t>
+            </a:r>
+            <a:r>
+              <a:rPr lang="he-IL" dirty="0"/>
+              <a:t> משתמשים ב </a:t>
+            </a:r>
+            <a:r>
+              <a:rPr lang="en-US" dirty="0" err="1"/>
+              <a:t>relu</a:t>
+            </a:r>
+            <a:r>
+              <a:rPr lang="he-IL" dirty="0"/>
+              <a:t> (ולא </a:t>
+            </a:r>
+            <a:r>
+              <a:rPr lang="en-US" dirty="0"/>
+              <a:t>tanh</a:t>
+            </a:r>
+            <a:r>
+              <a:rPr lang="he-IL" dirty="0"/>
+              <a:t>)</a:t>
+            </a:r>
+          </a:p>
+          <a:p>
+            <a:r>
+              <a:rPr lang="he-IL" dirty="0"/>
+              <a:t>כאשר מספר הדגימות </a:t>
+            </a:r>
+            <a:r>
+              <a:rPr lang="en-US" dirty="0"/>
+              <a:t>(test)</a:t>
+            </a:r>
+            <a:r>
+              <a:rPr lang="he-IL" dirty="0"/>
+              <a:t> לא גדול -&gt; יש להשתמש במספר שכבות ו/או צמתים נמוך.</a:t>
+            </a:r>
+          </a:p>
+          <a:p>
+            <a:r>
+              <a:rPr lang="he-IL" dirty="0"/>
+              <a:t>ב </a:t>
+            </a:r>
+            <a:r>
+              <a:rPr lang="en-US" dirty="0"/>
+              <a:t>NN</a:t>
+            </a:r>
+            <a:r>
+              <a:rPr lang="he-IL" dirty="0"/>
+              <a:t> יש צורך שכל המידע יהיה מנורמל</a:t>
+            </a:r>
+          </a:p>
+          <a:p>
+            <a:r>
+              <a:rPr lang="he-IL" dirty="0"/>
+              <a:t>כדאי להגדיר את מספר ה </a:t>
+            </a:r>
+            <a:r>
+              <a:rPr lang="en-US" dirty="0" err="1"/>
+              <a:t>epoc</a:t>
+            </a:r>
+            <a:r>
+              <a:rPr lang="he-IL" dirty="0"/>
+              <a:t> (ברירת מחדל הינה 1)</a:t>
+            </a:r>
+          </a:p>
+          <a:p>
+            <a:r>
+              <a:rPr lang="he-IL" dirty="0"/>
+              <a:t>ככל שה </a:t>
+            </a:r>
+            <a:r>
+              <a:rPr lang="en-US" dirty="0"/>
+              <a:t>score</a:t>
+            </a:r>
+            <a:r>
+              <a:rPr lang="he-IL" dirty="0"/>
+              <a:t> (מסמן את ה </a:t>
+            </a:r>
+            <a:r>
+              <a:rPr lang="en-US" dirty="0"/>
+              <a:t>loss</a:t>
+            </a:r>
+            <a:r>
+              <a:rPr lang="he-IL" dirty="0"/>
+              <a:t>) קטן יותר -&gt; ככה טוב לנו יותר (כלומר קשה יותר לשפר את </a:t>
+            </a:r>
+            <a:r>
+              <a:rPr lang="he-IL" dirty="0" err="1"/>
+              <a:t>האלג</a:t>
+            </a:r>
+            <a:r>
+              <a:rPr lang="he-IL" dirty="0"/>
+              <a:t>' בהוספת שכבות / צמתים.</a:t>
+            </a:r>
+          </a:p>
+          <a:p>
             <a:endParaRPr lang="he-IL" dirty="0"/>
           </a:p>
         </p:txBody>

--- a/Presentation/Deep learning.pptx
+++ b/Presentation/Deep learning.pptx
@@ -6,32 +6,24 @@
   </p:sldMasterIdLst>
   <p:sldIdLst>
     <p:sldId id="256" r:id="rId2"/>
-    <p:sldId id="263" r:id="rId3"/>
-    <p:sldId id="264" r:id="rId4"/>
-    <p:sldId id="265" r:id="rId5"/>
-    <p:sldId id="266" r:id="rId6"/>
-    <p:sldId id="267" r:id="rId7"/>
-    <p:sldId id="268" r:id="rId8"/>
-    <p:sldId id="270" r:id="rId9"/>
-    <p:sldId id="269" r:id="rId10"/>
-    <p:sldId id="271" r:id="rId11"/>
-    <p:sldId id="272" r:id="rId12"/>
-    <p:sldId id="278" r:id="rId13"/>
-    <p:sldId id="277" r:id="rId14"/>
-    <p:sldId id="276" r:id="rId15"/>
-    <p:sldId id="279" r:id="rId16"/>
-    <p:sldId id="280" r:id="rId17"/>
-    <p:sldId id="273" r:id="rId18"/>
-    <p:sldId id="274" r:id="rId19"/>
-    <p:sldId id="282" r:id="rId20"/>
-    <p:sldId id="281" r:id="rId21"/>
-    <p:sldId id="283" r:id="rId22"/>
-    <p:sldId id="285" r:id="rId23"/>
-    <p:sldId id="287" r:id="rId24"/>
-    <p:sldId id="286" r:id="rId25"/>
-    <p:sldId id="288" r:id="rId26"/>
-    <p:sldId id="275" r:id="rId27"/>
-    <p:sldId id="284" r:id="rId28"/>
+    <p:sldId id="270" r:id="rId3"/>
+    <p:sldId id="276" r:id="rId4"/>
+    <p:sldId id="279" r:id="rId5"/>
+    <p:sldId id="280" r:id="rId6"/>
+    <p:sldId id="273" r:id="rId7"/>
+    <p:sldId id="274" r:id="rId8"/>
+    <p:sldId id="282" r:id="rId9"/>
+    <p:sldId id="281" r:id="rId10"/>
+    <p:sldId id="290" r:id="rId11"/>
+    <p:sldId id="283" r:id="rId12"/>
+    <p:sldId id="285" r:id="rId13"/>
+    <p:sldId id="287" r:id="rId14"/>
+    <p:sldId id="286" r:id="rId15"/>
+    <p:sldId id="288" r:id="rId16"/>
+    <p:sldId id="289" r:id="rId17"/>
+    <p:sldId id="275" r:id="rId18"/>
+    <p:sldId id="284" r:id="rId19"/>
+    <p:sldId id="269" r:id="rId20"/>
   </p:sldIdLst>
   <p:sldSz cx="12192000" cy="6858000"/>
   <p:notesSz cx="6858000" cy="9144000"/>
@@ -296,7 +288,7 @@
           <a:p>
             <a:fld id="{ABB87E8C-70FF-403C-A429-12AC23178795}" type="datetimeFigureOut">
               <a:rPr lang="he-IL" smtClean="0"/>
-              <a:t>כ"א/ניסן/תש"פ</a:t>
+              <a:t>כ"ב/ניסן/תש"פ</a:t>
             </a:fld>
             <a:endParaRPr lang="he-IL"/>
           </a:p>
@@ -494,7 +486,7 @@
           <a:p>
             <a:fld id="{ABB87E8C-70FF-403C-A429-12AC23178795}" type="datetimeFigureOut">
               <a:rPr lang="he-IL" smtClean="0"/>
-              <a:t>כ"א/ניסן/תש"פ</a:t>
+              <a:t>כ"ב/ניסן/תש"פ</a:t>
             </a:fld>
             <a:endParaRPr lang="he-IL"/>
           </a:p>
@@ -702,7 +694,7 @@
           <a:p>
             <a:fld id="{ABB87E8C-70FF-403C-A429-12AC23178795}" type="datetimeFigureOut">
               <a:rPr lang="he-IL" smtClean="0"/>
-              <a:t>כ"א/ניסן/תש"פ</a:t>
+              <a:t>כ"ב/ניסן/תש"פ</a:t>
             </a:fld>
             <a:endParaRPr lang="he-IL"/>
           </a:p>
@@ -900,7 +892,7 @@
           <a:p>
             <a:fld id="{ABB87E8C-70FF-403C-A429-12AC23178795}" type="datetimeFigureOut">
               <a:rPr lang="he-IL" smtClean="0"/>
-              <a:t>כ"א/ניסן/תש"פ</a:t>
+              <a:t>כ"ב/ניסן/תש"פ</a:t>
             </a:fld>
             <a:endParaRPr lang="he-IL"/>
           </a:p>
@@ -1175,7 +1167,7 @@
           <a:p>
             <a:fld id="{ABB87E8C-70FF-403C-A429-12AC23178795}" type="datetimeFigureOut">
               <a:rPr lang="he-IL" smtClean="0"/>
-              <a:t>כ"א/ניסן/תש"פ</a:t>
+              <a:t>כ"ב/ניסן/תש"פ</a:t>
             </a:fld>
             <a:endParaRPr lang="he-IL"/>
           </a:p>
@@ -1440,7 +1432,7 @@
           <a:p>
             <a:fld id="{ABB87E8C-70FF-403C-A429-12AC23178795}" type="datetimeFigureOut">
               <a:rPr lang="he-IL" smtClean="0"/>
-              <a:t>כ"א/ניסן/תש"פ</a:t>
+              <a:t>כ"ב/ניסן/תש"פ</a:t>
             </a:fld>
             <a:endParaRPr lang="he-IL"/>
           </a:p>
@@ -1852,7 +1844,7 @@
           <a:p>
             <a:fld id="{ABB87E8C-70FF-403C-A429-12AC23178795}" type="datetimeFigureOut">
               <a:rPr lang="he-IL" smtClean="0"/>
-              <a:t>כ"א/ניסן/תש"פ</a:t>
+              <a:t>כ"ב/ניסן/תש"פ</a:t>
             </a:fld>
             <a:endParaRPr lang="he-IL"/>
           </a:p>
@@ -1993,7 +1985,7 @@
           <a:p>
             <a:fld id="{ABB87E8C-70FF-403C-A429-12AC23178795}" type="datetimeFigureOut">
               <a:rPr lang="he-IL" smtClean="0"/>
-              <a:t>כ"א/ניסן/תש"פ</a:t>
+              <a:t>כ"ב/ניסן/תש"פ</a:t>
             </a:fld>
             <a:endParaRPr lang="he-IL"/>
           </a:p>
@@ -2106,7 +2098,7 @@
           <a:p>
             <a:fld id="{ABB87E8C-70FF-403C-A429-12AC23178795}" type="datetimeFigureOut">
               <a:rPr lang="he-IL" smtClean="0"/>
-              <a:t>כ"א/ניסן/תש"פ</a:t>
+              <a:t>כ"ב/ניסן/תש"פ</a:t>
             </a:fld>
             <a:endParaRPr lang="he-IL"/>
           </a:p>
@@ -2417,7 +2409,7 @@
           <a:p>
             <a:fld id="{ABB87E8C-70FF-403C-A429-12AC23178795}" type="datetimeFigureOut">
               <a:rPr lang="he-IL" smtClean="0"/>
-              <a:t>כ"א/ניסן/תש"פ</a:t>
+              <a:t>כ"ב/ניסן/תש"פ</a:t>
             </a:fld>
             <a:endParaRPr lang="he-IL"/>
           </a:p>
@@ -2705,7 +2697,7 @@
           <a:p>
             <a:fld id="{ABB87E8C-70FF-403C-A429-12AC23178795}" type="datetimeFigureOut">
               <a:rPr lang="he-IL" smtClean="0"/>
-              <a:t>כ"א/ניסן/תש"פ</a:t>
+              <a:t>כ"ב/ניסן/תש"פ</a:t>
             </a:fld>
             <a:endParaRPr lang="he-IL"/>
           </a:p>
@@ -2946,7 +2938,7 @@
           <a:p>
             <a:fld id="{ABB87E8C-70FF-403C-A429-12AC23178795}" type="datetimeFigureOut">
               <a:rPr lang="he-IL" smtClean="0"/>
-              <a:t>כ"א/ניסן/תש"פ</a:t>
+              <a:t>כ"ב/ניסן/תש"פ</a:t>
             </a:fld>
             <a:endParaRPr lang="he-IL"/>
           </a:p>
@@ -3452,7 +3444,7 @@
           <p:cNvPr id="2" name="כותרת 1">
             <a:extLst>
               <a:ext uri="{FF2B5EF4-FFF2-40B4-BE49-F238E27FC236}">
-                <a16:creationId xmlns:a16="http://schemas.microsoft.com/office/drawing/2014/main" id="{366E3CFC-8F6F-4799-BA47-55695921DD14}"/>
+                <a16:creationId xmlns:a16="http://schemas.microsoft.com/office/drawing/2014/main" id="{49A50247-4633-4C5E-B752-DC4C54482950}"/>
               </a:ext>
             </a:extLst>
           </p:cNvPr>
@@ -3468,74 +3460,206 @@
           <a:bodyPr/>
           <a:lstStyle/>
           <a:p>
-            <a:r>
-              <a:rPr lang="he-IL" dirty="0"/>
-              <a:t>בחירת </a:t>
-            </a:r>
-            <a:r>
-              <a:rPr lang="en-US" dirty="0"/>
-              <a:t>lost function </a:t>
-            </a:r>
-            <a:r>
-              <a:rPr lang="he-IL" dirty="0"/>
-              <a:t> ו </a:t>
-            </a:r>
-            <a:r>
-              <a:rPr lang="en-US" dirty="0"/>
-              <a:t>cost function</a:t>
-            </a:r>
-            <a:r>
-              <a:rPr lang="he-IL" dirty="0"/>
-              <a:t> לשכבה האחרונה (נניח </a:t>
+            <a:pPr algn="l" rtl="0"/>
+            <a:r>
+              <a:rPr lang="en-US" dirty="0"/>
+              <a:t>Loss function: </a:t>
             </a:r>
             <a:r>
               <a:rPr lang="en-US" dirty="0" err="1"/>
-              <a:t>softmax</a:t>
-            </a:r>
-            <a:r>
-              <a:rPr lang="en-US" dirty="0"/>
-              <a:t> activation function</a:t>
+              <a:t>categorical_crossentropy</a:t>
+            </a:r>
+            <a:endParaRPr lang="he-IL" dirty="0"/>
+          </a:p>
+        </p:txBody>
+      </p:sp>
+      <p:sp>
+        <p:nvSpPr>
+          <p:cNvPr id="3" name="מציין מיקום תוכן 2">
+            <a:extLst>
+              <a:ext uri="{FF2B5EF4-FFF2-40B4-BE49-F238E27FC236}">
+                <a16:creationId xmlns:a16="http://schemas.microsoft.com/office/drawing/2014/main" id="{C83DEF58-2E8F-4AC6-982F-36F56ECBC8DC}"/>
+              </a:ext>
+            </a:extLst>
+          </p:cNvPr>
+          <p:cNvSpPr>
+            <a:spLocks noGrp="1"/>
+          </p:cNvSpPr>
+          <p:nvPr>
+            <p:ph idx="1"/>
+          </p:nvPr>
+        </p:nvSpPr>
+        <p:spPr/>
+        <p:txBody>
+          <a:bodyPr>
+            <a:normAutofit lnSpcReduction="10000"/>
+          </a:bodyPr>
+          <a:lstStyle/>
+          <a:p>
+            <a:r>
+              <a:rPr lang="en-US" dirty="0"/>
+              <a:t>Binary cross entropy</a:t>
+            </a:r>
+            <a:r>
+              <a:rPr lang="he-IL" dirty="0"/>
+              <a:t> נקרא גם </a:t>
+            </a:r>
+            <a:r>
+              <a:rPr lang="en-US" dirty="0"/>
+              <a:t>log loss</a:t>
+            </a:r>
+            <a:endParaRPr lang="he-IL" dirty="0"/>
+          </a:p>
+          <a:p>
+            <a:r>
+              <a:rPr lang="he-IL" dirty="0"/>
+              <a:t>בכל פונקציות ה </a:t>
+            </a:r>
+            <a:r>
+              <a:rPr lang="en-US" dirty="0"/>
+              <a:t>loss</a:t>
+            </a:r>
+            <a:r>
+              <a:rPr lang="he-IL" dirty="0"/>
+              <a:t> כמו גם פה:</a:t>
+            </a:r>
+          </a:p>
+          <a:p>
+            <a:pPr lvl="1"/>
+            <a:r>
+              <a:rPr lang="he-IL" dirty="0"/>
+              <a:t>לחיזוי תקין לתת </a:t>
+            </a:r>
+            <a:r>
+              <a:rPr lang="en-US" dirty="0"/>
+              <a:t>loss = 0</a:t>
+            </a:r>
+            <a:endParaRPr lang="he-IL" dirty="0"/>
+          </a:p>
+          <a:p>
+            <a:pPr lvl="1"/>
+            <a:r>
+              <a:rPr lang="he-IL" dirty="0"/>
+              <a:t> רוצים לתת </a:t>
+            </a:r>
+            <a:r>
+              <a:rPr lang="en-US" dirty="0"/>
+              <a:t>bad penalty</a:t>
+            </a:r>
+            <a:r>
+              <a:rPr lang="he-IL" dirty="0"/>
+              <a:t> לחיזוי לא תקין (</a:t>
+            </a:r>
+            <a:r>
+              <a:rPr lang="en-US" dirty="0"/>
+              <a:t>loss != 0</a:t>
             </a:r>
             <a:r>
               <a:rPr lang="he-IL" dirty="0"/>
               <a:t>)</a:t>
             </a:r>
           </a:p>
-        </p:txBody>
-      </p:sp>
-      <p:sp>
-        <p:nvSpPr>
-          <p:cNvPr id="3" name="מציין מיקום תוכן 2">
-            <a:extLst>
-              <a:ext uri="{FF2B5EF4-FFF2-40B4-BE49-F238E27FC236}">
-                <a16:creationId xmlns:a16="http://schemas.microsoft.com/office/drawing/2014/main" id="{5FAD672C-5A55-4E27-96F5-ED07044EDCD5}"/>
-              </a:ext>
-            </a:extLst>
-          </p:cNvPr>
-          <p:cNvSpPr>
-            <a:spLocks noGrp="1"/>
-          </p:cNvSpPr>
-          <p:nvPr>
-            <p:ph idx="1"/>
-          </p:nvPr>
-        </p:nvSpPr>
-        <p:spPr/>
-        <p:txBody>
-          <a:bodyPr/>
-          <a:lstStyle/>
-          <a:p>
-            <a:r>
-              <a:rPr lang="en-US"/>
+          <a:p>
+            <a:r>
+              <a:rPr lang="en-US" dirty="0"/>
+              <a:t>Log [0..1)</a:t>
+            </a:r>
+            <a:r>
+              <a:rPr lang="he-IL" dirty="0"/>
+              <a:t> נותן ערך שלילי (כלומר </a:t>
+            </a:r>
+            <a:r>
+              <a:rPr lang="en-US" dirty="0"/>
+              <a:t>bad penalty</a:t>
+            </a:r>
+            <a:r>
+              <a:rPr lang="he-IL" dirty="0"/>
+              <a:t>)</a:t>
+            </a:r>
+          </a:p>
+          <a:p>
+            <a:r>
+              <a:rPr lang="he-IL" dirty="0"/>
+              <a:t>מתורת האינפורמציה:</a:t>
+            </a:r>
+          </a:p>
+          <a:p>
+            <a:pPr lvl="1"/>
+            <a:r>
+              <a:rPr lang="he-IL" dirty="0" err="1"/>
+              <a:t>לארועים</a:t>
+            </a:r>
+            <a:r>
+              <a:rPr lang="he-IL" dirty="0"/>
+              <a:t> נדירים יש צורך בייצוג של יותר ביטים</a:t>
+            </a:r>
+          </a:p>
+          <a:p>
+            <a:r>
+              <a:rPr lang="en-US" dirty="0"/>
               <a:t>Cross entropy</a:t>
             </a:r>
-            <a:endParaRPr lang="he-IL"/>
-          </a:p>
-        </p:txBody>
-      </p:sp>
+            <a:endParaRPr lang="he-IL" dirty="0"/>
+          </a:p>
+          <a:p>
+            <a:pPr lvl="1"/>
+            <a:r>
+              <a:rPr lang="he-IL" dirty="0"/>
+              <a:t>בהינתן 2 התפלגויות </a:t>
+            </a:r>
+            <a:r>
+              <a:rPr lang="en-US" dirty="0"/>
+              <a:t>P, Q</a:t>
+            </a:r>
+            <a:r>
+              <a:rPr lang="he-IL" dirty="0"/>
+              <a:t> אז פונקציה זו מודדת את יחס </a:t>
+            </a:r>
+            <a:r>
+              <a:rPr lang="he-IL" dirty="0" err="1"/>
+              <a:t>האנטרופיות</a:t>
+            </a:r>
+            <a:r>
+              <a:rPr lang="he-IL" dirty="0"/>
+              <a:t> בין 2 ההתפלגויות על אותו מרחב מדגם</a:t>
+            </a:r>
+          </a:p>
+        </p:txBody>
+      </p:sp>
+      <p:pic>
+        <p:nvPicPr>
+          <p:cNvPr id="5" name="תמונה 4">
+            <a:extLst>
+              <a:ext uri="{FF2B5EF4-FFF2-40B4-BE49-F238E27FC236}">
+                <a16:creationId xmlns:a16="http://schemas.microsoft.com/office/drawing/2014/main" id="{2D2A91AE-8D5F-4CCA-A3FE-EAB0289F32B2}"/>
+              </a:ext>
+            </a:extLst>
+          </p:cNvPr>
+          <p:cNvPicPr>
+            <a:picLocks noChangeAspect="1"/>
+          </p:cNvPicPr>
+          <p:nvPr/>
+        </p:nvPicPr>
+        <p:blipFill>
+          <a:blip r:embed="rId2"/>
+          <a:stretch>
+            <a:fillRect/>
+          </a:stretch>
+        </p:blipFill>
+        <p:spPr>
+          <a:xfrm>
+            <a:off x="1377103" y="5583979"/>
+            <a:ext cx="3736436" cy="1185968"/>
+          </a:xfrm>
+          <a:prstGeom prst="rect">
+            <a:avLst/>
+          </a:prstGeom>
+        </p:spPr>
+      </p:pic>
     </p:spTree>
     <p:extLst>
       <p:ext uri="{BB962C8B-B14F-4D97-AF65-F5344CB8AC3E}">
-        <p14:creationId xmlns:p14="http://schemas.microsoft.com/office/powerpoint/2010/main" val="967217205"/>
+        <p14:creationId xmlns:p14="http://schemas.microsoft.com/office/powerpoint/2010/main" val="815464808"/>
       </p:ext>
     </p:extLst>
   </p:cSld>
@@ -3567,7 +3691,7 @@
           <p:cNvPr id="2" name="כותרת 1">
             <a:extLst>
               <a:ext uri="{FF2B5EF4-FFF2-40B4-BE49-F238E27FC236}">
-                <a16:creationId xmlns:a16="http://schemas.microsoft.com/office/drawing/2014/main" id="{3DC09D11-57C4-4EEA-B481-9BF60120D80B}"/>
+                <a16:creationId xmlns:a16="http://schemas.microsoft.com/office/drawing/2014/main" id="{C1E4ED09-3D63-47F2-8FD8-BB2457D0F811}"/>
               </a:ext>
             </a:extLst>
           </p:cNvPr>
@@ -3583,7 +3707,11 @@
           <a:bodyPr/>
           <a:lstStyle/>
           <a:p>
-            <a:endParaRPr lang="he-IL"/>
+            <a:r>
+              <a:rPr lang="en-US" dirty="0"/>
+              <a:t>backpropagation</a:t>
+            </a:r>
+            <a:endParaRPr lang="he-IL" dirty="0"/>
           </a:p>
         </p:txBody>
       </p:sp>
@@ -3592,7 +3720,7 @@
           <p:cNvPr id="3" name="מציין מיקום תוכן 2">
             <a:extLst>
               <a:ext uri="{FF2B5EF4-FFF2-40B4-BE49-F238E27FC236}">
-                <a16:creationId xmlns:a16="http://schemas.microsoft.com/office/drawing/2014/main" id="{DEB8B3F6-093E-455A-87D5-AF807A5EB85F}"/>
+                <a16:creationId xmlns:a16="http://schemas.microsoft.com/office/drawing/2014/main" id="{09D802FA-4F74-4985-B3ED-EB89ACBC9FCB}"/>
               </a:ext>
             </a:extLst>
           </p:cNvPr>
@@ -3603,19 +3731,60 @@
             <p:ph idx="1"/>
           </p:nvPr>
         </p:nvSpPr>
-        <p:spPr/>
-        <p:txBody>
-          <a:bodyPr/>
-          <a:lstStyle/>
-          <a:p>
-            <a:endParaRPr lang="he-IL"/>
+        <p:spPr>
+          <a:xfrm>
+            <a:off x="838200" y="1825625"/>
+            <a:ext cx="10794476" cy="4351338"/>
+          </a:xfrm>
+        </p:spPr>
+        <p:txBody>
+          <a:bodyPr>
+            <a:noAutofit/>
+          </a:bodyPr>
+          <a:lstStyle/>
+          <a:p>
+            <a:r>
+              <a:rPr lang="he-IL" sz="2400" dirty="0"/>
+              <a:t>מבצעים </a:t>
+            </a:r>
+            <a:r>
+              <a:rPr lang="en-US" sz="2400" dirty="0"/>
+              <a:t>forward propagation</a:t>
+            </a:r>
+            <a:r>
+              <a:rPr lang="he-IL" sz="2400" dirty="0"/>
+              <a:t> ומחשבים ערך חזוי ושגיאה</a:t>
+            </a:r>
+          </a:p>
+          <a:p>
+            <a:r>
+              <a:rPr lang="he-IL" sz="2400" dirty="0"/>
+              <a:t>לפי פונקציית אופטימיזציה, חוזרים אחורה ומעדכנים משקלים (מהסוף להתחלה)</a:t>
+            </a:r>
+          </a:p>
+          <a:p>
+            <a:r>
+              <a:rPr lang="he-IL" sz="2400" dirty="0"/>
+              <a:t>מתחילים מערכי משקל </a:t>
+            </a:r>
+            <a:r>
+              <a:rPr lang="he-IL" sz="2400" dirty="0" err="1"/>
+              <a:t>אקראים</a:t>
+            </a:r>
+            <a:endParaRPr lang="he-IL" sz="2400" dirty="0"/>
+          </a:p>
+          <a:p>
+            <a:pPr marL="457200" lvl="1" indent="0">
+              <a:buNone/>
+            </a:pPr>
+            <a:endParaRPr lang="he-IL" dirty="0"/>
           </a:p>
         </p:txBody>
       </p:sp>
     </p:spTree>
     <p:extLst>
       <p:ext uri="{BB962C8B-B14F-4D97-AF65-F5344CB8AC3E}">
-        <p14:creationId xmlns:p14="http://schemas.microsoft.com/office/powerpoint/2010/main" val="421361516"/>
+        <p14:creationId xmlns:p14="http://schemas.microsoft.com/office/powerpoint/2010/main" val="2432502824"/>
       </p:ext>
     </p:extLst>
   </p:cSld>
@@ -3647,7 +3816,7 @@
           <p:cNvPr id="2" name="כותרת 1">
             <a:extLst>
               <a:ext uri="{FF2B5EF4-FFF2-40B4-BE49-F238E27FC236}">
-                <a16:creationId xmlns:a16="http://schemas.microsoft.com/office/drawing/2014/main" id="{3DC09D11-57C4-4EEA-B481-9BF60120D80B}"/>
+                <a16:creationId xmlns:a16="http://schemas.microsoft.com/office/drawing/2014/main" id="{D284B8F4-FB6F-4387-9560-4BD6D7F27017}"/>
               </a:ext>
             </a:extLst>
           </p:cNvPr>
@@ -3663,10 +3832,12 @@
           <a:bodyPr/>
           <a:lstStyle/>
           <a:p>
-            <a:r>
-              <a:rPr lang="he-IL" dirty="0"/>
-              <a:t>מושגים</a:t>
-            </a:r>
+            <a:pPr algn="l" rtl="0"/>
+            <a:r>
+              <a:rPr lang="en-US" dirty="0"/>
+              <a:t>dying neuron problem</a:t>
+            </a:r>
+            <a:endParaRPr lang="he-IL" dirty="0"/>
           </a:p>
         </p:txBody>
       </p:sp>
@@ -3675,7 +3846,7 @@
           <p:cNvPr id="3" name="מציין מיקום תוכן 2">
             <a:extLst>
               <a:ext uri="{FF2B5EF4-FFF2-40B4-BE49-F238E27FC236}">
-                <a16:creationId xmlns:a16="http://schemas.microsoft.com/office/drawing/2014/main" id="{DEB8B3F6-093E-455A-87D5-AF807A5EB85F}"/>
+                <a16:creationId xmlns:a16="http://schemas.microsoft.com/office/drawing/2014/main" id="{114680FF-86A1-483B-BF59-8A2904F36787}"/>
               </a:ext>
             </a:extLst>
           </p:cNvPr>
@@ -3692,23 +3863,52 @@
           <a:lstStyle/>
           <a:p>
             <a:r>
-              <a:rPr lang="en-US" dirty="0"/>
-              <a:t>Forward propagation</a:t>
-            </a:r>
-          </a:p>
-          <a:p>
-            <a:r>
-              <a:rPr lang="en-US" dirty="0"/>
-              <a:t>Backward propagation</a:t>
-            </a:r>
-            <a:endParaRPr lang="he-IL" dirty="0"/>
+              <a:rPr lang="he-IL" dirty="0"/>
+              <a:t>בעיה ב </a:t>
+            </a:r>
+            <a:r>
+              <a:rPr lang="en-US" dirty="0" err="1"/>
+              <a:t>Relu</a:t>
+            </a:r>
+            <a:r>
+              <a:rPr lang="he-IL" dirty="0"/>
+              <a:t> כאשר כל ערכים שלילים עוברים ל 0 ואז </a:t>
+            </a:r>
+            <a:r>
+              <a:rPr lang="he-IL" dirty="0" err="1"/>
+              <a:t>הנירון</a:t>
+            </a:r>
+            <a:r>
+              <a:rPr lang="he-IL" dirty="0"/>
+              <a:t> תקוע על 0</a:t>
+            </a:r>
+          </a:p>
+          <a:p>
+            <a:r>
+              <a:rPr lang="he-IL" dirty="0"/>
+              <a:t>במקרה זה יכול להיות שרוב הרשת לא עושה כלום </a:t>
+            </a:r>
+          </a:p>
+          <a:p>
+            <a:r>
+              <a:rPr lang="he-IL" dirty="0"/>
+              <a:t>התופעה יכולה לקרות כאשר ה </a:t>
+            </a:r>
+            <a:r>
+              <a:rPr lang="en-US" dirty="0"/>
+              <a:t>learning rate</a:t>
+            </a:r>
+            <a:r>
+              <a:rPr lang="he-IL" dirty="0"/>
+              <a:t> גבוהה</a:t>
+            </a:r>
           </a:p>
         </p:txBody>
       </p:sp>
     </p:spTree>
     <p:extLst>
       <p:ext uri="{BB962C8B-B14F-4D97-AF65-F5344CB8AC3E}">
-        <p14:creationId xmlns:p14="http://schemas.microsoft.com/office/powerpoint/2010/main" val="1950312034"/>
+        <p14:creationId xmlns:p14="http://schemas.microsoft.com/office/powerpoint/2010/main" val="1206663152"/>
       </p:ext>
     </p:extLst>
   </p:cSld>
@@ -3740,7 +3940,7 @@
           <p:cNvPr id="2" name="כותרת 1">
             <a:extLst>
               <a:ext uri="{FF2B5EF4-FFF2-40B4-BE49-F238E27FC236}">
-                <a16:creationId xmlns:a16="http://schemas.microsoft.com/office/drawing/2014/main" id="{3DC09D11-57C4-4EEA-B481-9BF60120D80B}"/>
+                <a16:creationId xmlns:a16="http://schemas.microsoft.com/office/drawing/2014/main" id="{A8A17D90-B66A-4A13-A83B-918AC861D975}"/>
               </a:ext>
             </a:extLst>
           </p:cNvPr>
@@ -3758,7 +3958,7 @@
           <a:p>
             <a:r>
               <a:rPr lang="en-US" dirty="0"/>
-              <a:t>Activation functions</a:t>
+              <a:t>Iterations</a:t>
             </a:r>
             <a:endParaRPr lang="he-IL" dirty="0"/>
           </a:p>
@@ -3769,7 +3969,7 @@
           <p:cNvPr id="3" name="מציין מיקום תוכן 2">
             <a:extLst>
               <a:ext uri="{FF2B5EF4-FFF2-40B4-BE49-F238E27FC236}">
-                <a16:creationId xmlns:a16="http://schemas.microsoft.com/office/drawing/2014/main" id="{DEB8B3F6-093E-455A-87D5-AF807A5EB85F}"/>
+                <a16:creationId xmlns:a16="http://schemas.microsoft.com/office/drawing/2014/main" id="{8D543FF4-0ABD-4801-B4B6-B9FAA7CC5A85}"/>
               </a:ext>
             </a:extLst>
           </p:cNvPr>
@@ -3785,22 +3985,94 @@
           <a:bodyPr/>
           <a:lstStyle/>
           <a:p>
-            <a:r>
-              <a:rPr lang="he-IL" dirty="0"/>
-              <a:t>מופעלים לאחר החישוב: </a:t>
-            </a:r>
-            <a:r>
-              <a:rPr lang="en-US" dirty="0" err="1"/>
-              <a:t>wifi</a:t>
+            <a:pPr lvl="1"/>
+            <a:r>
+              <a:rPr lang="he-IL" dirty="0"/>
+              <a:t>ניזכר שאלג’ </a:t>
+            </a:r>
+            <a:r>
+              <a:rPr lang="en-US" dirty="0"/>
+              <a:t>gradient descent</a:t>
+            </a:r>
+            <a:r>
+              <a:rPr lang="he-IL" dirty="0"/>
+              <a:t> (ירידת שיפוע) עובד ב </a:t>
+            </a:r>
+            <a:r>
+              <a:rPr lang="en-US" dirty="0"/>
+              <a:t>iterations</a:t>
+            </a:r>
+            <a:r>
+              <a:rPr lang="he-IL" dirty="0"/>
+              <a:t> אשר מנסה בכל </a:t>
+            </a:r>
+            <a:r>
+              <a:rPr lang="en-US" dirty="0"/>
+              <a:t>iteration</a:t>
+            </a:r>
+            <a:r>
+              <a:rPr lang="he-IL" dirty="0"/>
+              <a:t> להתקדם לכיוון המינימום. לכן כדאי להגדיר מספר זה ב </a:t>
+            </a:r>
+            <a:r>
+              <a:rPr lang="en-US" dirty="0"/>
+              <a:t>FIT</a:t>
             </a:r>
             <a:endParaRPr lang="he-IL" dirty="0"/>
           </a:p>
         </p:txBody>
       </p:sp>
+      <p:pic>
+        <p:nvPicPr>
+          <p:cNvPr id="1026" name="Picture 2">
+            <a:extLst>
+              <a:ext uri="{FF2B5EF4-FFF2-40B4-BE49-F238E27FC236}">
+                <a16:creationId xmlns:a16="http://schemas.microsoft.com/office/drawing/2014/main" id="{66F40BEC-9E48-4F68-9A86-68A177F52D35}"/>
+              </a:ext>
+            </a:extLst>
+          </p:cNvPr>
+          <p:cNvPicPr>
+            <a:picLocks noChangeAspect="1" noChangeArrowheads="1" noCrop="1"/>
+          </p:cNvPicPr>
+          <p:nvPr/>
+        </p:nvPicPr>
+        <p:blipFill>
+          <a:blip r:embed="rId2">
+            <a:extLst>
+              <a:ext uri="{28A0092B-C50C-407E-A947-70E740481C1C}">
+                <a14:useLocalDpi xmlns:a14="http://schemas.microsoft.com/office/drawing/2010/main" val="0"/>
+              </a:ext>
+            </a:extLst>
+          </a:blip>
+          <a:srcRect/>
+          <a:stretch>
+            <a:fillRect/>
+          </a:stretch>
+        </p:blipFill>
+        <p:spPr bwMode="auto">
+          <a:xfrm>
+            <a:off x="1865791" y="3063875"/>
+            <a:ext cx="8229600" cy="3429000"/>
+          </a:xfrm>
+          <a:prstGeom prst="rect">
+            <a:avLst/>
+          </a:prstGeom>
+          <a:noFill/>
+          <a:extLst>
+            <a:ext uri="{909E8E84-426E-40DD-AFC4-6F175D3DCCD1}">
+              <a14:hiddenFill xmlns:a14="http://schemas.microsoft.com/office/drawing/2010/main">
+                <a:solidFill>
+                  <a:srgbClr val="FFFFFF"/>
+                </a:solidFill>
+              </a14:hiddenFill>
+            </a:ext>
+          </a:extLst>
+        </p:spPr>
+      </p:pic>
     </p:spTree>
     <p:extLst>
       <p:ext uri="{BB962C8B-B14F-4D97-AF65-F5344CB8AC3E}">
-        <p14:creationId xmlns:p14="http://schemas.microsoft.com/office/powerpoint/2010/main" val="507155045"/>
+        <p14:creationId xmlns:p14="http://schemas.microsoft.com/office/powerpoint/2010/main" val="2151189518"/>
       </p:ext>
     </p:extLst>
   </p:cSld>
@@ -3811,6 +4083,1499 @@
 </file>
 
 <file path=ppt/slides/slide14.xml><?xml version="1.0" encoding="utf-8"?>
+<p:sld xmlns:a="http://schemas.openxmlformats.org/drawingml/2006/main" xmlns:r="http://schemas.openxmlformats.org/officeDocument/2006/relationships" xmlns:p="http://schemas.openxmlformats.org/presentationml/2006/main">
+  <p:cSld>
+    <p:spTree>
+      <p:nvGrpSpPr>
+        <p:cNvPr id="1" name=""/>
+        <p:cNvGrpSpPr/>
+        <p:nvPr/>
+      </p:nvGrpSpPr>
+      <p:grpSpPr>
+        <a:xfrm>
+          <a:off x="0" y="0"/>
+          <a:ext cx="0" cy="0"/>
+          <a:chOff x="0" y="0"/>
+          <a:chExt cx="0" cy="0"/>
+        </a:xfrm>
+      </p:grpSpPr>
+      <p:sp>
+        <p:nvSpPr>
+          <p:cNvPr id="2" name="כותרת 1">
+            <a:extLst>
+              <a:ext uri="{FF2B5EF4-FFF2-40B4-BE49-F238E27FC236}">
+                <a16:creationId xmlns:a16="http://schemas.microsoft.com/office/drawing/2014/main" id="{A8A17D90-B66A-4A13-A83B-918AC861D975}"/>
+              </a:ext>
+            </a:extLst>
+          </p:cNvPr>
+          <p:cNvSpPr>
+            <a:spLocks noGrp="1"/>
+          </p:cNvSpPr>
+          <p:nvPr>
+            <p:ph type="title"/>
+          </p:nvPr>
+        </p:nvSpPr>
+        <p:spPr/>
+        <p:txBody>
+          <a:bodyPr/>
+          <a:lstStyle/>
+          <a:p>
+            <a:r>
+              <a:rPr lang="en-US" dirty="0"/>
+              <a:t>Epoch</a:t>
+            </a:r>
+            <a:endParaRPr lang="he-IL" dirty="0"/>
+          </a:p>
+        </p:txBody>
+      </p:sp>
+      <p:sp>
+        <p:nvSpPr>
+          <p:cNvPr id="3" name="מציין מיקום תוכן 2">
+            <a:extLst>
+              <a:ext uri="{FF2B5EF4-FFF2-40B4-BE49-F238E27FC236}">
+                <a16:creationId xmlns:a16="http://schemas.microsoft.com/office/drawing/2014/main" id="{8D543FF4-0ABD-4801-B4B6-B9FAA7CC5A85}"/>
+              </a:ext>
+            </a:extLst>
+          </p:cNvPr>
+          <p:cNvSpPr>
+            <a:spLocks noGrp="1"/>
+          </p:cNvSpPr>
+          <p:nvPr>
+            <p:ph idx="1"/>
+          </p:nvPr>
+        </p:nvSpPr>
+        <p:spPr>
+          <a:xfrm>
+            <a:off x="838199" y="1340528"/>
+            <a:ext cx="11013489" cy="4836435"/>
+          </a:xfrm>
+        </p:spPr>
+        <p:txBody>
+          <a:bodyPr>
+            <a:normAutofit/>
+          </a:bodyPr>
+          <a:lstStyle/>
+          <a:p>
+            <a:r>
+              <a:rPr lang="he-IL" sz="2000" dirty="0" err="1"/>
+              <a:t>בדר"כ</a:t>
+            </a:r>
+            <a:r>
+              <a:rPr lang="he-IL" sz="2000" dirty="0"/>
+              <a:t> (לא בדוגמאות בסיס) ב </a:t>
+            </a:r>
+            <a:r>
+              <a:rPr lang="en-US" sz="2000" dirty="0"/>
+              <a:t>ML</a:t>
+            </a:r>
+            <a:r>
+              <a:rPr lang="he-IL" sz="2000" dirty="0"/>
+              <a:t> יש המון מידע ולכן נרצה לעבד וללמוד אותו בחלקים.</a:t>
+            </a:r>
+          </a:p>
+          <a:p>
+            <a:r>
+              <a:rPr lang="en-US" sz="2000" dirty="0" err="1"/>
+              <a:t>Epoc</a:t>
+            </a:r>
+            <a:endParaRPr lang="he-IL" sz="2000" dirty="0"/>
+          </a:p>
+          <a:p>
+            <a:pPr lvl="1"/>
+            <a:r>
+              <a:rPr lang="he-IL" sz="2000" dirty="0"/>
+              <a:t>מעבר אחד על כל ה </a:t>
+            </a:r>
+            <a:r>
+              <a:rPr lang="en-US" sz="2000" dirty="0"/>
+              <a:t>dataset</a:t>
+            </a:r>
+            <a:r>
+              <a:rPr lang="he-IL" sz="2000" dirty="0"/>
+              <a:t> קדימה ואחורה</a:t>
+            </a:r>
+            <a:r>
+              <a:rPr lang="en-US" sz="2000" dirty="0"/>
+              <a:t>.</a:t>
+            </a:r>
+            <a:endParaRPr lang="he-IL" sz="2000" dirty="0"/>
+          </a:p>
+          <a:p>
+            <a:pPr lvl="1"/>
+            <a:r>
+              <a:rPr lang="he-IL" sz="2000" dirty="0"/>
+              <a:t>ניזכר שב </a:t>
+            </a:r>
+            <a:r>
+              <a:rPr lang="en-US" sz="2000" dirty="0"/>
+              <a:t>gradient descent</a:t>
+            </a:r>
+            <a:r>
+              <a:rPr lang="he-IL" sz="2000" dirty="0"/>
+              <a:t> אשר עובד </a:t>
+            </a:r>
+            <a:r>
+              <a:rPr lang="he-IL" sz="2000" dirty="0" err="1"/>
+              <a:t>איטרטיבי</a:t>
+            </a:r>
+            <a:r>
+              <a:rPr lang="he-IL" sz="2000" dirty="0"/>
+              <a:t> (</a:t>
+            </a:r>
+            <a:r>
+              <a:rPr lang="en-US" sz="2000" dirty="0"/>
+              <a:t>iteration</a:t>
+            </a:r>
+            <a:r>
+              <a:rPr lang="he-IL" sz="2000" dirty="0"/>
+              <a:t>) ולכן כאשר ה </a:t>
+            </a:r>
+            <a:r>
+              <a:rPr lang="en-US" sz="2000" dirty="0"/>
+              <a:t>dataset</a:t>
+            </a:r>
+            <a:r>
+              <a:rPr lang="he-IL" sz="2000" dirty="0"/>
+              <a:t> ענק עדכון המשקלים פעם אחת (</a:t>
+            </a:r>
+            <a:r>
+              <a:rPr lang="he-IL" sz="2000" dirty="0" err="1"/>
+              <a:t>איטרציה</a:t>
+            </a:r>
+            <a:r>
+              <a:rPr lang="he-IL" sz="2000" dirty="0"/>
+              <a:t> אחת) אינו מספיק.</a:t>
+            </a:r>
+            <a:endParaRPr lang="en-US" sz="2000" dirty="0"/>
+          </a:p>
+          <a:p>
+            <a:pPr lvl="1"/>
+            <a:r>
+              <a:rPr lang="he-IL" sz="2000" dirty="0"/>
+              <a:t>במידה וגודל ה </a:t>
+            </a:r>
+            <a:r>
+              <a:rPr lang="en-US" sz="2000" dirty="0"/>
+              <a:t>dataset</a:t>
+            </a:r>
+            <a:r>
+              <a:rPr lang="he-IL" sz="2000" dirty="0"/>
+              <a:t> ענק, לא ראלי לעבור פעם אחת ולכן מחלקים לחלקים קטנים יותר </a:t>
+            </a:r>
+            <a:r>
+              <a:rPr lang="en-US" sz="2000" dirty="0"/>
+              <a:t>(batch)</a:t>
+            </a:r>
+            <a:endParaRPr lang="he-IL" sz="2000" dirty="0"/>
+          </a:p>
+          <a:p>
+            <a:endParaRPr lang="he-IL" sz="2000" dirty="0"/>
+          </a:p>
+        </p:txBody>
+      </p:sp>
+      <p:pic>
+        <p:nvPicPr>
+          <p:cNvPr id="1028" name="Picture 4">
+            <a:extLst>
+              <a:ext uri="{FF2B5EF4-FFF2-40B4-BE49-F238E27FC236}">
+                <a16:creationId xmlns:a16="http://schemas.microsoft.com/office/drawing/2014/main" id="{FB3CC188-7D1A-41E1-8D1B-ED68CE76B21C}"/>
+              </a:ext>
+            </a:extLst>
+          </p:cNvPr>
+          <p:cNvPicPr>
+            <a:picLocks noChangeAspect="1" noChangeArrowheads="1"/>
+          </p:cNvPicPr>
+          <p:nvPr/>
+        </p:nvPicPr>
+        <p:blipFill>
+          <a:blip r:embed="rId2">
+            <a:extLst>
+              <a:ext uri="{28A0092B-C50C-407E-A947-70E740481C1C}">
+                <a14:useLocalDpi xmlns:a14="http://schemas.microsoft.com/office/drawing/2010/main" val="0"/>
+              </a:ext>
+            </a:extLst>
+          </a:blip>
+          <a:srcRect/>
+          <a:stretch>
+            <a:fillRect/>
+          </a:stretch>
+        </p:blipFill>
+        <p:spPr bwMode="auto">
+          <a:xfrm>
+            <a:off x="2513398" y="3758745"/>
+            <a:ext cx="7981950" cy="2857500"/>
+          </a:xfrm>
+          <a:prstGeom prst="rect">
+            <a:avLst/>
+          </a:prstGeom>
+          <a:noFill/>
+          <a:extLst>
+            <a:ext uri="{909E8E84-426E-40DD-AFC4-6F175D3DCCD1}">
+              <a14:hiddenFill xmlns:a14="http://schemas.microsoft.com/office/drawing/2010/main">
+                <a:solidFill>
+                  <a:srgbClr val="FFFFFF"/>
+                </a:solidFill>
+              </a14:hiddenFill>
+            </a:ext>
+          </a:extLst>
+        </p:spPr>
+      </p:pic>
+    </p:spTree>
+    <p:extLst>
+      <p:ext uri="{BB962C8B-B14F-4D97-AF65-F5344CB8AC3E}">
+        <p14:creationId xmlns:p14="http://schemas.microsoft.com/office/powerpoint/2010/main" val="1249711781"/>
+      </p:ext>
+    </p:extLst>
+  </p:cSld>
+  <p:clrMapOvr>
+    <a:masterClrMapping/>
+  </p:clrMapOvr>
+</p:sld>
+</file>
+
+<file path=ppt/slides/slide15.xml><?xml version="1.0" encoding="utf-8"?>
+<p:sld xmlns:a="http://schemas.openxmlformats.org/drawingml/2006/main" xmlns:r="http://schemas.openxmlformats.org/officeDocument/2006/relationships" xmlns:p="http://schemas.openxmlformats.org/presentationml/2006/main">
+  <p:cSld>
+    <p:spTree>
+      <p:nvGrpSpPr>
+        <p:cNvPr id="1" name=""/>
+        <p:cNvGrpSpPr/>
+        <p:nvPr/>
+      </p:nvGrpSpPr>
+      <p:grpSpPr>
+        <a:xfrm>
+          <a:off x="0" y="0"/>
+          <a:ext cx="0" cy="0"/>
+          <a:chOff x="0" y="0"/>
+          <a:chExt cx="0" cy="0"/>
+        </a:xfrm>
+      </p:grpSpPr>
+      <p:sp>
+        <p:nvSpPr>
+          <p:cNvPr id="2" name="כותרת 1">
+            <a:extLst>
+              <a:ext uri="{FF2B5EF4-FFF2-40B4-BE49-F238E27FC236}">
+                <a16:creationId xmlns:a16="http://schemas.microsoft.com/office/drawing/2014/main" id="{2B4B6B3E-7F60-41CD-AF08-855C296D6952}"/>
+              </a:ext>
+            </a:extLst>
+          </p:cNvPr>
+          <p:cNvSpPr>
+            <a:spLocks noGrp="1"/>
+          </p:cNvSpPr>
+          <p:nvPr>
+            <p:ph type="title"/>
+          </p:nvPr>
+        </p:nvSpPr>
+        <p:spPr/>
+        <p:txBody>
+          <a:bodyPr/>
+          <a:lstStyle/>
+          <a:p>
+            <a:r>
+              <a:rPr lang="en-US" dirty="0"/>
+              <a:t>batch</a:t>
+            </a:r>
+            <a:endParaRPr lang="he-IL" dirty="0"/>
+          </a:p>
+        </p:txBody>
+      </p:sp>
+      <p:sp>
+        <p:nvSpPr>
+          <p:cNvPr id="3" name="מציין מיקום תוכן 2">
+            <a:extLst>
+              <a:ext uri="{FF2B5EF4-FFF2-40B4-BE49-F238E27FC236}">
+                <a16:creationId xmlns:a16="http://schemas.microsoft.com/office/drawing/2014/main" id="{D7615477-93B2-4931-BCDC-E8D0C7E04F6F}"/>
+              </a:ext>
+            </a:extLst>
+          </p:cNvPr>
+          <p:cNvSpPr>
+            <a:spLocks noGrp="1"/>
+          </p:cNvSpPr>
+          <p:nvPr>
+            <p:ph idx="1"/>
+          </p:nvPr>
+        </p:nvSpPr>
+        <p:spPr/>
+        <p:txBody>
+          <a:bodyPr/>
+          <a:lstStyle/>
+          <a:p>
+            <a:r>
+              <a:rPr lang="he-IL" dirty="0"/>
+              <a:t>מספר הדגימות של האימון שמופיעות ב </a:t>
+            </a:r>
+            <a:r>
+              <a:rPr lang="en-US" dirty="0"/>
+              <a:t>batch </a:t>
+            </a:r>
+            <a:r>
+              <a:rPr lang="he-IL" dirty="0"/>
+              <a:t> אחד.</a:t>
+            </a:r>
+          </a:p>
+          <a:p>
+            <a:r>
+              <a:rPr lang="en-US" dirty="0"/>
+              <a:t>Iteration</a:t>
+            </a:r>
+            <a:r>
+              <a:rPr lang="he-IL" dirty="0"/>
+              <a:t> = מספר ה </a:t>
+            </a:r>
+            <a:r>
+              <a:rPr lang="en-US" dirty="0"/>
+              <a:t>batch</a:t>
+            </a:r>
+            <a:r>
+              <a:rPr lang="he-IL" dirty="0"/>
+              <a:t> שעוברים על </a:t>
+            </a:r>
+            <a:r>
+              <a:rPr lang="en-US" dirty="0" err="1"/>
+              <a:t>epoc</a:t>
+            </a:r>
+            <a:r>
+              <a:rPr lang="he-IL" dirty="0"/>
+              <a:t> אחד.</a:t>
+            </a:r>
+          </a:p>
+          <a:p>
+            <a:pPr algn="r"/>
+            <a:r>
+              <a:rPr lang="he-IL" dirty="0"/>
+              <a:t>דוגמא:</a:t>
+            </a:r>
+          </a:p>
+          <a:p>
+            <a:pPr lvl="1"/>
+            <a:r>
+              <a:rPr lang="he-IL" dirty="0"/>
+              <a:t>נניח יש לנו 2000 דגימות וגודל ה </a:t>
+            </a:r>
+            <a:r>
+              <a:rPr lang="en-US" dirty="0"/>
+              <a:t>batch = 500</a:t>
+            </a:r>
+            <a:endParaRPr lang="he-IL" dirty="0"/>
+          </a:p>
+          <a:p>
+            <a:pPr lvl="2"/>
+            <a:r>
+              <a:rPr lang="he-IL" dirty="0"/>
+              <a:t>כלומר </a:t>
+            </a:r>
+            <a:r>
+              <a:rPr lang="en-US" dirty="0" err="1"/>
+              <a:t>epoc</a:t>
+            </a:r>
+            <a:r>
+              <a:rPr lang="he-IL" dirty="0"/>
+              <a:t> אחד זה מעבר על 2000 דגימות</a:t>
+            </a:r>
+          </a:p>
+          <a:p>
+            <a:pPr lvl="1"/>
+            <a:r>
+              <a:rPr lang="he-IL" dirty="0"/>
+              <a:t>אז אנו צריכים 4 </a:t>
+            </a:r>
+            <a:r>
+              <a:rPr lang="he-IL" dirty="0" err="1"/>
+              <a:t>איטרציות</a:t>
+            </a:r>
+            <a:r>
+              <a:rPr lang="he-IL" dirty="0"/>
+              <a:t> לעבור על כל הדגימות</a:t>
+            </a:r>
+          </a:p>
+        </p:txBody>
+      </p:sp>
+    </p:spTree>
+    <p:extLst>
+      <p:ext uri="{BB962C8B-B14F-4D97-AF65-F5344CB8AC3E}">
+        <p14:creationId xmlns:p14="http://schemas.microsoft.com/office/powerpoint/2010/main" val="2736597360"/>
+      </p:ext>
+    </p:extLst>
+  </p:cSld>
+  <p:clrMapOvr>
+    <a:masterClrMapping/>
+  </p:clrMapOvr>
+</p:sld>
+</file>
+
+<file path=ppt/slides/slide16.xml><?xml version="1.0" encoding="utf-8"?>
+<p:sld xmlns:a="http://schemas.openxmlformats.org/drawingml/2006/main" xmlns:r="http://schemas.openxmlformats.org/officeDocument/2006/relationships" xmlns:p="http://schemas.openxmlformats.org/presentationml/2006/main">
+  <p:cSld>
+    <p:spTree>
+      <p:nvGrpSpPr>
+        <p:cNvPr id="1" name=""/>
+        <p:cNvGrpSpPr/>
+        <p:nvPr/>
+      </p:nvGrpSpPr>
+      <p:grpSpPr>
+        <a:xfrm>
+          <a:off x="0" y="0"/>
+          <a:ext cx="0" cy="0"/>
+          <a:chOff x="0" y="0"/>
+          <a:chExt cx="0" cy="0"/>
+        </a:xfrm>
+      </p:grpSpPr>
+      <p:sp>
+        <p:nvSpPr>
+          <p:cNvPr id="2" name="כותרת 1">
+            <a:extLst>
+              <a:ext uri="{FF2B5EF4-FFF2-40B4-BE49-F238E27FC236}">
+                <a16:creationId xmlns:a16="http://schemas.microsoft.com/office/drawing/2014/main" id="{3CCD18DE-1510-437B-AA3C-C1E20086E146}"/>
+              </a:ext>
+            </a:extLst>
+          </p:cNvPr>
+          <p:cNvSpPr>
+            <a:spLocks noGrp="1"/>
+          </p:cNvSpPr>
+          <p:nvPr>
+            <p:ph type="title"/>
+          </p:nvPr>
+        </p:nvSpPr>
+        <p:spPr>
+          <a:xfrm>
+            <a:off x="1273206" y="300438"/>
+            <a:ext cx="10515600" cy="593663"/>
+          </a:xfrm>
+        </p:spPr>
+        <p:txBody>
+          <a:bodyPr>
+            <a:normAutofit fontScale="90000"/>
+          </a:bodyPr>
+          <a:lstStyle/>
+          <a:p>
+            <a:r>
+              <a:rPr lang="en-US" dirty="0"/>
+              <a:t>metric</a:t>
+            </a:r>
+            <a:endParaRPr lang="he-IL" dirty="0"/>
+          </a:p>
+        </p:txBody>
+      </p:sp>
+      <p:sp>
+        <p:nvSpPr>
+          <p:cNvPr id="3" name="מציין מיקום תוכן 2">
+            <a:extLst>
+              <a:ext uri="{FF2B5EF4-FFF2-40B4-BE49-F238E27FC236}">
+                <a16:creationId xmlns:a16="http://schemas.microsoft.com/office/drawing/2014/main" id="{548E6760-A33D-4164-8641-D2D64154D78E}"/>
+              </a:ext>
+            </a:extLst>
+          </p:cNvPr>
+          <p:cNvSpPr>
+            <a:spLocks noGrp="1"/>
+          </p:cNvSpPr>
+          <p:nvPr>
+            <p:ph idx="1"/>
+          </p:nvPr>
+        </p:nvSpPr>
+        <p:spPr>
+          <a:xfrm>
+            <a:off x="337351" y="1269507"/>
+            <a:ext cx="11665259" cy="4907456"/>
+          </a:xfrm>
+        </p:spPr>
+        <p:txBody>
+          <a:bodyPr>
+            <a:normAutofit fontScale="92500" lnSpcReduction="10000"/>
+          </a:bodyPr>
+          <a:lstStyle/>
+          <a:p>
+            <a:r>
+              <a:rPr lang="he-IL" dirty="0"/>
+              <a:t>יש מספר אפשרויות לחשב את ערך טיב החיזוי </a:t>
+            </a:r>
+            <a:r>
+              <a:rPr lang="en-US" dirty="0"/>
+              <a:t>(score)</a:t>
+            </a:r>
+            <a:endParaRPr lang="he-IL" dirty="0"/>
+          </a:p>
+          <a:p>
+            <a:r>
+              <a:rPr lang="en-US" dirty="0"/>
+              <a:t>Accuracy</a:t>
+            </a:r>
+            <a:r>
+              <a:rPr lang="he-IL" dirty="0"/>
+              <a:t>:</a:t>
+            </a:r>
+          </a:p>
+          <a:p>
+            <a:pPr lvl="1"/>
+            <a:r>
+              <a:rPr lang="he-IL" dirty="0"/>
+              <a:t>טוב כאשר יש מספר זהה של דגימות בין 2 קבוצות, אחרת המדידה לא מדויקת</a:t>
+            </a:r>
+          </a:p>
+          <a:p>
+            <a:pPr lvl="2"/>
+            <a:r>
+              <a:rPr lang="he-IL" dirty="0"/>
+              <a:t>לדוגמא: קבוצה </a:t>
+            </a:r>
+            <a:r>
+              <a:rPr lang="en-US" dirty="0"/>
+              <a:t>A</a:t>
+            </a:r>
+            <a:r>
+              <a:rPr lang="he-IL" dirty="0"/>
+              <a:t> עם 998 דגימות וקבוצה </a:t>
+            </a:r>
+            <a:r>
+              <a:rPr lang="en-US" dirty="0"/>
+              <a:t>B</a:t>
+            </a:r>
+            <a:r>
+              <a:rPr lang="he-IL" dirty="0"/>
+              <a:t> עם 2 דגימות</a:t>
+            </a:r>
+          </a:p>
+          <a:p>
+            <a:r>
+              <a:rPr lang="en-US" dirty="0" err="1"/>
+              <a:t>LogLoss</a:t>
+            </a:r>
+            <a:endParaRPr lang="he-IL" dirty="0"/>
+          </a:p>
+          <a:p>
+            <a:pPr lvl="1"/>
+            <a:r>
+              <a:rPr lang="he-IL" dirty="0"/>
+              <a:t>נקרא גם </a:t>
+            </a:r>
+            <a:r>
+              <a:rPr lang="en-US" dirty="0"/>
+              <a:t>Logarithm Loss</a:t>
+            </a:r>
+            <a:endParaRPr lang="he-IL" dirty="0"/>
+          </a:p>
+          <a:p>
+            <a:pPr lvl="1"/>
+            <a:r>
+              <a:rPr lang="he-IL" dirty="0"/>
+              <a:t>תוצאה בין 0 לאינסוף, כאשר כמה שיותר קרוב ל 0, יותר מדויק</a:t>
+            </a:r>
+          </a:p>
+          <a:p>
+            <a:r>
+              <a:rPr lang="en-US" dirty="0"/>
+              <a:t>Confusion Matrix</a:t>
+            </a:r>
+            <a:br>
+              <a:rPr lang="en-US" dirty="0"/>
+            </a:br>
+            <a:br>
+              <a:rPr lang="en-US" dirty="0"/>
+            </a:br>
+            <a:br>
+              <a:rPr lang="en-US" dirty="0"/>
+            </a:br>
+            <a:br>
+              <a:rPr lang="en-US" dirty="0"/>
+            </a:br>
+            <a:endParaRPr lang="he-IL" dirty="0"/>
+          </a:p>
+          <a:p>
+            <a:r>
+              <a:rPr lang="he-IL" dirty="0"/>
+              <a:t>יש עוד...</a:t>
+            </a:r>
+          </a:p>
+        </p:txBody>
+      </p:sp>
+      <p:pic>
+        <p:nvPicPr>
+          <p:cNvPr id="2050" name="Picture 2">
+            <a:extLst>
+              <a:ext uri="{FF2B5EF4-FFF2-40B4-BE49-F238E27FC236}">
+                <a16:creationId xmlns:a16="http://schemas.microsoft.com/office/drawing/2014/main" id="{7F994969-3371-4C95-A366-A47D77C59182}"/>
+              </a:ext>
+            </a:extLst>
+          </p:cNvPr>
+          <p:cNvPicPr>
+            <a:picLocks noChangeAspect="1" noChangeArrowheads="1"/>
+          </p:cNvPicPr>
+          <p:nvPr/>
+        </p:nvPicPr>
+        <p:blipFill>
+          <a:blip r:embed="rId2">
+            <a:extLst>
+              <a:ext uri="{28A0092B-C50C-407E-A947-70E740481C1C}">
+                <a14:useLocalDpi xmlns:a14="http://schemas.microsoft.com/office/drawing/2010/main" val="0"/>
+              </a:ext>
+            </a:extLst>
+          </a:blip>
+          <a:srcRect/>
+          <a:stretch>
+            <a:fillRect/>
+          </a:stretch>
+        </p:blipFill>
+        <p:spPr bwMode="auto">
+          <a:xfrm>
+            <a:off x="1273206" y="2740703"/>
+            <a:ext cx="3552825" cy="400050"/>
+          </a:xfrm>
+          <a:prstGeom prst="rect">
+            <a:avLst/>
+          </a:prstGeom>
+          <a:noFill/>
+          <a:extLst>
+            <a:ext uri="{909E8E84-426E-40DD-AFC4-6F175D3DCCD1}">
+              <a14:hiddenFill xmlns:a14="http://schemas.microsoft.com/office/drawing/2010/main">
+                <a:solidFill>
+                  <a:srgbClr val="FFFFFF"/>
+                </a:solidFill>
+              </a14:hiddenFill>
+            </a:ext>
+          </a:extLst>
+        </p:spPr>
+      </p:pic>
+      <p:pic>
+        <p:nvPicPr>
+          <p:cNvPr id="2052" name="Picture 4">
+            <a:extLst>
+              <a:ext uri="{FF2B5EF4-FFF2-40B4-BE49-F238E27FC236}">
+                <a16:creationId xmlns:a16="http://schemas.microsoft.com/office/drawing/2014/main" id="{6D1241F5-6F1E-49D6-953B-36653EAA2142}"/>
+              </a:ext>
+            </a:extLst>
+          </p:cNvPr>
+          <p:cNvPicPr>
+            <a:picLocks noChangeAspect="1" noChangeArrowheads="1"/>
+          </p:cNvPicPr>
+          <p:nvPr/>
+        </p:nvPicPr>
+        <p:blipFill>
+          <a:blip r:embed="rId3">
+            <a:extLst>
+              <a:ext uri="{28A0092B-C50C-407E-A947-70E740481C1C}">
+                <a14:useLocalDpi xmlns:a14="http://schemas.microsoft.com/office/drawing/2010/main" val="0"/>
+              </a:ext>
+            </a:extLst>
+          </a:blip>
+          <a:srcRect/>
+          <a:stretch>
+            <a:fillRect/>
+          </a:stretch>
+        </p:blipFill>
+        <p:spPr bwMode="auto">
+          <a:xfrm>
+            <a:off x="1339508" y="3717248"/>
+            <a:ext cx="3276600" cy="533400"/>
+          </a:xfrm>
+          <a:prstGeom prst="rect">
+            <a:avLst/>
+          </a:prstGeom>
+          <a:noFill/>
+          <a:extLst>
+            <a:ext uri="{909E8E84-426E-40DD-AFC4-6F175D3DCCD1}">
+              <a14:hiddenFill xmlns:a14="http://schemas.microsoft.com/office/drawing/2010/main">
+                <a:solidFill>
+                  <a:srgbClr val="FFFFFF"/>
+                </a:solidFill>
+              </a14:hiddenFill>
+            </a:ext>
+          </a:extLst>
+        </p:spPr>
+      </p:pic>
+      <p:pic>
+        <p:nvPicPr>
+          <p:cNvPr id="2054" name="Picture 6">
+            <a:extLst>
+              <a:ext uri="{FF2B5EF4-FFF2-40B4-BE49-F238E27FC236}">
+                <a16:creationId xmlns:a16="http://schemas.microsoft.com/office/drawing/2014/main" id="{4F723A96-6EEB-45D8-B031-FC1331553177}"/>
+              </a:ext>
+            </a:extLst>
+          </p:cNvPr>
+          <p:cNvPicPr>
+            <a:picLocks noChangeAspect="1" noChangeArrowheads="1"/>
+          </p:cNvPicPr>
+          <p:nvPr/>
+        </p:nvPicPr>
+        <p:blipFill>
+          <a:blip r:embed="rId4">
+            <a:extLst>
+              <a:ext uri="{28A0092B-C50C-407E-A947-70E740481C1C}">
+                <a14:useLocalDpi xmlns:a14="http://schemas.microsoft.com/office/drawing/2010/main" val="0"/>
+              </a:ext>
+            </a:extLst>
+          </a:blip>
+          <a:srcRect/>
+          <a:stretch>
+            <a:fillRect/>
+          </a:stretch>
+        </p:blipFill>
+        <p:spPr bwMode="auto">
+          <a:xfrm>
+            <a:off x="7575893" y="4192110"/>
+            <a:ext cx="1754538" cy="1140333"/>
+          </a:xfrm>
+          <a:prstGeom prst="rect">
+            <a:avLst/>
+          </a:prstGeom>
+          <a:noFill/>
+          <a:extLst>
+            <a:ext uri="{909E8E84-426E-40DD-AFC4-6F175D3DCCD1}">
+              <a14:hiddenFill xmlns:a14="http://schemas.microsoft.com/office/drawing/2010/main">
+                <a:solidFill>
+                  <a:srgbClr val="FFFFFF"/>
+                </a:solidFill>
+              </a14:hiddenFill>
+            </a:ext>
+          </a:extLst>
+        </p:spPr>
+      </p:pic>
+    </p:spTree>
+    <p:extLst>
+      <p:ext uri="{BB962C8B-B14F-4D97-AF65-F5344CB8AC3E}">
+        <p14:creationId xmlns:p14="http://schemas.microsoft.com/office/powerpoint/2010/main" val="3693298906"/>
+      </p:ext>
+    </p:extLst>
+  </p:cSld>
+  <p:clrMapOvr>
+    <a:masterClrMapping/>
+  </p:clrMapOvr>
+</p:sld>
+</file>
+
+<file path=ppt/slides/slide17.xml><?xml version="1.0" encoding="utf-8"?>
+<p:sld xmlns:a="http://schemas.openxmlformats.org/drawingml/2006/main" xmlns:r="http://schemas.openxmlformats.org/officeDocument/2006/relationships" xmlns:p="http://schemas.openxmlformats.org/presentationml/2006/main">
+  <p:cSld>
+    <p:spTree>
+      <p:nvGrpSpPr>
+        <p:cNvPr id="1" name=""/>
+        <p:cNvGrpSpPr/>
+        <p:nvPr/>
+      </p:nvGrpSpPr>
+      <p:grpSpPr>
+        <a:xfrm>
+          <a:off x="0" y="0"/>
+          <a:ext cx="0" cy="0"/>
+          <a:chOff x="0" y="0"/>
+          <a:chExt cx="0" cy="0"/>
+        </a:xfrm>
+      </p:grpSpPr>
+      <p:sp>
+        <p:nvSpPr>
+          <p:cNvPr id="2" name="כותרת 1">
+            <a:extLst>
+              <a:ext uri="{FF2B5EF4-FFF2-40B4-BE49-F238E27FC236}">
+                <a16:creationId xmlns:a16="http://schemas.microsoft.com/office/drawing/2014/main" id="{DCD29FA1-A395-4921-BFF0-F2AC9094E9AB}"/>
+              </a:ext>
+            </a:extLst>
+          </p:cNvPr>
+          <p:cNvSpPr>
+            <a:spLocks noGrp="1"/>
+          </p:cNvSpPr>
+          <p:nvPr>
+            <p:ph type="title"/>
+          </p:nvPr>
+        </p:nvSpPr>
+        <p:spPr/>
+        <p:txBody>
+          <a:bodyPr/>
+          <a:lstStyle/>
+          <a:p>
+            <a:r>
+              <a:rPr lang="he-IL" dirty="0"/>
+              <a:t>שאלות</a:t>
+            </a:r>
+          </a:p>
+        </p:txBody>
+      </p:sp>
+      <p:sp>
+        <p:nvSpPr>
+          <p:cNvPr id="3" name="מציין מיקום תוכן 2">
+            <a:extLst>
+              <a:ext uri="{FF2B5EF4-FFF2-40B4-BE49-F238E27FC236}">
+                <a16:creationId xmlns:a16="http://schemas.microsoft.com/office/drawing/2014/main" id="{ECC183A5-E72D-4633-9C7F-C6CEE6050B06}"/>
+              </a:ext>
+            </a:extLst>
+          </p:cNvPr>
+          <p:cNvSpPr>
+            <a:spLocks noGrp="1"/>
+          </p:cNvSpPr>
+          <p:nvPr>
+            <p:ph idx="1"/>
+          </p:nvPr>
+        </p:nvSpPr>
+        <p:spPr/>
+        <p:txBody>
+          <a:bodyPr>
+            <a:normAutofit/>
+          </a:bodyPr>
+          <a:lstStyle/>
+          <a:p>
+            <a:pPr algn="l" rtl="0"/>
+            <a:r>
+              <a:rPr lang="en-US"/>
+              <a:t>Adam </a:t>
+            </a:r>
+            <a:r>
+              <a:rPr lang="en-US" dirty="0"/>
+              <a:t>optimizer</a:t>
+            </a:r>
+            <a:endParaRPr lang="he-IL" dirty="0"/>
+          </a:p>
+          <a:p>
+            <a:pPr algn="l" rtl="0"/>
+            <a:r>
+              <a:rPr lang="en-US" dirty="0"/>
+              <a:t>Model: seq vs functional</a:t>
+            </a:r>
+          </a:p>
+          <a:p>
+            <a:pPr algn="l" rtl="0"/>
+            <a:r>
+              <a:rPr lang="en-US" dirty="0"/>
+              <a:t>Dropout ? </a:t>
+            </a:r>
+          </a:p>
+          <a:p>
+            <a:pPr lvl="1" algn="l" rtl="0"/>
+            <a:r>
+              <a:rPr lang="en-US" dirty="0">
+                <a:hlinkClick r:id="rId2"/>
+              </a:rPr>
+              <a:t>https://towardsdatascience.com/simplified-math-behind-dropout-in-deep-learning-6d50f3f47275</a:t>
+            </a:r>
+            <a:endParaRPr lang="en-US" dirty="0"/>
+          </a:p>
+          <a:p>
+            <a:pPr algn="l" rtl="0"/>
+            <a:r>
+              <a:rPr lang="en-US" dirty="0" err="1"/>
+              <a:t>kernel_constraint</a:t>
+            </a:r>
+            <a:r>
+              <a:rPr lang="en-US" dirty="0"/>
+              <a:t>=</a:t>
+            </a:r>
+            <a:r>
+              <a:rPr lang="en-US" dirty="0" err="1"/>
+              <a:t>maxnorm</a:t>
+            </a:r>
+            <a:r>
+              <a:rPr lang="en-US" dirty="0"/>
+              <a:t>(3)</a:t>
+            </a:r>
+            <a:endParaRPr lang="he-IL" dirty="0"/>
+          </a:p>
+        </p:txBody>
+      </p:sp>
+    </p:spTree>
+    <p:extLst>
+      <p:ext uri="{BB962C8B-B14F-4D97-AF65-F5344CB8AC3E}">
+        <p14:creationId xmlns:p14="http://schemas.microsoft.com/office/powerpoint/2010/main" val="2497399916"/>
+      </p:ext>
+    </p:extLst>
+  </p:cSld>
+  <p:clrMapOvr>
+    <a:masterClrMapping/>
+  </p:clrMapOvr>
+</p:sld>
+</file>
+
+<file path=ppt/slides/slide18.xml><?xml version="1.0" encoding="utf-8"?>
+<p:sld xmlns:a="http://schemas.openxmlformats.org/drawingml/2006/main" xmlns:r="http://schemas.openxmlformats.org/officeDocument/2006/relationships" xmlns:p="http://schemas.openxmlformats.org/presentationml/2006/main">
+  <p:cSld>
+    <p:spTree>
+      <p:nvGrpSpPr>
+        <p:cNvPr id="1" name=""/>
+        <p:cNvGrpSpPr/>
+        <p:nvPr/>
+      </p:nvGrpSpPr>
+      <p:grpSpPr>
+        <a:xfrm>
+          <a:off x="0" y="0"/>
+          <a:ext cx="0" cy="0"/>
+          <a:chOff x="0" y="0"/>
+          <a:chExt cx="0" cy="0"/>
+        </a:xfrm>
+      </p:grpSpPr>
+      <p:sp>
+        <p:nvSpPr>
+          <p:cNvPr id="2" name="כותרת 1">
+            <a:extLst>
+              <a:ext uri="{FF2B5EF4-FFF2-40B4-BE49-F238E27FC236}">
+                <a16:creationId xmlns:a16="http://schemas.microsoft.com/office/drawing/2014/main" id="{71C72253-A447-495E-80C8-1A3848767EDF}"/>
+              </a:ext>
+            </a:extLst>
+          </p:cNvPr>
+          <p:cNvSpPr>
+            <a:spLocks noGrp="1"/>
+          </p:cNvSpPr>
+          <p:nvPr>
+            <p:ph type="title"/>
+          </p:nvPr>
+        </p:nvSpPr>
+        <p:spPr/>
+        <p:txBody>
+          <a:bodyPr/>
+          <a:lstStyle/>
+          <a:p>
+            <a:r>
+              <a:rPr lang="he-IL" dirty="0"/>
+              <a:t>המלצות</a:t>
+            </a:r>
+          </a:p>
+        </p:txBody>
+      </p:sp>
+      <p:sp>
+        <p:nvSpPr>
+          <p:cNvPr id="3" name="מציין מיקום תוכן 2">
+            <a:extLst>
+              <a:ext uri="{FF2B5EF4-FFF2-40B4-BE49-F238E27FC236}">
+                <a16:creationId xmlns:a16="http://schemas.microsoft.com/office/drawing/2014/main" id="{3007449F-EC4B-49F9-A3ED-6BB1297C8A15}"/>
+              </a:ext>
+            </a:extLst>
+          </p:cNvPr>
+          <p:cNvSpPr>
+            <a:spLocks noGrp="1"/>
+          </p:cNvSpPr>
+          <p:nvPr>
+            <p:ph idx="1"/>
+          </p:nvPr>
+        </p:nvSpPr>
+        <p:spPr/>
+        <p:txBody>
+          <a:bodyPr/>
+          <a:lstStyle/>
+          <a:p>
+            <a:r>
+              <a:rPr lang="he-IL" dirty="0"/>
+              <a:t>שכבה אחרונה: </a:t>
+            </a:r>
+            <a:r>
+              <a:rPr lang="en-US" dirty="0"/>
+              <a:t>SoftMax activator</a:t>
+            </a:r>
+            <a:r>
+              <a:rPr lang="he-IL" dirty="0"/>
+              <a:t> כאשר מספר </a:t>
+            </a:r>
+            <a:r>
+              <a:rPr lang="he-IL" dirty="0" err="1"/>
+              <a:t>הנירונים</a:t>
+            </a:r>
+            <a:r>
+              <a:rPr lang="he-IL" dirty="0"/>
+              <a:t> כמספר הקבוצות</a:t>
+            </a:r>
+          </a:p>
+          <a:p>
+            <a:r>
+              <a:rPr lang="he-IL" dirty="0"/>
+              <a:t>בבעיות סיווג </a:t>
+            </a:r>
+            <a:r>
+              <a:rPr lang="he-IL" dirty="0" err="1"/>
+              <a:t>בדר"כ</a:t>
+            </a:r>
+            <a:r>
+              <a:rPr lang="he-IL" dirty="0"/>
+              <a:t> משתמשים ב </a:t>
+            </a:r>
+            <a:r>
+              <a:rPr lang="en-US" dirty="0" err="1"/>
+              <a:t>relu</a:t>
+            </a:r>
+            <a:r>
+              <a:rPr lang="he-IL" dirty="0"/>
+              <a:t> (ולא </a:t>
+            </a:r>
+            <a:r>
+              <a:rPr lang="en-US" dirty="0"/>
+              <a:t>tanh</a:t>
+            </a:r>
+            <a:r>
+              <a:rPr lang="he-IL" dirty="0"/>
+              <a:t>)</a:t>
+            </a:r>
+          </a:p>
+          <a:p>
+            <a:r>
+              <a:rPr lang="he-IL" dirty="0"/>
+              <a:t>כאשר מספר הדגימות </a:t>
+            </a:r>
+            <a:r>
+              <a:rPr lang="en-US" dirty="0"/>
+              <a:t>(test)</a:t>
+            </a:r>
+            <a:r>
+              <a:rPr lang="he-IL" dirty="0"/>
+              <a:t> לא גדול -&gt; יש להשתמש במספר שכבות ו/או צמתים נמוך.</a:t>
+            </a:r>
+          </a:p>
+          <a:p>
+            <a:r>
+              <a:rPr lang="he-IL" dirty="0"/>
+              <a:t>ב </a:t>
+            </a:r>
+            <a:r>
+              <a:rPr lang="en-US" dirty="0"/>
+              <a:t>NN</a:t>
+            </a:r>
+            <a:r>
+              <a:rPr lang="he-IL" dirty="0"/>
+              <a:t> יש צורך שכל המידע יהיה מנורמל</a:t>
+            </a:r>
+          </a:p>
+          <a:p>
+            <a:r>
+              <a:rPr lang="he-IL" dirty="0"/>
+              <a:t>כדאי להגדיר את מספר ה </a:t>
+            </a:r>
+            <a:r>
+              <a:rPr lang="en-US" dirty="0" err="1"/>
+              <a:t>epoc</a:t>
+            </a:r>
+            <a:r>
+              <a:rPr lang="he-IL" dirty="0"/>
+              <a:t> (ברירת מחדל הינה 1)</a:t>
+            </a:r>
+          </a:p>
+          <a:p>
+            <a:r>
+              <a:rPr lang="he-IL" dirty="0"/>
+              <a:t>ככל שה </a:t>
+            </a:r>
+            <a:r>
+              <a:rPr lang="en-US" dirty="0"/>
+              <a:t>score</a:t>
+            </a:r>
+            <a:r>
+              <a:rPr lang="he-IL" dirty="0"/>
+              <a:t> (מסמן את ה </a:t>
+            </a:r>
+            <a:r>
+              <a:rPr lang="en-US" dirty="0"/>
+              <a:t>loss</a:t>
+            </a:r>
+            <a:r>
+              <a:rPr lang="he-IL" dirty="0"/>
+              <a:t>) קטן יותר -&gt; ככה טוב לנו יותר (כלומר קשה יותר לשפר את </a:t>
+            </a:r>
+            <a:r>
+              <a:rPr lang="he-IL" dirty="0" err="1"/>
+              <a:t>האלג</a:t>
+            </a:r>
+            <a:r>
+              <a:rPr lang="he-IL" dirty="0"/>
+              <a:t>' בהוספת שכבות / צמתים.</a:t>
+            </a:r>
+          </a:p>
+          <a:p>
+            <a:endParaRPr lang="he-IL" dirty="0"/>
+          </a:p>
+        </p:txBody>
+      </p:sp>
+    </p:spTree>
+    <p:extLst>
+      <p:ext uri="{BB962C8B-B14F-4D97-AF65-F5344CB8AC3E}">
+        <p14:creationId xmlns:p14="http://schemas.microsoft.com/office/powerpoint/2010/main" val="2213738560"/>
+      </p:ext>
+    </p:extLst>
+  </p:cSld>
+  <p:clrMapOvr>
+    <a:masterClrMapping/>
+  </p:clrMapOvr>
+</p:sld>
+</file>
+
+<file path=ppt/slides/slide19.xml><?xml version="1.0" encoding="utf-8"?>
+<p:sld xmlns:a="http://schemas.openxmlformats.org/drawingml/2006/main" xmlns:r="http://schemas.openxmlformats.org/officeDocument/2006/relationships" xmlns:p="http://schemas.openxmlformats.org/presentationml/2006/main">
+  <p:cSld>
+    <p:spTree>
+      <p:nvGrpSpPr>
+        <p:cNvPr id="1" name=""/>
+        <p:cNvGrpSpPr/>
+        <p:nvPr/>
+      </p:nvGrpSpPr>
+      <p:grpSpPr>
+        <a:xfrm>
+          <a:off x="0" y="0"/>
+          <a:ext cx="0" cy="0"/>
+          <a:chOff x="0" y="0"/>
+          <a:chExt cx="0" cy="0"/>
+        </a:xfrm>
+      </p:grpSpPr>
+      <p:sp>
+        <p:nvSpPr>
+          <p:cNvPr id="2" name="כותרת 1">
+            <a:extLst>
+              <a:ext uri="{FF2B5EF4-FFF2-40B4-BE49-F238E27FC236}">
+                <a16:creationId xmlns:a16="http://schemas.microsoft.com/office/drawing/2014/main" id="{73A56048-494D-4A72-9F2B-AA3F00F21603}"/>
+              </a:ext>
+            </a:extLst>
+          </p:cNvPr>
+          <p:cNvSpPr>
+            <a:spLocks noGrp="1"/>
+          </p:cNvSpPr>
+          <p:nvPr>
+            <p:ph type="title"/>
+          </p:nvPr>
+        </p:nvSpPr>
+        <p:spPr/>
+        <p:txBody>
+          <a:bodyPr/>
+          <a:lstStyle/>
+          <a:p>
+            <a:pPr algn="l" rtl="0"/>
+            <a:r>
+              <a:rPr lang="en-US" dirty="0" err="1"/>
+              <a:t>Additionals</a:t>
+            </a:r>
+            <a:endParaRPr lang="he-IL" dirty="0"/>
+          </a:p>
+        </p:txBody>
+      </p:sp>
+      <p:sp>
+        <p:nvSpPr>
+          <p:cNvPr id="3" name="מציין מיקום תוכן 2">
+            <a:extLst>
+              <a:ext uri="{FF2B5EF4-FFF2-40B4-BE49-F238E27FC236}">
+                <a16:creationId xmlns:a16="http://schemas.microsoft.com/office/drawing/2014/main" id="{B5790817-9FF5-4385-BCDE-0761A8EB298B}"/>
+              </a:ext>
+            </a:extLst>
+          </p:cNvPr>
+          <p:cNvSpPr>
+            <a:spLocks noGrp="1"/>
+          </p:cNvSpPr>
+          <p:nvPr>
+            <p:ph idx="1"/>
+          </p:nvPr>
+        </p:nvSpPr>
+        <p:spPr/>
+        <p:txBody>
+          <a:bodyPr/>
+          <a:lstStyle/>
+          <a:p>
+            <a:pPr algn="l" rtl="0"/>
+            <a:r>
+              <a:rPr lang="en-US" dirty="0"/>
+              <a:t>[</a:t>
+            </a:r>
+            <a:r>
+              <a:rPr lang="en-US" dirty="0" err="1"/>
+              <a:t>i</a:t>
+            </a:r>
+            <a:r>
+              <a:rPr lang="en-US" dirty="0"/>
+              <a:t>*</a:t>
+            </a:r>
+            <a:r>
+              <a:rPr lang="en-US" dirty="0" err="1"/>
+              <a:t>i</a:t>
+            </a:r>
+            <a:r>
+              <a:rPr lang="en-US" dirty="0"/>
+              <a:t> for </a:t>
+            </a:r>
+            <a:r>
+              <a:rPr lang="en-US" dirty="0" err="1"/>
+              <a:t>i</a:t>
+            </a:r>
+            <a:r>
+              <a:rPr lang="en-US" dirty="0"/>
+              <a:t> in </a:t>
+            </a:r>
+            <a:r>
+              <a:rPr lang="en-US" dirty="0" err="1"/>
+              <a:t>sample_list</a:t>
+            </a:r>
+            <a:r>
+              <a:rPr lang="en-US" dirty="0"/>
+              <a:t>]</a:t>
+            </a:r>
+          </a:p>
+          <a:p>
+            <a:pPr algn="l" rtl="0"/>
+            <a:r>
+              <a:rPr lang="en-US" dirty="0"/>
+              <a:t>Logit – log odds (logarithm of the odd</a:t>
+            </a:r>
+            <a:br>
+              <a:rPr lang="en-US" dirty="0"/>
+            </a:br>
+            <a:br>
+              <a:rPr lang="en-US" dirty="0"/>
+            </a:br>
+            <a:br>
+              <a:rPr lang="en-US" dirty="0"/>
+            </a:br>
+            <a:br>
+              <a:rPr lang="en-US" dirty="0"/>
+            </a:br>
+            <a:br>
+              <a:rPr lang="en-US" dirty="0"/>
+            </a:br>
+            <a:br>
+              <a:rPr lang="en-US" dirty="0"/>
+            </a:br>
+            <a:r>
+              <a:rPr lang="en-US" dirty="0"/>
+              <a:t> </a:t>
+            </a:r>
+          </a:p>
+          <a:p>
+            <a:pPr algn="l" rtl="0"/>
+            <a:r>
+              <a:rPr lang="en-US" dirty="0"/>
+              <a:t>Hessian Matrix</a:t>
+            </a:r>
+            <a:r>
+              <a:rPr lang="he-IL" dirty="0"/>
+              <a:t> – מטריצה ריבועית עם נגזרות חלקיות מסדר שני</a:t>
+            </a:r>
+          </a:p>
+          <a:p>
+            <a:pPr algn="l" rtl="0"/>
+            <a:endParaRPr lang="he-IL" dirty="0"/>
+          </a:p>
+        </p:txBody>
+      </p:sp>
+      <p:pic>
+        <p:nvPicPr>
+          <p:cNvPr id="4" name="תמונה 3">
+            <a:extLst>
+              <a:ext uri="{FF2B5EF4-FFF2-40B4-BE49-F238E27FC236}">
+                <a16:creationId xmlns:a16="http://schemas.microsoft.com/office/drawing/2014/main" id="{00F6B84E-DFAC-4EE2-B3A6-EBA8E2AA0DEE}"/>
+              </a:ext>
+            </a:extLst>
+          </p:cNvPr>
+          <p:cNvPicPr>
+            <a:picLocks noChangeAspect="1"/>
+          </p:cNvPicPr>
+          <p:nvPr/>
+        </p:nvPicPr>
+        <p:blipFill>
+          <a:blip r:embed="rId2"/>
+          <a:stretch>
+            <a:fillRect/>
+          </a:stretch>
+        </p:blipFill>
+        <p:spPr>
+          <a:xfrm>
+            <a:off x="2068983" y="2974019"/>
+            <a:ext cx="3155243" cy="2046009"/>
+          </a:xfrm>
+          <a:prstGeom prst="rect">
+            <a:avLst/>
+          </a:prstGeom>
+        </p:spPr>
+      </p:pic>
+    </p:spTree>
+    <p:extLst>
+      <p:ext uri="{BB962C8B-B14F-4D97-AF65-F5344CB8AC3E}">
+        <p14:creationId xmlns:p14="http://schemas.microsoft.com/office/powerpoint/2010/main" val="3582790485"/>
+      </p:ext>
+    </p:extLst>
+  </p:cSld>
+  <p:clrMapOvr>
+    <a:masterClrMapping/>
+  </p:clrMapOvr>
+</p:sld>
+</file>
+
+<file path=ppt/slides/slide2.xml><?xml version="1.0" encoding="utf-8"?>
+<p:sld xmlns:a="http://schemas.openxmlformats.org/drawingml/2006/main" xmlns:r="http://schemas.openxmlformats.org/officeDocument/2006/relationships" xmlns:p="http://schemas.openxmlformats.org/presentationml/2006/main">
+  <p:cSld>
+    <p:spTree>
+      <p:nvGrpSpPr>
+        <p:cNvPr id="1" name=""/>
+        <p:cNvGrpSpPr/>
+        <p:nvPr/>
+      </p:nvGrpSpPr>
+      <p:grpSpPr>
+        <a:xfrm>
+          <a:off x="0" y="0"/>
+          <a:ext cx="0" cy="0"/>
+          <a:chOff x="0" y="0"/>
+          <a:chExt cx="0" cy="0"/>
+        </a:xfrm>
+      </p:grpSpPr>
+      <p:sp>
+        <p:nvSpPr>
+          <p:cNvPr id="2" name="כותרת 1">
+            <a:extLst>
+              <a:ext uri="{FF2B5EF4-FFF2-40B4-BE49-F238E27FC236}">
+                <a16:creationId xmlns:a16="http://schemas.microsoft.com/office/drawing/2014/main" id="{6BD7440B-286F-4C68-91E4-071EB3A669A1}"/>
+              </a:ext>
+            </a:extLst>
+          </p:cNvPr>
+          <p:cNvSpPr>
+            <a:spLocks noGrp="1"/>
+          </p:cNvSpPr>
+          <p:nvPr>
+            <p:ph type="title"/>
+          </p:nvPr>
+        </p:nvSpPr>
+        <p:spPr/>
+        <p:txBody>
+          <a:bodyPr/>
+          <a:lstStyle/>
+          <a:p>
+            <a:r>
+              <a:rPr lang="en-US" dirty="0"/>
+              <a:t>Why hot encoding</a:t>
+            </a:r>
+            <a:endParaRPr lang="he-IL" dirty="0"/>
+          </a:p>
+        </p:txBody>
+      </p:sp>
+      <p:sp>
+        <p:nvSpPr>
+          <p:cNvPr id="3" name="מציין מיקום תוכן 2">
+            <a:extLst>
+              <a:ext uri="{FF2B5EF4-FFF2-40B4-BE49-F238E27FC236}">
+                <a16:creationId xmlns:a16="http://schemas.microsoft.com/office/drawing/2014/main" id="{14DA47B5-3243-4D6C-8E79-43888E5769DB}"/>
+              </a:ext>
+            </a:extLst>
+          </p:cNvPr>
+          <p:cNvSpPr>
+            <a:spLocks noGrp="1"/>
+          </p:cNvSpPr>
+          <p:nvPr>
+            <p:ph idx="1"/>
+          </p:nvPr>
+        </p:nvSpPr>
+        <p:spPr/>
+        <p:txBody>
+          <a:bodyPr/>
+          <a:lstStyle/>
+          <a:p>
+            <a:r>
+              <a:rPr lang="he-IL" dirty="0"/>
+              <a:t>נניח ויש רשימה (</a:t>
+            </a:r>
+            <a:r>
+              <a:rPr lang="he-IL" dirty="0" err="1"/>
+              <a:t>כלב,חתול,ציפור,דג</a:t>
+            </a:r>
+            <a:r>
+              <a:rPr lang="he-IL" dirty="0"/>
+              <a:t>)</a:t>
+            </a:r>
+            <a:br>
+              <a:rPr lang="en-US" dirty="0"/>
+            </a:br>
+            <a:r>
+              <a:rPr lang="he-IL" dirty="0"/>
+              <a:t>אז במקום לרשום: </a:t>
+            </a:r>
+            <a:r>
+              <a:rPr lang="en-US" dirty="0"/>
+              <a:t>(1,2,3,4)</a:t>
+            </a:r>
+            <a:r>
+              <a:rPr lang="he-IL" dirty="0"/>
+              <a:t> ואז אלג' סיווג יכול לחשוב ש </a:t>
+            </a:r>
+            <a:r>
+              <a:rPr lang="en-US" dirty="0"/>
+              <a:t>2*2=4</a:t>
+            </a:r>
+            <a:br>
+              <a:rPr lang="en-US" dirty="0"/>
+            </a:br>
+            <a:r>
+              <a:rPr lang="he-IL" dirty="0"/>
+              <a:t>כלומר: כלב = ציפור  *2</a:t>
+            </a:r>
+            <a:br>
+              <a:rPr lang="en-US" dirty="0"/>
+            </a:br>
+            <a:r>
+              <a:rPr lang="he-IL" dirty="0"/>
+              <a:t>אז מבצעים </a:t>
+            </a:r>
+            <a:r>
+              <a:rPr lang="en-US" dirty="0"/>
+              <a:t>hot encoding</a:t>
+            </a:r>
+            <a:endParaRPr lang="he-IL" dirty="0"/>
+          </a:p>
+          <a:p>
+            <a:r>
+              <a:rPr lang="he-IL" dirty="0"/>
+              <a:t>בשימוש של </a:t>
+            </a:r>
+            <a:r>
+              <a:rPr lang="en-US" dirty="0" err="1"/>
+              <a:t>softmax</a:t>
+            </a:r>
+            <a:r>
+              <a:rPr lang="he-IL" dirty="0"/>
+              <a:t> על ה </a:t>
+            </a:r>
+            <a:r>
+              <a:rPr lang="en-US" dirty="0"/>
+              <a:t>hot encoding</a:t>
+            </a:r>
+            <a:r>
+              <a:rPr lang="he-IL" dirty="0"/>
+              <a:t> ניתן את תוצאת ה </a:t>
+            </a:r>
+            <a:r>
+              <a:rPr lang="en-US" dirty="0" err="1"/>
+              <a:t>softamax</a:t>
+            </a:r>
+            <a:r>
+              <a:rPr lang="he-IL" dirty="0"/>
+              <a:t> להשוות ל </a:t>
+            </a:r>
+            <a:r>
+              <a:rPr lang="en-US" dirty="0"/>
+              <a:t>ground truth</a:t>
+            </a:r>
+            <a:r>
+              <a:rPr lang="he-IL" dirty="0"/>
+              <a:t> ואז להחליט בסיווג מה נכון.</a:t>
+            </a:r>
+            <a:br>
+              <a:rPr lang="en-US" dirty="0"/>
+            </a:br>
+            <a:r>
+              <a:rPr lang="he-IL" dirty="0"/>
+              <a:t>לדוגמא: </a:t>
+            </a:r>
+            <a:r>
+              <a:rPr lang="en-US" dirty="0"/>
+              <a:t>[0.7, 0.2, 0.1]</a:t>
+            </a:r>
+            <a:r>
+              <a:rPr lang="he-IL" dirty="0"/>
+              <a:t> אז יותר מתאים ל </a:t>
+            </a:r>
+            <a:r>
+              <a:rPr lang="en-US" dirty="0"/>
+              <a:t>[1,0,0]</a:t>
+            </a:r>
+            <a:r>
+              <a:rPr lang="he-IL" dirty="0"/>
+              <a:t> כלומר ציפור</a:t>
+            </a:r>
+          </a:p>
+        </p:txBody>
+      </p:sp>
+    </p:spTree>
+    <p:extLst>
+      <p:ext uri="{BB962C8B-B14F-4D97-AF65-F5344CB8AC3E}">
+        <p14:creationId xmlns:p14="http://schemas.microsoft.com/office/powerpoint/2010/main" val="1335112063"/>
+      </p:ext>
+    </p:extLst>
+  </p:cSld>
+  <p:clrMapOvr>
+    <a:masterClrMapping/>
+  </p:clrMapOvr>
+</p:sld>
+</file>
+
+<file path=ppt/slides/slide3.xml><?xml version="1.0" encoding="utf-8"?>
 <p:sld xmlns:a="http://schemas.openxmlformats.org/drawingml/2006/main" xmlns:r="http://schemas.openxmlformats.org/officeDocument/2006/relationships" xmlns:p="http://schemas.openxmlformats.org/presentationml/2006/main">
   <p:cSld>
     <p:spTree>
@@ -4315,7 +6080,7 @@
 </p:sld>
 </file>
 
-<file path=ppt/slides/slide15.xml><?xml version="1.0" encoding="utf-8"?>
+<file path=ppt/slides/slide4.xml><?xml version="1.0" encoding="utf-8"?>
 <p:sld xmlns:a="http://schemas.openxmlformats.org/drawingml/2006/main" xmlns:r="http://schemas.openxmlformats.org/officeDocument/2006/relationships" xmlns:p="http://schemas.openxmlformats.org/presentationml/2006/main">
   <p:cSld>
     <p:spTree>
@@ -4377,14 +6142,14 @@
             <p:ph idx="1"/>
             <p:extLst>
               <p:ext uri="{D42A27DB-BD31-4B8C-83A1-F6EECF244321}">
-                <p14:modId xmlns:p14="http://schemas.microsoft.com/office/powerpoint/2010/main" val="2939575197"/>
+                <p14:modId xmlns:p14="http://schemas.microsoft.com/office/powerpoint/2010/main" val="2193572867"/>
               </p:ext>
             </p:extLst>
           </p:nvPr>
         </p:nvGraphicFramePr>
         <p:xfrm>
-          <a:off x="562254" y="1427195"/>
-          <a:ext cx="11138514" cy="1039428"/>
+          <a:off x="363983" y="1427195"/>
+          <a:ext cx="11336785" cy="2531394"/>
         </p:xfrm>
         <a:graphic>
           <a:graphicData uri="http://schemas.openxmlformats.org/drawingml/2006/table">
@@ -4393,21 +6158,21 @@
                 <a:tableStyleId>{5C22544A-7EE6-4342-B048-85BDC9FD1C3A}</a:tableStyleId>
               </a:tblPr>
               <a:tblGrid>
-                <a:gridCol w="3712838">
+                <a:gridCol w="3275859">
                   <a:extLst>
                     <a:ext uri="{9D8B030D-6E8A-4147-A177-3AD203B41FA5}">
                       <a16:colId xmlns:a16="http://schemas.microsoft.com/office/drawing/2014/main" val="1036319678"/>
                     </a:ext>
                   </a:extLst>
                 </a:gridCol>
-                <a:gridCol w="3712838">
+                <a:gridCol w="6232125">
                   <a:extLst>
                     <a:ext uri="{9D8B030D-6E8A-4147-A177-3AD203B41FA5}">
                       <a16:colId xmlns:a16="http://schemas.microsoft.com/office/drawing/2014/main" val="2703851626"/>
                     </a:ext>
                   </a:extLst>
                 </a:gridCol>
-                <a:gridCol w="3712838">
+                <a:gridCol w="1828801">
                   <a:extLst>
                     <a:ext uri="{9D8B030D-6E8A-4147-A177-3AD203B41FA5}">
                       <a16:colId xmlns:a16="http://schemas.microsoft.com/office/drawing/2014/main" val="3786948017"/>
@@ -4485,7 +6250,27 @@
                     <a:lstStyle/>
                     <a:p>
                       <a:pPr algn="l" rtl="0"/>
-                      <a:endParaRPr lang="he-IL"/>
+                      <a:endParaRPr lang="en-US" dirty="0"/>
+                    </a:p>
+                    <a:p>
+                      <a:pPr algn="l" rtl="0"/>
+                      <a:endParaRPr lang="en-US" dirty="0"/>
+                    </a:p>
+                    <a:p>
+                      <a:pPr algn="l" rtl="0"/>
+                      <a:endParaRPr lang="en-US" dirty="0"/>
+                    </a:p>
+                    <a:p>
+                      <a:pPr algn="l" rtl="0"/>
+                      <a:endParaRPr lang="en-US" dirty="0"/>
+                    </a:p>
+                    <a:p>
+                      <a:pPr algn="l" rtl="0"/>
+                      <a:endParaRPr lang="en-US" dirty="0"/>
+                    </a:p>
+                    <a:p>
+                      <a:pPr algn="l" rtl="0"/>
+                      <a:endParaRPr lang="he-IL" dirty="0"/>
                     </a:p>
                   </a:txBody>
                   <a:tcPr/>
@@ -4498,8 +6283,32 @@
                       <a:pPr algn="l" rtl="0"/>
                       <a:r>
                         <a:rPr lang="en-US" dirty="0" err="1"/>
-                        <a:t>softmax</a:t>
+                        <a:t>Softmax</a:t>
                       </a:r>
+                      <a:endParaRPr lang="en-US" dirty="0"/>
+                    </a:p>
+                    <a:p>
+                      <a:pPr algn="l" rtl="0"/>
+                      <a:endParaRPr lang="en-US" dirty="0"/>
+                    </a:p>
+                    <a:p>
+                      <a:pPr algn="l" rtl="0"/>
+                      <a:endParaRPr lang="en-US" dirty="0"/>
+                    </a:p>
+                    <a:p>
+                      <a:pPr algn="l" rtl="0"/>
+                      <a:endParaRPr lang="en-US" dirty="0"/>
+                    </a:p>
+                    <a:p>
+                      <a:pPr algn="l" rtl="0"/>
+                      <a:endParaRPr lang="en-US" dirty="0"/>
+                    </a:p>
+                    <a:p>
+                      <a:pPr algn="l" rtl="0"/>
+                      <a:endParaRPr lang="en-US" dirty="0"/>
+                    </a:p>
+                    <a:p>
+                      <a:pPr algn="l" rtl="0"/>
                       <a:endParaRPr lang="he-IL" dirty="0"/>
                     </a:p>
                   </a:txBody>
@@ -4515,6 +6324,53 @@
           </a:graphicData>
         </a:graphic>
       </p:graphicFrame>
+      <p:pic>
+        <p:nvPicPr>
+          <p:cNvPr id="5" name="Picture 2">
+            <a:extLst>
+              <a:ext uri="{FF2B5EF4-FFF2-40B4-BE49-F238E27FC236}">
+                <a16:creationId xmlns:a16="http://schemas.microsoft.com/office/drawing/2014/main" id="{3FDCDE9C-3C64-405D-8FEC-F45DCC9DE992}"/>
+              </a:ext>
+            </a:extLst>
+          </p:cNvPr>
+          <p:cNvPicPr>
+            <a:picLocks noChangeAspect="1" noChangeArrowheads="1"/>
+          </p:cNvPicPr>
+          <p:nvPr/>
+        </p:nvPicPr>
+        <p:blipFill>
+          <a:blip r:embed="rId2">
+            <a:extLst>
+              <a:ext uri="{28A0092B-C50C-407E-A947-70E740481C1C}">
+                <a14:useLocalDpi xmlns:a14="http://schemas.microsoft.com/office/drawing/2010/main" val="0"/>
+              </a:ext>
+            </a:extLst>
+          </a:blip>
+          <a:srcRect/>
+          <a:stretch>
+            <a:fillRect/>
+          </a:stretch>
+        </p:blipFill>
+        <p:spPr bwMode="auto">
+          <a:xfrm>
+            <a:off x="2354144" y="2026404"/>
+            <a:ext cx="3851347" cy="1657865"/>
+          </a:xfrm>
+          <a:prstGeom prst="rect">
+            <a:avLst/>
+          </a:prstGeom>
+          <a:noFill/>
+          <a:extLst>
+            <a:ext uri="{909E8E84-426E-40DD-AFC4-6F175D3DCCD1}">
+              <a14:hiddenFill xmlns:a14="http://schemas.microsoft.com/office/drawing/2010/main">
+                <a:solidFill>
+                  <a:srgbClr val="FFFFFF"/>
+                </a:solidFill>
+              </a14:hiddenFill>
+            </a:ext>
+          </a:extLst>
+        </p:spPr>
+      </p:pic>
     </p:spTree>
     <p:extLst>
       <p:ext uri="{BB962C8B-B14F-4D97-AF65-F5344CB8AC3E}">
@@ -4528,7 +6384,7 @@
 </p:sld>
 </file>
 
-<file path=ppt/slides/slide16.xml><?xml version="1.0" encoding="utf-8"?>
+<file path=ppt/slides/slide5.xml><?xml version="1.0" encoding="utf-8"?>
 <p:sld xmlns:a="http://schemas.openxmlformats.org/drawingml/2006/main" xmlns:r="http://schemas.openxmlformats.org/officeDocument/2006/relationships" xmlns:p="http://schemas.openxmlformats.org/presentationml/2006/main">
   <p:cSld>
     <p:spTree>
@@ -4646,7 +6502,7 @@
 </p:sld>
 </file>
 
-<file path=ppt/slides/slide17.xml><?xml version="1.0" encoding="utf-8"?>
+<file path=ppt/slides/slide6.xml><?xml version="1.0" encoding="utf-8"?>
 <p:sld xmlns:a="http://schemas.openxmlformats.org/drawingml/2006/main" xmlns:r="http://schemas.openxmlformats.org/officeDocument/2006/relationships" xmlns:p="http://schemas.openxmlformats.org/presentationml/2006/main">
   <p:cSld>
     <p:spTree>
@@ -4684,9 +6540,10 @@
           <a:bodyPr/>
           <a:lstStyle/>
           <a:p>
-            <a:r>
-              <a:rPr lang="en-US" dirty="0"/>
-              <a:t>Optimizer functions</a:t>
+            <a:pPr algn="l" rtl="0"/>
+            <a:r>
+              <a:rPr lang="en-US" dirty="0"/>
+              <a:t>Loss and Score value</a:t>
             </a:r>
             <a:endParaRPr lang="he-IL" dirty="0"/>
           </a:p>
@@ -4715,18 +6572,147 @@
           <a:p>
             <a:r>
               <a:rPr lang="en-US" dirty="0"/>
-              <a:t>Hessian Matrix</a:t>
-            </a:r>
-            <a:r>
-              <a:rPr lang="he-IL" dirty="0"/>
-              <a:t> – מטריצה ריבועית עם נגזרות חלקיות מסדר שני</a:t>
-            </a:r>
-          </a:p>
-          <a:p>
+              <a:t>LOSS Value</a:t>
+            </a:r>
             <a:endParaRPr lang="he-IL" dirty="0"/>
           </a:p>
-        </p:txBody>
-      </p:sp>
+          <a:p>
+            <a:pPr lvl="1"/>
+            <a:r>
+              <a:rPr lang="he-IL" dirty="0"/>
+              <a:t>ערך המציין כמה המדידות טובות.</a:t>
+            </a:r>
+          </a:p>
+          <a:p>
+            <a:pPr lvl="1"/>
+            <a:r>
+              <a:rPr lang="he-IL" dirty="0"/>
+              <a:t>מחשוב כסכום ההפרשים בין הערך המצופה לערך המתקבל.</a:t>
+            </a:r>
+          </a:p>
+          <a:p>
+            <a:pPr lvl="2"/>
+            <a:r>
+              <a:rPr lang="he-IL" dirty="0"/>
+              <a:t>התוצאה יכולה להיות מעל 1.</a:t>
+            </a:r>
+          </a:p>
+          <a:p>
+            <a:pPr lvl="1"/>
+            <a:r>
+              <a:rPr lang="he-IL" dirty="0"/>
+              <a:t>ב </a:t>
+            </a:r>
+            <a:r>
+              <a:rPr lang="en-US" dirty="0"/>
+              <a:t>backpropagation</a:t>
+            </a:r>
+            <a:r>
+              <a:rPr lang="he-IL" dirty="0"/>
+              <a:t> מנסים למזער ערך זה.</a:t>
+            </a:r>
+          </a:p>
+          <a:p>
+            <a:pPr lvl="2"/>
+            <a:r>
+              <a:rPr lang="he-IL" dirty="0"/>
+              <a:t>לאחר כל </a:t>
+            </a:r>
+            <a:r>
+              <a:rPr lang="he-IL" dirty="0" err="1"/>
+              <a:t>איטרציה</a:t>
+            </a:r>
+            <a:r>
+              <a:rPr lang="he-IL" dirty="0"/>
+              <a:t>, הצפייה </a:t>
+            </a:r>
+            <a:r>
+              <a:rPr lang="he-IL" dirty="0" err="1"/>
+              <a:t>להמנכת</a:t>
+            </a:r>
+            <a:r>
+              <a:rPr lang="he-IL" dirty="0"/>
+              <a:t> ערך זה.</a:t>
+            </a:r>
+          </a:p>
+          <a:p>
+            <a:r>
+              <a:rPr lang="en-US" dirty="0"/>
+              <a:t>Score Value</a:t>
+            </a:r>
+            <a:endParaRPr lang="he-IL" dirty="0"/>
+          </a:p>
+          <a:p>
+            <a:pPr lvl="1"/>
+            <a:r>
+              <a:rPr lang="he-IL" dirty="0"/>
+              <a:t>זהו אחוז דיוק המודל</a:t>
+            </a:r>
+          </a:p>
+          <a:p>
+            <a:pPr lvl="1"/>
+            <a:r>
+              <a:rPr lang="he-IL" dirty="0"/>
+              <a:t>לאחר האימון, המודל נבדק </a:t>
+            </a:r>
+            <a:r>
+              <a:rPr lang="en-US" dirty="0"/>
+              <a:t>(train)</a:t>
+            </a:r>
+            <a:r>
+              <a:rPr lang="he-IL" dirty="0"/>
+              <a:t> ומחשבים את מספר ההצלחות לעומת מספר הכולל של הדגימות.</a:t>
+            </a:r>
+          </a:p>
+        </p:txBody>
+      </p:sp>
+      <p:pic>
+        <p:nvPicPr>
+          <p:cNvPr id="1026" name="Picture 2" descr="enter image description here">
+            <a:extLst>
+              <a:ext uri="{FF2B5EF4-FFF2-40B4-BE49-F238E27FC236}">
+                <a16:creationId xmlns:a16="http://schemas.microsoft.com/office/drawing/2014/main" id="{EC0AC461-8DC5-4658-A603-60C82DDC8DB3}"/>
+              </a:ext>
+            </a:extLst>
+          </p:cNvPr>
+          <p:cNvPicPr>
+            <a:picLocks noChangeAspect="1" noChangeArrowheads="1"/>
+          </p:cNvPicPr>
+          <p:nvPr/>
+        </p:nvPicPr>
+        <p:blipFill>
+          <a:blip r:embed="rId2">
+            <a:extLst>
+              <a:ext uri="{28A0092B-C50C-407E-A947-70E740481C1C}">
+                <a14:useLocalDpi xmlns:a14="http://schemas.microsoft.com/office/drawing/2010/main" val="0"/>
+              </a:ext>
+            </a:extLst>
+          </a:blip>
+          <a:srcRect/>
+          <a:stretch>
+            <a:fillRect/>
+          </a:stretch>
+        </p:blipFill>
+        <p:spPr bwMode="auto">
+          <a:xfrm>
+            <a:off x="90880" y="1690688"/>
+            <a:ext cx="3433370" cy="2528887"/>
+          </a:xfrm>
+          <a:prstGeom prst="rect">
+            <a:avLst/>
+          </a:prstGeom>
+          <a:noFill/>
+          <a:extLst>
+            <a:ext uri="{909E8E84-426E-40DD-AFC4-6F175D3DCCD1}">
+              <a14:hiddenFill xmlns:a14="http://schemas.microsoft.com/office/drawing/2010/main">
+                <a:solidFill>
+                  <a:srgbClr val="FFFFFF"/>
+                </a:solidFill>
+              </a14:hiddenFill>
+            </a:ext>
+          </a:extLst>
+        </p:spPr>
+      </p:pic>
     </p:spTree>
     <p:extLst>
       <p:ext uri="{BB962C8B-B14F-4D97-AF65-F5344CB8AC3E}">
@@ -4740,7 +6726,7 @@
 </p:sld>
 </file>
 
-<file path=ppt/slides/slide18.xml><?xml version="1.0" encoding="utf-8"?>
+<file path=ppt/slides/slide7.xml><?xml version="1.0" encoding="utf-8"?>
 <p:sld xmlns:a="http://schemas.openxmlformats.org/drawingml/2006/main" xmlns:r="http://schemas.openxmlformats.org/officeDocument/2006/relationships" xmlns:p="http://schemas.openxmlformats.org/presentationml/2006/main">
   <p:cSld>
     <p:spTree>
@@ -4934,7 +6920,7 @@
 </p:sld>
 </file>
 
-<file path=ppt/slides/slide19.xml><?xml version="1.0" encoding="utf-8"?>
+<file path=ppt/slides/slide8.xml><?xml version="1.0" encoding="utf-8"?>
 <p:sld xmlns:a="http://schemas.openxmlformats.org/drawingml/2006/main" xmlns:r="http://schemas.openxmlformats.org/officeDocument/2006/relationships" xmlns:p="http://schemas.openxmlformats.org/presentationml/2006/main">
   <p:cSld>
     <p:spTree>
@@ -5048,222 +7034,7 @@
 </p:sld>
 </file>
 
-<file path=ppt/slides/slide2.xml><?xml version="1.0" encoding="utf-8"?>
-<p:sld xmlns:a="http://schemas.openxmlformats.org/drawingml/2006/main" xmlns:r="http://schemas.openxmlformats.org/officeDocument/2006/relationships" xmlns:p="http://schemas.openxmlformats.org/presentationml/2006/main">
-  <p:cSld>
-    <p:spTree>
-      <p:nvGrpSpPr>
-        <p:cNvPr id="1" name=""/>
-        <p:cNvGrpSpPr/>
-        <p:nvPr/>
-      </p:nvGrpSpPr>
-      <p:grpSpPr>
-        <a:xfrm>
-          <a:off x="0" y="0"/>
-          <a:ext cx="0" cy="0"/>
-          <a:chOff x="0" y="0"/>
-          <a:chExt cx="0" cy="0"/>
-        </a:xfrm>
-      </p:grpSpPr>
-      <p:sp>
-        <p:nvSpPr>
-          <p:cNvPr id="2" name="כותרת 1">
-            <a:extLst>
-              <a:ext uri="{FF2B5EF4-FFF2-40B4-BE49-F238E27FC236}">
-                <a16:creationId xmlns:a16="http://schemas.microsoft.com/office/drawing/2014/main" id="{12C8B7F2-C8DD-4244-B5EF-49702D9D691F}"/>
-              </a:ext>
-            </a:extLst>
-          </p:cNvPr>
-          <p:cNvSpPr>
-            <a:spLocks noGrp="1"/>
-          </p:cNvSpPr>
-          <p:nvPr>
-            <p:ph type="title"/>
-          </p:nvPr>
-        </p:nvSpPr>
-        <p:spPr/>
-        <p:txBody>
-          <a:bodyPr/>
-          <a:lstStyle/>
-          <a:p>
-            <a:r>
-              <a:rPr lang="he-IL" dirty="0"/>
-              <a:t>שאלות</a:t>
-            </a:r>
-          </a:p>
-        </p:txBody>
-      </p:sp>
-      <p:sp>
-        <p:nvSpPr>
-          <p:cNvPr id="3" name="מציין מיקום תוכן 2">
-            <a:extLst>
-              <a:ext uri="{FF2B5EF4-FFF2-40B4-BE49-F238E27FC236}">
-                <a16:creationId xmlns:a16="http://schemas.microsoft.com/office/drawing/2014/main" id="{38ED48F5-D9B8-4FA8-A780-2571FEC64F23}"/>
-              </a:ext>
-            </a:extLst>
-          </p:cNvPr>
-          <p:cNvSpPr>
-            <a:spLocks noGrp="1"/>
-          </p:cNvSpPr>
-          <p:nvPr>
-            <p:ph idx="1"/>
-          </p:nvPr>
-        </p:nvSpPr>
-        <p:spPr/>
-        <p:txBody>
-          <a:bodyPr/>
-          <a:lstStyle/>
-          <a:p>
-            <a:pPr marL="514350" indent="-514350">
-              <a:buAutoNum type="arabicPeriod"/>
-            </a:pPr>
-            <a:r>
-              <a:rPr lang="he-IL" dirty="0"/>
-              <a:t>האם גם ב </a:t>
-            </a:r>
-            <a:r>
-              <a:rPr lang="en-US" dirty="0" err="1"/>
-              <a:t>sklearn</a:t>
-            </a:r>
-            <a:r>
-              <a:rPr lang="he-IL" dirty="0"/>
-              <a:t> צריך להעביר את </a:t>
-            </a:r>
-            <a:r>
-              <a:rPr lang="he-IL" dirty="0" err="1"/>
-              <a:t>הכל</a:t>
-            </a:r>
-            <a:r>
-              <a:rPr lang="he-IL" dirty="0"/>
-              <a:t> ל </a:t>
-            </a:r>
-            <a:r>
-              <a:rPr lang="en-US" dirty="0" err="1"/>
-              <a:t>to_categorical</a:t>
-            </a:r>
-            <a:r>
-              <a:rPr lang="en-US" dirty="0"/>
-              <a:t>()</a:t>
-            </a:r>
-            <a:endParaRPr lang="he-IL" dirty="0"/>
-          </a:p>
-          <a:p>
-            <a:pPr marL="514350" indent="-514350">
-              <a:buAutoNum type="arabicPeriod"/>
-            </a:pPr>
-            <a:r>
-              <a:rPr lang="he-IL" dirty="0"/>
-              <a:t>למה ב </a:t>
-            </a:r>
-            <a:r>
-              <a:rPr lang="en-US" dirty="0"/>
-              <a:t>classification</a:t>
-            </a:r>
-            <a:r>
-              <a:rPr lang="he-IL" dirty="0"/>
-              <a:t> השכבה האחרונה </a:t>
-            </a:r>
-            <a:r>
-              <a:rPr lang="en-US" dirty="0"/>
-              <a:t>activation = </a:t>
-            </a:r>
-            <a:r>
-              <a:rPr lang="en-US" dirty="0" err="1"/>
-              <a:t>softmax</a:t>
-            </a:r>
-            <a:endParaRPr lang="he-IL" dirty="0"/>
-          </a:p>
-          <a:p>
-            <a:pPr marL="514350" indent="-514350">
-              <a:buAutoNum type="arabicPeriod"/>
-            </a:pPr>
-            <a:r>
-              <a:rPr lang="he-IL" dirty="0"/>
-              <a:t>ב </a:t>
-            </a:r>
-            <a:r>
-              <a:rPr lang="en-US" dirty="0"/>
-              <a:t>classification</a:t>
-            </a:r>
-            <a:r>
-              <a:rPr lang="he-IL" dirty="0"/>
-              <a:t> איזה עוד </a:t>
-            </a:r>
-            <a:r>
-              <a:rPr lang="en-US" dirty="0"/>
-              <a:t>metrics = [‘accuracy’]</a:t>
-            </a:r>
-            <a:endParaRPr lang="he-IL" dirty="0"/>
-          </a:p>
-          <a:p>
-            <a:pPr marL="514350" indent="-514350">
-              <a:buAutoNum type="arabicPeriod"/>
-            </a:pPr>
-            <a:r>
-              <a:rPr lang="en-US" dirty="0" err="1"/>
-              <a:t>Oprimizer</a:t>
-            </a:r>
-            <a:r>
-              <a:rPr lang="en-US" dirty="0"/>
-              <a:t> = </a:t>
-            </a:r>
-            <a:r>
-              <a:rPr lang="en-US" dirty="0" err="1"/>
-              <a:t>adam</a:t>
-            </a:r>
-            <a:endParaRPr lang="he-IL" dirty="0"/>
-          </a:p>
-          <a:p>
-            <a:pPr marL="514350" indent="-514350">
-              <a:buAutoNum type="arabicPeriod"/>
-            </a:pPr>
-            <a:r>
-              <a:rPr lang="he-IL" dirty="0"/>
-              <a:t>כיצד בוחר את מספר השכבות ?</a:t>
-            </a:r>
-          </a:p>
-          <a:p>
-            <a:pPr marL="514350" indent="-514350">
-              <a:buAutoNum type="arabicPeriod"/>
-            </a:pPr>
-            <a:r>
-              <a:rPr lang="he-IL" dirty="0"/>
-              <a:t>כיצד בוחר את מספר הצמתים בכל שכבה ?</a:t>
-            </a:r>
-          </a:p>
-          <a:p>
-            <a:pPr marL="514350" indent="-514350">
-              <a:buAutoNum type="arabicPeriod"/>
-            </a:pPr>
-            <a:r>
-              <a:rPr lang="he-IL" dirty="0"/>
-              <a:t>מתי לא אעבוד עם </a:t>
-            </a:r>
-            <a:r>
-              <a:rPr lang="en-US" dirty="0" err="1"/>
-              <a:t>sequnial</a:t>
-            </a:r>
-            <a:r>
-              <a:rPr lang="he-IL" dirty="0"/>
-              <a:t> ?</a:t>
-            </a:r>
-          </a:p>
-        </p:txBody>
-      </p:sp>
-    </p:spTree>
-    <p:extLst>
-      <p:ext uri="{BB962C8B-B14F-4D97-AF65-F5344CB8AC3E}">
-        <p14:creationId xmlns:p14="http://schemas.microsoft.com/office/powerpoint/2010/main" val="2884737863"/>
-      </p:ext>
-    </p:extLst>
-  </p:cSld>
-  <p:clrMapOvr>
-    <a:masterClrMapping/>
-  </p:clrMapOvr>
-</p:sld>
-</file>
-
-<file path=ppt/slides/slide20.xml><?xml version="1.0" encoding="utf-8"?>
+<file path=ppt/slides/slide9.xml><?xml version="1.0" encoding="utf-8"?>
 <p:sld xmlns:a="http://schemas.openxmlformats.org/drawingml/2006/main" xmlns:r="http://schemas.openxmlformats.org/officeDocument/2006/relationships" xmlns:p="http://schemas.openxmlformats.org/presentationml/2006/main">
   <p:cSld>
     <p:spTree>
@@ -5373,2661 +7144,6 @@
     <p:extLst>
       <p:ext uri="{BB962C8B-B14F-4D97-AF65-F5344CB8AC3E}">
         <p14:creationId xmlns:p14="http://schemas.microsoft.com/office/powerpoint/2010/main" val="4223654973"/>
-      </p:ext>
-    </p:extLst>
-  </p:cSld>
-  <p:clrMapOvr>
-    <a:masterClrMapping/>
-  </p:clrMapOvr>
-</p:sld>
-</file>
-
-<file path=ppt/slides/slide21.xml><?xml version="1.0" encoding="utf-8"?>
-<p:sld xmlns:a="http://schemas.openxmlformats.org/drawingml/2006/main" xmlns:r="http://schemas.openxmlformats.org/officeDocument/2006/relationships" xmlns:p="http://schemas.openxmlformats.org/presentationml/2006/main">
-  <p:cSld>
-    <p:spTree>
-      <p:nvGrpSpPr>
-        <p:cNvPr id="1" name=""/>
-        <p:cNvGrpSpPr/>
-        <p:nvPr/>
-      </p:nvGrpSpPr>
-      <p:grpSpPr>
-        <a:xfrm>
-          <a:off x="0" y="0"/>
-          <a:ext cx="0" cy="0"/>
-          <a:chOff x="0" y="0"/>
-          <a:chExt cx="0" cy="0"/>
-        </a:xfrm>
-      </p:grpSpPr>
-      <p:sp>
-        <p:nvSpPr>
-          <p:cNvPr id="2" name="כותרת 1">
-            <a:extLst>
-              <a:ext uri="{FF2B5EF4-FFF2-40B4-BE49-F238E27FC236}">
-                <a16:creationId xmlns:a16="http://schemas.microsoft.com/office/drawing/2014/main" id="{C1E4ED09-3D63-47F2-8FD8-BB2457D0F811}"/>
-              </a:ext>
-            </a:extLst>
-          </p:cNvPr>
-          <p:cNvSpPr>
-            <a:spLocks noGrp="1"/>
-          </p:cNvSpPr>
-          <p:nvPr>
-            <p:ph type="title"/>
-          </p:nvPr>
-        </p:nvSpPr>
-        <p:spPr/>
-        <p:txBody>
-          <a:bodyPr/>
-          <a:lstStyle/>
-          <a:p>
-            <a:r>
-              <a:rPr lang="en-US" dirty="0"/>
-              <a:t>backpropagation</a:t>
-            </a:r>
-            <a:endParaRPr lang="he-IL" dirty="0"/>
-          </a:p>
-        </p:txBody>
-      </p:sp>
-      <p:sp>
-        <p:nvSpPr>
-          <p:cNvPr id="3" name="מציין מיקום תוכן 2">
-            <a:extLst>
-              <a:ext uri="{FF2B5EF4-FFF2-40B4-BE49-F238E27FC236}">
-                <a16:creationId xmlns:a16="http://schemas.microsoft.com/office/drawing/2014/main" id="{09D802FA-4F74-4985-B3ED-EB89ACBC9FCB}"/>
-              </a:ext>
-            </a:extLst>
-          </p:cNvPr>
-          <p:cNvSpPr>
-            <a:spLocks noGrp="1"/>
-          </p:cNvSpPr>
-          <p:nvPr>
-            <p:ph idx="1"/>
-          </p:nvPr>
-        </p:nvSpPr>
-        <p:spPr>
-          <a:xfrm>
-            <a:off x="838200" y="1825625"/>
-            <a:ext cx="10794476" cy="4351338"/>
-          </a:xfrm>
-        </p:spPr>
-        <p:txBody>
-          <a:bodyPr>
-            <a:noAutofit/>
-          </a:bodyPr>
-          <a:lstStyle/>
-          <a:p>
-            <a:r>
-              <a:rPr lang="he-IL" sz="2400" dirty="0"/>
-              <a:t>מבצעים </a:t>
-            </a:r>
-            <a:r>
-              <a:rPr lang="en-US" sz="2400" dirty="0"/>
-              <a:t>forward propagation</a:t>
-            </a:r>
-            <a:r>
-              <a:rPr lang="he-IL" sz="2400" dirty="0"/>
-              <a:t> ומחשבים ערך חזוי ושגיאה</a:t>
-            </a:r>
-          </a:p>
-          <a:p>
-            <a:r>
-              <a:rPr lang="he-IL" sz="2400" dirty="0"/>
-              <a:t>לפי פונקציית אופטימיזציה, חוזרים אחורה ומעדכנים משקלים (מהסוף להתחלה)</a:t>
-            </a:r>
-          </a:p>
-          <a:p>
-            <a:r>
-              <a:rPr lang="he-IL" sz="2400" dirty="0"/>
-              <a:t>מתחילים מערכי משקל </a:t>
-            </a:r>
-            <a:r>
-              <a:rPr lang="he-IL" sz="2400" dirty="0" err="1"/>
-              <a:t>אקראים</a:t>
-            </a:r>
-            <a:endParaRPr lang="he-IL" sz="2400" dirty="0"/>
-          </a:p>
-          <a:p>
-            <a:pPr marL="457200" lvl="1" indent="0">
-              <a:buNone/>
-            </a:pPr>
-            <a:endParaRPr lang="he-IL" dirty="0"/>
-          </a:p>
-        </p:txBody>
-      </p:sp>
-    </p:spTree>
-    <p:extLst>
-      <p:ext uri="{BB962C8B-B14F-4D97-AF65-F5344CB8AC3E}">
-        <p14:creationId xmlns:p14="http://schemas.microsoft.com/office/powerpoint/2010/main" val="2432502824"/>
-      </p:ext>
-    </p:extLst>
-  </p:cSld>
-  <p:clrMapOvr>
-    <a:masterClrMapping/>
-  </p:clrMapOvr>
-</p:sld>
-</file>
-
-<file path=ppt/slides/slide22.xml><?xml version="1.0" encoding="utf-8"?>
-<p:sld xmlns:a="http://schemas.openxmlformats.org/drawingml/2006/main" xmlns:r="http://schemas.openxmlformats.org/officeDocument/2006/relationships" xmlns:p="http://schemas.openxmlformats.org/presentationml/2006/main">
-  <p:cSld>
-    <p:spTree>
-      <p:nvGrpSpPr>
-        <p:cNvPr id="1" name=""/>
-        <p:cNvGrpSpPr/>
-        <p:nvPr/>
-      </p:nvGrpSpPr>
-      <p:grpSpPr>
-        <a:xfrm>
-          <a:off x="0" y="0"/>
-          <a:ext cx="0" cy="0"/>
-          <a:chOff x="0" y="0"/>
-          <a:chExt cx="0" cy="0"/>
-        </a:xfrm>
-      </p:grpSpPr>
-      <p:sp>
-        <p:nvSpPr>
-          <p:cNvPr id="2" name="כותרת 1">
-            <a:extLst>
-              <a:ext uri="{FF2B5EF4-FFF2-40B4-BE49-F238E27FC236}">
-                <a16:creationId xmlns:a16="http://schemas.microsoft.com/office/drawing/2014/main" id="{D284B8F4-FB6F-4387-9560-4BD6D7F27017}"/>
-              </a:ext>
-            </a:extLst>
-          </p:cNvPr>
-          <p:cNvSpPr>
-            <a:spLocks noGrp="1"/>
-          </p:cNvSpPr>
-          <p:nvPr>
-            <p:ph type="title"/>
-          </p:nvPr>
-        </p:nvSpPr>
-        <p:spPr/>
-        <p:txBody>
-          <a:bodyPr/>
-          <a:lstStyle/>
-          <a:p>
-            <a:pPr algn="l" rtl="0"/>
-            <a:r>
-              <a:rPr lang="en-US" dirty="0"/>
-              <a:t>dying neuron problem</a:t>
-            </a:r>
-            <a:endParaRPr lang="he-IL" dirty="0"/>
-          </a:p>
-        </p:txBody>
-      </p:sp>
-      <p:sp>
-        <p:nvSpPr>
-          <p:cNvPr id="3" name="מציין מיקום תוכן 2">
-            <a:extLst>
-              <a:ext uri="{FF2B5EF4-FFF2-40B4-BE49-F238E27FC236}">
-                <a16:creationId xmlns:a16="http://schemas.microsoft.com/office/drawing/2014/main" id="{114680FF-86A1-483B-BF59-8A2904F36787}"/>
-              </a:ext>
-            </a:extLst>
-          </p:cNvPr>
-          <p:cNvSpPr>
-            <a:spLocks noGrp="1"/>
-          </p:cNvSpPr>
-          <p:nvPr>
-            <p:ph idx="1"/>
-          </p:nvPr>
-        </p:nvSpPr>
-        <p:spPr/>
-        <p:txBody>
-          <a:bodyPr/>
-          <a:lstStyle/>
-          <a:p>
-            <a:r>
-              <a:rPr lang="he-IL" dirty="0"/>
-              <a:t>בעיה ב </a:t>
-            </a:r>
-            <a:r>
-              <a:rPr lang="en-US" dirty="0" err="1"/>
-              <a:t>Relu</a:t>
-            </a:r>
-            <a:r>
-              <a:rPr lang="he-IL" dirty="0"/>
-              <a:t> כאשר כל ערכים שלילים עוברים ל 0 ואז </a:t>
-            </a:r>
-            <a:r>
-              <a:rPr lang="he-IL" dirty="0" err="1"/>
-              <a:t>הנירון</a:t>
-            </a:r>
-            <a:r>
-              <a:rPr lang="he-IL" dirty="0"/>
-              <a:t> תקוע על 0</a:t>
-            </a:r>
-          </a:p>
-          <a:p>
-            <a:r>
-              <a:rPr lang="he-IL" dirty="0"/>
-              <a:t>במקרה זה יכול להיות שרוב הרשת לא עושה כלום </a:t>
-            </a:r>
-          </a:p>
-          <a:p>
-            <a:r>
-              <a:rPr lang="he-IL" dirty="0"/>
-              <a:t>התופעה יכולה לקרות כאשר ה </a:t>
-            </a:r>
-            <a:r>
-              <a:rPr lang="en-US" dirty="0"/>
-              <a:t>learning rate</a:t>
-            </a:r>
-            <a:r>
-              <a:rPr lang="he-IL" dirty="0"/>
-              <a:t> גבוהה</a:t>
-            </a:r>
-          </a:p>
-        </p:txBody>
-      </p:sp>
-    </p:spTree>
-    <p:extLst>
-      <p:ext uri="{BB962C8B-B14F-4D97-AF65-F5344CB8AC3E}">
-        <p14:creationId xmlns:p14="http://schemas.microsoft.com/office/powerpoint/2010/main" val="1206663152"/>
-      </p:ext>
-    </p:extLst>
-  </p:cSld>
-  <p:clrMapOvr>
-    <a:masterClrMapping/>
-  </p:clrMapOvr>
-</p:sld>
-</file>
-
-<file path=ppt/slides/slide23.xml><?xml version="1.0" encoding="utf-8"?>
-<p:sld xmlns:a="http://schemas.openxmlformats.org/drawingml/2006/main" xmlns:r="http://schemas.openxmlformats.org/officeDocument/2006/relationships" xmlns:p="http://schemas.openxmlformats.org/presentationml/2006/main">
-  <p:cSld>
-    <p:spTree>
-      <p:nvGrpSpPr>
-        <p:cNvPr id="1" name=""/>
-        <p:cNvGrpSpPr/>
-        <p:nvPr/>
-      </p:nvGrpSpPr>
-      <p:grpSpPr>
-        <a:xfrm>
-          <a:off x="0" y="0"/>
-          <a:ext cx="0" cy="0"/>
-          <a:chOff x="0" y="0"/>
-          <a:chExt cx="0" cy="0"/>
-        </a:xfrm>
-      </p:grpSpPr>
-      <p:sp>
-        <p:nvSpPr>
-          <p:cNvPr id="2" name="כותרת 1">
-            <a:extLst>
-              <a:ext uri="{FF2B5EF4-FFF2-40B4-BE49-F238E27FC236}">
-                <a16:creationId xmlns:a16="http://schemas.microsoft.com/office/drawing/2014/main" id="{A8A17D90-B66A-4A13-A83B-918AC861D975}"/>
-              </a:ext>
-            </a:extLst>
-          </p:cNvPr>
-          <p:cNvSpPr>
-            <a:spLocks noGrp="1"/>
-          </p:cNvSpPr>
-          <p:nvPr>
-            <p:ph type="title"/>
-          </p:nvPr>
-        </p:nvSpPr>
-        <p:spPr/>
-        <p:txBody>
-          <a:bodyPr/>
-          <a:lstStyle/>
-          <a:p>
-            <a:r>
-              <a:rPr lang="en-US" dirty="0"/>
-              <a:t>Iterations</a:t>
-            </a:r>
-            <a:endParaRPr lang="he-IL" dirty="0"/>
-          </a:p>
-        </p:txBody>
-      </p:sp>
-      <p:sp>
-        <p:nvSpPr>
-          <p:cNvPr id="3" name="מציין מיקום תוכן 2">
-            <a:extLst>
-              <a:ext uri="{FF2B5EF4-FFF2-40B4-BE49-F238E27FC236}">
-                <a16:creationId xmlns:a16="http://schemas.microsoft.com/office/drawing/2014/main" id="{8D543FF4-0ABD-4801-B4B6-B9FAA7CC5A85}"/>
-              </a:ext>
-            </a:extLst>
-          </p:cNvPr>
-          <p:cNvSpPr>
-            <a:spLocks noGrp="1"/>
-          </p:cNvSpPr>
-          <p:nvPr>
-            <p:ph idx="1"/>
-          </p:nvPr>
-        </p:nvSpPr>
-        <p:spPr/>
-        <p:txBody>
-          <a:bodyPr/>
-          <a:lstStyle/>
-          <a:p>
-            <a:pPr lvl="1"/>
-            <a:r>
-              <a:rPr lang="he-IL" dirty="0"/>
-              <a:t>ניזכר שאלג’ </a:t>
-            </a:r>
-            <a:r>
-              <a:rPr lang="en-US" dirty="0"/>
-              <a:t>gradient descent</a:t>
-            </a:r>
-            <a:r>
-              <a:rPr lang="he-IL" dirty="0"/>
-              <a:t> (ירידת שיפוע) עובד ב </a:t>
-            </a:r>
-            <a:r>
-              <a:rPr lang="en-US" dirty="0"/>
-              <a:t>iterations</a:t>
-            </a:r>
-            <a:r>
-              <a:rPr lang="he-IL" dirty="0"/>
-              <a:t> אשר מנסה בכל </a:t>
-            </a:r>
-            <a:r>
-              <a:rPr lang="en-US" dirty="0"/>
-              <a:t>iteration</a:t>
-            </a:r>
-            <a:r>
-              <a:rPr lang="he-IL" dirty="0"/>
-              <a:t> להתקדם לכיוון המינימום. לכן כדאי להגדיר מספר זה ב </a:t>
-            </a:r>
-            <a:r>
-              <a:rPr lang="en-US" dirty="0"/>
-              <a:t>FIT</a:t>
-            </a:r>
-            <a:endParaRPr lang="he-IL" dirty="0"/>
-          </a:p>
-        </p:txBody>
-      </p:sp>
-      <p:pic>
-        <p:nvPicPr>
-          <p:cNvPr id="1026" name="Picture 2">
-            <a:extLst>
-              <a:ext uri="{FF2B5EF4-FFF2-40B4-BE49-F238E27FC236}">
-                <a16:creationId xmlns:a16="http://schemas.microsoft.com/office/drawing/2014/main" id="{66F40BEC-9E48-4F68-9A86-68A177F52D35}"/>
-              </a:ext>
-            </a:extLst>
-          </p:cNvPr>
-          <p:cNvPicPr>
-            <a:picLocks noChangeAspect="1" noChangeArrowheads="1" noCrop="1"/>
-          </p:cNvPicPr>
-          <p:nvPr/>
-        </p:nvPicPr>
-        <p:blipFill>
-          <a:blip r:embed="rId2">
-            <a:extLst>
-              <a:ext uri="{28A0092B-C50C-407E-A947-70E740481C1C}">
-                <a14:useLocalDpi xmlns:a14="http://schemas.microsoft.com/office/drawing/2010/main" val="0"/>
-              </a:ext>
-            </a:extLst>
-          </a:blip>
-          <a:srcRect/>
-          <a:stretch>
-            <a:fillRect/>
-          </a:stretch>
-        </p:blipFill>
-        <p:spPr bwMode="auto">
-          <a:xfrm>
-            <a:off x="1865791" y="3063875"/>
-            <a:ext cx="8229600" cy="3429000"/>
-          </a:xfrm>
-          <a:prstGeom prst="rect">
-            <a:avLst/>
-          </a:prstGeom>
-          <a:noFill/>
-          <a:extLst>
-            <a:ext uri="{909E8E84-426E-40DD-AFC4-6F175D3DCCD1}">
-              <a14:hiddenFill xmlns:a14="http://schemas.microsoft.com/office/drawing/2010/main">
-                <a:solidFill>
-                  <a:srgbClr val="FFFFFF"/>
-                </a:solidFill>
-              </a14:hiddenFill>
-            </a:ext>
-          </a:extLst>
-        </p:spPr>
-      </p:pic>
-    </p:spTree>
-    <p:extLst>
-      <p:ext uri="{BB962C8B-B14F-4D97-AF65-F5344CB8AC3E}">
-        <p14:creationId xmlns:p14="http://schemas.microsoft.com/office/powerpoint/2010/main" val="2151189518"/>
-      </p:ext>
-    </p:extLst>
-  </p:cSld>
-  <p:clrMapOvr>
-    <a:masterClrMapping/>
-  </p:clrMapOvr>
-</p:sld>
-</file>
-
-<file path=ppt/slides/slide24.xml><?xml version="1.0" encoding="utf-8"?>
-<p:sld xmlns:a="http://schemas.openxmlformats.org/drawingml/2006/main" xmlns:r="http://schemas.openxmlformats.org/officeDocument/2006/relationships" xmlns:p="http://schemas.openxmlformats.org/presentationml/2006/main">
-  <p:cSld>
-    <p:spTree>
-      <p:nvGrpSpPr>
-        <p:cNvPr id="1" name=""/>
-        <p:cNvGrpSpPr/>
-        <p:nvPr/>
-      </p:nvGrpSpPr>
-      <p:grpSpPr>
-        <a:xfrm>
-          <a:off x="0" y="0"/>
-          <a:ext cx="0" cy="0"/>
-          <a:chOff x="0" y="0"/>
-          <a:chExt cx="0" cy="0"/>
-        </a:xfrm>
-      </p:grpSpPr>
-      <p:sp>
-        <p:nvSpPr>
-          <p:cNvPr id="2" name="כותרת 1">
-            <a:extLst>
-              <a:ext uri="{FF2B5EF4-FFF2-40B4-BE49-F238E27FC236}">
-                <a16:creationId xmlns:a16="http://schemas.microsoft.com/office/drawing/2014/main" id="{A8A17D90-B66A-4A13-A83B-918AC861D975}"/>
-              </a:ext>
-            </a:extLst>
-          </p:cNvPr>
-          <p:cNvSpPr>
-            <a:spLocks noGrp="1"/>
-          </p:cNvSpPr>
-          <p:nvPr>
-            <p:ph type="title"/>
-          </p:nvPr>
-        </p:nvSpPr>
-        <p:spPr/>
-        <p:txBody>
-          <a:bodyPr/>
-          <a:lstStyle/>
-          <a:p>
-            <a:r>
-              <a:rPr lang="en-US" dirty="0"/>
-              <a:t>Epoch</a:t>
-            </a:r>
-            <a:endParaRPr lang="he-IL" dirty="0"/>
-          </a:p>
-        </p:txBody>
-      </p:sp>
-      <p:sp>
-        <p:nvSpPr>
-          <p:cNvPr id="3" name="מציין מיקום תוכן 2">
-            <a:extLst>
-              <a:ext uri="{FF2B5EF4-FFF2-40B4-BE49-F238E27FC236}">
-                <a16:creationId xmlns:a16="http://schemas.microsoft.com/office/drawing/2014/main" id="{8D543FF4-0ABD-4801-B4B6-B9FAA7CC5A85}"/>
-              </a:ext>
-            </a:extLst>
-          </p:cNvPr>
-          <p:cNvSpPr>
-            <a:spLocks noGrp="1"/>
-          </p:cNvSpPr>
-          <p:nvPr>
-            <p:ph idx="1"/>
-          </p:nvPr>
-        </p:nvSpPr>
-        <p:spPr>
-          <a:xfrm>
-            <a:off x="838199" y="1340528"/>
-            <a:ext cx="11013489" cy="4836435"/>
-          </a:xfrm>
-        </p:spPr>
-        <p:txBody>
-          <a:bodyPr>
-            <a:normAutofit/>
-          </a:bodyPr>
-          <a:lstStyle/>
-          <a:p>
-            <a:r>
-              <a:rPr lang="he-IL" sz="2000" dirty="0" err="1"/>
-              <a:t>בדר"כ</a:t>
-            </a:r>
-            <a:r>
-              <a:rPr lang="he-IL" sz="2000" dirty="0"/>
-              <a:t> (לא בדוגמאות בסיס) ב </a:t>
-            </a:r>
-            <a:r>
-              <a:rPr lang="en-US" sz="2000" dirty="0"/>
-              <a:t>ML</a:t>
-            </a:r>
-            <a:r>
-              <a:rPr lang="he-IL" sz="2000" dirty="0"/>
-              <a:t> יש המון מידע ולכן נרצה לעבד וללמוד אותו בחלקים.</a:t>
-            </a:r>
-          </a:p>
-          <a:p>
-            <a:r>
-              <a:rPr lang="en-US" sz="2000" dirty="0" err="1"/>
-              <a:t>Epoc</a:t>
-            </a:r>
-            <a:endParaRPr lang="he-IL" sz="2000" dirty="0"/>
-          </a:p>
-          <a:p>
-            <a:pPr lvl="1"/>
-            <a:r>
-              <a:rPr lang="he-IL" sz="2000" dirty="0"/>
-              <a:t>מעבר אחד על כל ה </a:t>
-            </a:r>
-            <a:r>
-              <a:rPr lang="en-US" sz="2000" dirty="0"/>
-              <a:t>dataset</a:t>
-            </a:r>
-            <a:r>
-              <a:rPr lang="he-IL" sz="2000" dirty="0"/>
-              <a:t> קדימה ואחורה</a:t>
-            </a:r>
-            <a:r>
-              <a:rPr lang="en-US" sz="2000" dirty="0"/>
-              <a:t>.</a:t>
-            </a:r>
-            <a:endParaRPr lang="he-IL" sz="2000" dirty="0"/>
-          </a:p>
-          <a:p>
-            <a:pPr lvl="1"/>
-            <a:r>
-              <a:rPr lang="he-IL" sz="2000" dirty="0"/>
-              <a:t>ניזכר שב </a:t>
-            </a:r>
-            <a:r>
-              <a:rPr lang="en-US" sz="2000" dirty="0"/>
-              <a:t>gradient descent</a:t>
-            </a:r>
-            <a:r>
-              <a:rPr lang="he-IL" sz="2000" dirty="0"/>
-              <a:t> אשר עובד </a:t>
-            </a:r>
-            <a:r>
-              <a:rPr lang="he-IL" sz="2000" dirty="0" err="1"/>
-              <a:t>איטרטיבי</a:t>
-            </a:r>
-            <a:r>
-              <a:rPr lang="he-IL" sz="2000" dirty="0"/>
-              <a:t> (</a:t>
-            </a:r>
-            <a:r>
-              <a:rPr lang="en-US" sz="2000" dirty="0"/>
-              <a:t>iteration</a:t>
-            </a:r>
-            <a:r>
-              <a:rPr lang="he-IL" sz="2000" dirty="0"/>
-              <a:t>) ולכן כאשר ה </a:t>
-            </a:r>
-            <a:r>
-              <a:rPr lang="en-US" sz="2000" dirty="0"/>
-              <a:t>dataset</a:t>
-            </a:r>
-            <a:r>
-              <a:rPr lang="he-IL" sz="2000" dirty="0"/>
-              <a:t> ענק עדכון המשקלים פעם אחת (</a:t>
-            </a:r>
-            <a:r>
-              <a:rPr lang="he-IL" sz="2000" dirty="0" err="1"/>
-              <a:t>איטרציה</a:t>
-            </a:r>
-            <a:r>
-              <a:rPr lang="he-IL" sz="2000" dirty="0"/>
-              <a:t> אחת) אינו מספיק.</a:t>
-            </a:r>
-            <a:endParaRPr lang="en-US" sz="2000" dirty="0"/>
-          </a:p>
-          <a:p>
-            <a:pPr lvl="1"/>
-            <a:r>
-              <a:rPr lang="he-IL" sz="2000" dirty="0"/>
-              <a:t>במידה וגודל ה </a:t>
-            </a:r>
-            <a:r>
-              <a:rPr lang="en-US" sz="2000" dirty="0"/>
-              <a:t>dataset</a:t>
-            </a:r>
-            <a:r>
-              <a:rPr lang="he-IL" sz="2000" dirty="0"/>
-              <a:t> ענק, לא ראלי לעבור פעם אחת ולכן מחלקים לחלקים קטנים יותר </a:t>
-            </a:r>
-            <a:r>
-              <a:rPr lang="en-US" sz="2000" dirty="0"/>
-              <a:t>(batch)</a:t>
-            </a:r>
-            <a:endParaRPr lang="he-IL" sz="2000" dirty="0"/>
-          </a:p>
-          <a:p>
-            <a:endParaRPr lang="he-IL" sz="2000" dirty="0"/>
-          </a:p>
-        </p:txBody>
-      </p:sp>
-      <p:pic>
-        <p:nvPicPr>
-          <p:cNvPr id="1028" name="Picture 4">
-            <a:extLst>
-              <a:ext uri="{FF2B5EF4-FFF2-40B4-BE49-F238E27FC236}">
-                <a16:creationId xmlns:a16="http://schemas.microsoft.com/office/drawing/2014/main" id="{FB3CC188-7D1A-41E1-8D1B-ED68CE76B21C}"/>
-              </a:ext>
-            </a:extLst>
-          </p:cNvPr>
-          <p:cNvPicPr>
-            <a:picLocks noChangeAspect="1" noChangeArrowheads="1"/>
-          </p:cNvPicPr>
-          <p:nvPr/>
-        </p:nvPicPr>
-        <p:blipFill>
-          <a:blip r:embed="rId2">
-            <a:extLst>
-              <a:ext uri="{28A0092B-C50C-407E-A947-70E740481C1C}">
-                <a14:useLocalDpi xmlns:a14="http://schemas.microsoft.com/office/drawing/2010/main" val="0"/>
-              </a:ext>
-            </a:extLst>
-          </a:blip>
-          <a:srcRect/>
-          <a:stretch>
-            <a:fillRect/>
-          </a:stretch>
-        </p:blipFill>
-        <p:spPr bwMode="auto">
-          <a:xfrm>
-            <a:off x="2513398" y="3758745"/>
-            <a:ext cx="7981950" cy="2857500"/>
-          </a:xfrm>
-          <a:prstGeom prst="rect">
-            <a:avLst/>
-          </a:prstGeom>
-          <a:noFill/>
-          <a:extLst>
-            <a:ext uri="{909E8E84-426E-40DD-AFC4-6F175D3DCCD1}">
-              <a14:hiddenFill xmlns:a14="http://schemas.microsoft.com/office/drawing/2010/main">
-                <a:solidFill>
-                  <a:srgbClr val="FFFFFF"/>
-                </a:solidFill>
-              </a14:hiddenFill>
-            </a:ext>
-          </a:extLst>
-        </p:spPr>
-      </p:pic>
-    </p:spTree>
-    <p:extLst>
-      <p:ext uri="{BB962C8B-B14F-4D97-AF65-F5344CB8AC3E}">
-        <p14:creationId xmlns:p14="http://schemas.microsoft.com/office/powerpoint/2010/main" val="1249711781"/>
-      </p:ext>
-    </p:extLst>
-  </p:cSld>
-  <p:clrMapOvr>
-    <a:masterClrMapping/>
-  </p:clrMapOvr>
-</p:sld>
-</file>
-
-<file path=ppt/slides/slide25.xml><?xml version="1.0" encoding="utf-8"?>
-<p:sld xmlns:a="http://schemas.openxmlformats.org/drawingml/2006/main" xmlns:r="http://schemas.openxmlformats.org/officeDocument/2006/relationships" xmlns:p="http://schemas.openxmlformats.org/presentationml/2006/main">
-  <p:cSld>
-    <p:spTree>
-      <p:nvGrpSpPr>
-        <p:cNvPr id="1" name=""/>
-        <p:cNvGrpSpPr/>
-        <p:nvPr/>
-      </p:nvGrpSpPr>
-      <p:grpSpPr>
-        <a:xfrm>
-          <a:off x="0" y="0"/>
-          <a:ext cx="0" cy="0"/>
-          <a:chOff x="0" y="0"/>
-          <a:chExt cx="0" cy="0"/>
-        </a:xfrm>
-      </p:grpSpPr>
-      <p:sp>
-        <p:nvSpPr>
-          <p:cNvPr id="2" name="כותרת 1">
-            <a:extLst>
-              <a:ext uri="{FF2B5EF4-FFF2-40B4-BE49-F238E27FC236}">
-                <a16:creationId xmlns:a16="http://schemas.microsoft.com/office/drawing/2014/main" id="{2B4B6B3E-7F60-41CD-AF08-855C296D6952}"/>
-              </a:ext>
-            </a:extLst>
-          </p:cNvPr>
-          <p:cNvSpPr>
-            <a:spLocks noGrp="1"/>
-          </p:cNvSpPr>
-          <p:nvPr>
-            <p:ph type="title"/>
-          </p:nvPr>
-        </p:nvSpPr>
-        <p:spPr/>
-        <p:txBody>
-          <a:bodyPr/>
-          <a:lstStyle/>
-          <a:p>
-            <a:r>
-              <a:rPr lang="en-US" dirty="0"/>
-              <a:t>batch</a:t>
-            </a:r>
-            <a:endParaRPr lang="he-IL" dirty="0"/>
-          </a:p>
-        </p:txBody>
-      </p:sp>
-      <p:sp>
-        <p:nvSpPr>
-          <p:cNvPr id="3" name="מציין מיקום תוכן 2">
-            <a:extLst>
-              <a:ext uri="{FF2B5EF4-FFF2-40B4-BE49-F238E27FC236}">
-                <a16:creationId xmlns:a16="http://schemas.microsoft.com/office/drawing/2014/main" id="{D7615477-93B2-4931-BCDC-E8D0C7E04F6F}"/>
-              </a:ext>
-            </a:extLst>
-          </p:cNvPr>
-          <p:cNvSpPr>
-            <a:spLocks noGrp="1"/>
-          </p:cNvSpPr>
-          <p:nvPr>
-            <p:ph idx="1"/>
-          </p:nvPr>
-        </p:nvSpPr>
-        <p:spPr/>
-        <p:txBody>
-          <a:bodyPr/>
-          <a:lstStyle/>
-          <a:p>
-            <a:r>
-              <a:rPr lang="he-IL" dirty="0"/>
-              <a:t>מספר הדגימות של האימון שמופיעות ב </a:t>
-            </a:r>
-            <a:r>
-              <a:rPr lang="en-US" dirty="0"/>
-              <a:t>batch </a:t>
-            </a:r>
-            <a:r>
-              <a:rPr lang="he-IL" dirty="0"/>
-              <a:t> אחד.</a:t>
-            </a:r>
-          </a:p>
-          <a:p>
-            <a:r>
-              <a:rPr lang="en-US" dirty="0"/>
-              <a:t>Iteration</a:t>
-            </a:r>
-            <a:r>
-              <a:rPr lang="he-IL" dirty="0"/>
-              <a:t> = מספר ה </a:t>
-            </a:r>
-            <a:r>
-              <a:rPr lang="en-US" dirty="0"/>
-              <a:t>batch</a:t>
-            </a:r>
-            <a:r>
-              <a:rPr lang="he-IL" dirty="0"/>
-              <a:t> שעוברים על </a:t>
-            </a:r>
-            <a:r>
-              <a:rPr lang="en-US" dirty="0" err="1"/>
-              <a:t>epoc</a:t>
-            </a:r>
-            <a:r>
-              <a:rPr lang="he-IL" dirty="0"/>
-              <a:t> אחד.</a:t>
-            </a:r>
-          </a:p>
-          <a:p>
-            <a:pPr algn="r"/>
-            <a:r>
-              <a:rPr lang="he-IL" dirty="0"/>
-              <a:t>דוגמא:</a:t>
-            </a:r>
-          </a:p>
-          <a:p>
-            <a:pPr lvl="1"/>
-            <a:r>
-              <a:rPr lang="he-IL" dirty="0"/>
-              <a:t>נניח יש לנו 2000 דגימות וגודל ה </a:t>
-            </a:r>
-            <a:r>
-              <a:rPr lang="en-US" dirty="0"/>
-              <a:t>batch = 500</a:t>
-            </a:r>
-            <a:endParaRPr lang="he-IL" dirty="0"/>
-          </a:p>
-          <a:p>
-            <a:pPr lvl="2"/>
-            <a:r>
-              <a:rPr lang="he-IL" dirty="0"/>
-              <a:t>כלומר </a:t>
-            </a:r>
-            <a:r>
-              <a:rPr lang="en-US" dirty="0" err="1"/>
-              <a:t>epoc</a:t>
-            </a:r>
-            <a:r>
-              <a:rPr lang="he-IL" dirty="0"/>
-              <a:t> אחד זה מעבר על 2000 דגימות</a:t>
-            </a:r>
-          </a:p>
-          <a:p>
-            <a:pPr lvl="1"/>
-            <a:r>
-              <a:rPr lang="he-IL" dirty="0"/>
-              <a:t>אז אנו צריכים 4 </a:t>
-            </a:r>
-            <a:r>
-              <a:rPr lang="he-IL" dirty="0" err="1"/>
-              <a:t>איטרציות</a:t>
-            </a:r>
-            <a:r>
-              <a:rPr lang="he-IL" dirty="0"/>
-              <a:t> לעבור על כל הדגימות</a:t>
-            </a:r>
-          </a:p>
-        </p:txBody>
-      </p:sp>
-    </p:spTree>
-    <p:extLst>
-      <p:ext uri="{BB962C8B-B14F-4D97-AF65-F5344CB8AC3E}">
-        <p14:creationId xmlns:p14="http://schemas.microsoft.com/office/powerpoint/2010/main" val="2736597360"/>
-      </p:ext>
-    </p:extLst>
-  </p:cSld>
-  <p:clrMapOvr>
-    <a:masterClrMapping/>
-  </p:clrMapOvr>
-</p:sld>
-</file>
-
-<file path=ppt/slides/slide26.xml><?xml version="1.0" encoding="utf-8"?>
-<p:sld xmlns:a="http://schemas.openxmlformats.org/drawingml/2006/main" xmlns:r="http://schemas.openxmlformats.org/officeDocument/2006/relationships" xmlns:p="http://schemas.openxmlformats.org/presentationml/2006/main">
-  <p:cSld>
-    <p:spTree>
-      <p:nvGrpSpPr>
-        <p:cNvPr id="1" name=""/>
-        <p:cNvGrpSpPr/>
-        <p:nvPr/>
-      </p:nvGrpSpPr>
-      <p:grpSpPr>
-        <a:xfrm>
-          <a:off x="0" y="0"/>
-          <a:ext cx="0" cy="0"/>
-          <a:chOff x="0" y="0"/>
-          <a:chExt cx="0" cy="0"/>
-        </a:xfrm>
-      </p:grpSpPr>
-      <p:sp>
-        <p:nvSpPr>
-          <p:cNvPr id="2" name="כותרת 1">
-            <a:extLst>
-              <a:ext uri="{FF2B5EF4-FFF2-40B4-BE49-F238E27FC236}">
-                <a16:creationId xmlns:a16="http://schemas.microsoft.com/office/drawing/2014/main" id="{DCD29FA1-A395-4921-BFF0-F2AC9094E9AB}"/>
-              </a:ext>
-            </a:extLst>
-          </p:cNvPr>
-          <p:cNvSpPr>
-            <a:spLocks noGrp="1"/>
-          </p:cNvSpPr>
-          <p:nvPr>
-            <p:ph type="title"/>
-          </p:nvPr>
-        </p:nvSpPr>
-        <p:spPr/>
-        <p:txBody>
-          <a:bodyPr/>
-          <a:lstStyle/>
-          <a:p>
-            <a:r>
-              <a:rPr lang="he-IL" dirty="0"/>
-              <a:t>שאלות</a:t>
-            </a:r>
-          </a:p>
-        </p:txBody>
-      </p:sp>
-      <p:sp>
-        <p:nvSpPr>
-          <p:cNvPr id="3" name="מציין מיקום תוכן 2">
-            <a:extLst>
-              <a:ext uri="{FF2B5EF4-FFF2-40B4-BE49-F238E27FC236}">
-                <a16:creationId xmlns:a16="http://schemas.microsoft.com/office/drawing/2014/main" id="{ECC183A5-E72D-4633-9C7F-C6CEE6050B06}"/>
-              </a:ext>
-            </a:extLst>
-          </p:cNvPr>
-          <p:cNvSpPr>
-            <a:spLocks noGrp="1"/>
-          </p:cNvSpPr>
-          <p:nvPr>
-            <p:ph idx="1"/>
-          </p:nvPr>
-        </p:nvSpPr>
-        <p:spPr/>
-        <p:txBody>
-          <a:bodyPr>
-            <a:normAutofit fontScale="85000" lnSpcReduction="20000"/>
-          </a:bodyPr>
-          <a:lstStyle/>
-          <a:p>
-            <a:pPr algn="l" rtl="0"/>
-            <a:r>
-              <a:rPr lang="en-US" dirty="0">
-                <a:hlinkClick r:id="rId2"/>
-              </a:rPr>
-              <a:t>https://medium.com/@vijendra1125/understanding-entropy-cross-entropy-and-softmax-3b79d9b23c8a</a:t>
-            </a:r>
-            <a:endParaRPr lang="en-US" dirty="0"/>
-          </a:p>
-          <a:p>
-            <a:pPr algn="l" rtl="0"/>
-            <a:r>
-              <a:rPr lang="en-US" dirty="0"/>
-              <a:t>Adam optimizer</a:t>
-            </a:r>
-            <a:endParaRPr lang="he-IL" dirty="0"/>
-          </a:p>
-          <a:p>
-            <a:pPr algn="l" rtl="0"/>
-            <a:r>
-              <a:rPr lang="en-US" dirty="0"/>
-              <a:t>Metric = optimizer</a:t>
-            </a:r>
-          </a:p>
-          <a:p>
-            <a:pPr algn="l" rtl="0"/>
-            <a:r>
-              <a:rPr lang="en-US" dirty="0"/>
-              <a:t>Cross </a:t>
-            </a:r>
-            <a:r>
-              <a:rPr lang="en-US"/>
-              <a:t>entrpoy</a:t>
-            </a:r>
-            <a:r>
-              <a:rPr lang="en-US" dirty="0"/>
-              <a:t> ? </a:t>
-            </a:r>
-            <a:endParaRPr lang="he-IL" dirty="0"/>
-          </a:p>
-          <a:p>
-            <a:pPr algn="l" rtl="0"/>
-            <a:r>
-              <a:rPr lang="en-US" dirty="0" err="1"/>
-              <a:t>categorical_crossentropy</a:t>
-            </a:r>
-            <a:r>
-              <a:rPr lang="en-US" dirty="0"/>
-              <a:t> – loss function</a:t>
-            </a:r>
-          </a:p>
-          <a:p>
-            <a:pPr algn="l" rtl="0"/>
-            <a:r>
-              <a:rPr lang="en-US" dirty="0"/>
-              <a:t>Model: seq vs functional</a:t>
-            </a:r>
-          </a:p>
-          <a:p>
-            <a:pPr algn="l" rtl="0"/>
-            <a:r>
-              <a:rPr lang="en-US" dirty="0"/>
-              <a:t>Metric ? (=accuracy)</a:t>
-            </a:r>
-          </a:p>
-          <a:p>
-            <a:pPr algn="l" rtl="0"/>
-            <a:r>
-              <a:rPr lang="en-US" dirty="0"/>
-              <a:t>Dropout ? </a:t>
-            </a:r>
-          </a:p>
-          <a:p>
-            <a:pPr lvl="1" algn="l" rtl="0"/>
-            <a:r>
-              <a:rPr lang="en-US" dirty="0">
-                <a:hlinkClick r:id="rId3"/>
-              </a:rPr>
-              <a:t>https://towardsdatascience.com/simplified-math-behind-dropout-in-deep-learning-6d50f3f47275</a:t>
-            </a:r>
-            <a:endParaRPr lang="en-US" dirty="0"/>
-          </a:p>
-          <a:p>
-            <a:pPr algn="l" rtl="0"/>
-            <a:r>
-              <a:rPr lang="en-US" dirty="0" err="1"/>
-              <a:t>kernel_constraint</a:t>
-            </a:r>
-            <a:r>
-              <a:rPr lang="en-US" dirty="0"/>
-              <a:t>=</a:t>
-            </a:r>
-            <a:r>
-              <a:rPr lang="en-US" dirty="0" err="1"/>
-              <a:t>maxnorm</a:t>
-            </a:r>
-            <a:r>
-              <a:rPr lang="en-US" dirty="0"/>
-              <a:t>(3)</a:t>
-            </a:r>
-            <a:endParaRPr lang="he-IL" dirty="0"/>
-          </a:p>
-        </p:txBody>
-      </p:sp>
-    </p:spTree>
-    <p:extLst>
-      <p:ext uri="{BB962C8B-B14F-4D97-AF65-F5344CB8AC3E}">
-        <p14:creationId xmlns:p14="http://schemas.microsoft.com/office/powerpoint/2010/main" val="2497399916"/>
-      </p:ext>
-    </p:extLst>
-  </p:cSld>
-  <p:clrMapOvr>
-    <a:masterClrMapping/>
-  </p:clrMapOvr>
-</p:sld>
-</file>
-
-<file path=ppt/slides/slide27.xml><?xml version="1.0" encoding="utf-8"?>
-<p:sld xmlns:a="http://schemas.openxmlformats.org/drawingml/2006/main" xmlns:r="http://schemas.openxmlformats.org/officeDocument/2006/relationships" xmlns:p="http://schemas.openxmlformats.org/presentationml/2006/main">
-  <p:cSld>
-    <p:spTree>
-      <p:nvGrpSpPr>
-        <p:cNvPr id="1" name=""/>
-        <p:cNvGrpSpPr/>
-        <p:nvPr/>
-      </p:nvGrpSpPr>
-      <p:grpSpPr>
-        <a:xfrm>
-          <a:off x="0" y="0"/>
-          <a:ext cx="0" cy="0"/>
-          <a:chOff x="0" y="0"/>
-          <a:chExt cx="0" cy="0"/>
-        </a:xfrm>
-      </p:grpSpPr>
-      <p:sp>
-        <p:nvSpPr>
-          <p:cNvPr id="2" name="כותרת 1">
-            <a:extLst>
-              <a:ext uri="{FF2B5EF4-FFF2-40B4-BE49-F238E27FC236}">
-                <a16:creationId xmlns:a16="http://schemas.microsoft.com/office/drawing/2014/main" id="{71C72253-A447-495E-80C8-1A3848767EDF}"/>
-              </a:ext>
-            </a:extLst>
-          </p:cNvPr>
-          <p:cNvSpPr>
-            <a:spLocks noGrp="1"/>
-          </p:cNvSpPr>
-          <p:nvPr>
-            <p:ph type="title"/>
-          </p:nvPr>
-        </p:nvSpPr>
-        <p:spPr/>
-        <p:txBody>
-          <a:bodyPr/>
-          <a:lstStyle/>
-          <a:p>
-            <a:r>
-              <a:rPr lang="he-IL" dirty="0"/>
-              <a:t>המלצות</a:t>
-            </a:r>
-          </a:p>
-        </p:txBody>
-      </p:sp>
-      <p:sp>
-        <p:nvSpPr>
-          <p:cNvPr id="3" name="מציין מיקום תוכן 2">
-            <a:extLst>
-              <a:ext uri="{FF2B5EF4-FFF2-40B4-BE49-F238E27FC236}">
-                <a16:creationId xmlns:a16="http://schemas.microsoft.com/office/drawing/2014/main" id="{3007449F-EC4B-49F9-A3ED-6BB1297C8A15}"/>
-              </a:ext>
-            </a:extLst>
-          </p:cNvPr>
-          <p:cNvSpPr>
-            <a:spLocks noGrp="1"/>
-          </p:cNvSpPr>
-          <p:nvPr>
-            <p:ph idx="1"/>
-          </p:nvPr>
-        </p:nvSpPr>
-        <p:spPr/>
-        <p:txBody>
-          <a:bodyPr/>
-          <a:lstStyle/>
-          <a:p>
-            <a:r>
-              <a:rPr lang="he-IL" dirty="0"/>
-              <a:t>שכבה אחרונה: </a:t>
-            </a:r>
-            <a:r>
-              <a:rPr lang="en-US" dirty="0"/>
-              <a:t>SoftMax activator</a:t>
-            </a:r>
-            <a:r>
-              <a:rPr lang="he-IL" dirty="0"/>
-              <a:t> כאשר מספר </a:t>
-            </a:r>
-            <a:r>
-              <a:rPr lang="he-IL" dirty="0" err="1"/>
-              <a:t>הנירונים</a:t>
-            </a:r>
-            <a:r>
-              <a:rPr lang="he-IL" dirty="0"/>
-              <a:t> כמספר הקבוצות</a:t>
-            </a:r>
-          </a:p>
-          <a:p>
-            <a:r>
-              <a:rPr lang="he-IL" dirty="0"/>
-              <a:t>בבעיות סיווג </a:t>
-            </a:r>
-            <a:r>
-              <a:rPr lang="he-IL" dirty="0" err="1"/>
-              <a:t>בדר"כ</a:t>
-            </a:r>
-            <a:r>
-              <a:rPr lang="he-IL" dirty="0"/>
-              <a:t> משתמשים ב </a:t>
-            </a:r>
-            <a:r>
-              <a:rPr lang="en-US" dirty="0" err="1"/>
-              <a:t>relu</a:t>
-            </a:r>
-            <a:r>
-              <a:rPr lang="he-IL" dirty="0"/>
-              <a:t> (ולא </a:t>
-            </a:r>
-            <a:r>
-              <a:rPr lang="en-US" dirty="0"/>
-              <a:t>tanh</a:t>
-            </a:r>
-            <a:r>
-              <a:rPr lang="he-IL" dirty="0"/>
-              <a:t>)</a:t>
-            </a:r>
-          </a:p>
-          <a:p>
-            <a:r>
-              <a:rPr lang="he-IL" dirty="0"/>
-              <a:t>כאשר מספר הדגימות </a:t>
-            </a:r>
-            <a:r>
-              <a:rPr lang="en-US" dirty="0"/>
-              <a:t>(test)</a:t>
-            </a:r>
-            <a:r>
-              <a:rPr lang="he-IL" dirty="0"/>
-              <a:t> לא גדול -&gt; יש להשתמש במספר שכבות ו/או צמתים נמוך.</a:t>
-            </a:r>
-          </a:p>
-          <a:p>
-            <a:r>
-              <a:rPr lang="he-IL" dirty="0"/>
-              <a:t>ב </a:t>
-            </a:r>
-            <a:r>
-              <a:rPr lang="en-US" dirty="0"/>
-              <a:t>NN</a:t>
-            </a:r>
-            <a:r>
-              <a:rPr lang="he-IL" dirty="0"/>
-              <a:t> יש צורך שכל המידע יהיה מנורמל</a:t>
-            </a:r>
-          </a:p>
-          <a:p>
-            <a:r>
-              <a:rPr lang="he-IL" dirty="0"/>
-              <a:t>כדאי להגדיר את מספר ה </a:t>
-            </a:r>
-            <a:r>
-              <a:rPr lang="en-US" dirty="0" err="1"/>
-              <a:t>epoc</a:t>
-            </a:r>
-            <a:r>
-              <a:rPr lang="he-IL" dirty="0"/>
-              <a:t> (ברירת מחדל הינה 1)</a:t>
-            </a:r>
-          </a:p>
-          <a:p>
-            <a:r>
-              <a:rPr lang="he-IL" dirty="0"/>
-              <a:t>ככל שה </a:t>
-            </a:r>
-            <a:r>
-              <a:rPr lang="en-US" dirty="0"/>
-              <a:t>score</a:t>
-            </a:r>
-            <a:r>
-              <a:rPr lang="he-IL" dirty="0"/>
-              <a:t> (מסמן את ה </a:t>
-            </a:r>
-            <a:r>
-              <a:rPr lang="en-US" dirty="0"/>
-              <a:t>loss</a:t>
-            </a:r>
-            <a:r>
-              <a:rPr lang="he-IL" dirty="0"/>
-              <a:t>) קטן יותר -&gt; ככה טוב לנו יותר (כלומר קשה יותר לשפר את </a:t>
-            </a:r>
-            <a:r>
-              <a:rPr lang="he-IL" dirty="0" err="1"/>
-              <a:t>האלג</a:t>
-            </a:r>
-            <a:r>
-              <a:rPr lang="he-IL" dirty="0"/>
-              <a:t>' בהוספת שכבות / צמתים.</a:t>
-            </a:r>
-          </a:p>
-          <a:p>
-            <a:endParaRPr lang="he-IL" dirty="0"/>
-          </a:p>
-        </p:txBody>
-      </p:sp>
-    </p:spTree>
-    <p:extLst>
-      <p:ext uri="{BB962C8B-B14F-4D97-AF65-F5344CB8AC3E}">
-        <p14:creationId xmlns:p14="http://schemas.microsoft.com/office/powerpoint/2010/main" val="2213738560"/>
-      </p:ext>
-    </p:extLst>
-  </p:cSld>
-  <p:clrMapOvr>
-    <a:masterClrMapping/>
-  </p:clrMapOvr>
-</p:sld>
-</file>
-
-<file path=ppt/slides/slide3.xml><?xml version="1.0" encoding="utf-8"?>
-<p:sld xmlns:a="http://schemas.openxmlformats.org/drawingml/2006/main" xmlns:r="http://schemas.openxmlformats.org/officeDocument/2006/relationships" xmlns:p="http://schemas.openxmlformats.org/presentationml/2006/main">
-  <p:cSld>
-    <p:spTree>
-      <p:nvGrpSpPr>
-        <p:cNvPr id="1" name=""/>
-        <p:cNvGrpSpPr/>
-        <p:nvPr/>
-      </p:nvGrpSpPr>
-      <p:grpSpPr>
-        <a:xfrm>
-          <a:off x="0" y="0"/>
-          <a:ext cx="0" cy="0"/>
-          <a:chOff x="0" y="0"/>
-          <a:chExt cx="0" cy="0"/>
-        </a:xfrm>
-      </p:grpSpPr>
-      <p:sp>
-        <p:nvSpPr>
-          <p:cNvPr id="2" name="כותרת 1">
-            <a:extLst>
-              <a:ext uri="{FF2B5EF4-FFF2-40B4-BE49-F238E27FC236}">
-                <a16:creationId xmlns:a16="http://schemas.microsoft.com/office/drawing/2014/main" id="{F2328D66-87CB-4FDF-A693-40FA61C1E643}"/>
-              </a:ext>
-            </a:extLst>
-          </p:cNvPr>
-          <p:cNvSpPr>
-            <a:spLocks noGrp="1"/>
-          </p:cNvSpPr>
-          <p:nvPr>
-            <p:ph type="title"/>
-          </p:nvPr>
-        </p:nvSpPr>
-        <p:spPr/>
-        <p:txBody>
-          <a:bodyPr/>
-          <a:lstStyle/>
-          <a:p>
-            <a:endParaRPr lang="he-IL"/>
-          </a:p>
-        </p:txBody>
-      </p:sp>
-      <p:sp>
-        <p:nvSpPr>
-          <p:cNvPr id="3" name="מציין מיקום תוכן 2">
-            <a:extLst>
-              <a:ext uri="{FF2B5EF4-FFF2-40B4-BE49-F238E27FC236}">
-                <a16:creationId xmlns:a16="http://schemas.microsoft.com/office/drawing/2014/main" id="{7E38B292-5EFD-45DF-B9F4-71E7973A1882}"/>
-              </a:ext>
-            </a:extLst>
-          </p:cNvPr>
-          <p:cNvSpPr>
-            <a:spLocks noGrp="1"/>
-          </p:cNvSpPr>
-          <p:nvPr>
-            <p:ph idx="1"/>
-          </p:nvPr>
-        </p:nvSpPr>
-        <p:spPr/>
-        <p:txBody>
-          <a:bodyPr/>
-          <a:lstStyle/>
-          <a:p>
-            <a:endParaRPr lang="he-IL"/>
-          </a:p>
-        </p:txBody>
-      </p:sp>
-    </p:spTree>
-    <p:extLst>
-      <p:ext uri="{BB962C8B-B14F-4D97-AF65-F5344CB8AC3E}">
-        <p14:creationId xmlns:p14="http://schemas.microsoft.com/office/powerpoint/2010/main" val="350984494"/>
-      </p:ext>
-    </p:extLst>
-  </p:cSld>
-  <p:clrMapOvr>
-    <a:masterClrMapping/>
-  </p:clrMapOvr>
-</p:sld>
-</file>
-
-<file path=ppt/slides/slide4.xml><?xml version="1.0" encoding="utf-8"?>
-<p:sld xmlns:a="http://schemas.openxmlformats.org/drawingml/2006/main" xmlns:r="http://schemas.openxmlformats.org/officeDocument/2006/relationships" xmlns:p="http://schemas.openxmlformats.org/presentationml/2006/main">
-  <p:cSld>
-    <p:spTree>
-      <p:nvGrpSpPr>
-        <p:cNvPr id="1" name=""/>
-        <p:cNvGrpSpPr/>
-        <p:nvPr/>
-      </p:nvGrpSpPr>
-      <p:grpSpPr>
-        <a:xfrm>
-          <a:off x="0" y="0"/>
-          <a:ext cx="0" cy="0"/>
-          <a:chOff x="0" y="0"/>
-          <a:chExt cx="0" cy="0"/>
-        </a:xfrm>
-      </p:grpSpPr>
-      <p:sp>
-        <p:nvSpPr>
-          <p:cNvPr id="2" name="כותרת 1">
-            <a:extLst>
-              <a:ext uri="{FF2B5EF4-FFF2-40B4-BE49-F238E27FC236}">
-                <a16:creationId xmlns:a16="http://schemas.microsoft.com/office/drawing/2014/main" id="{C8ABA933-706F-4803-B5EC-57D4D2284750}"/>
-              </a:ext>
-            </a:extLst>
-          </p:cNvPr>
-          <p:cNvSpPr>
-            <a:spLocks noGrp="1"/>
-          </p:cNvSpPr>
-          <p:nvPr>
-            <p:ph type="title"/>
-          </p:nvPr>
-        </p:nvSpPr>
-        <p:spPr/>
-        <p:txBody>
-          <a:bodyPr/>
-          <a:lstStyle/>
-          <a:p>
-            <a:r>
-              <a:rPr lang="he-IL" dirty="0"/>
-              <a:t>מושגים		</a:t>
-            </a:r>
-          </a:p>
-        </p:txBody>
-      </p:sp>
-      <mc:AlternateContent xmlns:mc="http://schemas.openxmlformats.org/markup-compatibility/2006" xmlns:a14="http://schemas.microsoft.com/office/drawing/2010/main">
-        <mc:Choice Requires="a14">
-          <p:sp>
-            <p:nvSpPr>
-              <p:cNvPr id="3" name="מציין מיקום תוכן 2">
-                <a:extLst>
-                  <a:ext uri="{FF2B5EF4-FFF2-40B4-BE49-F238E27FC236}">
-                    <a16:creationId xmlns:a16="http://schemas.microsoft.com/office/drawing/2014/main" id="{A9B33E1B-C748-4B22-9C8A-FEA463058DEA}"/>
-                  </a:ext>
-                </a:extLst>
-              </p:cNvPr>
-              <p:cNvSpPr>
-                <a:spLocks noGrp="1"/>
-              </p:cNvSpPr>
-              <p:nvPr>
-                <p:ph idx="1"/>
-              </p:nvPr>
-            </p:nvSpPr>
-            <p:spPr/>
-            <p:txBody>
-              <a:bodyPr/>
-              <a:lstStyle/>
-              <a:p>
-                <a:pPr algn="l" rtl="0"/>
-                <a:r>
-                  <a:rPr lang="en-US" dirty="0"/>
-                  <a:t>Forward propagation</a:t>
-                </a:r>
-              </a:p>
-              <a:p>
-                <a:pPr lvl="1" algn="l" rtl="0"/>
-                <a:r>
-                  <a:rPr lang="en-US" dirty="0"/>
-                  <a:t>Activation Function:</a:t>
-                </a:r>
-              </a:p>
-              <a:p>
-                <a:pPr lvl="2" algn="l" rtl="0"/>
-                <a:r>
-                  <a:rPr lang="en-US" dirty="0"/>
-                  <a:t>F(x) = </a:t>
-                </a:r>
-                <a14:m>
-                  <m:oMath xmlns:m="http://schemas.openxmlformats.org/officeDocument/2006/math">
-                    <m:r>
-                      <a:rPr lang="en-US" b="0" i="1" smtClean="0">
-                        <a:latin typeface="Cambria Math" panose="02040503050406030204" pitchFamily="18" charset="0"/>
-                      </a:rPr>
-                      <m:t>𝑓</m:t>
-                    </m:r>
-                    <m:d>
-                      <m:dPr>
-                        <m:ctrlPr>
-                          <a:rPr lang="en-US" b="0" i="1" smtClean="0">
-                            <a:latin typeface="Cambria Math" panose="02040503050406030204" pitchFamily="18" charset="0"/>
-                          </a:rPr>
-                        </m:ctrlPr>
-                      </m:dPr>
-                      <m:e>
-                        <m:r>
-                          <a:rPr lang="en-US" b="0" i="1" smtClean="0">
-                            <a:latin typeface="Cambria Math" panose="02040503050406030204" pitchFamily="18" charset="0"/>
-                          </a:rPr>
-                          <m:t>𝑥</m:t>
-                        </m:r>
-                      </m:e>
-                    </m:d>
-                    <m:r>
-                      <a:rPr lang="en-US" b="0" i="1" smtClean="0">
-                        <a:latin typeface="Cambria Math" panose="02040503050406030204" pitchFamily="18" charset="0"/>
-                      </a:rPr>
-                      <m:t>= </m:t>
-                    </m:r>
-                    <m:nary>
-                      <m:naryPr>
-                        <m:chr m:val="∑"/>
-                        <m:subHide m:val="on"/>
-                        <m:supHide m:val="on"/>
-                        <m:ctrlPr>
-                          <a:rPr lang="en-US" b="0" i="1" smtClean="0">
-                            <a:latin typeface="Cambria Math" panose="02040503050406030204" pitchFamily="18" charset="0"/>
-                          </a:rPr>
-                        </m:ctrlPr>
-                      </m:naryPr>
-                      <m:sub/>
-                      <m:sup/>
-                      <m:e>
-                        <m:sSub>
-                          <m:sSubPr>
-                            <m:ctrlPr>
-                              <a:rPr lang="en-US" i="1">
-                                <a:latin typeface="Cambria Math" panose="02040503050406030204" pitchFamily="18" charset="0"/>
-                              </a:rPr>
-                            </m:ctrlPr>
-                          </m:sSubPr>
-                          <m:e>
-                            <m:r>
-                              <a:rPr lang="en-US" i="1">
-                                <a:latin typeface="Cambria Math" panose="02040503050406030204" pitchFamily="18" charset="0"/>
-                              </a:rPr>
-                              <m:t>𝑤</m:t>
-                            </m:r>
-                          </m:e>
-                          <m:sub>
-                            <m:r>
-                              <a:rPr lang="en-US" i="1">
-                                <a:latin typeface="Cambria Math" panose="02040503050406030204" pitchFamily="18" charset="0"/>
-                              </a:rPr>
-                              <m:t>𝑖</m:t>
-                            </m:r>
-                          </m:sub>
-                        </m:sSub>
-                        <m:r>
-                          <a:rPr lang="en-US" b="0" i="1" smtClean="0">
-                            <a:latin typeface="Cambria Math" panose="02040503050406030204" pitchFamily="18" charset="0"/>
-                          </a:rPr>
-                          <m:t>∗</m:t>
-                        </m:r>
-                        <m:sSub>
-                          <m:sSubPr>
-                            <m:ctrlPr>
-                              <a:rPr lang="en-US" b="0" i="1" smtClean="0">
-                                <a:latin typeface="Cambria Math" panose="02040503050406030204" pitchFamily="18" charset="0"/>
-                              </a:rPr>
-                            </m:ctrlPr>
-                          </m:sSubPr>
-                          <m:e>
-                            <m:r>
-                              <a:rPr lang="en-US" b="0" i="1" smtClean="0">
-                                <a:latin typeface="Cambria Math" panose="02040503050406030204" pitchFamily="18" charset="0"/>
-                              </a:rPr>
-                              <m:t>𝑥</m:t>
-                            </m:r>
-                          </m:e>
-                          <m:sub>
-                            <m:r>
-                              <a:rPr lang="en-US" b="0" i="1" smtClean="0">
-                                <a:latin typeface="Cambria Math" panose="02040503050406030204" pitchFamily="18" charset="0"/>
-                              </a:rPr>
-                              <m:t>𝑖</m:t>
-                            </m:r>
-                          </m:sub>
-                        </m:sSub>
-                        <m:r>
-                          <a:rPr lang="en-US" b="0" i="1" smtClean="0">
-                            <a:latin typeface="Cambria Math" panose="02040503050406030204" pitchFamily="18" charset="0"/>
-                          </a:rPr>
-                          <m:t>+</m:t>
-                        </m:r>
-                        <m:r>
-                          <a:rPr lang="en-US" b="0" i="1" smtClean="0">
-                            <a:latin typeface="Cambria Math" panose="02040503050406030204" pitchFamily="18" charset="0"/>
-                          </a:rPr>
-                          <m:t>𝑏𝑖𝑎𝑠</m:t>
-                        </m:r>
-                      </m:e>
-                    </m:nary>
-                  </m:oMath>
-                </a14:m>
-                <a:endParaRPr lang="en-US" b="0" dirty="0"/>
-              </a:p>
-              <a:p>
-                <a:pPr lvl="3" algn="l" rtl="0"/>
-                <a:r>
-                  <a:rPr lang="en-US" dirty="0"/>
-                  <a:t>F(x):</a:t>
-                </a:r>
-              </a:p>
-              <a:p>
-                <a:pPr lvl="4" algn="l" rtl="0"/>
-                <a:r>
-                  <a:rPr lang="en-US" dirty="0"/>
-                  <a:t>Tanh</a:t>
-                </a:r>
-              </a:p>
-              <a:p>
-                <a:pPr lvl="4" algn="l" rtl="0"/>
-                <a:r>
-                  <a:rPr lang="en-US" dirty="0"/>
-                  <a:t>RELU</a:t>
-                </a:r>
-              </a:p>
-              <a:p>
-                <a:pPr algn="l" rtl="0"/>
-                <a:r>
-                  <a:rPr lang="en-US" dirty="0"/>
-                  <a:t>Backward propagation</a:t>
-                </a:r>
-                <a:endParaRPr lang="he-IL" dirty="0"/>
-              </a:p>
-            </p:txBody>
-          </p:sp>
-        </mc:Choice>
-        <mc:Fallback xmlns="">
-          <p:sp>
-            <p:nvSpPr>
-              <p:cNvPr id="3" name="מציין מיקום תוכן 2">
-                <a:extLst>
-                  <a:ext uri="{FF2B5EF4-FFF2-40B4-BE49-F238E27FC236}">
-                    <a16:creationId xmlns:a16="http://schemas.microsoft.com/office/drawing/2014/main" id="{A9B33E1B-C748-4B22-9C8A-FEA463058DEA}"/>
-                  </a:ext>
-                </a:extLst>
-              </p:cNvPr>
-              <p:cNvSpPr>
-                <a:spLocks noGrp="1" noRot="1" noChangeAspect="1" noMove="1" noResize="1" noEditPoints="1" noAdjustHandles="1" noChangeArrowheads="1" noChangeShapeType="1" noTextEdit="1"/>
-              </p:cNvSpPr>
-              <p:nvPr>
-                <p:ph idx="1"/>
-              </p:nvPr>
-            </p:nvSpPr>
-            <p:spPr>
-              <a:blipFill>
-                <a:blip r:embed="rId2"/>
-                <a:stretch>
-                  <a:fillRect l="-1043" t="-2241"/>
-                </a:stretch>
-              </a:blipFill>
-            </p:spPr>
-            <p:txBody>
-              <a:bodyPr/>
-              <a:lstStyle/>
-              <a:p>
-                <a:r>
-                  <a:rPr lang="he-IL">
-                    <a:noFill/>
-                  </a:rPr>
-                  <a:t> </a:t>
-                </a:r>
-              </a:p>
-            </p:txBody>
-          </p:sp>
-        </mc:Fallback>
-      </mc:AlternateContent>
-    </p:spTree>
-    <p:extLst>
-      <p:ext uri="{BB962C8B-B14F-4D97-AF65-F5344CB8AC3E}">
-        <p14:creationId xmlns:p14="http://schemas.microsoft.com/office/powerpoint/2010/main" val="2982303057"/>
-      </p:ext>
-    </p:extLst>
-  </p:cSld>
-  <p:clrMapOvr>
-    <a:masterClrMapping/>
-  </p:clrMapOvr>
-</p:sld>
-</file>
-
-<file path=ppt/slides/slide5.xml><?xml version="1.0" encoding="utf-8"?>
-<p:sld xmlns:a="http://schemas.openxmlformats.org/drawingml/2006/main" xmlns:r="http://schemas.openxmlformats.org/officeDocument/2006/relationships" xmlns:p="http://schemas.openxmlformats.org/presentationml/2006/main">
-  <p:cSld>
-    <p:spTree>
-      <p:nvGrpSpPr>
-        <p:cNvPr id="1" name=""/>
-        <p:cNvGrpSpPr/>
-        <p:nvPr/>
-      </p:nvGrpSpPr>
-      <p:grpSpPr>
-        <a:xfrm>
-          <a:off x="0" y="0"/>
-          <a:ext cx="0" cy="0"/>
-          <a:chOff x="0" y="0"/>
-          <a:chExt cx="0" cy="0"/>
-        </a:xfrm>
-      </p:grpSpPr>
-      <p:sp>
-        <p:nvSpPr>
-          <p:cNvPr id="2" name="כותרת 1">
-            <a:extLst>
-              <a:ext uri="{FF2B5EF4-FFF2-40B4-BE49-F238E27FC236}">
-                <a16:creationId xmlns:a16="http://schemas.microsoft.com/office/drawing/2014/main" id="{406DA9D8-E7BA-480A-AFC3-A4EBC385588F}"/>
-              </a:ext>
-            </a:extLst>
-          </p:cNvPr>
-          <p:cNvSpPr>
-            <a:spLocks noGrp="1"/>
-          </p:cNvSpPr>
-          <p:nvPr>
-            <p:ph type="title"/>
-          </p:nvPr>
-        </p:nvSpPr>
-        <p:spPr/>
-        <p:txBody>
-          <a:bodyPr/>
-          <a:lstStyle/>
-          <a:p>
-            <a:r>
-              <a:rPr lang="en-US" dirty="0"/>
-              <a:t>Activation Functions</a:t>
-            </a:r>
-            <a:endParaRPr lang="he-IL" dirty="0"/>
-          </a:p>
-        </p:txBody>
-      </p:sp>
-      <p:sp>
-        <p:nvSpPr>
-          <p:cNvPr id="3" name="מציין מיקום תוכן 2">
-            <a:extLst>
-              <a:ext uri="{FF2B5EF4-FFF2-40B4-BE49-F238E27FC236}">
-                <a16:creationId xmlns:a16="http://schemas.microsoft.com/office/drawing/2014/main" id="{C95E10A6-7D1B-4C2F-A996-A5D680CDC25E}"/>
-              </a:ext>
-            </a:extLst>
-          </p:cNvPr>
-          <p:cNvSpPr>
-            <a:spLocks noGrp="1"/>
-          </p:cNvSpPr>
-          <p:nvPr>
-            <p:ph idx="1"/>
-          </p:nvPr>
-        </p:nvSpPr>
-        <p:spPr>
-          <a:xfrm>
-            <a:off x="838200" y="1852258"/>
-            <a:ext cx="10515600" cy="4351338"/>
-          </a:xfrm>
-        </p:spPr>
-        <p:txBody>
-          <a:bodyPr/>
-          <a:lstStyle/>
-          <a:p>
-            <a:pPr algn="l" rtl="0"/>
-            <a:r>
-              <a:rPr lang="en-US" dirty="0"/>
-              <a:t>Identity Function</a:t>
-            </a:r>
-          </a:p>
-          <a:p>
-            <a:pPr algn="l" rtl="0"/>
-            <a:r>
-              <a:rPr lang="en-US" dirty="0"/>
-              <a:t>Sigmoid</a:t>
-            </a:r>
-          </a:p>
-          <a:p>
-            <a:pPr algn="l" rtl="0"/>
-            <a:r>
-              <a:rPr lang="en-US"/>
-              <a:t>Softmax</a:t>
-            </a:r>
-            <a:endParaRPr lang="en-US" dirty="0"/>
-          </a:p>
-          <a:p>
-            <a:pPr algn="l" rtl="0"/>
-            <a:r>
-              <a:rPr lang="en-US" dirty="0" err="1"/>
-              <a:t>Relu</a:t>
-            </a:r>
-            <a:endParaRPr lang="en-US" dirty="0"/>
-          </a:p>
-          <a:p>
-            <a:pPr algn="l" rtl="0"/>
-            <a:r>
-              <a:rPr lang="en-US" dirty="0"/>
-              <a:t>Tanh</a:t>
-            </a:r>
-          </a:p>
-          <a:p>
-            <a:pPr marL="0" indent="0" algn="l" rtl="0">
-              <a:buNone/>
-            </a:pPr>
-            <a:endParaRPr lang="en-US" dirty="0"/>
-          </a:p>
-          <a:p>
-            <a:pPr marL="0" indent="0" algn="l" rtl="0">
-              <a:buNone/>
-            </a:pPr>
-            <a:endParaRPr lang="en-US" dirty="0"/>
-          </a:p>
-        </p:txBody>
-      </p:sp>
-      <p:graphicFrame>
-        <p:nvGraphicFramePr>
-          <p:cNvPr id="4" name="טבלה 4">
-            <a:extLst>
-              <a:ext uri="{FF2B5EF4-FFF2-40B4-BE49-F238E27FC236}">
-                <a16:creationId xmlns:a16="http://schemas.microsoft.com/office/drawing/2014/main" id="{E3261B79-F00B-40DE-90D6-DB2D8D789089}"/>
-              </a:ext>
-            </a:extLst>
-          </p:cNvPr>
-          <p:cNvGraphicFramePr>
-            <a:graphicFrameLocks noGrp="1"/>
-          </p:cNvGraphicFramePr>
-          <p:nvPr>
-            <p:extLst>
-              <p:ext uri="{D42A27DB-BD31-4B8C-83A1-F6EECF244321}">
-                <p14:modId xmlns:p14="http://schemas.microsoft.com/office/powerpoint/2010/main" val="2329063128"/>
-              </p:ext>
-            </p:extLst>
-          </p:nvPr>
-        </p:nvGraphicFramePr>
-        <p:xfrm>
-          <a:off x="1650260" y="4027927"/>
-          <a:ext cx="8128000" cy="2753360"/>
-        </p:xfrm>
-        <a:graphic>
-          <a:graphicData uri="http://schemas.openxmlformats.org/drawingml/2006/table">
-            <a:tbl>
-              <a:tblPr rtl="1" firstRow="1" bandRow="1">
-                <a:tableStyleId>{5C22544A-7EE6-4342-B048-85BDC9FD1C3A}</a:tableStyleId>
-              </a:tblPr>
-              <a:tblGrid>
-                <a:gridCol w="4064000">
-                  <a:extLst>
-                    <a:ext uri="{9D8B030D-6E8A-4147-A177-3AD203B41FA5}">
-                      <a16:colId xmlns:a16="http://schemas.microsoft.com/office/drawing/2014/main" val="127964751"/>
-                    </a:ext>
-                  </a:extLst>
-                </a:gridCol>
-                <a:gridCol w="4064000">
-                  <a:extLst>
-                    <a:ext uri="{9D8B030D-6E8A-4147-A177-3AD203B41FA5}">
-                      <a16:colId xmlns:a16="http://schemas.microsoft.com/office/drawing/2014/main" val="254942836"/>
-                    </a:ext>
-                  </a:extLst>
-                </a:gridCol>
-              </a:tblGrid>
-              <a:tr h="370840">
-                <a:tc>
-                  <a:txBody>
-                    <a:bodyPr/>
-                    <a:lstStyle/>
-                    <a:p>
-                      <a:pPr rtl="1"/>
-                      <a:endParaRPr lang="he-IL"/>
-                    </a:p>
-                  </a:txBody>
-                  <a:tcPr/>
-                </a:tc>
-                <a:tc>
-                  <a:txBody>
-                    <a:bodyPr/>
-                    <a:lstStyle/>
-                    <a:p>
-                      <a:pPr rtl="1"/>
-                      <a:endParaRPr lang="he-IL"/>
-                    </a:p>
-                  </a:txBody>
-                  <a:tcPr/>
-                </a:tc>
-                <a:extLst>
-                  <a:ext uri="{0D108BD9-81ED-4DB2-BD59-A6C34878D82A}">
-                    <a16:rowId xmlns:a16="http://schemas.microsoft.com/office/drawing/2014/main" val="3713915046"/>
-                  </a:ext>
-                </a:extLst>
-              </a:tr>
-              <a:tr h="370840">
-                <a:tc>
-                  <a:txBody>
-                    <a:bodyPr/>
-                    <a:lstStyle/>
-                    <a:p>
-                      <a:pPr rtl="1"/>
-                      <a:endParaRPr lang="en-US" dirty="0"/>
-                    </a:p>
-                    <a:p>
-                      <a:pPr rtl="1"/>
-                      <a:endParaRPr lang="en-US" dirty="0"/>
-                    </a:p>
-                    <a:p>
-                      <a:pPr rtl="1"/>
-                      <a:endParaRPr lang="en-US" dirty="0"/>
-                    </a:p>
-                    <a:p>
-                      <a:pPr rtl="1"/>
-                      <a:endParaRPr lang="en-US" dirty="0"/>
-                    </a:p>
-                    <a:p>
-                      <a:pPr rtl="1"/>
-                      <a:endParaRPr lang="en-US" dirty="0"/>
-                    </a:p>
-                    <a:p>
-                      <a:pPr rtl="1"/>
-                      <a:endParaRPr lang="en-US" dirty="0"/>
-                    </a:p>
-                    <a:p>
-                      <a:pPr rtl="1"/>
-                      <a:endParaRPr lang="he-IL" dirty="0"/>
-                    </a:p>
-                  </a:txBody>
-                  <a:tcPr/>
-                </a:tc>
-                <a:tc>
-                  <a:txBody>
-                    <a:bodyPr/>
-                    <a:lstStyle/>
-                    <a:p>
-                      <a:pPr rtl="1"/>
-                      <a:endParaRPr lang="he-IL"/>
-                    </a:p>
-                  </a:txBody>
-                  <a:tcPr/>
-                </a:tc>
-                <a:extLst>
-                  <a:ext uri="{0D108BD9-81ED-4DB2-BD59-A6C34878D82A}">
-                    <a16:rowId xmlns:a16="http://schemas.microsoft.com/office/drawing/2014/main" val="3738830518"/>
-                  </a:ext>
-                </a:extLst>
-              </a:tr>
-              <a:tr h="370840">
-                <a:tc>
-                  <a:txBody>
-                    <a:bodyPr/>
-                    <a:lstStyle/>
-                    <a:p>
-                      <a:pPr rtl="1"/>
-                      <a:endParaRPr lang="he-IL"/>
-                    </a:p>
-                  </a:txBody>
-                  <a:tcPr/>
-                </a:tc>
-                <a:tc>
-                  <a:txBody>
-                    <a:bodyPr/>
-                    <a:lstStyle/>
-                    <a:p>
-                      <a:pPr rtl="1"/>
-                      <a:endParaRPr lang="he-IL" dirty="0"/>
-                    </a:p>
-                  </a:txBody>
-                  <a:tcPr/>
-                </a:tc>
-                <a:extLst>
-                  <a:ext uri="{0D108BD9-81ED-4DB2-BD59-A6C34878D82A}">
-                    <a16:rowId xmlns:a16="http://schemas.microsoft.com/office/drawing/2014/main" val="822548265"/>
-                  </a:ext>
-                </a:extLst>
-              </a:tr>
-            </a:tbl>
-          </a:graphicData>
-        </a:graphic>
-      </p:graphicFrame>
-      <p:pic>
-        <p:nvPicPr>
-          <p:cNvPr id="1026" name="Picture 2">
-            <a:extLst>
-              <a:ext uri="{FF2B5EF4-FFF2-40B4-BE49-F238E27FC236}">
-                <a16:creationId xmlns:a16="http://schemas.microsoft.com/office/drawing/2014/main" id="{ACA621AE-9DEA-4773-9C3E-08973353ED8B}"/>
-              </a:ext>
-            </a:extLst>
-          </p:cNvPr>
-          <p:cNvPicPr>
-            <a:picLocks noChangeAspect="1" noChangeArrowheads="1"/>
-          </p:cNvPicPr>
-          <p:nvPr/>
-        </p:nvPicPr>
-        <p:blipFill>
-          <a:blip r:embed="rId2">
-            <a:extLst>
-              <a:ext uri="{28A0092B-C50C-407E-A947-70E740481C1C}">
-                <a14:useLocalDpi xmlns:a14="http://schemas.microsoft.com/office/drawing/2010/main" val="0"/>
-              </a:ext>
-            </a:extLst>
-          </a:blip>
-          <a:srcRect/>
-          <a:stretch>
-            <a:fillRect/>
-          </a:stretch>
-        </p:blipFill>
-        <p:spPr bwMode="auto">
-          <a:xfrm>
-            <a:off x="6015038" y="4486392"/>
-            <a:ext cx="2757487" cy="1836429"/>
-          </a:xfrm>
-          <a:prstGeom prst="rect">
-            <a:avLst/>
-          </a:prstGeom>
-          <a:noFill/>
-          <a:extLst>
-            <a:ext uri="{909E8E84-426E-40DD-AFC4-6F175D3DCCD1}">
-              <a14:hiddenFill xmlns:a14="http://schemas.microsoft.com/office/drawing/2010/main">
-                <a:solidFill>
-                  <a:srgbClr val="FFFFFF"/>
-                </a:solidFill>
-              </a14:hiddenFill>
-            </a:ext>
-          </a:extLst>
-        </p:spPr>
-      </p:pic>
-    </p:spTree>
-    <p:extLst>
-      <p:ext uri="{BB962C8B-B14F-4D97-AF65-F5344CB8AC3E}">
-        <p14:creationId xmlns:p14="http://schemas.microsoft.com/office/powerpoint/2010/main" val="3810342140"/>
-      </p:ext>
-    </p:extLst>
-  </p:cSld>
-  <p:clrMapOvr>
-    <a:masterClrMapping/>
-  </p:clrMapOvr>
-</p:sld>
-</file>
-
-<file path=ppt/slides/slide6.xml><?xml version="1.0" encoding="utf-8"?>
-<p:sld xmlns:a="http://schemas.openxmlformats.org/drawingml/2006/main" xmlns:r="http://schemas.openxmlformats.org/officeDocument/2006/relationships" xmlns:p="http://schemas.openxmlformats.org/presentationml/2006/main">
-  <p:cSld>
-    <p:spTree>
-      <p:nvGrpSpPr>
-        <p:cNvPr id="1" name=""/>
-        <p:cNvGrpSpPr/>
-        <p:nvPr/>
-      </p:nvGrpSpPr>
-      <p:grpSpPr>
-        <a:xfrm>
-          <a:off x="0" y="0"/>
-          <a:ext cx="0" cy="0"/>
-          <a:chOff x="0" y="0"/>
-          <a:chExt cx="0" cy="0"/>
-        </a:xfrm>
-      </p:grpSpPr>
-      <p:sp>
-        <p:nvSpPr>
-          <p:cNvPr id="2" name="כותרת 1">
-            <a:extLst>
-              <a:ext uri="{FF2B5EF4-FFF2-40B4-BE49-F238E27FC236}">
-                <a16:creationId xmlns:a16="http://schemas.microsoft.com/office/drawing/2014/main" id="{27B08CF4-3B28-4374-B7F7-A4A434FD6FA8}"/>
-              </a:ext>
-            </a:extLst>
-          </p:cNvPr>
-          <p:cNvSpPr>
-            <a:spLocks noGrp="1"/>
-          </p:cNvSpPr>
-          <p:nvPr>
-            <p:ph type="title"/>
-          </p:nvPr>
-        </p:nvSpPr>
-        <p:spPr/>
-        <p:txBody>
-          <a:bodyPr/>
-          <a:lstStyle/>
-          <a:p>
-            <a:r>
-              <a:rPr lang="en-US" dirty="0"/>
-              <a:t>Activation functions</a:t>
-            </a:r>
-            <a:endParaRPr lang="he-IL" dirty="0"/>
-          </a:p>
-        </p:txBody>
-      </p:sp>
-      <p:sp>
-        <p:nvSpPr>
-          <p:cNvPr id="3" name="מציין מיקום תוכן 2">
-            <a:extLst>
-              <a:ext uri="{FF2B5EF4-FFF2-40B4-BE49-F238E27FC236}">
-                <a16:creationId xmlns:a16="http://schemas.microsoft.com/office/drawing/2014/main" id="{A2D1B9AE-31D7-496C-86A3-9D22FF6C4F05}"/>
-              </a:ext>
-            </a:extLst>
-          </p:cNvPr>
-          <p:cNvSpPr>
-            <a:spLocks noGrp="1"/>
-          </p:cNvSpPr>
-          <p:nvPr>
-            <p:ph idx="1"/>
-          </p:nvPr>
-        </p:nvSpPr>
-        <p:spPr/>
-        <p:txBody>
-          <a:bodyPr>
-            <a:normAutofit fontScale="55000" lnSpcReduction="20000"/>
-          </a:bodyPr>
-          <a:lstStyle/>
-          <a:p>
-            <a:r>
-              <a:rPr lang="en-US" dirty="0"/>
-              <a:t>Base one input -&gt; fire result</a:t>
-            </a:r>
-            <a:endParaRPr lang="he-IL" dirty="0"/>
-          </a:p>
-          <a:p>
-            <a:r>
-              <a:rPr lang="en-US" dirty="0" err="1"/>
-              <a:t>Sofmax</a:t>
-            </a:r>
-            <a:endParaRPr lang="he-IL" dirty="0"/>
-          </a:p>
-          <a:p>
-            <a:pPr lvl="1"/>
-            <a:r>
-              <a:rPr lang="en-US" dirty="0"/>
-              <a:t>Used by last layer</a:t>
-            </a:r>
-          </a:p>
-          <a:p>
-            <a:pPr lvl="1"/>
-            <a:r>
-              <a:rPr lang="en-US" dirty="0"/>
-              <a:t>Multi class classification</a:t>
-            </a:r>
-            <a:endParaRPr lang="he-IL" dirty="0"/>
-          </a:p>
-          <a:p>
-            <a:pPr marL="457200" lvl="1" indent="0">
-              <a:buNone/>
-            </a:pPr>
-            <a:endParaRPr lang="he-IL" dirty="0"/>
-          </a:p>
-          <a:p>
-            <a:r>
-              <a:rPr lang="en-US" dirty="0"/>
-              <a:t>Linear function</a:t>
-            </a:r>
-          </a:p>
-          <a:p>
-            <a:pPr lvl="1"/>
-            <a:r>
-              <a:rPr lang="en-US" dirty="0"/>
-              <a:t>Constant </a:t>
-            </a:r>
-            <a:r>
-              <a:rPr lang="en-US" dirty="0" err="1"/>
-              <a:t>gradiant</a:t>
-            </a:r>
-            <a:endParaRPr lang="he-IL" dirty="0"/>
-          </a:p>
-          <a:p>
-            <a:r>
-              <a:rPr lang="en-US" dirty="0"/>
-              <a:t>Sigmoid</a:t>
-            </a:r>
-            <a:endParaRPr lang="he-IL" dirty="0"/>
-          </a:p>
-          <a:p>
-            <a:pPr lvl="1"/>
-            <a:r>
-              <a:rPr lang="en-US" dirty="0" err="1"/>
-              <a:t>V”g</a:t>
-            </a:r>
-            <a:endParaRPr lang="en-US" dirty="0"/>
-          </a:p>
-          <a:p>
-            <a:pPr lvl="1"/>
-            <a:r>
-              <a:rPr lang="en-US" dirty="0"/>
-              <a:t>classification</a:t>
-            </a:r>
-          </a:p>
-          <a:p>
-            <a:r>
-              <a:rPr lang="en-US" dirty="0"/>
-              <a:t>Tanh</a:t>
-            </a:r>
-            <a:endParaRPr lang="he-IL" dirty="0"/>
-          </a:p>
-          <a:p>
-            <a:pPr lvl="1"/>
-            <a:r>
-              <a:rPr lang="en-US" dirty="0" err="1"/>
-              <a:t>V”g</a:t>
-            </a:r>
-            <a:endParaRPr lang="en-US" dirty="0"/>
-          </a:p>
-          <a:p>
-            <a:pPr lvl="1"/>
-            <a:r>
-              <a:rPr lang="en-US" dirty="0"/>
-              <a:t>Classification	</a:t>
-            </a:r>
-          </a:p>
-          <a:p>
-            <a:r>
-              <a:rPr lang="en-US" dirty="0" err="1"/>
-              <a:t>Relu</a:t>
-            </a:r>
-            <a:endParaRPr lang="he-IL" dirty="0"/>
-          </a:p>
-          <a:p>
-            <a:pPr lvl="1"/>
-            <a:r>
-              <a:rPr lang="en-US" dirty="0"/>
-              <a:t>Sparse network</a:t>
-            </a:r>
-            <a:endParaRPr lang="he-IL" dirty="0"/>
-          </a:p>
-          <a:p>
-            <a:pPr lvl="1"/>
-            <a:r>
-              <a:rPr lang="en-US" dirty="0"/>
-              <a:t>Horizontal line – weights will not make any adjust</a:t>
-            </a:r>
-            <a:endParaRPr lang="he-IL" dirty="0"/>
-          </a:p>
-          <a:p>
-            <a:endParaRPr lang="he-IL" dirty="0"/>
-          </a:p>
-          <a:p>
-            <a:r>
-              <a:rPr lang="en-US" dirty="0"/>
-              <a:t>Vanishing </a:t>
-            </a:r>
-            <a:r>
-              <a:rPr lang="en-US" dirty="0" err="1"/>
-              <a:t>gradiant</a:t>
-            </a:r>
-            <a:endParaRPr lang="he-IL" dirty="0"/>
-          </a:p>
-        </p:txBody>
-      </p:sp>
-    </p:spTree>
-    <p:extLst>
-      <p:ext uri="{BB962C8B-B14F-4D97-AF65-F5344CB8AC3E}">
-        <p14:creationId xmlns:p14="http://schemas.microsoft.com/office/powerpoint/2010/main" val="1734292272"/>
-      </p:ext>
-    </p:extLst>
-  </p:cSld>
-  <p:clrMapOvr>
-    <a:masterClrMapping/>
-  </p:clrMapOvr>
-</p:sld>
-</file>
-
-<file path=ppt/slides/slide7.xml><?xml version="1.0" encoding="utf-8"?>
-<p:sld xmlns:a="http://schemas.openxmlformats.org/drawingml/2006/main" xmlns:r="http://schemas.openxmlformats.org/officeDocument/2006/relationships" xmlns:p="http://schemas.openxmlformats.org/presentationml/2006/main">
-  <p:cSld>
-    <p:spTree>
-      <p:nvGrpSpPr>
-        <p:cNvPr id="1" name=""/>
-        <p:cNvGrpSpPr/>
-        <p:nvPr/>
-      </p:nvGrpSpPr>
-      <p:grpSpPr>
-        <a:xfrm>
-          <a:off x="0" y="0"/>
-          <a:ext cx="0" cy="0"/>
-          <a:chOff x="0" y="0"/>
-          <a:chExt cx="0" cy="0"/>
-        </a:xfrm>
-      </p:grpSpPr>
-      <p:sp>
-        <p:nvSpPr>
-          <p:cNvPr id="2" name="כותרת 1">
-            <a:extLst>
-              <a:ext uri="{FF2B5EF4-FFF2-40B4-BE49-F238E27FC236}">
-                <a16:creationId xmlns:a16="http://schemas.microsoft.com/office/drawing/2014/main" id="{E2064D53-C796-4058-B0BD-16EC0C544B36}"/>
-              </a:ext>
-            </a:extLst>
-          </p:cNvPr>
-          <p:cNvSpPr>
-            <a:spLocks noGrp="1"/>
-          </p:cNvSpPr>
-          <p:nvPr>
-            <p:ph type="title"/>
-          </p:nvPr>
-        </p:nvSpPr>
-        <p:spPr/>
-        <p:txBody>
-          <a:bodyPr/>
-          <a:lstStyle/>
-          <a:p>
-            <a:r>
-              <a:rPr lang="en-US" dirty="0" err="1"/>
-              <a:t>Softmax</a:t>
-            </a:r>
-            <a:r>
-              <a:rPr lang="he-IL" dirty="0"/>
-              <a:t> </a:t>
-            </a:r>
-            <a:r>
-              <a:rPr lang="en-US" dirty="0"/>
-              <a:t>activation function - </a:t>
-            </a:r>
-            <a:endParaRPr lang="he-IL" dirty="0"/>
-          </a:p>
-        </p:txBody>
-      </p:sp>
-      <p:sp>
-        <p:nvSpPr>
-          <p:cNvPr id="3" name="מציין מיקום תוכן 2">
-            <a:extLst>
-              <a:ext uri="{FF2B5EF4-FFF2-40B4-BE49-F238E27FC236}">
-                <a16:creationId xmlns:a16="http://schemas.microsoft.com/office/drawing/2014/main" id="{0E16C47D-1698-4384-BEC4-CF710EBB65FF}"/>
-              </a:ext>
-            </a:extLst>
-          </p:cNvPr>
-          <p:cNvSpPr>
-            <a:spLocks noGrp="1"/>
-          </p:cNvSpPr>
-          <p:nvPr>
-            <p:ph idx="1"/>
-          </p:nvPr>
-        </p:nvSpPr>
-        <p:spPr/>
-        <p:txBody>
-          <a:bodyPr/>
-          <a:lstStyle/>
-          <a:p>
-            <a:r>
-              <a:rPr lang="he-IL" dirty="0"/>
-              <a:t>שימושי בבעיות סיווג בשכבה האחרונה</a:t>
-            </a:r>
-          </a:p>
-        </p:txBody>
-      </p:sp>
-      <p:pic>
-        <p:nvPicPr>
-          <p:cNvPr id="1026" name="Picture 2">
-            <a:extLst>
-              <a:ext uri="{FF2B5EF4-FFF2-40B4-BE49-F238E27FC236}">
-                <a16:creationId xmlns:a16="http://schemas.microsoft.com/office/drawing/2014/main" id="{90F86406-FD83-4D60-B897-3A0B679B4938}"/>
-              </a:ext>
-            </a:extLst>
-          </p:cNvPr>
-          <p:cNvPicPr>
-            <a:picLocks noChangeAspect="1" noChangeArrowheads="1"/>
-          </p:cNvPicPr>
-          <p:nvPr/>
-        </p:nvPicPr>
-        <p:blipFill>
-          <a:blip r:embed="rId2">
-            <a:extLst>
-              <a:ext uri="{28A0092B-C50C-407E-A947-70E740481C1C}">
-                <a14:useLocalDpi xmlns:a14="http://schemas.microsoft.com/office/drawing/2010/main" val="0"/>
-              </a:ext>
-            </a:extLst>
-          </a:blip>
-          <a:srcRect/>
-          <a:stretch>
-            <a:fillRect/>
-          </a:stretch>
-        </p:blipFill>
-        <p:spPr bwMode="auto">
-          <a:xfrm>
-            <a:off x="347791" y="2778125"/>
-            <a:ext cx="8629650" cy="3714750"/>
-          </a:xfrm>
-          <a:prstGeom prst="rect">
-            <a:avLst/>
-          </a:prstGeom>
-          <a:noFill/>
-          <a:extLst>
-            <a:ext uri="{909E8E84-426E-40DD-AFC4-6F175D3DCCD1}">
-              <a14:hiddenFill xmlns:a14="http://schemas.microsoft.com/office/drawing/2010/main">
-                <a:solidFill>
-                  <a:srgbClr val="FFFFFF"/>
-                </a:solidFill>
-              </a14:hiddenFill>
-            </a:ext>
-          </a:extLst>
-        </p:spPr>
-      </p:pic>
-    </p:spTree>
-    <p:extLst>
-      <p:ext uri="{BB962C8B-B14F-4D97-AF65-F5344CB8AC3E}">
-        <p14:creationId xmlns:p14="http://schemas.microsoft.com/office/powerpoint/2010/main" val="3208939418"/>
-      </p:ext>
-    </p:extLst>
-  </p:cSld>
-  <p:clrMapOvr>
-    <a:masterClrMapping/>
-  </p:clrMapOvr>
-</p:sld>
-</file>
-
-<file path=ppt/slides/slide8.xml><?xml version="1.0" encoding="utf-8"?>
-<p:sld xmlns:a="http://schemas.openxmlformats.org/drawingml/2006/main" xmlns:r="http://schemas.openxmlformats.org/officeDocument/2006/relationships" xmlns:p="http://schemas.openxmlformats.org/presentationml/2006/main">
-  <p:cSld>
-    <p:spTree>
-      <p:nvGrpSpPr>
-        <p:cNvPr id="1" name=""/>
-        <p:cNvGrpSpPr/>
-        <p:nvPr/>
-      </p:nvGrpSpPr>
-      <p:grpSpPr>
-        <a:xfrm>
-          <a:off x="0" y="0"/>
-          <a:ext cx="0" cy="0"/>
-          <a:chOff x="0" y="0"/>
-          <a:chExt cx="0" cy="0"/>
-        </a:xfrm>
-      </p:grpSpPr>
-      <p:sp>
-        <p:nvSpPr>
-          <p:cNvPr id="2" name="כותרת 1">
-            <a:extLst>
-              <a:ext uri="{FF2B5EF4-FFF2-40B4-BE49-F238E27FC236}">
-                <a16:creationId xmlns:a16="http://schemas.microsoft.com/office/drawing/2014/main" id="{6BD7440B-286F-4C68-91E4-071EB3A669A1}"/>
-              </a:ext>
-            </a:extLst>
-          </p:cNvPr>
-          <p:cNvSpPr>
-            <a:spLocks noGrp="1"/>
-          </p:cNvSpPr>
-          <p:nvPr>
-            <p:ph type="title"/>
-          </p:nvPr>
-        </p:nvSpPr>
-        <p:spPr/>
-        <p:txBody>
-          <a:bodyPr/>
-          <a:lstStyle/>
-          <a:p>
-            <a:r>
-              <a:rPr lang="en-US" dirty="0"/>
-              <a:t>Why hot encoding</a:t>
-            </a:r>
-            <a:endParaRPr lang="he-IL" dirty="0"/>
-          </a:p>
-        </p:txBody>
-      </p:sp>
-      <p:sp>
-        <p:nvSpPr>
-          <p:cNvPr id="3" name="מציין מיקום תוכן 2">
-            <a:extLst>
-              <a:ext uri="{FF2B5EF4-FFF2-40B4-BE49-F238E27FC236}">
-                <a16:creationId xmlns:a16="http://schemas.microsoft.com/office/drawing/2014/main" id="{14DA47B5-3243-4D6C-8E79-43888E5769DB}"/>
-              </a:ext>
-            </a:extLst>
-          </p:cNvPr>
-          <p:cNvSpPr>
-            <a:spLocks noGrp="1"/>
-          </p:cNvSpPr>
-          <p:nvPr>
-            <p:ph idx="1"/>
-          </p:nvPr>
-        </p:nvSpPr>
-        <p:spPr/>
-        <p:txBody>
-          <a:bodyPr/>
-          <a:lstStyle/>
-          <a:p>
-            <a:r>
-              <a:rPr lang="he-IL" dirty="0"/>
-              <a:t>נניח ויש רשימה (</a:t>
-            </a:r>
-            <a:r>
-              <a:rPr lang="he-IL" dirty="0" err="1"/>
-              <a:t>כלב,חתול,ציפור,דג</a:t>
-            </a:r>
-            <a:r>
-              <a:rPr lang="he-IL" dirty="0"/>
-              <a:t>)</a:t>
-            </a:r>
-            <a:br>
-              <a:rPr lang="en-US" dirty="0"/>
-            </a:br>
-            <a:r>
-              <a:rPr lang="he-IL" dirty="0"/>
-              <a:t>אז במקום לרשום: </a:t>
-            </a:r>
-            <a:r>
-              <a:rPr lang="en-US" dirty="0"/>
-              <a:t>(1,2,3,4)</a:t>
-            </a:r>
-            <a:r>
-              <a:rPr lang="he-IL" dirty="0"/>
-              <a:t> ואז אלג' סיווג יכול לחשוב ש </a:t>
-            </a:r>
-            <a:r>
-              <a:rPr lang="en-US" dirty="0"/>
-              <a:t>2*2=4</a:t>
-            </a:r>
-            <a:br>
-              <a:rPr lang="en-US" dirty="0"/>
-            </a:br>
-            <a:r>
-              <a:rPr lang="he-IL" dirty="0"/>
-              <a:t>כלומר: כלב = ציפור  *2</a:t>
-            </a:r>
-            <a:br>
-              <a:rPr lang="en-US" dirty="0"/>
-            </a:br>
-            <a:r>
-              <a:rPr lang="he-IL" dirty="0"/>
-              <a:t>אז מבצעים </a:t>
-            </a:r>
-            <a:r>
-              <a:rPr lang="en-US" dirty="0"/>
-              <a:t>hot encoding</a:t>
-            </a:r>
-            <a:endParaRPr lang="he-IL" dirty="0"/>
-          </a:p>
-          <a:p>
-            <a:r>
-              <a:rPr lang="he-IL" dirty="0"/>
-              <a:t>בשימוש של </a:t>
-            </a:r>
-            <a:r>
-              <a:rPr lang="en-US" dirty="0" err="1"/>
-              <a:t>softmax</a:t>
-            </a:r>
-            <a:r>
-              <a:rPr lang="he-IL" dirty="0"/>
-              <a:t> על ה </a:t>
-            </a:r>
-            <a:r>
-              <a:rPr lang="en-US" dirty="0"/>
-              <a:t>hot encoding</a:t>
-            </a:r>
-            <a:r>
-              <a:rPr lang="he-IL" dirty="0"/>
-              <a:t> ניתן את תוצאת ה </a:t>
-            </a:r>
-            <a:r>
-              <a:rPr lang="en-US" dirty="0" err="1"/>
-              <a:t>softamax</a:t>
-            </a:r>
-            <a:r>
-              <a:rPr lang="he-IL" dirty="0"/>
-              <a:t> להשוות ל </a:t>
-            </a:r>
-            <a:r>
-              <a:rPr lang="en-US" dirty="0"/>
-              <a:t>ground truth</a:t>
-            </a:r>
-            <a:r>
-              <a:rPr lang="he-IL" dirty="0"/>
-              <a:t> ואז להחליט בסיווג מה נכון.</a:t>
-            </a:r>
-            <a:br>
-              <a:rPr lang="en-US" dirty="0"/>
-            </a:br>
-            <a:r>
-              <a:rPr lang="he-IL" dirty="0"/>
-              <a:t>לדוגמא: </a:t>
-            </a:r>
-            <a:r>
-              <a:rPr lang="en-US" dirty="0"/>
-              <a:t>[0.7, 0.2, 0.1]</a:t>
-            </a:r>
-            <a:r>
-              <a:rPr lang="he-IL" dirty="0"/>
-              <a:t> אז יותר מתאים ל </a:t>
-            </a:r>
-            <a:r>
-              <a:rPr lang="en-US" dirty="0"/>
-              <a:t>[1,0,0]</a:t>
-            </a:r>
-            <a:r>
-              <a:rPr lang="he-IL" dirty="0"/>
-              <a:t> כלומר ציפור</a:t>
-            </a:r>
-          </a:p>
-        </p:txBody>
-      </p:sp>
-    </p:spTree>
-    <p:extLst>
-      <p:ext uri="{BB962C8B-B14F-4D97-AF65-F5344CB8AC3E}">
-        <p14:creationId xmlns:p14="http://schemas.microsoft.com/office/powerpoint/2010/main" val="1335112063"/>
-      </p:ext>
-    </p:extLst>
-  </p:cSld>
-  <p:clrMapOvr>
-    <a:masterClrMapping/>
-  </p:clrMapOvr>
-</p:sld>
-</file>
-
-<file path=ppt/slides/slide9.xml><?xml version="1.0" encoding="utf-8"?>
-<p:sld xmlns:a="http://schemas.openxmlformats.org/drawingml/2006/main" xmlns:r="http://schemas.openxmlformats.org/officeDocument/2006/relationships" xmlns:p="http://schemas.openxmlformats.org/presentationml/2006/main">
-  <p:cSld>
-    <p:spTree>
-      <p:nvGrpSpPr>
-        <p:cNvPr id="1" name=""/>
-        <p:cNvGrpSpPr/>
-        <p:nvPr/>
-      </p:nvGrpSpPr>
-      <p:grpSpPr>
-        <a:xfrm>
-          <a:off x="0" y="0"/>
-          <a:ext cx="0" cy="0"/>
-          <a:chOff x="0" y="0"/>
-          <a:chExt cx="0" cy="0"/>
-        </a:xfrm>
-      </p:grpSpPr>
-      <p:sp>
-        <p:nvSpPr>
-          <p:cNvPr id="2" name="כותרת 1">
-            <a:extLst>
-              <a:ext uri="{FF2B5EF4-FFF2-40B4-BE49-F238E27FC236}">
-                <a16:creationId xmlns:a16="http://schemas.microsoft.com/office/drawing/2014/main" id="{73A56048-494D-4A72-9F2B-AA3F00F21603}"/>
-              </a:ext>
-            </a:extLst>
-          </p:cNvPr>
-          <p:cNvSpPr>
-            <a:spLocks noGrp="1"/>
-          </p:cNvSpPr>
-          <p:nvPr>
-            <p:ph type="title"/>
-          </p:nvPr>
-        </p:nvSpPr>
-        <p:spPr/>
-        <p:txBody>
-          <a:bodyPr/>
-          <a:lstStyle/>
-          <a:p>
-            <a:r>
-              <a:rPr lang="en-US" dirty="0"/>
-              <a:t>Good python to know</a:t>
-            </a:r>
-            <a:endParaRPr lang="he-IL" dirty="0"/>
-          </a:p>
-        </p:txBody>
-      </p:sp>
-      <p:sp>
-        <p:nvSpPr>
-          <p:cNvPr id="3" name="מציין מיקום תוכן 2">
-            <a:extLst>
-              <a:ext uri="{FF2B5EF4-FFF2-40B4-BE49-F238E27FC236}">
-                <a16:creationId xmlns:a16="http://schemas.microsoft.com/office/drawing/2014/main" id="{B5790817-9FF5-4385-BCDE-0761A8EB298B}"/>
-              </a:ext>
-            </a:extLst>
-          </p:cNvPr>
-          <p:cNvSpPr>
-            <a:spLocks noGrp="1"/>
-          </p:cNvSpPr>
-          <p:nvPr>
-            <p:ph idx="1"/>
-          </p:nvPr>
-        </p:nvSpPr>
-        <p:spPr/>
-        <p:txBody>
-          <a:bodyPr/>
-          <a:lstStyle/>
-          <a:p>
-            <a:pPr marL="0" indent="0" algn="l" rtl="0">
-              <a:buNone/>
-            </a:pPr>
-            <a:r>
-              <a:rPr lang="en-US" dirty="0"/>
-              <a:t>[</a:t>
-            </a:r>
-            <a:r>
-              <a:rPr lang="en-US" dirty="0" err="1"/>
-              <a:t>i</a:t>
-            </a:r>
-            <a:r>
-              <a:rPr lang="en-US" dirty="0"/>
-              <a:t>*</a:t>
-            </a:r>
-            <a:r>
-              <a:rPr lang="en-US" dirty="0" err="1"/>
-              <a:t>i</a:t>
-            </a:r>
-            <a:r>
-              <a:rPr lang="en-US" dirty="0"/>
-              <a:t> for </a:t>
-            </a:r>
-            <a:r>
-              <a:rPr lang="en-US" dirty="0" err="1"/>
-              <a:t>i</a:t>
-            </a:r>
-            <a:r>
-              <a:rPr lang="en-US" dirty="0"/>
-              <a:t> in </a:t>
-            </a:r>
-            <a:r>
-              <a:rPr lang="en-US" dirty="0" err="1"/>
-              <a:t>sample_list</a:t>
-            </a:r>
-            <a:r>
-              <a:rPr lang="en-US" dirty="0"/>
-              <a:t>]</a:t>
-            </a:r>
-          </a:p>
-          <a:p>
-            <a:pPr marL="0" indent="0" algn="l" rtl="0">
-              <a:buNone/>
-            </a:pPr>
-            <a:r>
-              <a:rPr lang="en-US" dirty="0"/>
-              <a:t>Logit – log odds (logarithm of the odd </a:t>
-            </a:r>
-            <a:endParaRPr lang="he-IL" dirty="0"/>
-          </a:p>
-        </p:txBody>
-      </p:sp>
-      <p:pic>
-        <p:nvPicPr>
-          <p:cNvPr id="4" name="תמונה 3">
-            <a:extLst>
-              <a:ext uri="{FF2B5EF4-FFF2-40B4-BE49-F238E27FC236}">
-                <a16:creationId xmlns:a16="http://schemas.microsoft.com/office/drawing/2014/main" id="{00F6B84E-DFAC-4EE2-B3A6-EBA8E2AA0DEE}"/>
-              </a:ext>
-            </a:extLst>
-          </p:cNvPr>
-          <p:cNvPicPr>
-            <a:picLocks noChangeAspect="1"/>
-          </p:cNvPicPr>
-          <p:nvPr/>
-        </p:nvPicPr>
-        <p:blipFill>
-          <a:blip r:embed="rId2"/>
-          <a:stretch>
-            <a:fillRect/>
-          </a:stretch>
-        </p:blipFill>
-        <p:spPr>
-          <a:xfrm>
-            <a:off x="7022723" y="2366128"/>
-            <a:ext cx="4106391" cy="2662778"/>
-          </a:xfrm>
-          <a:prstGeom prst="rect">
-            <a:avLst/>
-          </a:prstGeom>
-        </p:spPr>
-      </p:pic>
-    </p:spTree>
-    <p:extLst>
-      <p:ext uri="{BB962C8B-B14F-4D97-AF65-F5344CB8AC3E}">
-        <p14:creationId xmlns:p14="http://schemas.microsoft.com/office/powerpoint/2010/main" val="3582790485"/>
       </p:ext>
     </p:extLst>
   </p:cSld>
